--- a/GPRCommunities.pptx
+++ b/GPRCommunities.pptx
@@ -5,7 +5,7 @@
     <p:sldMasterId id="2147483648" r:id="rId1"/>
   </p:sldMasterIdLst>
   <p:notesMasterIdLst>
-    <p:notesMasterId r:id="rId17"/>
+    <p:notesMasterId r:id="rId20"/>
   </p:notesMasterIdLst>
   <p:sldIdLst>
     <p:sldId id="256" r:id="rId2"/>
@@ -20,9 +20,12 @@
     <p:sldId id="272" r:id="rId11"/>
     <p:sldId id="275" r:id="rId12"/>
     <p:sldId id="265" r:id="rId13"/>
-    <p:sldId id="259" r:id="rId14"/>
-    <p:sldId id="274" r:id="rId15"/>
-    <p:sldId id="273" r:id="rId16"/>
+    <p:sldId id="274" r:id="rId14"/>
+    <p:sldId id="277" r:id="rId15"/>
+    <p:sldId id="276" r:id="rId16"/>
+    <p:sldId id="259" r:id="rId17"/>
+    <p:sldId id="278" r:id="rId18"/>
+    <p:sldId id="273" r:id="rId19"/>
   </p:sldIdLst>
   <p:sldSz cx="12192000" cy="6858000"/>
   <p:notesSz cx="6858000" cy="9144000"/>
@@ -211,7 +214,7 @@
           <a:p>
             <a:fld id="{C6C72B9D-EF0C-4E16-A6A8-6793C8460034}" type="datetimeFigureOut">
               <a:rPr lang="en-US" smtClean="0"/>
-              <a:t>7/25/2023</a:t>
+              <a:t>7/26/2023</a:t>
             </a:fld>
             <a:endParaRPr lang="en-US"/>
           </a:p>
@@ -1762,7 +1765,7 @@
           <a:p>
             <a:fld id="{58D99F9D-2103-4E0F-8EC4-FC1F4C4457DE}" type="datetimeFigureOut">
               <a:rPr lang="en-US" smtClean="0"/>
-              <a:t>7/25/2023</a:t>
+              <a:t>7/26/2023</a:t>
             </a:fld>
             <a:endParaRPr lang="en-US"/>
           </a:p>
@@ -1960,7 +1963,7 @@
           <a:p>
             <a:fld id="{58D99F9D-2103-4E0F-8EC4-FC1F4C4457DE}" type="datetimeFigureOut">
               <a:rPr lang="en-US" smtClean="0"/>
-              <a:t>7/25/2023</a:t>
+              <a:t>7/26/2023</a:t>
             </a:fld>
             <a:endParaRPr lang="en-US"/>
           </a:p>
@@ -2168,7 +2171,7 @@
           <a:p>
             <a:fld id="{58D99F9D-2103-4E0F-8EC4-FC1F4C4457DE}" type="datetimeFigureOut">
               <a:rPr lang="en-US" smtClean="0"/>
-              <a:t>7/25/2023</a:t>
+              <a:t>7/26/2023</a:t>
             </a:fld>
             <a:endParaRPr lang="en-US"/>
           </a:p>
@@ -2366,7 +2369,7 @@
           <a:p>
             <a:fld id="{58D99F9D-2103-4E0F-8EC4-FC1F4C4457DE}" type="datetimeFigureOut">
               <a:rPr lang="en-US" smtClean="0"/>
-              <a:t>7/25/2023</a:t>
+              <a:t>7/26/2023</a:t>
             </a:fld>
             <a:endParaRPr lang="en-US"/>
           </a:p>
@@ -2641,7 +2644,7 @@
           <a:p>
             <a:fld id="{58D99F9D-2103-4E0F-8EC4-FC1F4C4457DE}" type="datetimeFigureOut">
               <a:rPr lang="en-US" smtClean="0"/>
-              <a:t>7/25/2023</a:t>
+              <a:t>7/26/2023</a:t>
             </a:fld>
             <a:endParaRPr lang="en-US"/>
           </a:p>
@@ -2906,7 +2909,7 @@
           <a:p>
             <a:fld id="{58D99F9D-2103-4E0F-8EC4-FC1F4C4457DE}" type="datetimeFigureOut">
               <a:rPr lang="en-US" smtClean="0"/>
-              <a:t>7/25/2023</a:t>
+              <a:t>7/26/2023</a:t>
             </a:fld>
             <a:endParaRPr lang="en-US"/>
           </a:p>
@@ -3318,7 +3321,7 @@
           <a:p>
             <a:fld id="{58D99F9D-2103-4E0F-8EC4-FC1F4C4457DE}" type="datetimeFigureOut">
               <a:rPr lang="en-US" smtClean="0"/>
-              <a:t>7/25/2023</a:t>
+              <a:t>7/26/2023</a:t>
             </a:fld>
             <a:endParaRPr lang="en-US"/>
           </a:p>
@@ -3459,7 +3462,7 @@
           <a:p>
             <a:fld id="{58D99F9D-2103-4E0F-8EC4-FC1F4C4457DE}" type="datetimeFigureOut">
               <a:rPr lang="en-US" smtClean="0"/>
-              <a:t>7/25/2023</a:t>
+              <a:t>7/26/2023</a:t>
             </a:fld>
             <a:endParaRPr lang="en-US"/>
           </a:p>
@@ -3572,7 +3575,7 @@
           <a:p>
             <a:fld id="{58D99F9D-2103-4E0F-8EC4-FC1F4C4457DE}" type="datetimeFigureOut">
               <a:rPr lang="en-US" smtClean="0"/>
-              <a:t>7/25/2023</a:t>
+              <a:t>7/26/2023</a:t>
             </a:fld>
             <a:endParaRPr lang="en-US"/>
           </a:p>
@@ -3883,7 +3886,7 @@
           <a:p>
             <a:fld id="{58D99F9D-2103-4E0F-8EC4-FC1F4C4457DE}" type="datetimeFigureOut">
               <a:rPr lang="en-US" smtClean="0"/>
-              <a:t>7/25/2023</a:t>
+              <a:t>7/26/2023</a:t>
             </a:fld>
             <a:endParaRPr lang="en-US"/>
           </a:p>
@@ -4171,7 +4174,7 @@
           <a:p>
             <a:fld id="{58D99F9D-2103-4E0F-8EC4-FC1F4C4457DE}" type="datetimeFigureOut">
               <a:rPr lang="en-US" smtClean="0"/>
-              <a:t>7/25/2023</a:t>
+              <a:t>7/26/2023</a:t>
             </a:fld>
             <a:endParaRPr lang="en-US"/>
           </a:p>
@@ -4412,7 +4415,7 @@
           <a:p>
             <a:fld id="{58D99F9D-2103-4E0F-8EC4-FC1F4C4457DE}" type="datetimeFigureOut">
               <a:rPr lang="en-US" smtClean="0"/>
-              <a:t>7/25/2023</a:t>
+              <a:t>7/26/2023</a:t>
             </a:fld>
             <a:endParaRPr lang="en-US"/>
           </a:p>
@@ -5116,6 +5119,14 @@
 <file path=ppt/slides/slide12.xml><?xml version="1.0" encoding="utf-8"?>
 <p:sld xmlns:a="http://schemas.openxmlformats.org/drawingml/2006/main" xmlns:r="http://schemas.openxmlformats.org/officeDocument/2006/relationships" xmlns:p="http://schemas.openxmlformats.org/presentationml/2006/main">
   <p:cSld>
+    <p:bg>
+      <p:bgPr>
+        <a:solidFill>
+          <a:schemeClr val="bg1"/>
+        </a:solidFill>
+        <a:effectLst/>
+      </p:bgPr>
+    </p:bg>
     <p:spTree>
       <p:nvGrpSpPr>
         <p:cNvPr id="1" name=""/>
@@ -5130,6 +5141,401 @@
           <a:chExt cx="0" cy="0"/>
         </a:xfrm>
       </p:grpSpPr>
+      <p:sp useBgFill="1">
+        <p:nvSpPr>
+          <p:cNvPr id="10" name="Rectangle 9">
+            <a:extLst>
+              <a:ext uri="{FF2B5EF4-FFF2-40B4-BE49-F238E27FC236}">
+                <a16:creationId xmlns:a16="http://schemas.microsoft.com/office/drawing/2014/main" id="{0288C6B4-AFC3-407F-A595-EFFD38D4CCAF}"/>
+              </a:ext>
+              <a:ext uri="{C183D7F6-B498-43B3-948B-1728B52AA6E4}">
+                <adec:decorative xmlns:adec="http://schemas.microsoft.com/office/drawing/2017/decorative" val="1"/>
+              </a:ext>
+            </a:extLst>
+          </p:cNvPr>
+          <p:cNvSpPr>
+            <a:spLocks noGrp="1" noRot="1" noChangeAspect="1" noMove="1" noResize="1" noEditPoints="1" noAdjustHandles="1" noChangeArrowheads="1" noChangeShapeType="1" noTextEdit="1"/>
+          </p:cNvSpPr>
+          <p:nvPr>
+            <p:extLst>
+              <p:ext uri="{386F3935-93C4-4BCD-93E2-E3B085C9AB24}">
+                <p16:designElem xmlns:p16="http://schemas.microsoft.com/office/powerpoint/2015/main" val="1"/>
+              </p:ext>
+            </p:extLst>
+          </p:nvPr>
+        </p:nvSpPr>
+        <p:spPr>
+          <a:xfrm>
+            <a:off x="0" y="0"/>
+            <a:ext cx="12192000" cy="6858000"/>
+          </a:xfrm>
+          <a:prstGeom prst="rect">
+            <a:avLst/>
+          </a:prstGeom>
+          <a:ln>
+            <a:noFill/>
+          </a:ln>
+        </p:spPr>
+        <p:style>
+          <a:lnRef idx="2">
+            <a:schemeClr val="accent1">
+              <a:shade val="50000"/>
+            </a:schemeClr>
+          </a:lnRef>
+          <a:fillRef idx="1">
+            <a:schemeClr val="accent1"/>
+          </a:fillRef>
+          <a:effectRef idx="0">
+            <a:schemeClr val="accent1"/>
+          </a:effectRef>
+          <a:fontRef idx="minor">
+            <a:schemeClr val="lt1"/>
+          </a:fontRef>
+        </p:style>
+        <p:txBody>
+          <a:bodyPr rtlCol="0" anchor="ctr"/>
+          <a:lstStyle/>
+          <a:p>
+            <a:pPr algn="ctr"/>
+            <a:endParaRPr lang="en-US"/>
+          </a:p>
+        </p:txBody>
+      </p:sp>
+      <p:sp useBgFill="1">
+        <p:nvSpPr>
+          <p:cNvPr id="12" name="Freeform: Shape 11">
+            <a:extLst>
+              <a:ext uri="{FF2B5EF4-FFF2-40B4-BE49-F238E27FC236}">
+                <a16:creationId xmlns:a16="http://schemas.microsoft.com/office/drawing/2014/main" id="{CF236821-17FE-429B-8D2C-08E13A64EA40}"/>
+              </a:ext>
+              <a:ext uri="{C183D7F6-B498-43B3-948B-1728B52AA6E4}">
+                <adec:decorative xmlns:adec="http://schemas.microsoft.com/office/drawing/2017/decorative" val="1"/>
+              </a:ext>
+            </a:extLst>
+          </p:cNvPr>
+          <p:cNvSpPr>
+            <a:spLocks noGrp="1" noRot="1" noChangeAspect="1" noMove="1" noResize="1" noEditPoints="1" noAdjustHandles="1" noChangeArrowheads="1" noChangeShapeType="1" noTextEdit="1"/>
+          </p:cNvSpPr>
+          <p:nvPr>
+            <p:extLst>
+              <p:ext uri="{386F3935-93C4-4BCD-93E2-E3B085C9AB24}">
+                <p16:designElem xmlns:p16="http://schemas.microsoft.com/office/powerpoint/2015/main" val="1"/>
+              </p:ext>
+            </p:extLst>
+          </p:nvPr>
+        </p:nvSpPr>
+        <p:spPr>
+          <a:xfrm>
+            <a:off x="-1" y="0"/>
+            <a:ext cx="4455673" cy="6858000"/>
+          </a:xfrm>
+          <a:custGeom>
+            <a:avLst/>
+            <a:gdLst>
+              <a:gd name="connsiteX0" fmla="*/ 0 w 4455673"/>
+              <a:gd name="connsiteY0" fmla="*/ 0 h 6858000"/>
+              <a:gd name="connsiteX1" fmla="*/ 3242695 w 4455673"/>
+              <a:gd name="connsiteY1" fmla="*/ 0 h 6858000"/>
+              <a:gd name="connsiteX2" fmla="*/ 3305678 w 4455673"/>
+              <a:gd name="connsiteY2" fmla="*/ 69271 h 6858000"/>
+              <a:gd name="connsiteX3" fmla="*/ 4455673 w 4455673"/>
+              <a:gd name="connsiteY3" fmla="*/ 3429000 h 6858000"/>
+              <a:gd name="connsiteX4" fmla="*/ 3305678 w 4455673"/>
+              <a:gd name="connsiteY4" fmla="*/ 6788730 h 6858000"/>
+              <a:gd name="connsiteX5" fmla="*/ 3242695 w 4455673"/>
+              <a:gd name="connsiteY5" fmla="*/ 6858000 h 6858000"/>
+              <a:gd name="connsiteX6" fmla="*/ 0 w 4455673"/>
+              <a:gd name="connsiteY6" fmla="*/ 6858000 h 6858000"/>
+            </a:gdLst>
+            <a:ahLst/>
+            <a:cxnLst>
+              <a:cxn ang="0">
+                <a:pos x="connsiteX0" y="connsiteY0"/>
+              </a:cxn>
+              <a:cxn ang="0">
+                <a:pos x="connsiteX1" y="connsiteY1"/>
+              </a:cxn>
+              <a:cxn ang="0">
+                <a:pos x="connsiteX2" y="connsiteY2"/>
+              </a:cxn>
+              <a:cxn ang="0">
+                <a:pos x="connsiteX3" y="connsiteY3"/>
+              </a:cxn>
+              <a:cxn ang="0">
+                <a:pos x="connsiteX4" y="connsiteY4"/>
+              </a:cxn>
+              <a:cxn ang="0">
+                <a:pos x="connsiteX5" y="connsiteY5"/>
+              </a:cxn>
+              <a:cxn ang="0">
+                <a:pos x="connsiteX6" y="connsiteY6"/>
+              </a:cxn>
+            </a:cxnLst>
+            <a:rect l="l" t="t" r="r" b="b"/>
+            <a:pathLst>
+              <a:path w="4455673" h="6858000">
+                <a:moveTo>
+                  <a:pt x="0" y="0"/>
+                </a:moveTo>
+                <a:lnTo>
+                  <a:pt x="3242695" y="0"/>
+                </a:lnTo>
+                <a:lnTo>
+                  <a:pt x="3305678" y="69271"/>
+                </a:lnTo>
+                <a:cubicBezTo>
+                  <a:pt x="4016204" y="929100"/>
+                  <a:pt x="4455673" y="2116944"/>
+                  <a:pt x="4455673" y="3429000"/>
+                </a:cubicBezTo>
+                <a:cubicBezTo>
+                  <a:pt x="4455673" y="4741056"/>
+                  <a:pt x="4016204" y="5928900"/>
+                  <a:pt x="3305678" y="6788730"/>
+                </a:cubicBezTo>
+                <a:lnTo>
+                  <a:pt x="3242695" y="6858000"/>
+                </a:lnTo>
+                <a:lnTo>
+                  <a:pt x="0" y="6858000"/>
+                </a:lnTo>
+                <a:close/>
+              </a:path>
+            </a:pathLst>
+          </a:custGeom>
+          <a:ln w="9525">
+            <a:solidFill>
+              <a:srgbClr val="EFEFEF"/>
+            </a:solidFill>
+          </a:ln>
+          <a:effectLst>
+            <a:outerShdw blurRad="88900" dist="38100" algn="l" rotWithShape="0">
+              <a:schemeClr val="bg1">
+                <a:lumMod val="85000"/>
+                <a:alpha val="50000"/>
+              </a:schemeClr>
+            </a:outerShdw>
+          </a:effectLst>
+        </p:spPr>
+        <p:style>
+          <a:lnRef idx="2">
+            <a:schemeClr val="accent1">
+              <a:shade val="50000"/>
+            </a:schemeClr>
+          </a:lnRef>
+          <a:fillRef idx="1">
+            <a:schemeClr val="accent1"/>
+          </a:fillRef>
+          <a:effectRef idx="0">
+            <a:schemeClr val="accent1"/>
+          </a:effectRef>
+          <a:fontRef idx="minor">
+            <a:schemeClr val="lt1"/>
+          </a:fontRef>
+        </p:style>
+        <p:txBody>
+          <a:bodyPr wrap="square" rtlCol="0" anchor="ctr">
+            <a:noAutofit/>
+          </a:bodyPr>
+          <a:lstStyle/>
+          <a:p>
+            <a:pPr marL="0" marR="0" lvl="0" indent="0" algn="ctr" defTabSz="914400" rtl="0" eaLnBrk="1" fontAlgn="auto" latinLnBrk="0" hangingPunct="1">
+              <a:lnSpc>
+                <a:spcPct val="100000"/>
+              </a:lnSpc>
+              <a:spcBef>
+                <a:spcPts val="0"/>
+              </a:spcBef>
+              <a:spcAft>
+                <a:spcPts val="0"/>
+              </a:spcAft>
+              <a:buClrTx/>
+              <a:buSzTx/>
+              <a:buFontTx/>
+              <a:buNone/>
+              <a:tabLst/>
+              <a:defRPr/>
+            </a:pPr>
+            <a:endParaRPr kumimoji="0" lang="en-US" sz="1800" b="0" i="0" u="none" strike="noStrike" kern="1200" cap="none" spc="0" normalizeH="0" baseline="0" noProof="0">
+              <a:ln>
+                <a:noFill/>
+              </a:ln>
+              <a:solidFill>
+                <a:prstClr val="white"/>
+              </a:solidFill>
+              <a:effectLst/>
+              <a:uLnTx/>
+              <a:uFillTx/>
+              <a:latin typeface="Calibri" panose="020F0502020204030204"/>
+              <a:ea typeface="+mn-ea"/>
+              <a:cs typeface="+mn-cs"/>
+            </a:endParaRPr>
+          </a:p>
+        </p:txBody>
+      </p:sp>
+      <p:sp useBgFill="1">
+        <p:nvSpPr>
+          <p:cNvPr id="14" name="Freeform: Shape 13">
+            <a:extLst>
+              <a:ext uri="{FF2B5EF4-FFF2-40B4-BE49-F238E27FC236}">
+                <a16:creationId xmlns:a16="http://schemas.microsoft.com/office/drawing/2014/main" id="{C0BDBCD2-E081-43AB-9119-C55465E59757}"/>
+              </a:ext>
+              <a:ext uri="{C183D7F6-B498-43B3-948B-1728B52AA6E4}">
+                <adec:decorative xmlns:adec="http://schemas.microsoft.com/office/drawing/2017/decorative" val="1"/>
+              </a:ext>
+            </a:extLst>
+          </p:cNvPr>
+          <p:cNvSpPr>
+            <a:spLocks noGrp="1" noRot="1" noChangeAspect="1" noMove="1" noResize="1" noEditPoints="1" noAdjustHandles="1" noChangeArrowheads="1" noChangeShapeType="1" noTextEdit="1"/>
+          </p:cNvSpPr>
+          <p:nvPr>
+            <p:extLst>
+              <p:ext uri="{386F3935-93C4-4BCD-93E2-E3B085C9AB24}">
+                <p16:designElem xmlns:p16="http://schemas.microsoft.com/office/powerpoint/2015/main" val="1"/>
+              </p:ext>
+            </p:extLst>
+          </p:nvPr>
+        </p:nvSpPr>
+        <p:spPr>
+          <a:xfrm>
+            <a:off x="0" y="0"/>
+            <a:ext cx="4446529" cy="6858000"/>
+          </a:xfrm>
+          <a:custGeom>
+            <a:avLst/>
+            <a:gdLst>
+              <a:gd name="connsiteX0" fmla="*/ 0 w 4446529"/>
+              <a:gd name="connsiteY0" fmla="*/ 0 h 6858000"/>
+              <a:gd name="connsiteX1" fmla="*/ 3233551 w 4446529"/>
+              <a:gd name="connsiteY1" fmla="*/ 0 h 6858000"/>
+              <a:gd name="connsiteX2" fmla="*/ 3296534 w 4446529"/>
+              <a:gd name="connsiteY2" fmla="*/ 69271 h 6858000"/>
+              <a:gd name="connsiteX3" fmla="*/ 4446529 w 4446529"/>
+              <a:gd name="connsiteY3" fmla="*/ 3429000 h 6858000"/>
+              <a:gd name="connsiteX4" fmla="*/ 3296534 w 4446529"/>
+              <a:gd name="connsiteY4" fmla="*/ 6788730 h 6858000"/>
+              <a:gd name="connsiteX5" fmla="*/ 3233551 w 4446529"/>
+              <a:gd name="connsiteY5" fmla="*/ 6858000 h 6858000"/>
+              <a:gd name="connsiteX6" fmla="*/ 0 w 4446529"/>
+              <a:gd name="connsiteY6" fmla="*/ 6858000 h 6858000"/>
+            </a:gdLst>
+            <a:ahLst/>
+            <a:cxnLst>
+              <a:cxn ang="0">
+                <a:pos x="connsiteX0" y="connsiteY0"/>
+              </a:cxn>
+              <a:cxn ang="0">
+                <a:pos x="connsiteX1" y="connsiteY1"/>
+              </a:cxn>
+              <a:cxn ang="0">
+                <a:pos x="connsiteX2" y="connsiteY2"/>
+              </a:cxn>
+              <a:cxn ang="0">
+                <a:pos x="connsiteX3" y="connsiteY3"/>
+              </a:cxn>
+              <a:cxn ang="0">
+                <a:pos x="connsiteX4" y="connsiteY4"/>
+              </a:cxn>
+              <a:cxn ang="0">
+                <a:pos x="connsiteX5" y="connsiteY5"/>
+              </a:cxn>
+              <a:cxn ang="0">
+                <a:pos x="connsiteX6" y="connsiteY6"/>
+              </a:cxn>
+            </a:cxnLst>
+            <a:rect l="l" t="t" r="r" b="b"/>
+            <a:pathLst>
+              <a:path w="4446529" h="6858000">
+                <a:moveTo>
+                  <a:pt x="0" y="0"/>
+                </a:moveTo>
+                <a:lnTo>
+                  <a:pt x="3233551" y="0"/>
+                </a:lnTo>
+                <a:lnTo>
+                  <a:pt x="3296534" y="69271"/>
+                </a:lnTo>
+                <a:cubicBezTo>
+                  <a:pt x="4007060" y="929100"/>
+                  <a:pt x="4446529" y="2116944"/>
+                  <a:pt x="4446529" y="3429000"/>
+                </a:cubicBezTo>
+                <a:cubicBezTo>
+                  <a:pt x="4446529" y="4741056"/>
+                  <a:pt x="4007060" y="5928900"/>
+                  <a:pt x="3296534" y="6788730"/>
+                </a:cubicBezTo>
+                <a:lnTo>
+                  <a:pt x="3233551" y="6858000"/>
+                </a:lnTo>
+                <a:lnTo>
+                  <a:pt x="0" y="6858000"/>
+                </a:lnTo>
+                <a:close/>
+              </a:path>
+            </a:pathLst>
+          </a:custGeom>
+          <a:ln w="9525">
+            <a:noFill/>
+          </a:ln>
+          <a:effectLst/>
+        </p:spPr>
+        <p:style>
+          <a:lnRef idx="2">
+            <a:schemeClr val="accent1">
+              <a:shade val="50000"/>
+            </a:schemeClr>
+          </a:lnRef>
+          <a:fillRef idx="1">
+            <a:schemeClr val="accent1"/>
+          </a:fillRef>
+          <a:effectRef idx="0">
+            <a:schemeClr val="accent1"/>
+          </a:effectRef>
+          <a:fontRef idx="minor">
+            <a:schemeClr val="lt1"/>
+          </a:fontRef>
+        </p:style>
+        <p:txBody>
+          <a:bodyPr wrap="square" rtlCol="0" anchor="ctr">
+            <a:noAutofit/>
+          </a:bodyPr>
+          <a:lstStyle/>
+          <a:p>
+            <a:pPr marL="0" marR="0" lvl="0" indent="0" algn="ctr" defTabSz="914400" rtl="0" eaLnBrk="1" fontAlgn="auto" latinLnBrk="0" hangingPunct="1">
+              <a:lnSpc>
+                <a:spcPct val="100000"/>
+              </a:lnSpc>
+              <a:spcBef>
+                <a:spcPts val="0"/>
+              </a:spcBef>
+              <a:spcAft>
+                <a:spcPts val="0"/>
+              </a:spcAft>
+              <a:buClrTx/>
+              <a:buSzTx/>
+              <a:buFontTx/>
+              <a:buNone/>
+              <a:tabLst/>
+              <a:defRPr/>
+            </a:pPr>
+            <a:endParaRPr kumimoji="0" lang="en-US" sz="1800" b="0" i="0" u="none" strike="noStrike" kern="1200" cap="none" spc="0" normalizeH="0" baseline="0" noProof="0">
+              <a:ln>
+                <a:noFill/>
+              </a:ln>
+              <a:solidFill>
+                <a:prstClr val="white"/>
+              </a:solidFill>
+              <a:effectLst/>
+              <a:uLnTx/>
+              <a:uFillTx/>
+              <a:latin typeface="Calibri" panose="020F0502020204030204"/>
+              <a:ea typeface="+mn-ea"/>
+              <a:cs typeface="+mn-cs"/>
+            </a:endParaRPr>
+          </a:p>
+        </p:txBody>
+      </p:sp>
       <p:sp>
         <p:nvSpPr>
           <p:cNvPr id="2" name="Title 1">
@@ -5146,48 +5552,318 @@
             <p:ph type="title"/>
           </p:nvPr>
         </p:nvSpPr>
-        <p:spPr/>
+        <p:spPr>
+          <a:xfrm>
+            <a:off x="371094" y="1161288"/>
+            <a:ext cx="3438144" cy="1239012"/>
+          </a:xfrm>
+        </p:spPr>
+        <p:txBody>
+          <a:bodyPr anchor="ctr">
+            <a:normAutofit/>
+          </a:bodyPr>
+          <a:lstStyle/>
+          <a:p>
+            <a:r>
+              <a:rPr lang="en-US" sz="2800"/>
+              <a:t>Gaussian Processes Script</a:t>
+            </a:r>
+          </a:p>
+        </p:txBody>
+      </p:sp>
+      <p:sp>
+        <p:nvSpPr>
+          <p:cNvPr id="16" name="Rectangle 15">
+            <a:extLst>
+              <a:ext uri="{FF2B5EF4-FFF2-40B4-BE49-F238E27FC236}">
+                <a16:creationId xmlns:a16="http://schemas.microsoft.com/office/drawing/2014/main" id="{98E79BE4-34FE-485A-98A5-92CE8F7C4743}"/>
+              </a:ext>
+              <a:ext uri="{C183D7F6-B498-43B3-948B-1728B52AA6E4}">
+                <adec:decorative xmlns:adec="http://schemas.microsoft.com/office/drawing/2017/decorative" val="1"/>
+              </a:ext>
+            </a:extLst>
+          </p:cNvPr>
+          <p:cNvSpPr>
+            <a:spLocks noGrp="1" noRot="1" noChangeAspect="1" noMove="1" noResize="1" noEditPoints="1" noAdjustHandles="1" noChangeArrowheads="1" noChangeShapeType="1" noTextEdit="1"/>
+          </p:cNvSpPr>
+          <p:nvPr>
+            <p:extLst>
+              <p:ext uri="{386F3935-93C4-4BCD-93E2-E3B085C9AB24}">
+                <p16:designElem xmlns:p16="http://schemas.microsoft.com/office/powerpoint/2015/main" val="1"/>
+              </p:ext>
+            </p:extLst>
+          </p:nvPr>
+        </p:nvSpPr>
+        <p:spPr>
+          <a:xfrm>
+            <a:off x="0" y="1426546"/>
+            <a:ext cx="128016" cy="653903"/>
+          </a:xfrm>
+          <a:prstGeom prst="rect">
+            <a:avLst/>
+          </a:prstGeom>
+          <a:solidFill>
+            <a:schemeClr val="accent2"/>
+          </a:solidFill>
+          <a:ln>
+            <a:noFill/>
+          </a:ln>
+        </p:spPr>
+        <p:style>
+          <a:lnRef idx="2">
+            <a:schemeClr val="accent1">
+              <a:shade val="50000"/>
+            </a:schemeClr>
+          </a:lnRef>
+          <a:fillRef idx="1">
+            <a:schemeClr val="accent1"/>
+          </a:fillRef>
+          <a:effectRef idx="0">
+            <a:schemeClr val="accent1"/>
+          </a:effectRef>
+          <a:fontRef idx="minor">
+            <a:schemeClr val="lt1"/>
+          </a:fontRef>
+        </p:style>
+        <p:txBody>
+          <a:bodyPr rtlCol="0" anchor="ctr"/>
+          <a:lstStyle/>
+          <a:p>
+            <a:pPr algn="ctr"/>
+            <a:endParaRPr lang="en-US">
+              <a:solidFill>
+                <a:prstClr val="white"/>
+              </a:solidFill>
+              <a:latin typeface="Calibri" panose="020F0502020204030204"/>
+            </a:endParaRPr>
+          </a:p>
+        </p:txBody>
+      </p:sp>
+      <p:sp>
+        <p:nvSpPr>
+          <p:cNvPr id="18" name="Rectangle 17">
+            <a:extLst>
+              <a:ext uri="{FF2B5EF4-FFF2-40B4-BE49-F238E27FC236}">
+                <a16:creationId xmlns:a16="http://schemas.microsoft.com/office/drawing/2014/main" id="{7A5F0580-5EE9-419F-96EE-B6529EF6E7D0}"/>
+              </a:ext>
+              <a:ext uri="{C183D7F6-B498-43B3-948B-1728B52AA6E4}">
+                <adec:decorative xmlns:adec="http://schemas.microsoft.com/office/drawing/2017/decorative" val="1"/>
+              </a:ext>
+            </a:extLst>
+          </p:cNvPr>
+          <p:cNvSpPr>
+            <a:spLocks noGrp="1" noRot="1" noChangeAspect="1" noMove="1" noResize="1" noEditPoints="1" noAdjustHandles="1" noChangeArrowheads="1" noChangeShapeType="1" noTextEdit="1"/>
+          </p:cNvSpPr>
+          <p:nvPr>
+            <p:extLst>
+              <p:ext uri="{386F3935-93C4-4BCD-93E2-E3B085C9AB24}">
+                <p16:designElem xmlns:p16="http://schemas.microsoft.com/office/powerpoint/2015/main" val="1"/>
+              </p:ext>
+            </p:extLst>
+          </p:nvPr>
+        </p:nvSpPr>
+        <p:spPr>
+          <a:xfrm>
+            <a:off x="395893" y="2443480"/>
+            <a:ext cx="3383280" cy="18288"/>
+          </a:xfrm>
+          <a:prstGeom prst="rect">
+            <a:avLst/>
+          </a:prstGeom>
+          <a:solidFill>
+            <a:srgbClr val="D5D5D5"/>
+          </a:solidFill>
+          <a:ln w="3175">
+            <a:noFill/>
+          </a:ln>
+          <a:effectLst/>
+        </p:spPr>
+        <p:style>
+          <a:lnRef idx="2">
+            <a:schemeClr val="accent1">
+              <a:shade val="50000"/>
+            </a:schemeClr>
+          </a:lnRef>
+          <a:fillRef idx="1">
+            <a:schemeClr val="accent1"/>
+          </a:fillRef>
+          <a:effectRef idx="0">
+            <a:schemeClr val="accent1"/>
+          </a:effectRef>
+          <a:fontRef idx="minor">
+            <a:schemeClr val="lt1"/>
+          </a:fontRef>
+        </p:style>
+        <p:txBody>
+          <a:bodyPr rtlCol="0" anchor="ctr"/>
+          <a:lstStyle/>
+          <a:p>
+            <a:pPr marL="0" marR="0" lvl="0" indent="0" algn="ctr" defTabSz="914400" rtl="0" eaLnBrk="1" fontAlgn="auto" latinLnBrk="0" hangingPunct="1">
+              <a:lnSpc>
+                <a:spcPct val="100000"/>
+              </a:lnSpc>
+              <a:spcBef>
+                <a:spcPts val="0"/>
+              </a:spcBef>
+              <a:spcAft>
+                <a:spcPts val="0"/>
+              </a:spcAft>
+              <a:buClrTx/>
+              <a:buSzTx/>
+              <a:buFontTx/>
+              <a:buNone/>
+              <a:tabLst/>
+              <a:defRPr/>
+            </a:pPr>
+            <a:endParaRPr kumimoji="0" lang="en-US" sz="1800" b="0" i="0" u="none" strike="noStrike" kern="1200" cap="none" spc="0" normalizeH="0" baseline="0" noProof="0">
+              <a:ln>
+                <a:noFill/>
+              </a:ln>
+              <a:solidFill>
+                <a:prstClr val="white"/>
+              </a:solidFill>
+              <a:effectLst/>
+              <a:uLnTx/>
+              <a:uFillTx/>
+              <a:latin typeface="Calibri" panose="020F0502020204030204"/>
+              <a:ea typeface="+mn-ea"/>
+              <a:cs typeface="+mn-cs"/>
+            </a:endParaRPr>
+          </a:p>
+        </p:txBody>
+      </p:sp>
+      <p:sp>
+        <p:nvSpPr>
+          <p:cNvPr id="3" name="Content Placeholder 2">
+            <a:extLst>
+              <a:ext uri="{FF2B5EF4-FFF2-40B4-BE49-F238E27FC236}">
+                <a16:creationId xmlns:a16="http://schemas.microsoft.com/office/drawing/2014/main" id="{C32C0F97-F5CA-642B-1FDB-194D09A47098}"/>
+              </a:ext>
+            </a:extLst>
+          </p:cNvPr>
+          <p:cNvSpPr>
+            <a:spLocks noGrp="1"/>
+          </p:cNvSpPr>
+          <p:nvPr>
+            <p:ph idx="1"/>
+          </p:nvPr>
+        </p:nvSpPr>
+        <p:spPr>
+          <a:xfrm>
+            <a:off x="371094" y="2718054"/>
+            <a:ext cx="3499866" cy="3207258"/>
+          </a:xfrm>
+        </p:spPr>
+        <p:txBody>
+          <a:bodyPr anchor="t">
+            <a:normAutofit/>
+          </a:bodyPr>
+          <a:lstStyle/>
+          <a:p>
+            <a:pPr marL="0" indent="0">
+              <a:buNone/>
+            </a:pPr>
+            <a:r>
+              <a:rPr lang="en-US" sz="1700" dirty="0"/>
+              <a:t>Create an automated script to generate the best GP fit using kernel space exploration and dimensions</a:t>
+            </a:r>
+          </a:p>
+          <a:p>
+            <a:r>
+              <a:rPr lang="en-US" sz="1700" dirty="0"/>
+              <a:t>Loop through different variables: kernels, latent processes, and mean functions</a:t>
+            </a:r>
+          </a:p>
+          <a:p>
+            <a:pPr lvl="1"/>
+            <a:r>
+              <a:rPr lang="en-US" sz="1300" dirty="0"/>
+              <a:t>First, through base kernels, then through combinations (by addition and/or multiplication) of kernels [1-3]</a:t>
+            </a:r>
+          </a:p>
+          <a:p>
+            <a:r>
+              <a:rPr lang="en-US" sz="1700" dirty="0"/>
+              <a:t>Possibly also loop through different likelihoods</a:t>
+            </a:r>
+          </a:p>
+        </p:txBody>
+      </p:sp>
+      <p:pic>
+        <p:nvPicPr>
+          <p:cNvPr id="5" name="Picture 4">
+            <a:extLst>
+              <a:ext uri="{FF2B5EF4-FFF2-40B4-BE49-F238E27FC236}">
+                <a16:creationId xmlns:a16="http://schemas.microsoft.com/office/drawing/2014/main" id="{55D15E42-4285-CB43-03AA-9640D5730ABA}"/>
+              </a:ext>
+            </a:extLst>
+          </p:cNvPr>
+          <p:cNvPicPr>
+            <a:picLocks noChangeAspect="1"/>
+          </p:cNvPicPr>
+          <p:nvPr/>
+        </p:nvPicPr>
+        <p:blipFill>
+          <a:blip r:embed="rId3"/>
+          <a:stretch>
+            <a:fillRect/>
+          </a:stretch>
+        </p:blipFill>
+        <p:spPr>
+          <a:xfrm>
+            <a:off x="4901184" y="1653612"/>
+            <a:ext cx="6922008" cy="3651359"/>
+          </a:xfrm>
+          <a:prstGeom prst="rect">
+            <a:avLst/>
+          </a:prstGeom>
+        </p:spPr>
+      </p:pic>
+      <p:sp>
+        <p:nvSpPr>
+          <p:cNvPr id="6" name="Footer Placeholder 5">
+            <a:extLst>
+              <a:ext uri="{FF2B5EF4-FFF2-40B4-BE49-F238E27FC236}">
+                <a16:creationId xmlns:a16="http://schemas.microsoft.com/office/drawing/2014/main" id="{6C6B4742-1C4A-F035-DEF0-5502F799011D}"/>
+              </a:ext>
+            </a:extLst>
+          </p:cNvPr>
+          <p:cNvSpPr>
+            <a:spLocks noGrp="1"/>
+          </p:cNvSpPr>
+          <p:nvPr>
+            <p:ph type="ftr" sz="quarter" idx="11"/>
+          </p:nvPr>
+        </p:nvSpPr>
+        <p:spPr>
+          <a:xfrm>
+            <a:off x="563880" y="6356350"/>
+            <a:ext cx="10703560" cy="365125"/>
+          </a:xfrm>
+        </p:spPr>
         <p:txBody>
           <a:bodyPr/>
           <a:lstStyle/>
           <a:p>
             <a:r>
               <a:rPr lang="en-US" dirty="0"/>
-              <a:t>Gaussian Processes Script</a:t>
-            </a:r>
-          </a:p>
-        </p:txBody>
-      </p:sp>
-      <p:sp>
-        <p:nvSpPr>
-          <p:cNvPr id="3" name="Content Placeholder 2">
-            <a:extLst>
-              <a:ext uri="{FF2B5EF4-FFF2-40B4-BE49-F238E27FC236}">
-                <a16:creationId xmlns:a16="http://schemas.microsoft.com/office/drawing/2014/main" id="{C32C0F97-F5CA-642B-1FDB-194D09A47098}"/>
-              </a:ext>
-            </a:extLst>
-          </p:cNvPr>
-          <p:cNvSpPr>
-            <a:spLocks noGrp="1"/>
-          </p:cNvSpPr>
-          <p:nvPr>
-            <p:ph idx="1"/>
-          </p:nvPr>
-        </p:nvSpPr>
-        <p:spPr/>
-        <p:txBody>
-          <a:bodyPr/>
-          <a:lstStyle/>
-          <a:p>
+              <a:t>(1) Lloyd, J.; </a:t>
+            </a:r>
+            <a:r>
+              <a:rPr lang="en-US" dirty="0" err="1"/>
+              <a:t>Duvenaud</a:t>
+            </a:r>
             <a:r>
               <a:rPr lang="en-US" dirty="0"/>
-              <a:t>Create an automated script to generate the best GP regression</a:t>
-            </a:r>
-          </a:p>
-          <a:p>
+              <a:t>, D.; Grosse, R.; Tenenbaum, J.; </a:t>
+            </a:r>
+            <a:r>
+              <a:rPr lang="en-US" dirty="0" err="1"/>
+              <a:t>Ghahramani</a:t>
+            </a:r>
             <a:r>
               <a:rPr lang="en-US" dirty="0"/>
-              <a:t>Loop through different variables: kernels, latent processes, etc.</a:t>
+              <a:t>, Z. Automatic Construction and Natural-Language Description of Nonparametric Regression Models. Proceedings of the AAAI Conference on Artificial Intelligence 2014, 28 (1). https://doi.org/10.1609/aaai.v28i1.8904.</a:t>
             </a:r>
           </a:p>
         </p:txBody>
@@ -5227,217 +5903,6 @@
           <p:cNvPr id="2" name="Title 1">
             <a:extLst>
               <a:ext uri="{FF2B5EF4-FFF2-40B4-BE49-F238E27FC236}">
-                <a16:creationId xmlns:a16="http://schemas.microsoft.com/office/drawing/2014/main" id="{98C503EB-58EB-0EDD-F828-71E0EED2EF16}"/>
-              </a:ext>
-            </a:extLst>
-          </p:cNvPr>
-          <p:cNvSpPr>
-            <a:spLocks noGrp="1"/>
-          </p:cNvSpPr>
-          <p:nvPr>
-            <p:ph type="title"/>
-          </p:nvPr>
-        </p:nvSpPr>
-        <p:spPr/>
-        <p:txBody>
-          <a:bodyPr/>
-          <a:lstStyle/>
-          <a:p>
-            <a:r>
-              <a:rPr lang="en-US" dirty="0"/>
-              <a:t>BIC</a:t>
-            </a:r>
-          </a:p>
-        </p:txBody>
-      </p:sp>
-      <p:sp>
-        <p:nvSpPr>
-          <p:cNvPr id="3" name="Content Placeholder 2">
-            <a:extLst>
-              <a:ext uri="{FF2B5EF4-FFF2-40B4-BE49-F238E27FC236}">
-                <a16:creationId xmlns:a16="http://schemas.microsoft.com/office/drawing/2014/main" id="{B67BA8A8-0828-BB9C-9042-D30F230F1363}"/>
-              </a:ext>
-            </a:extLst>
-          </p:cNvPr>
-          <p:cNvSpPr>
-            <a:spLocks noGrp="1"/>
-          </p:cNvSpPr>
-          <p:nvPr>
-            <p:ph idx="1"/>
-          </p:nvPr>
-        </p:nvSpPr>
-        <p:spPr/>
-        <p:txBody>
-          <a:bodyPr/>
-          <a:lstStyle/>
-          <a:p>
-            <a:r>
-              <a:rPr lang="en-US" dirty="0"/>
-              <a:t>Talk about how there are different BIC measurements, and how choosing one or the other changes the best fitted model selection</a:t>
-            </a:r>
-          </a:p>
-        </p:txBody>
-      </p:sp>
-      <p:pic>
-        <p:nvPicPr>
-          <p:cNvPr id="5" name="Picture 4">
-            <a:extLst>
-              <a:ext uri="{FF2B5EF4-FFF2-40B4-BE49-F238E27FC236}">
-                <a16:creationId xmlns:a16="http://schemas.microsoft.com/office/drawing/2014/main" id="{BAF4A962-9BE8-E7AE-A5AF-9361C09E0686}"/>
-              </a:ext>
-            </a:extLst>
-          </p:cNvPr>
-          <p:cNvPicPr>
-            <a:picLocks noChangeAspect="1"/>
-          </p:cNvPicPr>
-          <p:nvPr/>
-        </p:nvPicPr>
-        <p:blipFill>
-          <a:blip r:embed="rId2"/>
-          <a:stretch>
-            <a:fillRect/>
-          </a:stretch>
-        </p:blipFill>
-        <p:spPr>
-          <a:xfrm>
-            <a:off x="759918" y="3613666"/>
-            <a:ext cx="4088484" cy="457240"/>
-          </a:xfrm>
-          <a:prstGeom prst="rect">
-            <a:avLst/>
-          </a:prstGeom>
-        </p:spPr>
-      </p:pic>
-      <p:sp>
-        <p:nvSpPr>
-          <p:cNvPr id="7" name="TextBox 6">
-            <a:extLst>
-              <a:ext uri="{FF2B5EF4-FFF2-40B4-BE49-F238E27FC236}">
-                <a16:creationId xmlns:a16="http://schemas.microsoft.com/office/drawing/2014/main" id="{A856F2CE-8531-46A8-D9A0-BD4D63BC0BF3}"/>
-              </a:ext>
-            </a:extLst>
-          </p:cNvPr>
-          <p:cNvSpPr txBox="1"/>
-          <p:nvPr/>
-        </p:nvSpPr>
-        <p:spPr>
-          <a:xfrm>
-            <a:off x="759918" y="3176866"/>
-            <a:ext cx="949960" cy="369332"/>
-          </a:xfrm>
-          <a:prstGeom prst="rect">
-            <a:avLst/>
-          </a:prstGeom>
-          <a:noFill/>
-        </p:spPr>
-        <p:txBody>
-          <a:bodyPr wrap="square">
-            <a:spAutoFit/>
-          </a:bodyPr>
-          <a:lstStyle/>
-          <a:p>
-            <a:r>
-              <a:rPr lang="en-US" dirty="0"/>
-              <a:t>BIC loss</a:t>
-            </a:r>
-          </a:p>
-        </p:txBody>
-      </p:sp>
-      <p:pic>
-        <p:nvPicPr>
-          <p:cNvPr id="9" name="Picture 8">
-            <a:extLst>
-              <a:ext uri="{FF2B5EF4-FFF2-40B4-BE49-F238E27FC236}">
-                <a16:creationId xmlns:a16="http://schemas.microsoft.com/office/drawing/2014/main" id="{9AACA5BA-E233-EA90-46C3-FC45C43AC675}"/>
-              </a:ext>
-            </a:extLst>
-          </p:cNvPr>
-          <p:cNvPicPr>
-            <a:picLocks noChangeAspect="1"/>
-          </p:cNvPicPr>
-          <p:nvPr/>
-        </p:nvPicPr>
-        <p:blipFill>
-          <a:blip r:embed="rId3"/>
-          <a:stretch>
-            <a:fillRect/>
-          </a:stretch>
-        </p:blipFill>
-        <p:spPr>
-          <a:xfrm>
-            <a:off x="6936194" y="2931446"/>
-            <a:ext cx="3626485" cy="625776"/>
-          </a:xfrm>
-          <a:prstGeom prst="rect">
-            <a:avLst/>
-          </a:prstGeom>
-        </p:spPr>
-      </p:pic>
-      <p:pic>
-        <p:nvPicPr>
-          <p:cNvPr id="11" name="Picture 10">
-            <a:extLst>
-              <a:ext uri="{FF2B5EF4-FFF2-40B4-BE49-F238E27FC236}">
-                <a16:creationId xmlns:a16="http://schemas.microsoft.com/office/drawing/2014/main" id="{A8411C24-FC97-0855-60EF-9DEB1C81F6E3}"/>
-              </a:ext>
-            </a:extLst>
-          </p:cNvPr>
-          <p:cNvPicPr>
-            <a:picLocks noChangeAspect="1"/>
-          </p:cNvPicPr>
-          <p:nvPr/>
-        </p:nvPicPr>
-        <p:blipFill>
-          <a:blip r:embed="rId4"/>
-          <a:stretch>
-            <a:fillRect/>
-          </a:stretch>
-        </p:blipFill>
-        <p:spPr>
-          <a:xfrm>
-            <a:off x="6936194" y="3613666"/>
-            <a:ext cx="3786410" cy="2446940"/>
-          </a:xfrm>
-          <a:prstGeom prst="rect">
-            <a:avLst/>
-          </a:prstGeom>
-        </p:spPr>
-      </p:pic>
-    </p:spTree>
-    <p:extLst>
-      <p:ext uri="{BB962C8B-B14F-4D97-AF65-F5344CB8AC3E}">
-        <p14:creationId xmlns:p14="http://schemas.microsoft.com/office/powerpoint/2010/main" val="4051288071"/>
-      </p:ext>
-    </p:extLst>
-  </p:cSld>
-  <p:clrMapOvr>
-    <a:masterClrMapping/>
-  </p:clrMapOvr>
-</p:sld>
-</file>
-
-<file path=ppt/slides/slide14.xml><?xml version="1.0" encoding="utf-8"?>
-<p:sld xmlns:a="http://schemas.openxmlformats.org/drawingml/2006/main" xmlns:r="http://schemas.openxmlformats.org/officeDocument/2006/relationships" xmlns:p="http://schemas.openxmlformats.org/presentationml/2006/main">
-  <p:cSld>
-    <p:spTree>
-      <p:nvGrpSpPr>
-        <p:cNvPr id="1" name=""/>
-        <p:cNvGrpSpPr/>
-        <p:nvPr/>
-      </p:nvGrpSpPr>
-      <p:grpSpPr>
-        <a:xfrm>
-          <a:off x="0" y="0"/>
-          <a:ext cx="0" cy="0"/>
-          <a:chOff x="0" y="0"/>
-          <a:chExt cx="0" cy="0"/>
-        </a:xfrm>
-      </p:grpSpPr>
-      <p:sp>
-        <p:nvSpPr>
-          <p:cNvPr id="2" name="Title 1">
-            <a:extLst>
-              <a:ext uri="{FF2B5EF4-FFF2-40B4-BE49-F238E27FC236}">
                 <a16:creationId xmlns:a16="http://schemas.microsoft.com/office/drawing/2014/main" id="{AF8F11DD-A7E6-7E32-CC45-B91E980B641C}"/>
               </a:ext>
             </a:extLst>
@@ -5490,7 +5955,7 @@
         </p:blipFill>
         <p:spPr>
           <a:xfrm>
-            <a:off x="7767317" y="0"/>
+            <a:off x="7716517" y="-132080"/>
             <a:ext cx="3743963" cy="2807973"/>
           </a:xfrm>
           <a:prstGeom prst="rect">
@@ -5526,7 +5991,7 @@
         </p:blipFill>
         <p:spPr>
           <a:xfrm>
-            <a:off x="0" y="2794000"/>
+            <a:off x="0" y="2585720"/>
             <a:ext cx="12192000" cy="4064000"/>
           </a:xfrm>
           <a:prstGeom prst="rect">
@@ -5547,8 +6012,688 @@
 </p:sld>
 </file>
 
+<file path=ppt/slides/slide14.xml><?xml version="1.0" encoding="utf-8"?>
+<p:sld xmlns:a="http://schemas.openxmlformats.org/drawingml/2006/main" xmlns:r="http://schemas.openxmlformats.org/officeDocument/2006/relationships" xmlns:p="http://schemas.openxmlformats.org/presentationml/2006/main">
+  <p:cSld>
+    <p:bg>
+      <p:bgPr>
+        <a:solidFill>
+          <a:schemeClr val="bg1"/>
+        </a:solidFill>
+        <a:effectLst/>
+      </p:bgPr>
+    </p:bg>
+    <p:spTree>
+      <p:nvGrpSpPr>
+        <p:cNvPr id="1" name=""/>
+        <p:cNvGrpSpPr/>
+        <p:nvPr/>
+      </p:nvGrpSpPr>
+      <p:grpSpPr>
+        <a:xfrm>
+          <a:off x="0" y="0"/>
+          <a:ext cx="0" cy="0"/>
+          <a:chOff x="0" y="0"/>
+          <a:chExt cx="0" cy="0"/>
+        </a:xfrm>
+      </p:grpSpPr>
+      <p:sp useBgFill="1">
+        <p:nvSpPr>
+          <p:cNvPr id="9" name="Rectangle 8">
+            <a:extLst>
+              <a:ext uri="{FF2B5EF4-FFF2-40B4-BE49-F238E27FC236}">
+                <a16:creationId xmlns:a16="http://schemas.microsoft.com/office/drawing/2014/main" id="{53F29798-D584-4792-9B62-3F5F5C36D619}"/>
+              </a:ext>
+              <a:ext uri="{C183D7F6-B498-43B3-948B-1728B52AA6E4}">
+                <adec:decorative xmlns:adec="http://schemas.microsoft.com/office/drawing/2017/decorative" val="1"/>
+              </a:ext>
+            </a:extLst>
+          </p:cNvPr>
+          <p:cNvSpPr>
+            <a:spLocks noGrp="1" noRot="1" noChangeAspect="1" noMove="1" noResize="1" noEditPoints="1" noAdjustHandles="1" noChangeArrowheads="1" noChangeShapeType="1" noTextEdit="1"/>
+          </p:cNvSpPr>
+          <p:nvPr>
+            <p:extLst>
+              <p:ext uri="{386F3935-93C4-4BCD-93E2-E3B085C9AB24}">
+                <p16:designElem xmlns:p16="http://schemas.microsoft.com/office/powerpoint/2015/main" val="1"/>
+              </p:ext>
+            </p:extLst>
+          </p:nvPr>
+        </p:nvSpPr>
+        <p:spPr>
+          <a:xfrm>
+            <a:off x="0" y="0"/>
+            <a:ext cx="12188952" cy="6858000"/>
+          </a:xfrm>
+          <a:prstGeom prst="rect">
+            <a:avLst/>
+          </a:prstGeom>
+          <a:ln>
+            <a:noFill/>
+          </a:ln>
+        </p:spPr>
+        <p:style>
+          <a:lnRef idx="2">
+            <a:schemeClr val="accent1">
+              <a:shade val="50000"/>
+            </a:schemeClr>
+          </a:lnRef>
+          <a:fillRef idx="1">
+            <a:schemeClr val="accent1"/>
+          </a:fillRef>
+          <a:effectRef idx="0">
+            <a:schemeClr val="accent1"/>
+          </a:effectRef>
+          <a:fontRef idx="minor">
+            <a:schemeClr val="lt1"/>
+          </a:fontRef>
+        </p:style>
+        <p:txBody>
+          <a:bodyPr rtlCol="0" anchor="ctr"/>
+          <a:lstStyle/>
+          <a:p>
+            <a:pPr algn="ctr"/>
+            <a:endParaRPr lang="en-US"/>
+          </a:p>
+        </p:txBody>
+      </p:sp>
+      <p:sp>
+        <p:nvSpPr>
+          <p:cNvPr id="2" name="Title 1">
+            <a:extLst>
+              <a:ext uri="{FF2B5EF4-FFF2-40B4-BE49-F238E27FC236}">
+                <a16:creationId xmlns:a16="http://schemas.microsoft.com/office/drawing/2014/main" id="{171FBA4D-D29C-737E-34FF-3148B924E939}"/>
+              </a:ext>
+            </a:extLst>
+          </p:cNvPr>
+          <p:cNvSpPr>
+            <a:spLocks noGrp="1"/>
+          </p:cNvSpPr>
+          <p:nvPr>
+            <p:ph type="title"/>
+          </p:nvPr>
+        </p:nvSpPr>
+        <p:spPr>
+          <a:xfrm>
+            <a:off x="838200" y="184805"/>
+            <a:ext cx="10515600" cy="1505883"/>
+          </a:xfrm>
+        </p:spPr>
+        <p:txBody>
+          <a:bodyPr anchor="ctr">
+            <a:normAutofit/>
+          </a:bodyPr>
+          <a:lstStyle/>
+          <a:p>
+            <a:r>
+              <a:rPr lang="en-US" sz="3300"/>
+              <a:t>Search for working/recently-updated forks of the many GitHub repositories related to the Automated Statistician. </a:t>
+            </a:r>
+          </a:p>
+        </p:txBody>
+      </p:sp>
+      <p:pic>
+        <p:nvPicPr>
+          <p:cNvPr id="4" name="Picture 3">
+            <a:extLst>
+              <a:ext uri="{FF2B5EF4-FFF2-40B4-BE49-F238E27FC236}">
+                <a16:creationId xmlns:a16="http://schemas.microsoft.com/office/drawing/2014/main" id="{1A2C4056-97A3-2363-F9EA-133EDEFD3F1D}"/>
+              </a:ext>
+            </a:extLst>
+          </p:cNvPr>
+          <p:cNvPicPr>
+            <a:picLocks noChangeAspect="1"/>
+          </p:cNvPicPr>
+          <p:nvPr/>
+        </p:nvPicPr>
+        <p:blipFill>
+          <a:blip r:embed="rId2"/>
+          <a:stretch>
+            <a:fillRect/>
+          </a:stretch>
+        </p:blipFill>
+        <p:spPr>
+          <a:xfrm>
+            <a:off x="838200" y="2270305"/>
+            <a:ext cx="10512547" cy="3600545"/>
+          </a:xfrm>
+          <a:prstGeom prst="rect">
+            <a:avLst/>
+          </a:prstGeom>
+        </p:spPr>
+      </p:pic>
+    </p:spTree>
+    <p:extLst>
+      <p:ext uri="{BB962C8B-B14F-4D97-AF65-F5344CB8AC3E}">
+        <p14:creationId xmlns:p14="http://schemas.microsoft.com/office/powerpoint/2010/main" val="2996165891"/>
+      </p:ext>
+    </p:extLst>
+  </p:cSld>
+  <p:clrMapOvr>
+    <a:masterClrMapping/>
+  </p:clrMapOvr>
+</p:sld>
+</file>
+
 <file path=ppt/slides/slide15.xml><?xml version="1.0" encoding="utf-8"?>
 <p:sld xmlns:a="http://schemas.openxmlformats.org/drawingml/2006/main" xmlns:r="http://schemas.openxmlformats.org/officeDocument/2006/relationships" xmlns:p="http://schemas.openxmlformats.org/presentationml/2006/main">
+  <p:cSld>
+    <p:spTree>
+      <p:nvGrpSpPr>
+        <p:cNvPr id="1" name=""/>
+        <p:cNvGrpSpPr/>
+        <p:nvPr/>
+      </p:nvGrpSpPr>
+      <p:grpSpPr>
+        <a:xfrm>
+          <a:off x="0" y="0"/>
+          <a:ext cx="0" cy="0"/>
+          <a:chOff x="0" y="0"/>
+          <a:chExt cx="0" cy="0"/>
+        </a:xfrm>
+      </p:grpSpPr>
+      <p:sp>
+        <p:nvSpPr>
+          <p:cNvPr id="2" name="Title 1">
+            <a:extLst>
+              <a:ext uri="{FF2B5EF4-FFF2-40B4-BE49-F238E27FC236}">
+                <a16:creationId xmlns:a16="http://schemas.microsoft.com/office/drawing/2014/main" id="{2617A193-7178-73EB-C19E-B1ADDD6EAE4F}"/>
+              </a:ext>
+            </a:extLst>
+          </p:cNvPr>
+          <p:cNvSpPr>
+            <a:spLocks noGrp="1"/>
+          </p:cNvSpPr>
+          <p:nvPr>
+            <p:ph type="title"/>
+          </p:nvPr>
+        </p:nvSpPr>
+        <p:spPr/>
+        <p:txBody>
+          <a:bodyPr>
+            <a:normAutofit/>
+          </a:bodyPr>
+          <a:lstStyle/>
+          <a:p>
+            <a:r>
+              <a:rPr lang="en-US" dirty="0"/>
+              <a:t>Testing different optimization </a:t>
+            </a:r>
+            <a:r>
+              <a:rPr lang="en-US" dirty="0" err="1"/>
+              <a:t>optimization</a:t>
+            </a:r>
+            <a:r>
+              <a:rPr lang="en-US" dirty="0"/>
+              <a:t> packages/algorithms</a:t>
+            </a:r>
+          </a:p>
+        </p:txBody>
+      </p:sp>
+      <p:sp>
+        <p:nvSpPr>
+          <p:cNvPr id="4" name="TextBox 3">
+            <a:extLst>
+              <a:ext uri="{FF2B5EF4-FFF2-40B4-BE49-F238E27FC236}">
+                <a16:creationId xmlns:a16="http://schemas.microsoft.com/office/drawing/2014/main" id="{D6F3A9FC-00C6-1BE2-569D-9DEBAAED829D}"/>
+              </a:ext>
+            </a:extLst>
+          </p:cNvPr>
+          <p:cNvSpPr txBox="1"/>
+          <p:nvPr/>
+        </p:nvSpPr>
+        <p:spPr>
+          <a:xfrm>
+            <a:off x="1234440" y="2690614"/>
+            <a:ext cx="1915160" cy="1754326"/>
+          </a:xfrm>
+          <a:prstGeom prst="rect">
+            <a:avLst/>
+          </a:prstGeom>
+          <a:noFill/>
+        </p:spPr>
+        <p:txBody>
+          <a:bodyPr wrap="square">
+            <a:spAutoFit/>
+          </a:bodyPr>
+          <a:lstStyle/>
+          <a:p>
+            <a:r>
+              <a:rPr lang="en-US" dirty="0" err="1"/>
+              <a:t>Scipy</a:t>
+            </a:r>
+            <a:r>
+              <a:rPr lang="en-US" dirty="0"/>
+              <a:t>* vs. </a:t>
+            </a:r>
+            <a:r>
+              <a:rPr lang="en-US" dirty="0" err="1"/>
+              <a:t>lmfit</a:t>
+            </a:r>
+            <a:endParaRPr lang="en-US" dirty="0"/>
+          </a:p>
+          <a:p>
+            <a:endParaRPr lang="en-US" dirty="0"/>
+          </a:p>
+          <a:p>
+            <a:r>
+              <a:rPr lang="en-US" dirty="0"/>
+              <a:t>*Currently using </a:t>
+            </a:r>
+            <a:r>
+              <a:rPr lang="en-US" dirty="0" err="1"/>
+              <a:t>scipy’s</a:t>
+            </a:r>
+            <a:r>
+              <a:rPr lang="en-US" dirty="0"/>
+              <a:t> minimize optimization using L-BFGS-B method</a:t>
+            </a:r>
+          </a:p>
+        </p:txBody>
+      </p:sp>
+    </p:spTree>
+    <p:extLst>
+      <p:ext uri="{BB962C8B-B14F-4D97-AF65-F5344CB8AC3E}">
+        <p14:creationId xmlns:p14="http://schemas.microsoft.com/office/powerpoint/2010/main" val="640580833"/>
+      </p:ext>
+    </p:extLst>
+  </p:cSld>
+  <p:clrMapOvr>
+    <a:masterClrMapping/>
+  </p:clrMapOvr>
+</p:sld>
+</file>
+
+<file path=ppt/slides/slide16.xml><?xml version="1.0" encoding="utf-8"?>
+<p:sld xmlns:a="http://schemas.openxmlformats.org/drawingml/2006/main" xmlns:r="http://schemas.openxmlformats.org/officeDocument/2006/relationships" xmlns:p="http://schemas.openxmlformats.org/presentationml/2006/main">
+  <p:cSld>
+    <p:spTree>
+      <p:nvGrpSpPr>
+        <p:cNvPr id="1" name=""/>
+        <p:cNvGrpSpPr/>
+        <p:nvPr/>
+      </p:nvGrpSpPr>
+      <p:grpSpPr>
+        <a:xfrm>
+          <a:off x="0" y="0"/>
+          <a:ext cx="0" cy="0"/>
+          <a:chOff x="0" y="0"/>
+          <a:chExt cx="0" cy="0"/>
+        </a:xfrm>
+      </p:grpSpPr>
+      <p:sp>
+        <p:nvSpPr>
+          <p:cNvPr id="2" name="Title 1">
+            <a:extLst>
+              <a:ext uri="{FF2B5EF4-FFF2-40B4-BE49-F238E27FC236}">
+                <a16:creationId xmlns:a16="http://schemas.microsoft.com/office/drawing/2014/main" id="{98C503EB-58EB-0EDD-F828-71E0EED2EF16}"/>
+              </a:ext>
+            </a:extLst>
+          </p:cNvPr>
+          <p:cNvSpPr>
+            <a:spLocks noGrp="1"/>
+          </p:cNvSpPr>
+          <p:nvPr>
+            <p:ph type="title"/>
+          </p:nvPr>
+        </p:nvSpPr>
+        <p:spPr/>
+        <p:txBody>
+          <a:bodyPr/>
+          <a:lstStyle/>
+          <a:p>
+            <a:r>
+              <a:rPr lang="en-US" dirty="0"/>
+              <a:t>Scoring Models (alternative to BIC?) – LML, CLML, or other</a:t>
+            </a:r>
+          </a:p>
+        </p:txBody>
+      </p:sp>
+      <p:pic>
+        <p:nvPicPr>
+          <p:cNvPr id="5" name="Picture 4">
+            <a:extLst>
+              <a:ext uri="{FF2B5EF4-FFF2-40B4-BE49-F238E27FC236}">
+                <a16:creationId xmlns:a16="http://schemas.microsoft.com/office/drawing/2014/main" id="{BAF4A962-9BE8-E7AE-A5AF-9361C09E0686}"/>
+              </a:ext>
+            </a:extLst>
+          </p:cNvPr>
+          <p:cNvPicPr>
+            <a:picLocks noChangeAspect="1"/>
+          </p:cNvPicPr>
+          <p:nvPr/>
+        </p:nvPicPr>
+        <p:blipFill>
+          <a:blip r:embed="rId2"/>
+          <a:stretch>
+            <a:fillRect/>
+          </a:stretch>
+        </p:blipFill>
+        <p:spPr>
+          <a:xfrm>
+            <a:off x="838200" y="2239492"/>
+            <a:ext cx="4088484" cy="457240"/>
+          </a:xfrm>
+          <a:prstGeom prst="rect">
+            <a:avLst/>
+          </a:prstGeom>
+        </p:spPr>
+      </p:pic>
+      <p:sp>
+        <p:nvSpPr>
+          <p:cNvPr id="7" name="TextBox 6">
+            <a:extLst>
+              <a:ext uri="{FF2B5EF4-FFF2-40B4-BE49-F238E27FC236}">
+                <a16:creationId xmlns:a16="http://schemas.microsoft.com/office/drawing/2014/main" id="{A856F2CE-8531-46A8-D9A0-BD4D63BC0BF3}"/>
+              </a:ext>
+            </a:extLst>
+          </p:cNvPr>
+          <p:cNvSpPr txBox="1"/>
+          <p:nvPr/>
+        </p:nvSpPr>
+        <p:spPr>
+          <a:xfrm>
+            <a:off x="873760" y="1889277"/>
+            <a:ext cx="949960" cy="369332"/>
+          </a:xfrm>
+          <a:prstGeom prst="rect">
+            <a:avLst/>
+          </a:prstGeom>
+          <a:noFill/>
+        </p:spPr>
+        <p:txBody>
+          <a:bodyPr wrap="square">
+            <a:spAutoFit/>
+          </a:bodyPr>
+          <a:lstStyle/>
+          <a:p>
+            <a:r>
+              <a:rPr lang="en-US" dirty="0"/>
+              <a:t>BIC loss</a:t>
+            </a:r>
+          </a:p>
+        </p:txBody>
+      </p:sp>
+      <p:pic>
+        <p:nvPicPr>
+          <p:cNvPr id="9" name="Picture 8">
+            <a:extLst>
+              <a:ext uri="{FF2B5EF4-FFF2-40B4-BE49-F238E27FC236}">
+                <a16:creationId xmlns:a16="http://schemas.microsoft.com/office/drawing/2014/main" id="{9AACA5BA-E233-EA90-46C3-FC45C43AC675}"/>
+              </a:ext>
+            </a:extLst>
+          </p:cNvPr>
+          <p:cNvPicPr>
+            <a:picLocks noChangeAspect="1"/>
+          </p:cNvPicPr>
+          <p:nvPr/>
+        </p:nvPicPr>
+        <p:blipFill>
+          <a:blip r:embed="rId3"/>
+          <a:stretch>
+            <a:fillRect/>
+          </a:stretch>
+        </p:blipFill>
+        <p:spPr>
+          <a:xfrm>
+            <a:off x="923556" y="2992970"/>
+            <a:ext cx="3626485" cy="625776"/>
+          </a:xfrm>
+          <a:prstGeom prst="rect">
+            <a:avLst/>
+          </a:prstGeom>
+        </p:spPr>
+      </p:pic>
+      <p:pic>
+        <p:nvPicPr>
+          <p:cNvPr id="11" name="Picture 10">
+            <a:extLst>
+              <a:ext uri="{FF2B5EF4-FFF2-40B4-BE49-F238E27FC236}">
+                <a16:creationId xmlns:a16="http://schemas.microsoft.com/office/drawing/2014/main" id="{A8411C24-FC97-0855-60EF-9DEB1C81F6E3}"/>
+              </a:ext>
+            </a:extLst>
+          </p:cNvPr>
+          <p:cNvPicPr>
+            <a:picLocks noChangeAspect="1"/>
+          </p:cNvPicPr>
+          <p:nvPr/>
+        </p:nvPicPr>
+        <p:blipFill>
+          <a:blip r:embed="rId4"/>
+          <a:stretch>
+            <a:fillRect/>
+          </a:stretch>
+        </p:blipFill>
+        <p:spPr>
+          <a:xfrm>
+            <a:off x="923556" y="3618746"/>
+            <a:ext cx="3786410" cy="2446940"/>
+          </a:xfrm>
+          <a:prstGeom prst="rect">
+            <a:avLst/>
+          </a:prstGeom>
+        </p:spPr>
+      </p:pic>
+      <p:sp>
+        <p:nvSpPr>
+          <p:cNvPr id="13" name="TextBox 12">
+            <a:extLst>
+              <a:ext uri="{FF2B5EF4-FFF2-40B4-BE49-F238E27FC236}">
+                <a16:creationId xmlns:a16="http://schemas.microsoft.com/office/drawing/2014/main" id="{D86A395D-1C40-D694-DBB3-9DBF5741BA01}"/>
+              </a:ext>
+            </a:extLst>
+          </p:cNvPr>
+          <p:cNvSpPr txBox="1"/>
+          <p:nvPr/>
+        </p:nvSpPr>
+        <p:spPr>
+          <a:xfrm>
+            <a:off x="5786120" y="4994616"/>
+            <a:ext cx="5328920" cy="954107"/>
+          </a:xfrm>
+          <a:prstGeom prst="rect">
+            <a:avLst/>
+          </a:prstGeom>
+          <a:noFill/>
+        </p:spPr>
+        <p:txBody>
+          <a:bodyPr wrap="square">
+            <a:spAutoFit/>
+          </a:bodyPr>
+          <a:lstStyle/>
+          <a:p>
+            <a:r>
+              <a:rPr lang="en-US" sz="1400" dirty="0"/>
+              <a:t>[1] </a:t>
+            </a:r>
+            <a:r>
+              <a:rPr lang="en-US" sz="1400" dirty="0" err="1"/>
+              <a:t>Lotfi</a:t>
+            </a:r>
+            <a:r>
+              <a:rPr lang="en-US" sz="1400" dirty="0"/>
+              <a:t>, S.; </a:t>
+            </a:r>
+            <a:r>
+              <a:rPr lang="en-US" sz="1400" dirty="0" err="1"/>
+              <a:t>Izmailov</a:t>
+            </a:r>
+            <a:r>
+              <a:rPr lang="en-US" sz="1400" dirty="0"/>
+              <a:t>, P.; Benton, G.; Goldblum, M.; Wilson, A. G. Bayesian Model Selection, the Marginal Likelihood, and Generalization. In Proceedings of the 39th International Conference on Machine Learning; PMLR, 2022; pp 14223–14247.</a:t>
+            </a:r>
+          </a:p>
+        </p:txBody>
+      </p:sp>
+      <p:sp>
+        <p:nvSpPr>
+          <p:cNvPr id="15" name="TextBox 14">
+            <a:extLst>
+              <a:ext uri="{FF2B5EF4-FFF2-40B4-BE49-F238E27FC236}">
+                <a16:creationId xmlns:a16="http://schemas.microsoft.com/office/drawing/2014/main" id="{AE03EF31-C2F5-69C8-2278-A06A0E104BC4}"/>
+              </a:ext>
+            </a:extLst>
+          </p:cNvPr>
+          <p:cNvSpPr txBox="1"/>
+          <p:nvPr/>
+        </p:nvSpPr>
+        <p:spPr>
+          <a:xfrm>
+            <a:off x="5786120" y="2073943"/>
+            <a:ext cx="5567680" cy="2585323"/>
+          </a:xfrm>
+          <a:prstGeom prst="rect">
+            <a:avLst/>
+          </a:prstGeom>
+          <a:noFill/>
+        </p:spPr>
+        <p:txBody>
+          <a:bodyPr wrap="square">
+            <a:spAutoFit/>
+          </a:bodyPr>
+          <a:lstStyle/>
+          <a:p>
+            <a:r>
+              <a:rPr lang="en-US" dirty="0"/>
+              <a:t>Conditional LML: namely, we show how marginal likelihood can be negatively correlated with generalization, with implications for neural architecture search, and can lead to both underfitting and overfitting in hyperparameter learning. We provide a partial remedy through a conditional marginal likelihood, which we show is more aligned with generalization, and practically valuable for large-scale hyperparameter learning, such as in deep kernel learning. [1]</a:t>
+            </a:r>
+          </a:p>
+        </p:txBody>
+      </p:sp>
+      <p:cxnSp>
+        <p:nvCxnSpPr>
+          <p:cNvPr id="17" name="Straight Connector 16">
+            <a:extLst>
+              <a:ext uri="{FF2B5EF4-FFF2-40B4-BE49-F238E27FC236}">
+                <a16:creationId xmlns:a16="http://schemas.microsoft.com/office/drawing/2014/main" id="{4C217DBB-CD01-498C-4784-85F28224BD15}"/>
+              </a:ext>
+            </a:extLst>
+          </p:cNvPr>
+          <p:cNvCxnSpPr/>
+          <p:nvPr/>
+        </p:nvCxnSpPr>
+        <p:spPr>
+          <a:xfrm>
+            <a:off x="5313680" y="1889277"/>
+            <a:ext cx="0" cy="4303243"/>
+          </a:xfrm>
+          <a:prstGeom prst="line">
+            <a:avLst/>
+          </a:prstGeom>
+        </p:spPr>
+        <p:style>
+          <a:lnRef idx="1">
+            <a:schemeClr val="accent1"/>
+          </a:lnRef>
+          <a:fillRef idx="0">
+            <a:schemeClr val="accent1"/>
+          </a:fillRef>
+          <a:effectRef idx="0">
+            <a:schemeClr val="accent1"/>
+          </a:effectRef>
+          <a:fontRef idx="minor">
+            <a:schemeClr val="tx1"/>
+          </a:fontRef>
+        </p:style>
+      </p:cxnSp>
+    </p:spTree>
+    <p:extLst>
+      <p:ext uri="{BB962C8B-B14F-4D97-AF65-F5344CB8AC3E}">
+        <p14:creationId xmlns:p14="http://schemas.microsoft.com/office/powerpoint/2010/main" val="4051288071"/>
+      </p:ext>
+    </p:extLst>
+  </p:cSld>
+  <p:clrMapOvr>
+    <a:masterClrMapping/>
+  </p:clrMapOvr>
+</p:sld>
+</file>
+
+<file path=ppt/slides/slide17.xml><?xml version="1.0" encoding="utf-8"?>
+<p:sld xmlns:a="http://schemas.openxmlformats.org/drawingml/2006/main" xmlns:r="http://schemas.openxmlformats.org/officeDocument/2006/relationships" xmlns:p="http://schemas.openxmlformats.org/presentationml/2006/main">
+  <p:cSld>
+    <p:spTree>
+      <p:nvGrpSpPr>
+        <p:cNvPr id="1" name=""/>
+        <p:cNvGrpSpPr/>
+        <p:nvPr/>
+      </p:nvGrpSpPr>
+      <p:grpSpPr>
+        <a:xfrm>
+          <a:off x="0" y="0"/>
+          <a:ext cx="0" cy="0"/>
+          <a:chOff x="0" y="0"/>
+          <a:chExt cx="0" cy="0"/>
+        </a:xfrm>
+      </p:grpSpPr>
+      <p:sp>
+        <p:nvSpPr>
+          <p:cNvPr id="2" name="Title 1">
+            <a:extLst>
+              <a:ext uri="{FF2B5EF4-FFF2-40B4-BE49-F238E27FC236}">
+                <a16:creationId xmlns:a16="http://schemas.microsoft.com/office/drawing/2014/main" id="{2D2040CF-894B-8C86-07DD-F7306E96FB71}"/>
+              </a:ext>
+            </a:extLst>
+          </p:cNvPr>
+          <p:cNvSpPr>
+            <a:spLocks noGrp="1"/>
+          </p:cNvSpPr>
+          <p:nvPr>
+            <p:ph type="title"/>
+          </p:nvPr>
+        </p:nvSpPr>
+        <p:spPr/>
+        <p:txBody>
+          <a:bodyPr/>
+          <a:lstStyle/>
+          <a:p>
+            <a:r>
+              <a:rPr lang="en-US" dirty="0"/>
+              <a:t>System learning?</a:t>
+            </a:r>
+          </a:p>
+        </p:txBody>
+      </p:sp>
+      <p:sp>
+        <p:nvSpPr>
+          <p:cNvPr id="3" name="Content Placeholder 2">
+            <a:extLst>
+              <a:ext uri="{FF2B5EF4-FFF2-40B4-BE49-F238E27FC236}">
+                <a16:creationId xmlns:a16="http://schemas.microsoft.com/office/drawing/2014/main" id="{2B5E595A-1695-BAA5-CA1A-ED3976F79989}"/>
+              </a:ext>
+            </a:extLst>
+          </p:cNvPr>
+          <p:cNvSpPr>
+            <a:spLocks noGrp="1"/>
+          </p:cNvSpPr>
+          <p:nvPr>
+            <p:ph idx="1"/>
+          </p:nvPr>
+        </p:nvSpPr>
+        <p:spPr/>
+        <p:txBody>
+          <a:bodyPr/>
+          <a:lstStyle/>
+          <a:p>
+            <a:endParaRPr lang="en-US"/>
+          </a:p>
+        </p:txBody>
+      </p:sp>
+    </p:spTree>
+    <p:extLst>
+      <p:ext uri="{BB962C8B-B14F-4D97-AF65-F5344CB8AC3E}">
+        <p14:creationId xmlns:p14="http://schemas.microsoft.com/office/powerpoint/2010/main" val="724814946"/>
+      </p:ext>
+    </p:extLst>
+  </p:cSld>
+  <p:clrMapOvr>
+    <a:masterClrMapping/>
+  </p:clrMapOvr>
+</p:sld>
+</file>
+
+<file path=ppt/slides/slide18.xml><?xml version="1.0" encoding="utf-8"?>
+<p:sld xmlns:a="http://schemas.openxmlformats.org/drawingml/2006/main" xmlns:r="http://schemas.openxmlformats.org/officeDocument/2006/relationships" xmlns:p="http://schemas.openxmlformats.org/presentationml/2006/main" show="0">
   <p:cSld>
     <p:bg>
       <p:bgPr>

--- a/GPRCommunities.pptx
+++ b/GPRCommunities.pptx
@@ -5,7 +5,7 @@
     <p:sldMasterId id="2147483648" r:id="rId1"/>
   </p:sldMasterIdLst>
   <p:notesMasterIdLst>
-    <p:notesMasterId r:id="rId20"/>
+    <p:notesMasterId r:id="rId23"/>
   </p:notesMasterIdLst>
   <p:sldIdLst>
     <p:sldId id="256" r:id="rId2"/>
@@ -16,16 +16,19 @@
     <p:sldId id="264" r:id="rId7"/>
     <p:sldId id="269" r:id="rId8"/>
     <p:sldId id="270" r:id="rId9"/>
-    <p:sldId id="271" r:id="rId10"/>
-    <p:sldId id="272" r:id="rId11"/>
-    <p:sldId id="275" r:id="rId12"/>
-    <p:sldId id="265" r:id="rId13"/>
-    <p:sldId id="274" r:id="rId14"/>
-    <p:sldId id="277" r:id="rId15"/>
-    <p:sldId id="276" r:id="rId16"/>
-    <p:sldId id="259" r:id="rId17"/>
-    <p:sldId id="278" r:id="rId18"/>
-    <p:sldId id="273" r:id="rId19"/>
+    <p:sldId id="279" r:id="rId10"/>
+    <p:sldId id="271" r:id="rId11"/>
+    <p:sldId id="1091" r:id="rId12"/>
+    <p:sldId id="272" r:id="rId13"/>
+    <p:sldId id="275" r:id="rId14"/>
+    <p:sldId id="265" r:id="rId15"/>
+    <p:sldId id="274" r:id="rId16"/>
+    <p:sldId id="1092" r:id="rId17"/>
+    <p:sldId id="259" r:id="rId18"/>
+    <p:sldId id="1093" r:id="rId19"/>
+    <p:sldId id="276" r:id="rId20"/>
+    <p:sldId id="277" r:id="rId21"/>
+    <p:sldId id="278" r:id="rId22"/>
   </p:sldIdLst>
   <p:sldSz cx="12192000" cy="6858000"/>
   <p:notesSz cx="6858000" cy="9144000"/>
@@ -132,6 +135,2571 @@
 </p:presentation>
 </file>
 
+<file path=ppt/diagrams/colors1.xml><?xml version="1.0" encoding="utf-8"?>
+<dgm:colorsDef xmlns:dgm="http://schemas.openxmlformats.org/drawingml/2006/diagram" xmlns:a="http://schemas.openxmlformats.org/drawingml/2006/main" uniqueId="urn:microsoft.com/office/officeart/2005/8/colors/accent1_2">
+  <dgm:title val=""/>
+  <dgm:desc val=""/>
+  <dgm:catLst>
+    <dgm:cat type="accent1" pri="11200"/>
+  </dgm:catLst>
+  <dgm:styleLbl name="node0">
+    <dgm:fillClrLst meth="repeat">
+      <a:schemeClr val="accent1"/>
+    </dgm:fillClrLst>
+    <dgm:linClrLst meth="repeat">
+      <a:schemeClr val="lt1"/>
+    </dgm:linClrLst>
+    <dgm:effectClrLst/>
+    <dgm:txLinClrLst/>
+    <dgm:txFillClrLst/>
+    <dgm:txEffectClrLst/>
+  </dgm:styleLbl>
+  <dgm:styleLbl name="alignNode1">
+    <dgm:fillClrLst meth="repeat">
+      <a:schemeClr val="accent1"/>
+    </dgm:fillClrLst>
+    <dgm:linClrLst meth="repeat">
+      <a:schemeClr val="accent1"/>
+    </dgm:linClrLst>
+    <dgm:effectClrLst/>
+    <dgm:txLinClrLst/>
+    <dgm:txFillClrLst/>
+    <dgm:txEffectClrLst/>
+  </dgm:styleLbl>
+  <dgm:styleLbl name="node1">
+    <dgm:fillClrLst meth="repeat">
+      <a:schemeClr val="accent1"/>
+    </dgm:fillClrLst>
+    <dgm:linClrLst meth="repeat">
+      <a:schemeClr val="lt1"/>
+    </dgm:linClrLst>
+    <dgm:effectClrLst/>
+    <dgm:txLinClrLst/>
+    <dgm:txFillClrLst/>
+    <dgm:txEffectClrLst/>
+  </dgm:styleLbl>
+  <dgm:styleLbl name="lnNode1">
+    <dgm:fillClrLst meth="repeat">
+      <a:schemeClr val="accent1"/>
+    </dgm:fillClrLst>
+    <dgm:linClrLst meth="repeat">
+      <a:schemeClr val="lt1"/>
+    </dgm:linClrLst>
+    <dgm:effectClrLst/>
+    <dgm:txLinClrLst/>
+    <dgm:txFillClrLst/>
+    <dgm:txEffectClrLst/>
+  </dgm:styleLbl>
+  <dgm:styleLbl name="vennNode1">
+    <dgm:fillClrLst meth="repeat">
+      <a:schemeClr val="accent1">
+        <a:alpha val="50000"/>
+      </a:schemeClr>
+    </dgm:fillClrLst>
+    <dgm:linClrLst meth="repeat">
+      <a:schemeClr val="lt1"/>
+    </dgm:linClrLst>
+    <dgm:effectClrLst/>
+    <dgm:txLinClrLst/>
+    <dgm:txFillClrLst/>
+    <dgm:txEffectClrLst/>
+  </dgm:styleLbl>
+  <dgm:styleLbl name="node2">
+    <dgm:fillClrLst meth="repeat">
+      <a:schemeClr val="accent1"/>
+    </dgm:fillClrLst>
+    <dgm:linClrLst meth="repeat">
+      <a:schemeClr val="lt1"/>
+    </dgm:linClrLst>
+    <dgm:effectClrLst/>
+    <dgm:txLinClrLst/>
+    <dgm:txFillClrLst/>
+    <dgm:txEffectClrLst/>
+  </dgm:styleLbl>
+  <dgm:styleLbl name="node3">
+    <dgm:fillClrLst meth="repeat">
+      <a:schemeClr val="accent1"/>
+    </dgm:fillClrLst>
+    <dgm:linClrLst meth="repeat">
+      <a:schemeClr val="lt1"/>
+    </dgm:linClrLst>
+    <dgm:effectClrLst/>
+    <dgm:txLinClrLst/>
+    <dgm:txFillClrLst/>
+    <dgm:txEffectClrLst/>
+  </dgm:styleLbl>
+  <dgm:styleLbl name="node4">
+    <dgm:fillClrLst meth="repeat">
+      <a:schemeClr val="accent1"/>
+    </dgm:fillClrLst>
+    <dgm:linClrLst meth="repeat">
+      <a:schemeClr val="lt1"/>
+    </dgm:linClrLst>
+    <dgm:effectClrLst/>
+    <dgm:txLinClrLst/>
+    <dgm:txFillClrLst/>
+    <dgm:txEffectClrLst/>
+  </dgm:styleLbl>
+  <dgm:styleLbl name="fgImgPlace1">
+    <dgm:fillClrLst meth="repeat">
+      <a:schemeClr val="accent1">
+        <a:tint val="50000"/>
+      </a:schemeClr>
+    </dgm:fillClrLst>
+    <dgm:linClrLst meth="repeat">
+      <a:schemeClr val="lt1"/>
+    </dgm:linClrLst>
+    <dgm:effectClrLst/>
+    <dgm:txLinClrLst/>
+    <dgm:txFillClrLst meth="repeat">
+      <a:schemeClr val="lt1"/>
+    </dgm:txFillClrLst>
+    <dgm:txEffectClrLst/>
+  </dgm:styleLbl>
+  <dgm:styleLbl name="alignImgPlace1">
+    <dgm:fillClrLst meth="repeat">
+      <a:schemeClr val="accent1">
+        <a:tint val="50000"/>
+      </a:schemeClr>
+    </dgm:fillClrLst>
+    <dgm:linClrLst meth="repeat">
+      <a:schemeClr val="lt1"/>
+    </dgm:linClrLst>
+    <dgm:effectClrLst/>
+    <dgm:txLinClrLst/>
+    <dgm:txFillClrLst meth="repeat">
+      <a:schemeClr val="lt1"/>
+    </dgm:txFillClrLst>
+    <dgm:txEffectClrLst/>
+  </dgm:styleLbl>
+  <dgm:styleLbl name="bgImgPlace1">
+    <dgm:fillClrLst meth="repeat">
+      <a:schemeClr val="accent1">
+        <a:tint val="50000"/>
+      </a:schemeClr>
+    </dgm:fillClrLst>
+    <dgm:linClrLst meth="repeat">
+      <a:schemeClr val="lt1"/>
+    </dgm:linClrLst>
+    <dgm:effectClrLst/>
+    <dgm:txLinClrLst/>
+    <dgm:txFillClrLst meth="repeat">
+      <a:schemeClr val="lt1"/>
+    </dgm:txFillClrLst>
+    <dgm:txEffectClrLst/>
+  </dgm:styleLbl>
+  <dgm:styleLbl name="sibTrans2D1">
+    <dgm:fillClrLst meth="repeat">
+      <a:schemeClr val="accent1">
+        <a:tint val="60000"/>
+      </a:schemeClr>
+    </dgm:fillClrLst>
+    <dgm:linClrLst meth="repeat">
+      <a:schemeClr val="accent1">
+        <a:tint val="60000"/>
+      </a:schemeClr>
+    </dgm:linClrLst>
+    <dgm:effectClrLst/>
+    <dgm:txLinClrLst/>
+    <dgm:txFillClrLst/>
+    <dgm:txEffectClrLst/>
+  </dgm:styleLbl>
+  <dgm:styleLbl name="fgSibTrans2D1">
+    <dgm:fillClrLst meth="repeat">
+      <a:schemeClr val="accent1">
+        <a:tint val="60000"/>
+      </a:schemeClr>
+    </dgm:fillClrLst>
+    <dgm:linClrLst meth="repeat">
+      <a:schemeClr val="accent1">
+        <a:tint val="60000"/>
+      </a:schemeClr>
+    </dgm:linClrLst>
+    <dgm:effectClrLst/>
+    <dgm:txLinClrLst/>
+    <dgm:txFillClrLst/>
+    <dgm:txEffectClrLst/>
+  </dgm:styleLbl>
+  <dgm:styleLbl name="bgSibTrans2D1">
+    <dgm:fillClrLst meth="repeat">
+      <a:schemeClr val="accent1">
+        <a:tint val="60000"/>
+      </a:schemeClr>
+    </dgm:fillClrLst>
+    <dgm:linClrLst meth="repeat">
+      <a:schemeClr val="accent1">
+        <a:tint val="60000"/>
+      </a:schemeClr>
+    </dgm:linClrLst>
+    <dgm:effectClrLst/>
+    <dgm:txLinClrLst/>
+    <dgm:txFillClrLst/>
+    <dgm:txEffectClrLst/>
+  </dgm:styleLbl>
+  <dgm:styleLbl name="sibTrans1D1">
+    <dgm:fillClrLst meth="repeat">
+      <a:schemeClr val="accent1"/>
+    </dgm:fillClrLst>
+    <dgm:linClrLst meth="repeat">
+      <a:schemeClr val="accent1"/>
+    </dgm:linClrLst>
+    <dgm:effectClrLst/>
+    <dgm:txLinClrLst/>
+    <dgm:txFillClrLst meth="repeat">
+      <a:schemeClr val="tx1"/>
+    </dgm:txFillClrLst>
+    <dgm:txEffectClrLst/>
+  </dgm:styleLbl>
+  <dgm:styleLbl name="callout">
+    <dgm:fillClrLst meth="repeat">
+      <a:schemeClr val="accent1"/>
+    </dgm:fillClrLst>
+    <dgm:linClrLst meth="repeat">
+      <a:schemeClr val="accent1">
+        <a:tint val="50000"/>
+      </a:schemeClr>
+    </dgm:linClrLst>
+    <dgm:effectClrLst/>
+    <dgm:txLinClrLst/>
+    <dgm:txFillClrLst meth="repeat">
+      <a:schemeClr val="tx1"/>
+    </dgm:txFillClrLst>
+    <dgm:txEffectClrLst/>
+  </dgm:styleLbl>
+  <dgm:styleLbl name="asst0">
+    <dgm:fillClrLst meth="repeat">
+      <a:schemeClr val="accent1"/>
+    </dgm:fillClrLst>
+    <dgm:linClrLst meth="repeat">
+      <a:schemeClr val="lt1"/>
+    </dgm:linClrLst>
+    <dgm:effectClrLst/>
+    <dgm:txLinClrLst/>
+    <dgm:txFillClrLst/>
+    <dgm:txEffectClrLst/>
+  </dgm:styleLbl>
+  <dgm:styleLbl name="asst1">
+    <dgm:fillClrLst meth="repeat">
+      <a:schemeClr val="accent1"/>
+    </dgm:fillClrLst>
+    <dgm:linClrLst meth="repeat">
+      <a:schemeClr val="lt1"/>
+    </dgm:linClrLst>
+    <dgm:effectClrLst/>
+    <dgm:txLinClrLst/>
+    <dgm:txFillClrLst/>
+    <dgm:txEffectClrLst/>
+  </dgm:styleLbl>
+  <dgm:styleLbl name="asst2">
+    <dgm:fillClrLst meth="repeat">
+      <a:schemeClr val="accent1"/>
+    </dgm:fillClrLst>
+    <dgm:linClrLst meth="repeat">
+      <a:schemeClr val="lt1"/>
+    </dgm:linClrLst>
+    <dgm:effectClrLst/>
+    <dgm:txLinClrLst/>
+    <dgm:txFillClrLst/>
+    <dgm:txEffectClrLst/>
+  </dgm:styleLbl>
+  <dgm:styleLbl name="asst3">
+    <dgm:fillClrLst meth="repeat">
+      <a:schemeClr val="accent1"/>
+    </dgm:fillClrLst>
+    <dgm:linClrLst meth="repeat">
+      <a:schemeClr val="lt1"/>
+    </dgm:linClrLst>
+    <dgm:effectClrLst/>
+    <dgm:txLinClrLst/>
+    <dgm:txFillClrLst/>
+    <dgm:txEffectClrLst/>
+  </dgm:styleLbl>
+  <dgm:styleLbl name="asst4">
+    <dgm:fillClrLst meth="repeat">
+      <a:schemeClr val="accent1"/>
+    </dgm:fillClrLst>
+    <dgm:linClrLst meth="repeat">
+      <a:schemeClr val="lt1"/>
+    </dgm:linClrLst>
+    <dgm:effectClrLst/>
+    <dgm:txLinClrLst/>
+    <dgm:txFillClrLst/>
+    <dgm:txEffectClrLst/>
+  </dgm:styleLbl>
+  <dgm:styleLbl name="parChTrans2D1">
+    <dgm:fillClrLst meth="repeat">
+      <a:schemeClr val="accent1">
+        <a:tint val="60000"/>
+      </a:schemeClr>
+    </dgm:fillClrLst>
+    <dgm:linClrLst meth="repeat">
+      <a:schemeClr val="accent1">
+        <a:tint val="60000"/>
+      </a:schemeClr>
+    </dgm:linClrLst>
+    <dgm:effectClrLst/>
+    <dgm:txLinClrLst/>
+    <dgm:txFillClrLst meth="repeat">
+      <a:schemeClr val="lt1"/>
+    </dgm:txFillClrLst>
+    <dgm:txEffectClrLst/>
+  </dgm:styleLbl>
+  <dgm:styleLbl name="parChTrans2D2">
+    <dgm:fillClrLst meth="repeat">
+      <a:schemeClr val="accent1"/>
+    </dgm:fillClrLst>
+    <dgm:linClrLst meth="repeat">
+      <a:schemeClr val="accent1"/>
+    </dgm:linClrLst>
+    <dgm:effectClrLst/>
+    <dgm:txLinClrLst/>
+    <dgm:txFillClrLst meth="repeat">
+      <a:schemeClr val="lt1"/>
+    </dgm:txFillClrLst>
+    <dgm:txEffectClrLst/>
+  </dgm:styleLbl>
+  <dgm:styleLbl name="parChTrans2D3">
+    <dgm:fillClrLst meth="repeat">
+      <a:schemeClr val="accent1"/>
+    </dgm:fillClrLst>
+    <dgm:linClrLst meth="repeat">
+      <a:schemeClr val="accent1"/>
+    </dgm:linClrLst>
+    <dgm:effectClrLst/>
+    <dgm:txLinClrLst/>
+    <dgm:txFillClrLst meth="repeat">
+      <a:schemeClr val="lt1"/>
+    </dgm:txFillClrLst>
+    <dgm:txEffectClrLst/>
+  </dgm:styleLbl>
+  <dgm:styleLbl name="parChTrans2D4">
+    <dgm:fillClrLst meth="repeat">
+      <a:schemeClr val="accent1"/>
+    </dgm:fillClrLst>
+    <dgm:linClrLst meth="repeat">
+      <a:schemeClr val="accent1"/>
+    </dgm:linClrLst>
+    <dgm:effectClrLst/>
+    <dgm:txLinClrLst/>
+    <dgm:txFillClrLst meth="repeat">
+      <a:schemeClr val="lt1"/>
+    </dgm:txFillClrLst>
+    <dgm:txEffectClrLst/>
+  </dgm:styleLbl>
+  <dgm:styleLbl name="parChTrans1D1">
+    <dgm:fillClrLst meth="repeat">
+      <a:schemeClr val="accent1"/>
+    </dgm:fillClrLst>
+    <dgm:linClrLst meth="repeat">
+      <a:schemeClr val="accent1">
+        <a:shade val="60000"/>
+      </a:schemeClr>
+    </dgm:linClrLst>
+    <dgm:effectClrLst/>
+    <dgm:txLinClrLst/>
+    <dgm:txFillClrLst meth="repeat">
+      <a:schemeClr val="tx1"/>
+    </dgm:txFillClrLst>
+    <dgm:txEffectClrLst/>
+  </dgm:styleLbl>
+  <dgm:styleLbl name="parChTrans1D2">
+    <dgm:fillClrLst meth="repeat">
+      <a:schemeClr val="accent1"/>
+    </dgm:fillClrLst>
+    <dgm:linClrLst meth="repeat">
+      <a:schemeClr val="accent1">
+        <a:shade val="60000"/>
+      </a:schemeClr>
+    </dgm:linClrLst>
+    <dgm:effectClrLst/>
+    <dgm:txLinClrLst/>
+    <dgm:txFillClrLst meth="repeat">
+      <a:schemeClr val="tx1"/>
+    </dgm:txFillClrLst>
+    <dgm:txEffectClrLst/>
+  </dgm:styleLbl>
+  <dgm:styleLbl name="parChTrans1D3">
+    <dgm:fillClrLst meth="repeat">
+      <a:schemeClr val="accent1"/>
+    </dgm:fillClrLst>
+    <dgm:linClrLst meth="repeat">
+      <a:schemeClr val="accent1">
+        <a:shade val="80000"/>
+      </a:schemeClr>
+    </dgm:linClrLst>
+    <dgm:effectClrLst/>
+    <dgm:txLinClrLst/>
+    <dgm:txFillClrLst meth="repeat">
+      <a:schemeClr val="tx1"/>
+    </dgm:txFillClrLst>
+    <dgm:txEffectClrLst/>
+  </dgm:styleLbl>
+  <dgm:styleLbl name="parChTrans1D4">
+    <dgm:fillClrLst meth="repeat">
+      <a:schemeClr val="accent1"/>
+    </dgm:fillClrLst>
+    <dgm:linClrLst meth="repeat">
+      <a:schemeClr val="accent1">
+        <a:shade val="80000"/>
+      </a:schemeClr>
+    </dgm:linClrLst>
+    <dgm:effectClrLst/>
+    <dgm:txLinClrLst/>
+    <dgm:txFillClrLst meth="repeat">
+      <a:schemeClr val="tx1"/>
+    </dgm:txFillClrLst>
+    <dgm:txEffectClrLst/>
+  </dgm:styleLbl>
+  <dgm:styleLbl name="fgAcc1">
+    <dgm:fillClrLst meth="repeat">
+      <a:schemeClr val="lt1">
+        <a:alpha val="90000"/>
+      </a:schemeClr>
+    </dgm:fillClrLst>
+    <dgm:linClrLst meth="repeat">
+      <a:schemeClr val="accent1"/>
+    </dgm:linClrLst>
+    <dgm:effectClrLst/>
+    <dgm:txLinClrLst/>
+    <dgm:txFillClrLst meth="repeat">
+      <a:schemeClr val="dk1"/>
+    </dgm:txFillClrLst>
+    <dgm:txEffectClrLst/>
+  </dgm:styleLbl>
+  <dgm:styleLbl name="conFgAcc1">
+    <dgm:fillClrLst meth="repeat">
+      <a:schemeClr val="lt1">
+        <a:alpha val="90000"/>
+      </a:schemeClr>
+    </dgm:fillClrLst>
+    <dgm:linClrLst meth="repeat">
+      <a:schemeClr val="accent1"/>
+    </dgm:linClrLst>
+    <dgm:effectClrLst/>
+    <dgm:txLinClrLst/>
+    <dgm:txFillClrLst meth="repeat">
+      <a:schemeClr val="dk1"/>
+    </dgm:txFillClrLst>
+    <dgm:txEffectClrLst/>
+  </dgm:styleLbl>
+  <dgm:styleLbl name="alignAcc1">
+    <dgm:fillClrLst meth="repeat">
+      <a:schemeClr val="lt1">
+        <a:alpha val="90000"/>
+      </a:schemeClr>
+    </dgm:fillClrLst>
+    <dgm:linClrLst meth="repeat">
+      <a:schemeClr val="accent1"/>
+    </dgm:linClrLst>
+    <dgm:effectClrLst/>
+    <dgm:txLinClrLst/>
+    <dgm:txFillClrLst meth="repeat">
+      <a:schemeClr val="dk1"/>
+    </dgm:txFillClrLst>
+    <dgm:txEffectClrLst/>
+  </dgm:styleLbl>
+  <dgm:styleLbl name="trAlignAcc1">
+    <dgm:fillClrLst meth="repeat">
+      <a:schemeClr val="lt1">
+        <a:alpha val="40000"/>
+      </a:schemeClr>
+    </dgm:fillClrLst>
+    <dgm:linClrLst meth="repeat">
+      <a:schemeClr val="accent1"/>
+    </dgm:linClrLst>
+    <dgm:effectClrLst/>
+    <dgm:txLinClrLst/>
+    <dgm:txFillClrLst meth="repeat">
+      <a:schemeClr val="dk1"/>
+    </dgm:txFillClrLst>
+    <dgm:txEffectClrLst/>
+  </dgm:styleLbl>
+  <dgm:styleLbl name="bgAcc1">
+    <dgm:fillClrLst meth="repeat">
+      <a:schemeClr val="lt1">
+        <a:alpha val="90000"/>
+      </a:schemeClr>
+    </dgm:fillClrLst>
+    <dgm:linClrLst meth="repeat">
+      <a:schemeClr val="accent1"/>
+    </dgm:linClrLst>
+    <dgm:effectClrLst/>
+    <dgm:txLinClrLst/>
+    <dgm:txFillClrLst meth="repeat">
+      <a:schemeClr val="dk1"/>
+    </dgm:txFillClrLst>
+    <dgm:txEffectClrLst/>
+  </dgm:styleLbl>
+  <dgm:styleLbl name="solidFgAcc1">
+    <dgm:fillClrLst meth="repeat">
+      <a:schemeClr val="lt1"/>
+    </dgm:fillClrLst>
+    <dgm:linClrLst meth="repeat">
+      <a:schemeClr val="accent1"/>
+    </dgm:linClrLst>
+    <dgm:effectClrLst/>
+    <dgm:txLinClrLst/>
+    <dgm:txFillClrLst meth="repeat">
+      <a:schemeClr val="dk1"/>
+    </dgm:txFillClrLst>
+    <dgm:txEffectClrLst/>
+  </dgm:styleLbl>
+  <dgm:styleLbl name="solidAlignAcc1">
+    <dgm:fillClrLst meth="repeat">
+      <a:schemeClr val="lt1"/>
+    </dgm:fillClrLst>
+    <dgm:linClrLst meth="repeat">
+      <a:schemeClr val="accent1"/>
+    </dgm:linClrLst>
+    <dgm:effectClrLst/>
+    <dgm:txLinClrLst/>
+    <dgm:txFillClrLst meth="repeat">
+      <a:schemeClr val="dk1"/>
+    </dgm:txFillClrLst>
+    <dgm:txEffectClrLst/>
+  </dgm:styleLbl>
+  <dgm:styleLbl name="solidBgAcc1">
+    <dgm:fillClrLst meth="repeat">
+      <a:schemeClr val="lt1"/>
+    </dgm:fillClrLst>
+    <dgm:linClrLst meth="repeat">
+      <a:schemeClr val="accent1"/>
+    </dgm:linClrLst>
+    <dgm:effectClrLst/>
+    <dgm:txLinClrLst/>
+    <dgm:txFillClrLst meth="repeat">
+      <a:schemeClr val="dk1"/>
+    </dgm:txFillClrLst>
+    <dgm:txEffectClrLst/>
+  </dgm:styleLbl>
+  <dgm:styleLbl name="fgAccFollowNode1">
+    <dgm:fillClrLst meth="repeat">
+      <a:schemeClr val="accent1">
+        <a:alpha val="90000"/>
+        <a:tint val="40000"/>
+      </a:schemeClr>
+    </dgm:fillClrLst>
+    <dgm:linClrLst meth="repeat">
+      <a:schemeClr val="accent1">
+        <a:alpha val="90000"/>
+        <a:tint val="40000"/>
+      </a:schemeClr>
+    </dgm:linClrLst>
+    <dgm:effectClrLst/>
+    <dgm:txLinClrLst/>
+    <dgm:txFillClrLst meth="repeat">
+      <a:schemeClr val="dk1"/>
+    </dgm:txFillClrLst>
+    <dgm:txEffectClrLst/>
+  </dgm:styleLbl>
+  <dgm:styleLbl name="alignAccFollowNode1">
+    <dgm:fillClrLst meth="repeat">
+      <a:schemeClr val="accent1">
+        <a:alpha val="90000"/>
+        <a:tint val="40000"/>
+      </a:schemeClr>
+    </dgm:fillClrLst>
+    <dgm:linClrLst meth="repeat">
+      <a:schemeClr val="accent1">
+        <a:alpha val="90000"/>
+        <a:tint val="40000"/>
+      </a:schemeClr>
+    </dgm:linClrLst>
+    <dgm:effectClrLst/>
+    <dgm:txLinClrLst/>
+    <dgm:txFillClrLst meth="repeat">
+      <a:schemeClr val="dk1"/>
+    </dgm:txFillClrLst>
+    <dgm:txEffectClrLst/>
+  </dgm:styleLbl>
+  <dgm:styleLbl name="bgAccFollowNode1">
+    <dgm:fillClrLst meth="repeat">
+      <a:schemeClr val="accent1">
+        <a:alpha val="90000"/>
+        <a:tint val="40000"/>
+      </a:schemeClr>
+    </dgm:fillClrLst>
+    <dgm:linClrLst meth="repeat">
+      <a:schemeClr val="accent1">
+        <a:alpha val="90000"/>
+        <a:tint val="40000"/>
+      </a:schemeClr>
+    </dgm:linClrLst>
+    <dgm:effectClrLst/>
+    <dgm:txLinClrLst/>
+    <dgm:txFillClrLst meth="repeat">
+      <a:schemeClr val="dk1"/>
+    </dgm:txFillClrLst>
+    <dgm:txEffectClrLst/>
+  </dgm:styleLbl>
+  <dgm:styleLbl name="fgAcc0">
+    <dgm:fillClrLst meth="repeat">
+      <a:schemeClr val="lt1">
+        <a:alpha val="90000"/>
+      </a:schemeClr>
+    </dgm:fillClrLst>
+    <dgm:linClrLst meth="repeat">
+      <a:schemeClr val="accent1"/>
+    </dgm:linClrLst>
+    <dgm:effectClrLst/>
+    <dgm:txLinClrLst/>
+    <dgm:txFillClrLst meth="repeat">
+      <a:schemeClr val="dk1"/>
+    </dgm:txFillClrLst>
+    <dgm:txEffectClrLst/>
+  </dgm:styleLbl>
+  <dgm:styleLbl name="fgAcc2">
+    <dgm:fillClrLst meth="repeat">
+      <a:schemeClr val="lt1">
+        <a:alpha val="90000"/>
+      </a:schemeClr>
+    </dgm:fillClrLst>
+    <dgm:linClrLst meth="repeat">
+      <a:schemeClr val="accent1"/>
+    </dgm:linClrLst>
+    <dgm:effectClrLst/>
+    <dgm:txLinClrLst/>
+    <dgm:txFillClrLst meth="repeat">
+      <a:schemeClr val="dk1"/>
+    </dgm:txFillClrLst>
+    <dgm:txEffectClrLst/>
+  </dgm:styleLbl>
+  <dgm:styleLbl name="fgAcc3">
+    <dgm:fillClrLst meth="repeat">
+      <a:schemeClr val="lt1">
+        <a:alpha val="90000"/>
+      </a:schemeClr>
+    </dgm:fillClrLst>
+    <dgm:linClrLst meth="repeat">
+      <a:schemeClr val="accent1"/>
+    </dgm:linClrLst>
+    <dgm:effectClrLst/>
+    <dgm:txLinClrLst/>
+    <dgm:txFillClrLst meth="repeat">
+      <a:schemeClr val="dk1"/>
+    </dgm:txFillClrLst>
+    <dgm:txEffectClrLst/>
+  </dgm:styleLbl>
+  <dgm:styleLbl name="fgAcc4">
+    <dgm:fillClrLst meth="repeat">
+      <a:schemeClr val="lt1">
+        <a:alpha val="90000"/>
+      </a:schemeClr>
+    </dgm:fillClrLst>
+    <dgm:linClrLst meth="repeat">
+      <a:schemeClr val="accent1"/>
+    </dgm:linClrLst>
+    <dgm:effectClrLst/>
+    <dgm:txLinClrLst/>
+    <dgm:txFillClrLst meth="repeat">
+      <a:schemeClr val="dk1"/>
+    </dgm:txFillClrLst>
+    <dgm:txEffectClrLst/>
+  </dgm:styleLbl>
+  <dgm:styleLbl name="bgShp">
+    <dgm:fillClrLst meth="repeat">
+      <a:schemeClr val="accent1">
+        <a:tint val="40000"/>
+      </a:schemeClr>
+    </dgm:fillClrLst>
+    <dgm:linClrLst meth="repeat">
+      <a:schemeClr val="accent1"/>
+    </dgm:linClrLst>
+    <dgm:effectClrLst/>
+    <dgm:txLinClrLst/>
+    <dgm:txFillClrLst meth="repeat">
+      <a:schemeClr val="dk1"/>
+    </dgm:txFillClrLst>
+    <dgm:txEffectClrLst/>
+  </dgm:styleLbl>
+  <dgm:styleLbl name="dkBgShp">
+    <dgm:fillClrLst meth="repeat">
+      <a:schemeClr val="accent1">
+        <a:shade val="80000"/>
+      </a:schemeClr>
+    </dgm:fillClrLst>
+    <dgm:linClrLst meth="repeat">
+      <a:schemeClr val="accent1"/>
+    </dgm:linClrLst>
+    <dgm:effectClrLst/>
+    <dgm:txLinClrLst/>
+    <dgm:txFillClrLst meth="repeat">
+      <a:schemeClr val="lt1"/>
+    </dgm:txFillClrLst>
+    <dgm:txEffectClrLst/>
+  </dgm:styleLbl>
+  <dgm:styleLbl name="trBgShp">
+    <dgm:fillClrLst meth="repeat">
+      <a:schemeClr val="accent1">
+        <a:tint val="50000"/>
+        <a:alpha val="40000"/>
+      </a:schemeClr>
+    </dgm:fillClrLst>
+    <dgm:linClrLst meth="repeat">
+      <a:schemeClr val="accent1"/>
+    </dgm:linClrLst>
+    <dgm:effectClrLst/>
+    <dgm:txLinClrLst/>
+    <dgm:txFillClrLst meth="repeat">
+      <a:schemeClr val="lt1"/>
+    </dgm:txFillClrLst>
+    <dgm:txEffectClrLst/>
+  </dgm:styleLbl>
+  <dgm:styleLbl name="fgShp">
+    <dgm:fillClrLst meth="repeat">
+      <a:schemeClr val="accent1">
+        <a:tint val="60000"/>
+      </a:schemeClr>
+    </dgm:fillClrLst>
+    <dgm:linClrLst meth="repeat">
+      <a:schemeClr val="lt1"/>
+    </dgm:linClrLst>
+    <dgm:effectClrLst/>
+    <dgm:txLinClrLst/>
+    <dgm:txFillClrLst meth="repeat">
+      <a:schemeClr val="dk1"/>
+    </dgm:txFillClrLst>
+    <dgm:txEffectClrLst/>
+  </dgm:styleLbl>
+  <dgm:styleLbl name="revTx">
+    <dgm:fillClrLst meth="repeat">
+      <a:schemeClr val="lt1">
+        <a:alpha val="0"/>
+      </a:schemeClr>
+    </dgm:fillClrLst>
+    <dgm:linClrLst meth="repeat">
+      <a:schemeClr val="dk1">
+        <a:alpha val="0"/>
+      </a:schemeClr>
+    </dgm:linClrLst>
+    <dgm:effectClrLst/>
+    <dgm:txLinClrLst/>
+    <dgm:txFillClrLst meth="repeat">
+      <a:schemeClr val="tx1"/>
+    </dgm:txFillClrLst>
+    <dgm:txEffectClrLst/>
+  </dgm:styleLbl>
+</dgm:colorsDef>
+</file>
+
+<file path=ppt/diagrams/data1.xml><?xml version="1.0" encoding="utf-8"?>
+<dgm:dataModel xmlns:dgm="http://schemas.openxmlformats.org/drawingml/2006/diagram" xmlns:a="http://schemas.openxmlformats.org/drawingml/2006/main">
+  <dgm:ptLst>
+    <dgm:pt modelId="{13050739-4330-4F6D-BF92-30B50E4F35E7}" type="doc">
+      <dgm:prSet loTypeId="urn:microsoft.com/office/officeart/2018/2/layout/IconCircleList" loCatId="icon" qsTypeId="urn:microsoft.com/office/officeart/2005/8/quickstyle/simple1" qsCatId="simple" csTypeId="urn:microsoft.com/office/officeart/2005/8/colors/accent1_2" csCatId="accent1" phldr="1"/>
+      <dgm:spPr/>
+      <dgm:t>
+        <a:bodyPr/>
+        <a:lstStyle/>
+        <a:p>
+          <a:endParaRPr lang="en-US"/>
+        </a:p>
+      </dgm:t>
+    </dgm:pt>
+    <dgm:pt modelId="{A5728A36-F363-4A12-9479-D048D33C7737}">
+      <dgm:prSet/>
+      <dgm:spPr/>
+      <dgm:t>
+        <a:bodyPr/>
+        <a:lstStyle/>
+        <a:p>
+          <a:pPr>
+            <a:lnSpc>
+              <a:spcPct val="100000"/>
+            </a:lnSpc>
+          </a:pPr>
+          <a:r>
+            <a:rPr lang="en-US"/>
+            <a:t>Objective 1: Developing the Gaussian processes framework for interpretable dynamical system design</a:t>
+          </a:r>
+        </a:p>
+      </dgm:t>
+    </dgm:pt>
+    <dgm:pt modelId="{B01F4D1E-9D91-4B73-8F49-4EBAE6325FD1}" type="parTrans" cxnId="{19810EC6-BB22-4826-A2A2-CD86896BEBF0}">
+      <dgm:prSet/>
+      <dgm:spPr/>
+      <dgm:t>
+        <a:bodyPr/>
+        <a:lstStyle/>
+        <a:p>
+          <a:endParaRPr lang="en-US"/>
+        </a:p>
+      </dgm:t>
+    </dgm:pt>
+    <dgm:pt modelId="{6FE8AD58-B7E2-44ED-8044-EF2A8D103FD4}" type="sibTrans" cxnId="{19810EC6-BB22-4826-A2A2-CD86896BEBF0}">
+      <dgm:prSet/>
+      <dgm:spPr/>
+      <dgm:t>
+        <a:bodyPr/>
+        <a:lstStyle/>
+        <a:p>
+          <a:pPr>
+            <a:lnSpc>
+              <a:spcPct val="100000"/>
+            </a:lnSpc>
+          </a:pPr>
+          <a:endParaRPr lang="en-US"/>
+        </a:p>
+      </dgm:t>
+    </dgm:pt>
+    <dgm:pt modelId="{12099C8B-F20B-48D2-BFF7-106B72E3E70B}">
+      <dgm:prSet/>
+      <dgm:spPr/>
+      <dgm:t>
+        <a:bodyPr/>
+        <a:lstStyle/>
+        <a:p>
+          <a:pPr>
+            <a:lnSpc>
+              <a:spcPct val="100000"/>
+            </a:lnSpc>
+          </a:pPr>
+          <a:r>
+            <a:rPr lang="en-US"/>
+            <a:t>Objective 2: Generate a library of stable microbial communities</a:t>
+          </a:r>
+        </a:p>
+      </dgm:t>
+    </dgm:pt>
+    <dgm:pt modelId="{6AF9D6BC-7E3A-4F61-8B2B-F2F9A8E44B23}" type="parTrans" cxnId="{5350C099-835C-4ED2-A593-3BE8F5FFFA20}">
+      <dgm:prSet/>
+      <dgm:spPr/>
+      <dgm:t>
+        <a:bodyPr/>
+        <a:lstStyle/>
+        <a:p>
+          <a:endParaRPr lang="en-US"/>
+        </a:p>
+      </dgm:t>
+    </dgm:pt>
+    <dgm:pt modelId="{C5581DEA-B6E8-4B44-BC27-8EBF90D04D55}" type="sibTrans" cxnId="{5350C099-835C-4ED2-A593-3BE8F5FFFA20}">
+      <dgm:prSet/>
+      <dgm:spPr/>
+      <dgm:t>
+        <a:bodyPr/>
+        <a:lstStyle/>
+        <a:p>
+          <a:endParaRPr lang="en-US"/>
+        </a:p>
+      </dgm:t>
+    </dgm:pt>
+    <dgm:pt modelId="{1DDB7EC5-B175-41E0-9E34-7BD08AC200C8}" type="pres">
+      <dgm:prSet presAssocID="{13050739-4330-4F6D-BF92-30B50E4F35E7}" presName="root" presStyleCnt="0">
+        <dgm:presLayoutVars>
+          <dgm:dir/>
+          <dgm:resizeHandles val="exact"/>
+        </dgm:presLayoutVars>
+      </dgm:prSet>
+      <dgm:spPr/>
+    </dgm:pt>
+    <dgm:pt modelId="{E77304C8-03B7-49C3-8B63-C2ADD22DC0B2}" type="pres">
+      <dgm:prSet presAssocID="{13050739-4330-4F6D-BF92-30B50E4F35E7}" presName="container" presStyleCnt="0">
+        <dgm:presLayoutVars>
+          <dgm:dir/>
+          <dgm:resizeHandles val="exact"/>
+        </dgm:presLayoutVars>
+      </dgm:prSet>
+      <dgm:spPr/>
+    </dgm:pt>
+    <dgm:pt modelId="{CE6590C8-5959-4677-9626-4C5660D2994F}" type="pres">
+      <dgm:prSet presAssocID="{A5728A36-F363-4A12-9479-D048D33C7737}" presName="compNode" presStyleCnt="0"/>
+      <dgm:spPr/>
+    </dgm:pt>
+    <dgm:pt modelId="{9ECACB88-D664-4F26-975D-29ABD55D56C4}" type="pres">
+      <dgm:prSet presAssocID="{A5728A36-F363-4A12-9479-D048D33C7737}" presName="iconBgRect" presStyleLbl="bgShp" presStyleIdx="0" presStyleCnt="2"/>
+      <dgm:spPr/>
+    </dgm:pt>
+    <dgm:pt modelId="{DF2804E9-76D1-4C86-B894-9166843B46F1}" type="pres">
+      <dgm:prSet presAssocID="{A5728A36-F363-4A12-9479-D048D33C7737}" presName="iconRect" presStyleLbl="node1" presStyleIdx="0" presStyleCnt="2"/>
+      <dgm:spPr>
+        <a:blipFill>
+          <a:blip xmlns:r="http://schemas.openxmlformats.org/officeDocument/2006/relationships" r:embed="rId1">
+            <a:extLst>
+              <a:ext uri="{28A0092B-C50C-407E-A947-70E740481C1C}">
+                <a14:useLocalDpi xmlns:a14="http://schemas.microsoft.com/office/drawing/2010/main" val="0"/>
+              </a:ext>
+              <a:ext uri="{96DAC541-7B7A-43D3-8B79-37D633B846F1}">
+                <asvg:svgBlip xmlns:asvg="http://schemas.microsoft.com/office/drawing/2016/SVG/main" r:embed="rId2"/>
+              </a:ext>
+            </a:extLst>
+          </a:blip>
+          <a:stretch>
+            <a:fillRect/>
+          </a:stretch>
+        </a:blipFill>
+      </dgm:spPr>
+      <dgm:extLst>
+        <a:ext uri="{E40237B7-FDA0-4F09-8148-C483321AD2D9}">
+          <dgm14:cNvPr xmlns:dgm14="http://schemas.microsoft.com/office/drawing/2010/diagram" id="0" name="" descr="Checkmark"/>
+        </a:ext>
+      </dgm:extLst>
+    </dgm:pt>
+    <dgm:pt modelId="{29A5E87A-953E-4847-B8EE-E2BCE489F722}" type="pres">
+      <dgm:prSet presAssocID="{A5728A36-F363-4A12-9479-D048D33C7737}" presName="spaceRect" presStyleCnt="0"/>
+      <dgm:spPr/>
+    </dgm:pt>
+    <dgm:pt modelId="{89E5CB9D-BC7E-4016-A6C1-A64830FA3452}" type="pres">
+      <dgm:prSet presAssocID="{A5728A36-F363-4A12-9479-D048D33C7737}" presName="textRect" presStyleLbl="revTx" presStyleIdx="0" presStyleCnt="2">
+        <dgm:presLayoutVars>
+          <dgm:chMax val="1"/>
+          <dgm:chPref val="1"/>
+        </dgm:presLayoutVars>
+      </dgm:prSet>
+      <dgm:spPr/>
+    </dgm:pt>
+    <dgm:pt modelId="{A67BC1EE-E96C-47B7-8FCB-174A16D599ED}" type="pres">
+      <dgm:prSet presAssocID="{6FE8AD58-B7E2-44ED-8044-EF2A8D103FD4}" presName="sibTrans" presStyleLbl="sibTrans2D1" presStyleIdx="0" presStyleCnt="0"/>
+      <dgm:spPr/>
+    </dgm:pt>
+    <dgm:pt modelId="{316ACD8C-B16D-4F47-BA21-CD7B2C21E717}" type="pres">
+      <dgm:prSet presAssocID="{12099C8B-F20B-48D2-BFF7-106B72E3E70B}" presName="compNode" presStyleCnt="0"/>
+      <dgm:spPr/>
+    </dgm:pt>
+    <dgm:pt modelId="{6A06A863-B439-48C2-B7D2-58DA7839F603}" type="pres">
+      <dgm:prSet presAssocID="{12099C8B-F20B-48D2-BFF7-106B72E3E70B}" presName="iconBgRect" presStyleLbl="bgShp" presStyleIdx="1" presStyleCnt="2"/>
+      <dgm:spPr/>
+    </dgm:pt>
+    <dgm:pt modelId="{48032432-5D6E-4678-97A2-FE8C3C11E84E}" type="pres">
+      <dgm:prSet presAssocID="{12099C8B-F20B-48D2-BFF7-106B72E3E70B}" presName="iconRect" presStyleLbl="node1" presStyleIdx="1" presStyleCnt="2"/>
+      <dgm:spPr>
+        <a:blipFill>
+          <a:blip xmlns:r="http://schemas.openxmlformats.org/officeDocument/2006/relationships" r:embed="rId3">
+            <a:extLst>
+              <a:ext uri="{28A0092B-C50C-407E-A947-70E740481C1C}">
+                <a14:useLocalDpi xmlns:a14="http://schemas.microsoft.com/office/drawing/2010/main" val="0"/>
+              </a:ext>
+              <a:ext uri="{96DAC541-7B7A-43D3-8B79-37D633B846F1}">
+                <asvg:svgBlip xmlns:asvg="http://schemas.microsoft.com/office/drawing/2016/SVG/main" r:embed="rId4"/>
+              </a:ext>
+            </a:extLst>
+          </a:blip>
+          <a:stretch>
+            <a:fillRect/>
+          </a:stretch>
+        </a:blipFill>
+      </dgm:spPr>
+      <dgm:extLst>
+        <a:ext uri="{E40237B7-FDA0-4F09-8148-C483321AD2D9}">
+          <dgm14:cNvPr xmlns:dgm14="http://schemas.microsoft.com/office/drawing/2010/diagram" id="0" name="" descr="Books"/>
+        </a:ext>
+      </dgm:extLst>
+    </dgm:pt>
+    <dgm:pt modelId="{8BB3CED0-8272-4684-834B-6580FFF7C0AA}" type="pres">
+      <dgm:prSet presAssocID="{12099C8B-F20B-48D2-BFF7-106B72E3E70B}" presName="spaceRect" presStyleCnt="0"/>
+      <dgm:spPr/>
+    </dgm:pt>
+    <dgm:pt modelId="{9FEFE48C-089E-4A91-A263-A6A8939B28A8}" type="pres">
+      <dgm:prSet presAssocID="{12099C8B-F20B-48D2-BFF7-106B72E3E70B}" presName="textRect" presStyleLbl="revTx" presStyleIdx="1" presStyleCnt="2">
+        <dgm:presLayoutVars>
+          <dgm:chMax val="1"/>
+          <dgm:chPref val="1"/>
+        </dgm:presLayoutVars>
+      </dgm:prSet>
+      <dgm:spPr/>
+    </dgm:pt>
+  </dgm:ptLst>
+  <dgm:cxnLst>
+    <dgm:cxn modelId="{10C48615-11C2-4E58-95AB-26CFC423F3B1}" type="presOf" srcId="{6FE8AD58-B7E2-44ED-8044-EF2A8D103FD4}" destId="{A67BC1EE-E96C-47B7-8FCB-174A16D599ED}" srcOrd="0" destOrd="0" presId="urn:microsoft.com/office/officeart/2018/2/layout/IconCircleList"/>
+    <dgm:cxn modelId="{848E8E52-2E4D-4055-8357-9898AD2A7FF2}" type="presOf" srcId="{A5728A36-F363-4A12-9479-D048D33C7737}" destId="{89E5CB9D-BC7E-4016-A6C1-A64830FA3452}" srcOrd="0" destOrd="0" presId="urn:microsoft.com/office/officeart/2018/2/layout/IconCircleList"/>
+    <dgm:cxn modelId="{18C3448F-A307-484E-B495-FE22B346E29B}" type="presOf" srcId="{13050739-4330-4F6D-BF92-30B50E4F35E7}" destId="{1DDB7EC5-B175-41E0-9E34-7BD08AC200C8}" srcOrd="0" destOrd="0" presId="urn:microsoft.com/office/officeart/2018/2/layout/IconCircleList"/>
+    <dgm:cxn modelId="{5350C099-835C-4ED2-A593-3BE8F5FFFA20}" srcId="{13050739-4330-4F6D-BF92-30B50E4F35E7}" destId="{12099C8B-F20B-48D2-BFF7-106B72E3E70B}" srcOrd="1" destOrd="0" parTransId="{6AF9D6BC-7E3A-4F61-8B2B-F2F9A8E44B23}" sibTransId="{C5581DEA-B6E8-4B44-BC27-8EBF90D04D55}"/>
+    <dgm:cxn modelId="{4EAA9BB6-C912-4403-A15B-31E01BFD9BB8}" type="presOf" srcId="{12099C8B-F20B-48D2-BFF7-106B72E3E70B}" destId="{9FEFE48C-089E-4A91-A263-A6A8939B28A8}" srcOrd="0" destOrd="0" presId="urn:microsoft.com/office/officeart/2018/2/layout/IconCircleList"/>
+    <dgm:cxn modelId="{19810EC6-BB22-4826-A2A2-CD86896BEBF0}" srcId="{13050739-4330-4F6D-BF92-30B50E4F35E7}" destId="{A5728A36-F363-4A12-9479-D048D33C7737}" srcOrd="0" destOrd="0" parTransId="{B01F4D1E-9D91-4B73-8F49-4EBAE6325FD1}" sibTransId="{6FE8AD58-B7E2-44ED-8044-EF2A8D103FD4}"/>
+    <dgm:cxn modelId="{992E1A5E-FB37-49C1-8773-39F7B2290D68}" type="presParOf" srcId="{1DDB7EC5-B175-41E0-9E34-7BD08AC200C8}" destId="{E77304C8-03B7-49C3-8B63-C2ADD22DC0B2}" srcOrd="0" destOrd="0" presId="urn:microsoft.com/office/officeart/2018/2/layout/IconCircleList"/>
+    <dgm:cxn modelId="{3EE9037F-023D-4457-A5CA-8235DE1AE072}" type="presParOf" srcId="{E77304C8-03B7-49C3-8B63-C2ADD22DC0B2}" destId="{CE6590C8-5959-4677-9626-4C5660D2994F}" srcOrd="0" destOrd="0" presId="urn:microsoft.com/office/officeart/2018/2/layout/IconCircleList"/>
+    <dgm:cxn modelId="{CEEF764D-AD42-4B3C-B7E6-37DF3140C20A}" type="presParOf" srcId="{CE6590C8-5959-4677-9626-4C5660D2994F}" destId="{9ECACB88-D664-4F26-975D-29ABD55D56C4}" srcOrd="0" destOrd="0" presId="urn:microsoft.com/office/officeart/2018/2/layout/IconCircleList"/>
+    <dgm:cxn modelId="{53D858EA-52CA-4686-A815-8153E0AEC294}" type="presParOf" srcId="{CE6590C8-5959-4677-9626-4C5660D2994F}" destId="{DF2804E9-76D1-4C86-B894-9166843B46F1}" srcOrd="1" destOrd="0" presId="urn:microsoft.com/office/officeart/2018/2/layout/IconCircleList"/>
+    <dgm:cxn modelId="{0762C474-962A-4AAE-83A3-B3138AA23037}" type="presParOf" srcId="{CE6590C8-5959-4677-9626-4C5660D2994F}" destId="{29A5E87A-953E-4847-B8EE-E2BCE489F722}" srcOrd="2" destOrd="0" presId="urn:microsoft.com/office/officeart/2018/2/layout/IconCircleList"/>
+    <dgm:cxn modelId="{5DB5FBFF-209F-4035-81BC-29271320D46F}" type="presParOf" srcId="{CE6590C8-5959-4677-9626-4C5660D2994F}" destId="{89E5CB9D-BC7E-4016-A6C1-A64830FA3452}" srcOrd="3" destOrd="0" presId="urn:microsoft.com/office/officeart/2018/2/layout/IconCircleList"/>
+    <dgm:cxn modelId="{7296EFAF-C389-4644-9BEC-C6D2421B485A}" type="presParOf" srcId="{E77304C8-03B7-49C3-8B63-C2ADD22DC0B2}" destId="{A67BC1EE-E96C-47B7-8FCB-174A16D599ED}" srcOrd="1" destOrd="0" presId="urn:microsoft.com/office/officeart/2018/2/layout/IconCircleList"/>
+    <dgm:cxn modelId="{6EF8D36F-07D0-469A-86B5-8BDDFF96117E}" type="presParOf" srcId="{E77304C8-03B7-49C3-8B63-C2ADD22DC0B2}" destId="{316ACD8C-B16D-4F47-BA21-CD7B2C21E717}" srcOrd="2" destOrd="0" presId="urn:microsoft.com/office/officeart/2018/2/layout/IconCircleList"/>
+    <dgm:cxn modelId="{164AB2CE-BE21-41E2-9389-F521A91EDCD2}" type="presParOf" srcId="{316ACD8C-B16D-4F47-BA21-CD7B2C21E717}" destId="{6A06A863-B439-48C2-B7D2-58DA7839F603}" srcOrd="0" destOrd="0" presId="urn:microsoft.com/office/officeart/2018/2/layout/IconCircleList"/>
+    <dgm:cxn modelId="{D0BA591F-9E21-4036-BA9B-71037951B159}" type="presParOf" srcId="{316ACD8C-B16D-4F47-BA21-CD7B2C21E717}" destId="{48032432-5D6E-4678-97A2-FE8C3C11E84E}" srcOrd="1" destOrd="0" presId="urn:microsoft.com/office/officeart/2018/2/layout/IconCircleList"/>
+    <dgm:cxn modelId="{B01EFA51-F5CA-4E32-A53A-91E0ADFB8F41}" type="presParOf" srcId="{316ACD8C-B16D-4F47-BA21-CD7B2C21E717}" destId="{8BB3CED0-8272-4684-834B-6580FFF7C0AA}" srcOrd="2" destOrd="0" presId="urn:microsoft.com/office/officeart/2018/2/layout/IconCircleList"/>
+    <dgm:cxn modelId="{5A0E9610-0C2A-4164-8209-7E99AECB80BE}" type="presParOf" srcId="{316ACD8C-B16D-4F47-BA21-CD7B2C21E717}" destId="{9FEFE48C-089E-4A91-A263-A6A8939B28A8}" srcOrd="3" destOrd="0" presId="urn:microsoft.com/office/officeart/2018/2/layout/IconCircleList"/>
+  </dgm:cxnLst>
+  <dgm:bg/>
+  <dgm:whole/>
+  <dgm:extLst>
+    <a:ext uri="http://schemas.microsoft.com/office/drawing/2008/diagram">
+      <dsp:dataModelExt xmlns:dsp="http://schemas.microsoft.com/office/drawing/2008/diagram" relId="rId7" minVer="http://schemas.openxmlformats.org/drawingml/2006/diagram"/>
+    </a:ext>
+  </dgm:extLst>
+</dgm:dataModel>
+</file>
+
+<file path=ppt/diagrams/drawing1.xml><?xml version="1.0" encoding="utf-8"?>
+<dsp:drawing xmlns:dgm="http://schemas.openxmlformats.org/drawingml/2006/diagram" xmlns:dsp="http://schemas.microsoft.com/office/drawing/2008/diagram" xmlns:a="http://schemas.openxmlformats.org/drawingml/2006/main">
+  <dsp:spTree>
+    <dsp:nvGrpSpPr>
+      <dsp:cNvPr id="0" name=""/>
+      <dsp:cNvGrpSpPr/>
+    </dsp:nvGrpSpPr>
+    <dsp:grpSpPr/>
+    <dsp:sp modelId="{9ECACB88-D664-4F26-975D-29ABD55D56C4}">
+      <dsp:nvSpPr>
+        <dsp:cNvPr id="0" name=""/>
+        <dsp:cNvSpPr/>
+      </dsp:nvSpPr>
+      <dsp:spPr>
+        <a:xfrm>
+          <a:off x="212335" y="1507711"/>
+          <a:ext cx="1335915" cy="1335915"/>
+        </a:xfrm>
+        <a:prstGeom prst="ellipse">
+          <a:avLst/>
+        </a:prstGeom>
+        <a:solidFill>
+          <a:schemeClr val="accent1">
+            <a:tint val="40000"/>
+            <a:hueOff val="0"/>
+            <a:satOff val="0"/>
+            <a:lumOff val="0"/>
+            <a:alphaOff val="0"/>
+          </a:schemeClr>
+        </a:solidFill>
+        <a:ln>
+          <a:noFill/>
+        </a:ln>
+        <a:effectLst/>
+      </dsp:spPr>
+      <dsp:style>
+        <a:lnRef idx="0">
+          <a:scrgbClr r="0" g="0" b="0"/>
+        </a:lnRef>
+        <a:fillRef idx="1">
+          <a:scrgbClr r="0" g="0" b="0"/>
+        </a:fillRef>
+        <a:effectRef idx="0">
+          <a:scrgbClr r="0" g="0" b="0"/>
+        </a:effectRef>
+        <a:fontRef idx="minor"/>
+      </dsp:style>
+    </dsp:sp>
+    <dsp:sp modelId="{DF2804E9-76D1-4C86-B894-9166843B46F1}">
+      <dsp:nvSpPr>
+        <dsp:cNvPr id="0" name=""/>
+        <dsp:cNvSpPr/>
+      </dsp:nvSpPr>
+      <dsp:spPr>
+        <a:xfrm>
+          <a:off x="492877" y="1788253"/>
+          <a:ext cx="774830" cy="774830"/>
+        </a:xfrm>
+        <a:prstGeom prst="rect">
+          <a:avLst/>
+        </a:prstGeom>
+        <a:blipFill>
+          <a:blip xmlns:r="http://schemas.openxmlformats.org/officeDocument/2006/relationships" r:embed="rId1">
+            <a:extLst>
+              <a:ext uri="{28A0092B-C50C-407E-A947-70E740481C1C}">
+                <a14:useLocalDpi xmlns:a14="http://schemas.microsoft.com/office/drawing/2010/main" val="0"/>
+              </a:ext>
+              <a:ext uri="{96DAC541-7B7A-43D3-8B79-37D633B846F1}">
+                <asvg:svgBlip xmlns:asvg="http://schemas.microsoft.com/office/drawing/2016/SVG/main" r:embed="rId2"/>
+              </a:ext>
+            </a:extLst>
+          </a:blip>
+          <a:stretch>
+            <a:fillRect/>
+          </a:stretch>
+        </a:blipFill>
+        <a:ln w="12700" cap="flat" cmpd="sng" algn="ctr">
+          <a:solidFill>
+            <a:schemeClr val="lt1">
+              <a:hueOff val="0"/>
+              <a:satOff val="0"/>
+              <a:lumOff val="0"/>
+              <a:alphaOff val="0"/>
+            </a:schemeClr>
+          </a:solidFill>
+          <a:prstDash val="solid"/>
+          <a:miter lim="800000"/>
+        </a:ln>
+        <a:effectLst/>
+      </dsp:spPr>
+      <dsp:style>
+        <a:lnRef idx="2">
+          <a:scrgbClr r="0" g="0" b="0"/>
+        </a:lnRef>
+        <a:fillRef idx="1">
+          <a:scrgbClr r="0" g="0" b="0"/>
+        </a:fillRef>
+        <a:effectRef idx="0">
+          <a:scrgbClr r="0" g="0" b="0"/>
+        </a:effectRef>
+        <a:fontRef idx="minor">
+          <a:schemeClr val="lt1"/>
+        </a:fontRef>
+      </dsp:style>
+    </dsp:sp>
+    <dsp:sp modelId="{89E5CB9D-BC7E-4016-A6C1-A64830FA3452}">
+      <dsp:nvSpPr>
+        <dsp:cNvPr id="0" name=""/>
+        <dsp:cNvSpPr/>
+      </dsp:nvSpPr>
+      <dsp:spPr>
+        <a:xfrm>
+          <a:off x="1834517" y="1507711"/>
+          <a:ext cx="3148942" cy="1335915"/>
+        </a:xfrm>
+        <a:prstGeom prst="rect">
+          <a:avLst/>
+        </a:prstGeom>
+        <a:noFill/>
+        <a:ln>
+          <a:noFill/>
+        </a:ln>
+        <a:effectLst/>
+      </dsp:spPr>
+      <dsp:style>
+        <a:lnRef idx="0">
+          <a:scrgbClr r="0" g="0" b="0"/>
+        </a:lnRef>
+        <a:fillRef idx="0">
+          <a:scrgbClr r="0" g="0" b="0"/>
+        </a:fillRef>
+        <a:effectRef idx="0">
+          <a:scrgbClr r="0" g="0" b="0"/>
+        </a:effectRef>
+        <a:fontRef idx="minor"/>
+      </dsp:style>
+      <dsp:txBody>
+        <a:bodyPr spcFirstLastPara="0" vert="horz" wrap="square" lIns="0" tIns="0" rIns="0" bIns="0" numCol="1" spcCol="1270" anchor="ctr" anchorCtr="0">
+          <a:noAutofit/>
+        </a:bodyPr>
+        <a:lstStyle/>
+        <a:p>
+          <a:pPr marL="0" lvl="0" indent="0" algn="l" defTabSz="933450">
+            <a:lnSpc>
+              <a:spcPct val="100000"/>
+            </a:lnSpc>
+            <a:spcBef>
+              <a:spcPct val="0"/>
+            </a:spcBef>
+            <a:spcAft>
+              <a:spcPct val="35000"/>
+            </a:spcAft>
+            <a:buNone/>
+          </a:pPr>
+          <a:r>
+            <a:rPr lang="en-US" sz="2100" kern="1200"/>
+            <a:t>Objective 1: Developing the Gaussian processes framework for interpretable dynamical system design</a:t>
+          </a:r>
+        </a:p>
+      </dsp:txBody>
+      <dsp:txXfrm>
+        <a:off x="1834517" y="1507711"/>
+        <a:ext cx="3148942" cy="1335915"/>
+      </dsp:txXfrm>
+    </dsp:sp>
+    <dsp:sp modelId="{6A06A863-B439-48C2-B7D2-58DA7839F603}">
+      <dsp:nvSpPr>
+        <dsp:cNvPr id="0" name=""/>
+        <dsp:cNvSpPr/>
+      </dsp:nvSpPr>
+      <dsp:spPr>
+        <a:xfrm>
+          <a:off x="5532139" y="1507711"/>
+          <a:ext cx="1335915" cy="1335915"/>
+        </a:xfrm>
+        <a:prstGeom prst="ellipse">
+          <a:avLst/>
+        </a:prstGeom>
+        <a:solidFill>
+          <a:schemeClr val="accent1">
+            <a:tint val="40000"/>
+            <a:hueOff val="0"/>
+            <a:satOff val="0"/>
+            <a:lumOff val="0"/>
+            <a:alphaOff val="0"/>
+          </a:schemeClr>
+        </a:solidFill>
+        <a:ln>
+          <a:noFill/>
+        </a:ln>
+        <a:effectLst/>
+      </dsp:spPr>
+      <dsp:style>
+        <a:lnRef idx="0">
+          <a:scrgbClr r="0" g="0" b="0"/>
+        </a:lnRef>
+        <a:fillRef idx="1">
+          <a:scrgbClr r="0" g="0" b="0"/>
+        </a:fillRef>
+        <a:effectRef idx="0">
+          <a:scrgbClr r="0" g="0" b="0"/>
+        </a:effectRef>
+        <a:fontRef idx="minor"/>
+      </dsp:style>
+    </dsp:sp>
+    <dsp:sp modelId="{48032432-5D6E-4678-97A2-FE8C3C11E84E}">
+      <dsp:nvSpPr>
+        <dsp:cNvPr id="0" name=""/>
+        <dsp:cNvSpPr/>
+      </dsp:nvSpPr>
+      <dsp:spPr>
+        <a:xfrm>
+          <a:off x="5812681" y="1788253"/>
+          <a:ext cx="774830" cy="774830"/>
+        </a:xfrm>
+        <a:prstGeom prst="rect">
+          <a:avLst/>
+        </a:prstGeom>
+        <a:blipFill>
+          <a:blip xmlns:r="http://schemas.openxmlformats.org/officeDocument/2006/relationships" r:embed="rId3">
+            <a:extLst>
+              <a:ext uri="{28A0092B-C50C-407E-A947-70E740481C1C}">
+                <a14:useLocalDpi xmlns:a14="http://schemas.microsoft.com/office/drawing/2010/main" val="0"/>
+              </a:ext>
+              <a:ext uri="{96DAC541-7B7A-43D3-8B79-37D633B846F1}">
+                <asvg:svgBlip xmlns:asvg="http://schemas.microsoft.com/office/drawing/2016/SVG/main" r:embed="rId4"/>
+              </a:ext>
+            </a:extLst>
+          </a:blip>
+          <a:stretch>
+            <a:fillRect/>
+          </a:stretch>
+        </a:blipFill>
+        <a:ln w="12700" cap="flat" cmpd="sng" algn="ctr">
+          <a:solidFill>
+            <a:schemeClr val="lt1">
+              <a:hueOff val="0"/>
+              <a:satOff val="0"/>
+              <a:lumOff val="0"/>
+              <a:alphaOff val="0"/>
+            </a:schemeClr>
+          </a:solidFill>
+          <a:prstDash val="solid"/>
+          <a:miter lim="800000"/>
+        </a:ln>
+        <a:effectLst/>
+      </dsp:spPr>
+      <dsp:style>
+        <a:lnRef idx="2">
+          <a:scrgbClr r="0" g="0" b="0"/>
+        </a:lnRef>
+        <a:fillRef idx="1">
+          <a:scrgbClr r="0" g="0" b="0"/>
+        </a:fillRef>
+        <a:effectRef idx="0">
+          <a:scrgbClr r="0" g="0" b="0"/>
+        </a:effectRef>
+        <a:fontRef idx="minor">
+          <a:schemeClr val="lt1"/>
+        </a:fontRef>
+      </dsp:style>
+    </dsp:sp>
+    <dsp:sp modelId="{9FEFE48C-089E-4A91-A263-A6A8939B28A8}">
+      <dsp:nvSpPr>
+        <dsp:cNvPr id="0" name=""/>
+        <dsp:cNvSpPr/>
+      </dsp:nvSpPr>
+      <dsp:spPr>
+        <a:xfrm>
+          <a:off x="7154322" y="1507711"/>
+          <a:ext cx="3148942" cy="1335915"/>
+        </a:xfrm>
+        <a:prstGeom prst="rect">
+          <a:avLst/>
+        </a:prstGeom>
+        <a:noFill/>
+        <a:ln>
+          <a:noFill/>
+        </a:ln>
+        <a:effectLst/>
+      </dsp:spPr>
+      <dsp:style>
+        <a:lnRef idx="0">
+          <a:scrgbClr r="0" g="0" b="0"/>
+        </a:lnRef>
+        <a:fillRef idx="0">
+          <a:scrgbClr r="0" g="0" b="0"/>
+        </a:fillRef>
+        <a:effectRef idx="0">
+          <a:scrgbClr r="0" g="0" b="0"/>
+        </a:effectRef>
+        <a:fontRef idx="minor"/>
+      </dsp:style>
+      <dsp:txBody>
+        <a:bodyPr spcFirstLastPara="0" vert="horz" wrap="square" lIns="0" tIns="0" rIns="0" bIns="0" numCol="1" spcCol="1270" anchor="ctr" anchorCtr="0">
+          <a:noAutofit/>
+        </a:bodyPr>
+        <a:lstStyle/>
+        <a:p>
+          <a:pPr marL="0" lvl="0" indent="0" algn="l" defTabSz="933450">
+            <a:lnSpc>
+              <a:spcPct val="100000"/>
+            </a:lnSpc>
+            <a:spcBef>
+              <a:spcPct val="0"/>
+            </a:spcBef>
+            <a:spcAft>
+              <a:spcPct val="35000"/>
+            </a:spcAft>
+            <a:buNone/>
+          </a:pPr>
+          <a:r>
+            <a:rPr lang="en-US" sz="2100" kern="1200"/>
+            <a:t>Objective 2: Generate a library of stable microbial communities</a:t>
+          </a:r>
+        </a:p>
+      </dsp:txBody>
+      <dsp:txXfrm>
+        <a:off x="7154322" y="1507711"/>
+        <a:ext cx="3148942" cy="1335915"/>
+      </dsp:txXfrm>
+    </dsp:sp>
+  </dsp:spTree>
+</dsp:drawing>
+</file>
+
+<file path=ppt/diagrams/layout1.xml><?xml version="1.0" encoding="utf-8"?>
+<dgm:layoutDef xmlns:dgm="http://schemas.openxmlformats.org/drawingml/2006/diagram" xmlns:a="http://schemas.openxmlformats.org/drawingml/2006/main" uniqueId="urn:microsoft.com/office/officeart/2018/2/layout/IconCircleList">
+  <dgm:title val="Icon Circle List"/>
+  <dgm:desc val="Use to show non-sequential or grouped chunks of information accompanied by related visuals. Circular shapes can hold an icon or small picture and corresponding text box shows Level 1 text. Works best for icons or small pictures with medium-length descriptions."/>
+  <dgm:catLst>
+    <dgm:cat type="icon" pri="500"/>
+  </dgm:catLst>
+  <dgm:sampData useDef="1">
+    <dgm:dataModel>
+      <dgm:ptLst/>
+      <dgm:bg/>
+      <dgm:whole/>
+    </dgm:dataModel>
+  </dgm:sampData>
+  <dgm:styleData useDef="1">
+    <dgm:dataModel>
+      <dgm:ptLst/>
+      <dgm:bg/>
+      <dgm:whole/>
+    </dgm:dataModel>
+  </dgm:styleData>
+  <dgm:clrData useDef="1">
+    <dgm:dataModel>
+      <dgm:ptLst/>
+      <dgm:bg/>
+      <dgm:whole/>
+    </dgm:dataModel>
+  </dgm:clrData>
+  <dgm:layoutNode name="root">
+    <dgm:varLst>
+      <dgm:dir/>
+      <dgm:resizeHandles val="exact"/>
+    </dgm:varLst>
+    <dgm:alg type="sp"/>
+    <dgm:shape xmlns:r="http://schemas.openxmlformats.org/officeDocument/2006/relationships" r:blip="">
+      <dgm:adjLst/>
+    </dgm:shape>
+    <dgm:presOf/>
+    <dgm:choose name="Name0">
+      <dgm:if name="Name1" axis="ch" ptType="node" func="cnt" op="lte" val="3">
+        <dgm:constrLst>
+          <dgm:constr type="w" for="ch" forName="container" refType="w"/>
+          <dgm:constr type="h" for="ch" forName="container" refType="h" fact="0.4"/>
+        </dgm:constrLst>
+      </dgm:if>
+      <dgm:else name="Name2">
+        <dgm:constrLst>
+          <dgm:constr type="w" for="ch" forName="container" refType="w"/>
+          <dgm:constr type="h" for="ch" forName="container" refType="h"/>
+        </dgm:constrLst>
+      </dgm:else>
+    </dgm:choose>
+    <dgm:ruleLst>
+      <dgm:rule type="h" for="ch" forName="container" val="INF" fact="NaN" max="NaN"/>
+    </dgm:ruleLst>
+    <dgm:layoutNode name="container">
+      <dgm:varLst>
+        <dgm:dir/>
+        <dgm:resizeHandles val="exact"/>
+      </dgm:varLst>
+      <dgm:choose name="Name3">
+        <dgm:if name="Name4" axis="self" func="var" arg="dir" op="equ" val="norm">
+          <dgm:alg type="snake">
+            <dgm:param type="grDir" val="tL"/>
+            <dgm:param type="flowDir" val="row"/>
+            <dgm:param type="contDir" val="sameDir"/>
+          </dgm:alg>
+        </dgm:if>
+        <dgm:else name="Name5">
+          <dgm:alg type="snake">
+            <dgm:param type="grDir" val="tR"/>
+            <dgm:param type="flowDir" val="row"/>
+            <dgm:param type="contDir" val="sameDir"/>
+          </dgm:alg>
+        </dgm:else>
+      </dgm:choose>
+      <dgm:shape xmlns:r="http://schemas.openxmlformats.org/officeDocument/2006/relationships" r:blip="">
+        <dgm:adjLst/>
+      </dgm:shape>
+      <dgm:presOf/>
+      <dgm:constrLst>
+        <dgm:constr type="w" for="ch" forName="compNode" refType="w"/>
+        <dgm:constr type="h" for="ch" forName="compNode" refType="w" fact="0.28"/>
+        <dgm:constr type="w" for="ch" forName="sibTrans" refType="w" refFor="ch" refForName="compNode" fact="0.115"/>
+        <dgm:constr type="sp" refType="h" op="equ" fact="0.17"/>
+        <dgm:constr type="primFontSz" for="des" ptType="node" op="equ" val="24"/>
+        <dgm:constr type="h" for="des" forName="compNode" op="equ"/>
+        <dgm:constr type="h" for="des" forName="iconBgRect" op="equ"/>
+      </dgm:constrLst>
+      <dgm:ruleLst>
+        <dgm:rule type="w" for="ch" forName="compNode" val="60" fact="NaN" max="NaN"/>
+      </dgm:ruleLst>
+      <dgm:forEach name="Name6" axis="ch" ptType="node">
+        <dgm:layoutNode name="compNode">
+          <dgm:alg type="composite"/>
+          <dgm:shape xmlns:r="http://schemas.openxmlformats.org/officeDocument/2006/relationships" r:blip="">
+            <dgm:adjLst/>
+          </dgm:shape>
+          <dgm:presOf axis="self"/>
+          <dgm:constrLst>
+            <dgm:constr type="w" for="ch" forName="iconBgRect" refType="w" fact="0.28"/>
+            <dgm:constr type="h" for="ch" forName="iconBgRect" refType="w" refFor="ch" refForName="iconBgRect"/>
+            <dgm:constr type="t" for="ch" forName="iconBgRect"/>
+            <dgm:constr type="l" for="ch" forName="iconBgRect"/>
+            <dgm:constr type="w" for="ch" forName="iconRect" refType="w" refFor="ch" refForName="iconBgRect" fact="0.58"/>
+            <dgm:constr type="h" for="ch" forName="iconRect" refType="w" refFor="ch" refForName="iconRect"/>
+            <dgm:constr type="ctrX" for="ch" forName="iconRect" refType="ctrX" refFor="ch" refForName="iconBgRect"/>
+            <dgm:constr type="ctrY" for="ch" forName="iconRect" refType="ctrY" refFor="ch" refForName="iconBgRect"/>
+            <dgm:constr type="w" for="ch" forName="spaceRect" refType="w" fact="0.06"/>
+            <dgm:constr type="h" for="ch" forName="spaceRect" refType="h" refFor="ch" refForName="iconBgRect"/>
+            <dgm:constr type="t" for="ch" forName="spaceRect" refType="t" refFor="ch" refForName="iconBgRect"/>
+            <dgm:constr type="l" for="ch" forName="spaceRect" refType="r" refFor="ch" refForName="iconBgRect"/>
+            <dgm:constr type="h" for="ch" forName="textRect" refType="h" refFor="ch" refForName="iconBgRect"/>
+            <dgm:constr type="t" for="ch" forName="textRect" refType="t" refFor="ch" refForName="iconBgRect"/>
+            <dgm:constr type="l" for="ch" forName="textRect" refType="r" refFor="ch" refForName="spaceRect"/>
+          </dgm:constrLst>
+          <dgm:ruleLst/>
+          <dgm:layoutNode name="iconBgRect" styleLbl="bgShp">
+            <dgm:alg type="sp"/>
+            <dgm:shape xmlns:r="http://schemas.openxmlformats.org/officeDocument/2006/relationships" type="ellipse" r:blip="">
+              <dgm:adjLst/>
+            </dgm:shape>
+            <dgm:presOf/>
+            <dgm:constrLst/>
+            <dgm:ruleLst/>
+          </dgm:layoutNode>
+          <dgm:layoutNode name="iconRect" styleLbl="node1">
+            <dgm:alg type="sp"/>
+            <dgm:shape xmlns:r="http://schemas.openxmlformats.org/officeDocument/2006/relationships" type="rect" r:blip="" blipPhldr="1">
+              <dgm:adjLst/>
+            </dgm:shape>
+            <dgm:presOf/>
+            <dgm:constrLst/>
+            <dgm:ruleLst/>
+          </dgm:layoutNode>
+          <dgm:layoutNode name="spaceRect">
+            <dgm:alg type="sp"/>
+            <dgm:shape xmlns:r="http://schemas.openxmlformats.org/officeDocument/2006/relationships" r:blip="">
+              <dgm:adjLst/>
+            </dgm:shape>
+            <dgm:presOf/>
+            <dgm:constrLst/>
+            <dgm:ruleLst/>
+          </dgm:layoutNode>
+          <dgm:layoutNode name="textRect" styleLbl="revTx">
+            <dgm:varLst>
+              <dgm:chMax val="1"/>
+              <dgm:chPref val="1"/>
+            </dgm:varLst>
+            <dgm:choose name="Name7">
+              <dgm:if name="Name8" func="var" arg="dir" op="equ" val="norm">
+                <dgm:alg type="tx">
+                  <dgm:param type="txAnchorVert" val="mid"/>
+                  <dgm:param type="parTxLTRAlign" val="l"/>
+                  <dgm:param type="shpTxLTRAlignCh" val="l"/>
+                  <dgm:param type="parTxRTLAlign" val="l"/>
+                  <dgm:param type="shpTxRTLAlignCh" val="l"/>
+                </dgm:alg>
+              </dgm:if>
+              <dgm:else name="Name9">
+                <dgm:alg type="tx">
+                  <dgm:param type="txAnchorVert" val="mid"/>
+                  <dgm:param type="parTxLTRAlign" val="r"/>
+                  <dgm:param type="shpTxLTRAlignCh" val="r"/>
+                  <dgm:param type="parTxRTLAlign" val="r"/>
+                  <dgm:param type="shpTxRTLAlignCh" val="r"/>
+                </dgm:alg>
+              </dgm:else>
+            </dgm:choose>
+            <dgm:shape xmlns:r="http://schemas.openxmlformats.org/officeDocument/2006/relationships" type="rect" r:blip="">
+              <dgm:adjLst/>
+            </dgm:shape>
+            <dgm:presOf axis="self" ptType="node"/>
+            <dgm:constrLst>
+              <dgm:constr type="lMarg"/>
+              <dgm:constr type="rMarg"/>
+              <dgm:constr type="tMarg"/>
+              <dgm:constr type="bMarg"/>
+            </dgm:constrLst>
+            <dgm:ruleLst>
+              <dgm:rule type="primFontSz" val="11" fact="NaN" max="NaN"/>
+            </dgm:ruleLst>
+          </dgm:layoutNode>
+        </dgm:layoutNode>
+        <dgm:forEach name="Name10" axis="followSib" ptType="sibTrans" cnt="1">
+          <dgm:layoutNode name="sibTrans">
+            <dgm:alg type="sp"/>
+            <dgm:shape xmlns:r="http://schemas.openxmlformats.org/officeDocument/2006/relationships" type="rect" r:blip="" hideGeom="1">
+              <dgm:adjLst/>
+            </dgm:shape>
+            <dgm:presOf axis="self"/>
+            <dgm:constrLst/>
+            <dgm:ruleLst/>
+          </dgm:layoutNode>
+        </dgm:forEach>
+      </dgm:forEach>
+    </dgm:layoutNode>
+  </dgm:layoutNode>
+  <dgm:extLst>
+    <a:ext uri="{68A01E43-0DF5-4B5B-8FA6-DAF915123BFB}">
+      <dgm1612:lstStyle xmlns:dgm1612="http://schemas.microsoft.com/office/drawing/2016/12/diagram">
+        <a:lvl1pPr>
+          <a:lnSpc>
+            <a:spcPct val="100000"/>
+          </a:lnSpc>
+        </a:lvl1pPr>
+      </dgm1612:lstStyle>
+    </a:ext>
+  </dgm:extLst>
+</dgm:layoutDef>
+</file>
+
+<file path=ppt/diagrams/quickStyle1.xml><?xml version="1.0" encoding="utf-8"?>
+<dgm:styleDef xmlns:dgm="http://schemas.openxmlformats.org/drawingml/2006/diagram" xmlns:a="http://schemas.openxmlformats.org/drawingml/2006/main" uniqueId="urn:microsoft.com/office/officeart/2005/8/quickstyle/simple1">
+  <dgm:title val=""/>
+  <dgm:desc val=""/>
+  <dgm:catLst>
+    <dgm:cat type="simple" pri="10100"/>
+  </dgm:catLst>
+  <dgm:scene3d>
+    <a:camera prst="orthographicFront"/>
+    <a:lightRig rig="threePt" dir="t"/>
+  </dgm:scene3d>
+  <dgm:styleLbl name="node0">
+    <dgm:scene3d>
+      <a:camera prst="orthographicFront"/>
+      <a:lightRig rig="threePt" dir="t"/>
+    </dgm:scene3d>
+    <dgm:sp3d/>
+    <dgm:txPr/>
+    <dgm:style>
+      <a:lnRef idx="2">
+        <a:scrgbClr r="0" g="0" b="0"/>
+      </a:lnRef>
+      <a:fillRef idx="1">
+        <a:scrgbClr r="0" g="0" b="0"/>
+      </a:fillRef>
+      <a:effectRef idx="0">
+        <a:scrgbClr r="0" g="0" b="0"/>
+      </a:effectRef>
+      <a:fontRef idx="minor">
+        <a:schemeClr val="lt1"/>
+      </a:fontRef>
+    </dgm:style>
+  </dgm:styleLbl>
+  <dgm:styleLbl name="lnNode1">
+    <dgm:scene3d>
+      <a:camera prst="orthographicFront"/>
+      <a:lightRig rig="threePt" dir="t"/>
+    </dgm:scene3d>
+    <dgm:sp3d/>
+    <dgm:txPr/>
+    <dgm:style>
+      <a:lnRef idx="2">
+        <a:scrgbClr r="0" g="0" b="0"/>
+      </a:lnRef>
+      <a:fillRef idx="1">
+        <a:scrgbClr r="0" g="0" b="0"/>
+      </a:fillRef>
+      <a:effectRef idx="0">
+        <a:scrgbClr r="0" g="0" b="0"/>
+      </a:effectRef>
+      <a:fontRef idx="minor">
+        <a:schemeClr val="lt1"/>
+      </a:fontRef>
+    </dgm:style>
+  </dgm:styleLbl>
+  <dgm:styleLbl name="vennNode1">
+    <dgm:scene3d>
+      <a:camera prst="orthographicFront"/>
+      <a:lightRig rig="threePt" dir="t"/>
+    </dgm:scene3d>
+    <dgm:sp3d/>
+    <dgm:txPr/>
+    <dgm:style>
+      <a:lnRef idx="2">
+        <a:scrgbClr r="0" g="0" b="0"/>
+      </a:lnRef>
+      <a:fillRef idx="1">
+        <a:scrgbClr r="0" g="0" b="0"/>
+      </a:fillRef>
+      <a:effectRef idx="0">
+        <a:scrgbClr r="0" g="0" b="0"/>
+      </a:effectRef>
+      <a:fontRef idx="minor">
+        <a:schemeClr val="tx1"/>
+      </a:fontRef>
+    </dgm:style>
+  </dgm:styleLbl>
+  <dgm:styleLbl name="alignNode1">
+    <dgm:scene3d>
+      <a:camera prst="orthographicFront"/>
+      <a:lightRig rig="threePt" dir="t"/>
+    </dgm:scene3d>
+    <dgm:sp3d/>
+    <dgm:txPr/>
+    <dgm:style>
+      <a:lnRef idx="2">
+        <a:scrgbClr r="0" g="0" b="0"/>
+      </a:lnRef>
+      <a:fillRef idx="1">
+        <a:scrgbClr r="0" g="0" b="0"/>
+      </a:fillRef>
+      <a:effectRef idx="0">
+        <a:scrgbClr r="0" g="0" b="0"/>
+      </a:effectRef>
+      <a:fontRef idx="minor">
+        <a:schemeClr val="lt1"/>
+      </a:fontRef>
+    </dgm:style>
+  </dgm:styleLbl>
+  <dgm:styleLbl name="node1">
+    <dgm:scene3d>
+      <a:camera prst="orthographicFront"/>
+      <a:lightRig rig="threePt" dir="t"/>
+    </dgm:scene3d>
+    <dgm:sp3d/>
+    <dgm:txPr/>
+    <dgm:style>
+      <a:lnRef idx="2">
+        <a:scrgbClr r="0" g="0" b="0"/>
+      </a:lnRef>
+      <a:fillRef idx="1">
+        <a:scrgbClr r="0" g="0" b="0"/>
+      </a:fillRef>
+      <a:effectRef idx="0">
+        <a:scrgbClr r="0" g="0" b="0"/>
+      </a:effectRef>
+      <a:fontRef idx="minor">
+        <a:schemeClr val="lt1"/>
+      </a:fontRef>
+    </dgm:style>
+  </dgm:styleLbl>
+  <dgm:styleLbl name="node2">
+    <dgm:scene3d>
+      <a:camera prst="orthographicFront"/>
+      <a:lightRig rig="threePt" dir="t"/>
+    </dgm:scene3d>
+    <dgm:sp3d/>
+    <dgm:txPr/>
+    <dgm:style>
+      <a:lnRef idx="2">
+        <a:scrgbClr r="0" g="0" b="0"/>
+      </a:lnRef>
+      <a:fillRef idx="1">
+        <a:scrgbClr r="0" g="0" b="0"/>
+      </a:fillRef>
+      <a:effectRef idx="0">
+        <a:scrgbClr r="0" g="0" b="0"/>
+      </a:effectRef>
+      <a:fontRef idx="minor">
+        <a:schemeClr val="lt1"/>
+      </a:fontRef>
+    </dgm:style>
+  </dgm:styleLbl>
+  <dgm:styleLbl name="node3">
+    <dgm:scene3d>
+      <a:camera prst="orthographicFront"/>
+      <a:lightRig rig="threePt" dir="t"/>
+    </dgm:scene3d>
+    <dgm:sp3d/>
+    <dgm:txPr/>
+    <dgm:style>
+      <a:lnRef idx="2">
+        <a:scrgbClr r="0" g="0" b="0"/>
+      </a:lnRef>
+      <a:fillRef idx="1">
+        <a:scrgbClr r="0" g="0" b="0"/>
+      </a:fillRef>
+      <a:effectRef idx="0">
+        <a:scrgbClr r="0" g="0" b="0"/>
+      </a:effectRef>
+      <a:fontRef idx="minor">
+        <a:schemeClr val="lt1"/>
+      </a:fontRef>
+    </dgm:style>
+  </dgm:styleLbl>
+  <dgm:styleLbl name="node4">
+    <dgm:scene3d>
+      <a:camera prst="orthographicFront"/>
+      <a:lightRig rig="threePt" dir="t"/>
+    </dgm:scene3d>
+    <dgm:sp3d/>
+    <dgm:txPr/>
+    <dgm:style>
+      <a:lnRef idx="2">
+        <a:scrgbClr r="0" g="0" b="0"/>
+      </a:lnRef>
+      <a:fillRef idx="1">
+        <a:scrgbClr r="0" g="0" b="0"/>
+      </a:fillRef>
+      <a:effectRef idx="0">
+        <a:scrgbClr r="0" g="0" b="0"/>
+      </a:effectRef>
+      <a:fontRef idx="minor">
+        <a:schemeClr val="lt1"/>
+      </a:fontRef>
+    </dgm:style>
+  </dgm:styleLbl>
+  <dgm:styleLbl name="fgImgPlace1">
+    <dgm:scene3d>
+      <a:camera prst="orthographicFront"/>
+      <a:lightRig rig="threePt" dir="t"/>
+    </dgm:scene3d>
+    <dgm:sp3d/>
+    <dgm:txPr/>
+    <dgm:style>
+      <a:lnRef idx="2">
+        <a:scrgbClr r="0" g="0" b="0"/>
+      </a:lnRef>
+      <a:fillRef idx="1">
+        <a:scrgbClr r="0" g="0" b="0"/>
+      </a:fillRef>
+      <a:effectRef idx="0">
+        <a:scrgbClr r="0" g="0" b="0"/>
+      </a:effectRef>
+      <a:fontRef idx="minor"/>
+    </dgm:style>
+  </dgm:styleLbl>
+  <dgm:styleLbl name="alignImgPlace1">
+    <dgm:scene3d>
+      <a:camera prst="orthographicFront"/>
+      <a:lightRig rig="threePt" dir="t"/>
+    </dgm:scene3d>
+    <dgm:sp3d/>
+    <dgm:txPr/>
+    <dgm:style>
+      <a:lnRef idx="2">
+        <a:scrgbClr r="0" g="0" b="0"/>
+      </a:lnRef>
+      <a:fillRef idx="1">
+        <a:scrgbClr r="0" g="0" b="0"/>
+      </a:fillRef>
+      <a:effectRef idx="0">
+        <a:scrgbClr r="0" g="0" b="0"/>
+      </a:effectRef>
+      <a:fontRef idx="minor"/>
+    </dgm:style>
+  </dgm:styleLbl>
+  <dgm:styleLbl name="bgImgPlace1">
+    <dgm:scene3d>
+      <a:camera prst="orthographicFront"/>
+      <a:lightRig rig="threePt" dir="t"/>
+    </dgm:scene3d>
+    <dgm:sp3d/>
+    <dgm:txPr/>
+    <dgm:style>
+      <a:lnRef idx="2">
+        <a:scrgbClr r="0" g="0" b="0"/>
+      </a:lnRef>
+      <a:fillRef idx="1">
+        <a:scrgbClr r="0" g="0" b="0"/>
+      </a:fillRef>
+      <a:effectRef idx="0">
+        <a:scrgbClr r="0" g="0" b="0"/>
+      </a:effectRef>
+      <a:fontRef idx="minor"/>
+    </dgm:style>
+  </dgm:styleLbl>
+  <dgm:styleLbl name="sibTrans2D1">
+    <dgm:scene3d>
+      <a:camera prst="orthographicFront"/>
+      <a:lightRig rig="threePt" dir="t"/>
+    </dgm:scene3d>
+    <dgm:sp3d/>
+    <dgm:txPr/>
+    <dgm:style>
+      <a:lnRef idx="0">
+        <a:scrgbClr r="0" g="0" b="0"/>
+      </a:lnRef>
+      <a:fillRef idx="1">
+        <a:scrgbClr r="0" g="0" b="0"/>
+      </a:fillRef>
+      <a:effectRef idx="0">
+        <a:scrgbClr r="0" g="0" b="0"/>
+      </a:effectRef>
+      <a:fontRef idx="minor">
+        <a:schemeClr val="lt1"/>
+      </a:fontRef>
+    </dgm:style>
+  </dgm:styleLbl>
+  <dgm:styleLbl name="fgSibTrans2D1">
+    <dgm:scene3d>
+      <a:camera prst="orthographicFront"/>
+      <a:lightRig rig="threePt" dir="t"/>
+    </dgm:scene3d>
+    <dgm:sp3d/>
+    <dgm:txPr/>
+    <dgm:style>
+      <a:lnRef idx="0">
+        <a:scrgbClr r="0" g="0" b="0"/>
+      </a:lnRef>
+      <a:fillRef idx="1">
+        <a:scrgbClr r="0" g="0" b="0"/>
+      </a:fillRef>
+      <a:effectRef idx="0">
+        <a:scrgbClr r="0" g="0" b="0"/>
+      </a:effectRef>
+      <a:fontRef idx="minor">
+        <a:schemeClr val="lt1"/>
+      </a:fontRef>
+    </dgm:style>
+  </dgm:styleLbl>
+  <dgm:styleLbl name="bgSibTrans2D1">
+    <dgm:scene3d>
+      <a:camera prst="orthographicFront"/>
+      <a:lightRig rig="threePt" dir="t"/>
+    </dgm:scene3d>
+    <dgm:sp3d/>
+    <dgm:txPr/>
+    <dgm:style>
+      <a:lnRef idx="0">
+        <a:scrgbClr r="0" g="0" b="0"/>
+      </a:lnRef>
+      <a:fillRef idx="1">
+        <a:scrgbClr r="0" g="0" b="0"/>
+      </a:fillRef>
+      <a:effectRef idx="0">
+        <a:scrgbClr r="0" g="0" b="0"/>
+      </a:effectRef>
+      <a:fontRef idx="minor">
+        <a:schemeClr val="lt1"/>
+      </a:fontRef>
+    </dgm:style>
+  </dgm:styleLbl>
+  <dgm:styleLbl name="sibTrans1D1">
+    <dgm:scene3d>
+      <a:camera prst="orthographicFront"/>
+      <a:lightRig rig="threePt" dir="t"/>
+    </dgm:scene3d>
+    <dgm:sp3d/>
+    <dgm:txPr/>
+    <dgm:style>
+      <a:lnRef idx="1">
+        <a:scrgbClr r="0" g="0" b="0"/>
+      </a:lnRef>
+      <a:fillRef idx="0">
+        <a:scrgbClr r="0" g="0" b="0"/>
+      </a:fillRef>
+      <a:effectRef idx="0">
+        <a:scrgbClr r="0" g="0" b="0"/>
+      </a:effectRef>
+      <a:fontRef idx="minor"/>
+    </dgm:style>
+  </dgm:styleLbl>
+  <dgm:styleLbl name="callout">
+    <dgm:scene3d>
+      <a:camera prst="orthographicFront"/>
+      <a:lightRig rig="threePt" dir="t"/>
+    </dgm:scene3d>
+    <dgm:sp3d/>
+    <dgm:txPr/>
+    <dgm:style>
+      <a:lnRef idx="2">
+        <a:scrgbClr r="0" g="0" b="0"/>
+      </a:lnRef>
+      <a:fillRef idx="1">
+        <a:scrgbClr r="0" g="0" b="0"/>
+      </a:fillRef>
+      <a:effectRef idx="0">
+        <a:scrgbClr r="0" g="0" b="0"/>
+      </a:effectRef>
+      <a:fontRef idx="minor"/>
+    </dgm:style>
+  </dgm:styleLbl>
+  <dgm:styleLbl name="asst0">
+    <dgm:scene3d>
+      <a:camera prst="orthographicFront"/>
+      <a:lightRig rig="threePt" dir="t"/>
+    </dgm:scene3d>
+    <dgm:sp3d/>
+    <dgm:txPr/>
+    <dgm:style>
+      <a:lnRef idx="2">
+        <a:scrgbClr r="0" g="0" b="0"/>
+      </a:lnRef>
+      <a:fillRef idx="1">
+        <a:scrgbClr r="0" g="0" b="0"/>
+      </a:fillRef>
+      <a:effectRef idx="0">
+        <a:scrgbClr r="0" g="0" b="0"/>
+      </a:effectRef>
+      <a:fontRef idx="minor">
+        <a:schemeClr val="lt1"/>
+      </a:fontRef>
+    </dgm:style>
+  </dgm:styleLbl>
+  <dgm:styleLbl name="asst1">
+    <dgm:scene3d>
+      <a:camera prst="orthographicFront"/>
+      <a:lightRig rig="threePt" dir="t"/>
+    </dgm:scene3d>
+    <dgm:sp3d/>
+    <dgm:txPr/>
+    <dgm:style>
+      <a:lnRef idx="2">
+        <a:scrgbClr r="0" g="0" b="0"/>
+      </a:lnRef>
+      <a:fillRef idx="1">
+        <a:scrgbClr r="0" g="0" b="0"/>
+      </a:fillRef>
+      <a:effectRef idx="0">
+        <a:scrgbClr r="0" g="0" b="0"/>
+      </a:effectRef>
+      <a:fontRef idx="minor">
+        <a:schemeClr val="lt1"/>
+      </a:fontRef>
+    </dgm:style>
+  </dgm:styleLbl>
+  <dgm:styleLbl name="asst2">
+    <dgm:scene3d>
+      <a:camera prst="orthographicFront"/>
+      <a:lightRig rig="threePt" dir="t"/>
+    </dgm:scene3d>
+    <dgm:sp3d/>
+    <dgm:txPr/>
+    <dgm:style>
+      <a:lnRef idx="2">
+        <a:scrgbClr r="0" g="0" b="0"/>
+      </a:lnRef>
+      <a:fillRef idx="1">
+        <a:scrgbClr r="0" g="0" b="0"/>
+      </a:fillRef>
+      <a:effectRef idx="0">
+        <a:scrgbClr r="0" g="0" b="0"/>
+      </a:effectRef>
+      <a:fontRef idx="minor">
+        <a:schemeClr val="lt1"/>
+      </a:fontRef>
+    </dgm:style>
+  </dgm:styleLbl>
+  <dgm:styleLbl name="asst3">
+    <dgm:scene3d>
+      <a:camera prst="orthographicFront"/>
+      <a:lightRig rig="threePt" dir="t"/>
+    </dgm:scene3d>
+    <dgm:sp3d/>
+    <dgm:txPr/>
+    <dgm:style>
+      <a:lnRef idx="2">
+        <a:scrgbClr r="0" g="0" b="0"/>
+      </a:lnRef>
+      <a:fillRef idx="1">
+        <a:scrgbClr r="0" g="0" b="0"/>
+      </a:fillRef>
+      <a:effectRef idx="0">
+        <a:scrgbClr r="0" g="0" b="0"/>
+      </a:effectRef>
+      <a:fontRef idx="minor">
+        <a:schemeClr val="lt1"/>
+      </a:fontRef>
+    </dgm:style>
+  </dgm:styleLbl>
+  <dgm:styleLbl name="asst4">
+    <dgm:scene3d>
+      <a:camera prst="orthographicFront"/>
+      <a:lightRig rig="threePt" dir="t"/>
+    </dgm:scene3d>
+    <dgm:sp3d/>
+    <dgm:txPr/>
+    <dgm:style>
+      <a:lnRef idx="2">
+        <a:scrgbClr r="0" g="0" b="0"/>
+      </a:lnRef>
+      <a:fillRef idx="1">
+        <a:scrgbClr r="0" g="0" b="0"/>
+      </a:fillRef>
+      <a:effectRef idx="0">
+        <a:scrgbClr r="0" g="0" b="0"/>
+      </a:effectRef>
+      <a:fontRef idx="minor">
+        <a:schemeClr val="lt1"/>
+      </a:fontRef>
+    </dgm:style>
+  </dgm:styleLbl>
+  <dgm:styleLbl name="parChTrans2D1">
+    <dgm:scene3d>
+      <a:camera prst="orthographicFront"/>
+      <a:lightRig rig="threePt" dir="t"/>
+    </dgm:scene3d>
+    <dgm:sp3d/>
+    <dgm:txPr/>
+    <dgm:style>
+      <a:lnRef idx="2">
+        <a:scrgbClr r="0" g="0" b="0"/>
+      </a:lnRef>
+      <a:fillRef idx="1">
+        <a:scrgbClr r="0" g="0" b="0"/>
+      </a:fillRef>
+      <a:effectRef idx="0">
+        <a:scrgbClr r="0" g="0" b="0"/>
+      </a:effectRef>
+      <a:fontRef idx="minor">
+        <a:schemeClr val="lt1"/>
+      </a:fontRef>
+    </dgm:style>
+  </dgm:styleLbl>
+  <dgm:styleLbl name="parChTrans2D2">
+    <dgm:scene3d>
+      <a:camera prst="orthographicFront"/>
+      <a:lightRig rig="threePt" dir="t"/>
+    </dgm:scene3d>
+    <dgm:sp3d/>
+    <dgm:txPr/>
+    <dgm:style>
+      <a:lnRef idx="2">
+        <a:scrgbClr r="0" g="0" b="0"/>
+      </a:lnRef>
+      <a:fillRef idx="1">
+        <a:scrgbClr r="0" g="0" b="0"/>
+      </a:fillRef>
+      <a:effectRef idx="0">
+        <a:scrgbClr r="0" g="0" b="0"/>
+      </a:effectRef>
+      <a:fontRef idx="minor">
+        <a:schemeClr val="lt1"/>
+      </a:fontRef>
+    </dgm:style>
+  </dgm:styleLbl>
+  <dgm:styleLbl name="parChTrans2D3">
+    <dgm:scene3d>
+      <a:camera prst="orthographicFront"/>
+      <a:lightRig rig="threePt" dir="t"/>
+    </dgm:scene3d>
+    <dgm:sp3d/>
+    <dgm:txPr/>
+    <dgm:style>
+      <a:lnRef idx="2">
+        <a:scrgbClr r="0" g="0" b="0"/>
+      </a:lnRef>
+      <a:fillRef idx="1">
+        <a:scrgbClr r="0" g="0" b="0"/>
+      </a:fillRef>
+      <a:effectRef idx="0">
+        <a:scrgbClr r="0" g="0" b="0"/>
+      </a:effectRef>
+      <a:fontRef idx="minor">
+        <a:schemeClr val="lt1"/>
+      </a:fontRef>
+    </dgm:style>
+  </dgm:styleLbl>
+  <dgm:styleLbl name="parChTrans2D4">
+    <dgm:scene3d>
+      <a:camera prst="orthographicFront"/>
+      <a:lightRig rig="threePt" dir="t"/>
+    </dgm:scene3d>
+    <dgm:sp3d/>
+    <dgm:txPr/>
+    <dgm:style>
+      <a:lnRef idx="2">
+        <a:scrgbClr r="0" g="0" b="0"/>
+      </a:lnRef>
+      <a:fillRef idx="1">
+        <a:scrgbClr r="0" g="0" b="0"/>
+      </a:fillRef>
+      <a:effectRef idx="0">
+        <a:scrgbClr r="0" g="0" b="0"/>
+      </a:effectRef>
+      <a:fontRef idx="minor">
+        <a:schemeClr val="lt1"/>
+      </a:fontRef>
+    </dgm:style>
+  </dgm:styleLbl>
+  <dgm:styleLbl name="parChTrans1D1">
+    <dgm:scene3d>
+      <a:camera prst="orthographicFront"/>
+      <a:lightRig rig="threePt" dir="t"/>
+    </dgm:scene3d>
+    <dgm:sp3d/>
+    <dgm:txPr/>
+    <dgm:style>
+      <a:lnRef idx="2">
+        <a:scrgbClr r="0" g="0" b="0"/>
+      </a:lnRef>
+      <a:fillRef idx="0">
+        <a:scrgbClr r="0" g="0" b="0"/>
+      </a:fillRef>
+      <a:effectRef idx="0">
+        <a:scrgbClr r="0" g="0" b="0"/>
+      </a:effectRef>
+      <a:fontRef idx="minor"/>
+    </dgm:style>
+  </dgm:styleLbl>
+  <dgm:styleLbl name="parChTrans1D2">
+    <dgm:scene3d>
+      <a:camera prst="orthographicFront"/>
+      <a:lightRig rig="threePt" dir="t"/>
+    </dgm:scene3d>
+    <dgm:sp3d/>
+    <dgm:txPr/>
+    <dgm:style>
+      <a:lnRef idx="2">
+        <a:scrgbClr r="0" g="0" b="0"/>
+      </a:lnRef>
+      <a:fillRef idx="0">
+        <a:scrgbClr r="0" g="0" b="0"/>
+      </a:fillRef>
+      <a:effectRef idx="0">
+        <a:scrgbClr r="0" g="0" b="0"/>
+      </a:effectRef>
+      <a:fontRef idx="minor"/>
+    </dgm:style>
+  </dgm:styleLbl>
+  <dgm:styleLbl name="parChTrans1D3">
+    <dgm:scene3d>
+      <a:camera prst="orthographicFront"/>
+      <a:lightRig rig="threePt" dir="t"/>
+    </dgm:scene3d>
+    <dgm:sp3d/>
+    <dgm:txPr/>
+    <dgm:style>
+      <a:lnRef idx="2">
+        <a:scrgbClr r="0" g="0" b="0"/>
+      </a:lnRef>
+      <a:fillRef idx="0">
+        <a:scrgbClr r="0" g="0" b="0"/>
+      </a:fillRef>
+      <a:effectRef idx="0">
+        <a:scrgbClr r="0" g="0" b="0"/>
+      </a:effectRef>
+      <a:fontRef idx="minor"/>
+    </dgm:style>
+  </dgm:styleLbl>
+  <dgm:styleLbl name="parChTrans1D4">
+    <dgm:scene3d>
+      <a:camera prst="orthographicFront"/>
+      <a:lightRig rig="threePt" dir="t"/>
+    </dgm:scene3d>
+    <dgm:sp3d/>
+    <dgm:txPr/>
+    <dgm:style>
+      <a:lnRef idx="2">
+        <a:scrgbClr r="0" g="0" b="0"/>
+      </a:lnRef>
+      <a:fillRef idx="0">
+        <a:scrgbClr r="0" g="0" b="0"/>
+      </a:fillRef>
+      <a:effectRef idx="0">
+        <a:scrgbClr r="0" g="0" b="0"/>
+      </a:effectRef>
+      <a:fontRef idx="minor"/>
+    </dgm:style>
+  </dgm:styleLbl>
+  <dgm:styleLbl name="fgAcc1">
+    <dgm:scene3d>
+      <a:camera prst="orthographicFront"/>
+      <a:lightRig rig="threePt" dir="t"/>
+    </dgm:scene3d>
+    <dgm:sp3d/>
+    <dgm:txPr/>
+    <dgm:style>
+      <a:lnRef idx="2">
+        <a:scrgbClr r="0" g="0" b="0"/>
+      </a:lnRef>
+      <a:fillRef idx="1">
+        <a:scrgbClr r="0" g="0" b="0"/>
+      </a:fillRef>
+      <a:effectRef idx="0">
+        <a:scrgbClr r="0" g="0" b="0"/>
+      </a:effectRef>
+      <a:fontRef idx="minor"/>
+    </dgm:style>
+  </dgm:styleLbl>
+  <dgm:styleLbl name="conFgAcc1">
+    <dgm:scene3d>
+      <a:camera prst="orthographicFront"/>
+      <a:lightRig rig="threePt" dir="t"/>
+    </dgm:scene3d>
+    <dgm:sp3d/>
+    <dgm:txPr/>
+    <dgm:style>
+      <a:lnRef idx="2">
+        <a:scrgbClr r="0" g="0" b="0"/>
+      </a:lnRef>
+      <a:fillRef idx="1">
+        <a:scrgbClr r="0" g="0" b="0"/>
+      </a:fillRef>
+      <a:effectRef idx="0">
+        <a:scrgbClr r="0" g="0" b="0"/>
+      </a:effectRef>
+      <a:fontRef idx="minor"/>
+    </dgm:style>
+  </dgm:styleLbl>
+  <dgm:styleLbl name="alignAcc1">
+    <dgm:scene3d>
+      <a:camera prst="orthographicFront"/>
+      <a:lightRig rig="threePt" dir="t"/>
+    </dgm:scene3d>
+    <dgm:sp3d/>
+    <dgm:txPr/>
+    <dgm:style>
+      <a:lnRef idx="2">
+        <a:scrgbClr r="0" g="0" b="0"/>
+      </a:lnRef>
+      <a:fillRef idx="1">
+        <a:scrgbClr r="0" g="0" b="0"/>
+      </a:fillRef>
+      <a:effectRef idx="0">
+        <a:scrgbClr r="0" g="0" b="0"/>
+      </a:effectRef>
+      <a:fontRef idx="minor"/>
+    </dgm:style>
+  </dgm:styleLbl>
+  <dgm:styleLbl name="trAlignAcc1">
+    <dgm:scene3d>
+      <a:camera prst="orthographicFront"/>
+      <a:lightRig rig="threePt" dir="t"/>
+    </dgm:scene3d>
+    <dgm:sp3d/>
+    <dgm:txPr/>
+    <dgm:style>
+      <a:lnRef idx="1">
+        <a:scrgbClr r="0" g="0" b="0"/>
+      </a:lnRef>
+      <a:fillRef idx="1">
+        <a:scrgbClr r="0" g="0" b="0"/>
+      </a:fillRef>
+      <a:effectRef idx="0">
+        <a:scrgbClr r="0" g="0" b="0"/>
+      </a:effectRef>
+      <a:fontRef idx="minor"/>
+    </dgm:style>
+  </dgm:styleLbl>
+  <dgm:styleLbl name="bgAcc1">
+    <dgm:scene3d>
+      <a:camera prst="orthographicFront"/>
+      <a:lightRig rig="threePt" dir="t"/>
+    </dgm:scene3d>
+    <dgm:sp3d/>
+    <dgm:txPr/>
+    <dgm:style>
+      <a:lnRef idx="2">
+        <a:scrgbClr r="0" g="0" b="0"/>
+      </a:lnRef>
+      <a:fillRef idx="1">
+        <a:scrgbClr r="0" g="0" b="0"/>
+      </a:fillRef>
+      <a:effectRef idx="0">
+        <a:scrgbClr r="0" g="0" b="0"/>
+      </a:effectRef>
+      <a:fontRef idx="minor"/>
+    </dgm:style>
+  </dgm:styleLbl>
+  <dgm:styleLbl name="solidFgAcc1">
+    <dgm:scene3d>
+      <a:camera prst="orthographicFront"/>
+      <a:lightRig rig="threePt" dir="t"/>
+    </dgm:scene3d>
+    <dgm:sp3d/>
+    <dgm:txPr/>
+    <dgm:style>
+      <a:lnRef idx="2">
+        <a:scrgbClr r="0" g="0" b="0"/>
+      </a:lnRef>
+      <a:fillRef idx="1">
+        <a:scrgbClr r="0" g="0" b="0"/>
+      </a:fillRef>
+      <a:effectRef idx="0">
+        <a:scrgbClr r="0" g="0" b="0"/>
+      </a:effectRef>
+      <a:fontRef idx="minor"/>
+    </dgm:style>
+  </dgm:styleLbl>
+  <dgm:styleLbl name="solidAlignAcc1">
+    <dgm:scene3d>
+      <a:camera prst="orthographicFront"/>
+      <a:lightRig rig="threePt" dir="t"/>
+    </dgm:scene3d>
+    <dgm:sp3d/>
+    <dgm:txPr/>
+    <dgm:style>
+      <a:lnRef idx="2">
+        <a:scrgbClr r="0" g="0" b="0"/>
+      </a:lnRef>
+      <a:fillRef idx="1">
+        <a:scrgbClr r="0" g="0" b="0"/>
+      </a:fillRef>
+      <a:effectRef idx="0">
+        <a:scrgbClr r="0" g="0" b="0"/>
+      </a:effectRef>
+      <a:fontRef idx="minor"/>
+    </dgm:style>
+  </dgm:styleLbl>
+  <dgm:styleLbl name="solidBgAcc1">
+    <dgm:scene3d>
+      <a:camera prst="orthographicFront"/>
+      <a:lightRig rig="threePt" dir="t"/>
+    </dgm:scene3d>
+    <dgm:sp3d/>
+    <dgm:txPr/>
+    <dgm:style>
+      <a:lnRef idx="2">
+        <a:scrgbClr r="0" g="0" b="0"/>
+      </a:lnRef>
+      <a:fillRef idx="1">
+        <a:scrgbClr r="0" g="0" b="0"/>
+      </a:fillRef>
+      <a:effectRef idx="0">
+        <a:scrgbClr r="0" g="0" b="0"/>
+      </a:effectRef>
+      <a:fontRef idx="minor"/>
+    </dgm:style>
+  </dgm:styleLbl>
+  <dgm:styleLbl name="fgAccFollowNode1">
+    <dgm:scene3d>
+      <a:camera prst="orthographicFront"/>
+      <a:lightRig rig="threePt" dir="t"/>
+    </dgm:scene3d>
+    <dgm:sp3d/>
+    <dgm:txPr/>
+    <dgm:style>
+      <a:lnRef idx="2">
+        <a:scrgbClr r="0" g="0" b="0"/>
+      </a:lnRef>
+      <a:fillRef idx="1">
+        <a:scrgbClr r="0" g="0" b="0"/>
+      </a:fillRef>
+      <a:effectRef idx="0">
+        <a:scrgbClr r="0" g="0" b="0"/>
+      </a:effectRef>
+      <a:fontRef idx="minor"/>
+    </dgm:style>
+  </dgm:styleLbl>
+  <dgm:styleLbl name="alignAccFollowNode1">
+    <dgm:scene3d>
+      <a:camera prst="orthographicFront"/>
+      <a:lightRig rig="threePt" dir="t"/>
+    </dgm:scene3d>
+    <dgm:sp3d/>
+    <dgm:txPr/>
+    <dgm:style>
+      <a:lnRef idx="2">
+        <a:scrgbClr r="0" g="0" b="0"/>
+      </a:lnRef>
+      <a:fillRef idx="1">
+        <a:scrgbClr r="0" g="0" b="0"/>
+      </a:fillRef>
+      <a:effectRef idx="0">
+        <a:scrgbClr r="0" g="0" b="0"/>
+      </a:effectRef>
+      <a:fontRef idx="minor"/>
+    </dgm:style>
+  </dgm:styleLbl>
+  <dgm:styleLbl name="bgAccFollowNode1">
+    <dgm:scene3d>
+      <a:camera prst="orthographicFront"/>
+      <a:lightRig rig="threePt" dir="t"/>
+    </dgm:scene3d>
+    <dgm:sp3d/>
+    <dgm:txPr/>
+    <dgm:style>
+      <a:lnRef idx="2">
+        <a:scrgbClr r="0" g="0" b="0"/>
+      </a:lnRef>
+      <a:fillRef idx="1">
+        <a:scrgbClr r="0" g="0" b="0"/>
+      </a:fillRef>
+      <a:effectRef idx="0">
+        <a:scrgbClr r="0" g="0" b="0"/>
+      </a:effectRef>
+      <a:fontRef idx="minor"/>
+    </dgm:style>
+  </dgm:styleLbl>
+  <dgm:styleLbl name="fgAcc0">
+    <dgm:scene3d>
+      <a:camera prst="orthographicFront"/>
+      <a:lightRig rig="threePt" dir="t"/>
+    </dgm:scene3d>
+    <dgm:sp3d/>
+    <dgm:txPr/>
+    <dgm:style>
+      <a:lnRef idx="2">
+        <a:scrgbClr r="0" g="0" b="0"/>
+      </a:lnRef>
+      <a:fillRef idx="1">
+        <a:scrgbClr r="0" g="0" b="0"/>
+      </a:fillRef>
+      <a:effectRef idx="0">
+        <a:scrgbClr r="0" g="0" b="0"/>
+      </a:effectRef>
+      <a:fontRef idx="minor"/>
+    </dgm:style>
+  </dgm:styleLbl>
+  <dgm:styleLbl name="fgAcc2">
+    <dgm:scene3d>
+      <a:camera prst="orthographicFront"/>
+      <a:lightRig rig="threePt" dir="t"/>
+    </dgm:scene3d>
+    <dgm:sp3d/>
+    <dgm:txPr/>
+    <dgm:style>
+      <a:lnRef idx="2">
+        <a:scrgbClr r="0" g="0" b="0"/>
+      </a:lnRef>
+      <a:fillRef idx="1">
+        <a:scrgbClr r="0" g="0" b="0"/>
+      </a:fillRef>
+      <a:effectRef idx="0">
+        <a:scrgbClr r="0" g="0" b="0"/>
+      </a:effectRef>
+      <a:fontRef idx="minor"/>
+    </dgm:style>
+  </dgm:styleLbl>
+  <dgm:styleLbl name="fgAcc3">
+    <dgm:scene3d>
+      <a:camera prst="orthographicFront"/>
+      <a:lightRig rig="threePt" dir="t"/>
+    </dgm:scene3d>
+    <dgm:sp3d/>
+    <dgm:txPr/>
+    <dgm:style>
+      <a:lnRef idx="2">
+        <a:scrgbClr r="0" g="0" b="0"/>
+      </a:lnRef>
+      <a:fillRef idx="1">
+        <a:scrgbClr r="0" g="0" b="0"/>
+      </a:fillRef>
+      <a:effectRef idx="0">
+        <a:scrgbClr r="0" g="0" b="0"/>
+      </a:effectRef>
+      <a:fontRef idx="minor"/>
+    </dgm:style>
+  </dgm:styleLbl>
+  <dgm:styleLbl name="fgAcc4">
+    <dgm:scene3d>
+      <a:camera prst="orthographicFront"/>
+      <a:lightRig rig="threePt" dir="t"/>
+    </dgm:scene3d>
+    <dgm:sp3d/>
+    <dgm:txPr/>
+    <dgm:style>
+      <a:lnRef idx="2">
+        <a:scrgbClr r="0" g="0" b="0"/>
+      </a:lnRef>
+      <a:fillRef idx="1">
+        <a:scrgbClr r="0" g="0" b="0"/>
+      </a:fillRef>
+      <a:effectRef idx="0">
+        <a:scrgbClr r="0" g="0" b="0"/>
+      </a:effectRef>
+      <a:fontRef idx="minor"/>
+    </dgm:style>
+  </dgm:styleLbl>
+  <dgm:styleLbl name="bgShp">
+    <dgm:scene3d>
+      <a:camera prst="orthographicFront"/>
+      <a:lightRig rig="threePt" dir="t"/>
+    </dgm:scene3d>
+    <dgm:sp3d/>
+    <dgm:txPr/>
+    <dgm:style>
+      <a:lnRef idx="0">
+        <a:scrgbClr r="0" g="0" b="0"/>
+      </a:lnRef>
+      <a:fillRef idx="1">
+        <a:scrgbClr r="0" g="0" b="0"/>
+      </a:fillRef>
+      <a:effectRef idx="0">
+        <a:scrgbClr r="0" g="0" b="0"/>
+      </a:effectRef>
+      <a:fontRef idx="minor"/>
+    </dgm:style>
+  </dgm:styleLbl>
+  <dgm:styleLbl name="dkBgShp">
+    <dgm:scene3d>
+      <a:camera prst="orthographicFront"/>
+      <a:lightRig rig="threePt" dir="t"/>
+    </dgm:scene3d>
+    <dgm:sp3d/>
+    <dgm:txPr/>
+    <dgm:style>
+      <a:lnRef idx="0">
+        <a:scrgbClr r="0" g="0" b="0"/>
+      </a:lnRef>
+      <a:fillRef idx="1">
+        <a:scrgbClr r="0" g="0" b="0"/>
+      </a:fillRef>
+      <a:effectRef idx="0">
+        <a:scrgbClr r="0" g="0" b="0"/>
+      </a:effectRef>
+      <a:fontRef idx="minor"/>
+    </dgm:style>
+  </dgm:styleLbl>
+  <dgm:styleLbl name="trBgShp">
+    <dgm:scene3d>
+      <a:camera prst="orthographicFront"/>
+      <a:lightRig rig="threePt" dir="t"/>
+    </dgm:scene3d>
+    <dgm:sp3d/>
+    <dgm:txPr/>
+    <dgm:style>
+      <a:lnRef idx="0">
+        <a:scrgbClr r="0" g="0" b="0"/>
+      </a:lnRef>
+      <a:fillRef idx="1">
+        <a:scrgbClr r="0" g="0" b="0"/>
+      </a:fillRef>
+      <a:effectRef idx="0">
+        <a:scrgbClr r="0" g="0" b="0"/>
+      </a:effectRef>
+      <a:fontRef idx="minor"/>
+    </dgm:style>
+  </dgm:styleLbl>
+  <dgm:styleLbl name="fgShp">
+    <dgm:scene3d>
+      <a:camera prst="orthographicFront"/>
+      <a:lightRig rig="threePt" dir="t"/>
+    </dgm:scene3d>
+    <dgm:sp3d/>
+    <dgm:txPr/>
+    <dgm:style>
+      <a:lnRef idx="2">
+        <a:scrgbClr r="0" g="0" b="0"/>
+      </a:lnRef>
+      <a:fillRef idx="1">
+        <a:scrgbClr r="0" g="0" b="0"/>
+      </a:fillRef>
+      <a:effectRef idx="0">
+        <a:scrgbClr r="0" g="0" b="0"/>
+      </a:effectRef>
+      <a:fontRef idx="minor"/>
+    </dgm:style>
+  </dgm:styleLbl>
+  <dgm:styleLbl name="revTx">
+    <dgm:scene3d>
+      <a:camera prst="orthographicFront"/>
+      <a:lightRig rig="threePt" dir="t"/>
+    </dgm:scene3d>
+    <dgm:sp3d/>
+    <dgm:txPr/>
+    <dgm:style>
+      <a:lnRef idx="0">
+        <a:scrgbClr r="0" g="0" b="0"/>
+      </a:lnRef>
+      <a:fillRef idx="0">
+        <a:scrgbClr r="0" g="0" b="0"/>
+      </a:fillRef>
+      <a:effectRef idx="0">
+        <a:scrgbClr r="0" g="0" b="0"/>
+      </a:effectRef>
+      <a:fontRef idx="minor"/>
+    </dgm:style>
+  </dgm:styleLbl>
+</dgm:styleDef>
+</file>
+
 <file path=ppt/notesMasters/notesMaster1.xml><?xml version="1.0" encoding="utf-8"?>
 <p:notesMaster xmlns:a="http://schemas.openxmlformats.org/drawingml/2006/main" xmlns:r="http://schemas.openxmlformats.org/officeDocument/2006/relationships" xmlns:p="http://schemas.openxmlformats.org/presentationml/2006/main">
   <p:cSld>
@@ -214,7 +2782,7 @@
           <a:p>
             <a:fld id="{C6C72B9D-EF0C-4E16-A6A8-6793C8460034}" type="datetimeFigureOut">
               <a:rPr lang="en-US" smtClean="0"/>
-              <a:t>7/26/2023</a:t>
+              <a:t>7/27/2023</a:t>
             </a:fld>
             <a:endParaRPr lang="en-US"/>
           </a:p>
@@ -627,8 +3195,145 @@
                 <a:effectLst/>
                 <a:latin typeface="Söhne"/>
               </a:rPr>
-              <a:t>We will automate the process of GP regression model generation. This script will enable us to iterate through various parameters, such as different kernels and latent processes, to generate the optimal GP regression for our needs.</a:t>
-            </a:r>
+              <a:t>Our next steps involves the creation of synthetic data. Synthetic data will help us generate ample data to train our Gaussian Process models and give us a deeper understanding of the intrinsic relationships between different species in our study. This understanding can be used as a benchmark when we begin deploying GPs to interpret the systems.</a:t>
+            </a:r>
+          </a:p>
+          <a:p>
+            <a:endParaRPr lang="en-US" b="0" i="0" dirty="0">
+              <a:solidFill>
+                <a:srgbClr val="D1D5DB"/>
+              </a:solidFill>
+              <a:effectLst/>
+              <a:latin typeface="Söhne"/>
+            </a:endParaRPr>
+          </a:p>
+          <a:p>
+            <a:r>
+              <a:rPr lang="en-US" b="0" i="0" dirty="0">
+                <a:solidFill>
+                  <a:srgbClr val="D1D5DB"/>
+                </a:solidFill>
+                <a:effectLst/>
+                <a:latin typeface="Söhne"/>
+              </a:rPr>
+              <a:t>Key Benefits of the Approach:</a:t>
+            </a:r>
+          </a:p>
+          <a:p>
+            <a:pPr algn="l">
+              <a:buFont typeface="Arial" panose="020B0604020202020204" pitchFamily="34" charset="0"/>
+              <a:buChar char="•"/>
+            </a:pPr>
+            <a:r>
+              <a:rPr lang="en-US" b="0" i="0" dirty="0">
+                <a:solidFill>
+                  <a:srgbClr val="D1D5DB"/>
+                </a:solidFill>
+                <a:effectLst/>
+                <a:latin typeface="Söhne"/>
+              </a:rPr>
+              <a:t>Accelerate the GP model training process</a:t>
+            </a:r>
+          </a:p>
+          <a:p>
+            <a:pPr algn="l">
+              <a:buFont typeface="Arial" panose="020B0604020202020204" pitchFamily="34" charset="0"/>
+              <a:buChar char="•"/>
+            </a:pPr>
+            <a:r>
+              <a:rPr lang="en-US" b="0" i="0" dirty="0">
+                <a:solidFill>
+                  <a:srgbClr val="D1D5DB"/>
+                </a:solidFill>
+                <a:effectLst/>
+                <a:latin typeface="Söhne"/>
+              </a:rPr>
+              <a:t>Facilitate a better understanding of underlying systems</a:t>
+            </a:r>
+          </a:p>
+          <a:p>
+            <a:pPr algn="l">
+              <a:buFont typeface="Arial" panose="020B0604020202020204" pitchFamily="34" charset="0"/>
+              <a:buChar char="•"/>
+            </a:pPr>
+            <a:r>
+              <a:rPr lang="en-US" b="0" i="0" dirty="0">
+                <a:solidFill>
+                  <a:srgbClr val="D1D5DB"/>
+                </a:solidFill>
+                <a:effectLst/>
+                <a:latin typeface="Söhne"/>
+              </a:rPr>
+              <a:t>Enable comprehensive comparison and matching of GPs with the "true" system</a:t>
+            </a:r>
+          </a:p>
+          <a:p>
+            <a:endParaRPr lang="en-US" dirty="0"/>
+          </a:p>
+          <a:p>
+            <a:r>
+              <a:rPr lang="en-US" b="0" i="0" dirty="0">
+                <a:solidFill>
+                  <a:srgbClr val="D1D5DB"/>
+                </a:solidFill>
+                <a:effectLst/>
+                <a:latin typeface="Söhne"/>
+              </a:rPr>
+              <a:t>This approach will not only streamline and expedite the GP model training process but will also facilitate a more profound understanding of the underlying systems that generate the data. Moreover, it will provide us with the ability to compare and match our Gaussian Process understanding with the actual or "true" system in a comprehensive manner.</a:t>
+            </a:r>
+          </a:p>
+          <a:p>
+            <a:endParaRPr lang="en-US" b="0" i="0" dirty="0">
+              <a:solidFill>
+                <a:srgbClr val="D1D5DB"/>
+              </a:solidFill>
+              <a:effectLst/>
+              <a:latin typeface="Söhne"/>
+            </a:endParaRPr>
+          </a:p>
+          <a:p>
+            <a:endParaRPr lang="en-US" b="0" i="0" dirty="0">
+              <a:solidFill>
+                <a:srgbClr val="D1D5DB"/>
+              </a:solidFill>
+              <a:effectLst/>
+              <a:latin typeface="Söhne"/>
+            </a:endParaRPr>
+          </a:p>
+          <a:p>
+            <a:r>
+              <a:rPr lang="en-US" b="0" i="0" dirty="0">
+                <a:solidFill>
+                  <a:srgbClr val="D1D5DB"/>
+                </a:solidFill>
+                <a:effectLst/>
+                <a:latin typeface="Söhne"/>
+              </a:rPr>
+              <a:t>-----------------------------------</a:t>
+            </a:r>
+            <a:endParaRPr lang="en-US" dirty="0"/>
+          </a:p>
+          <a:p>
+            <a:endParaRPr lang="en-US" dirty="0"/>
+          </a:p>
+          <a:p>
+            <a:r>
+              <a:rPr lang="en-US" dirty="0"/>
+              <a:t>Produce a script to generate synthetic data. This will not only help us produce a lot of data to which train our gaussian processes models, but also know what is the “true” or “real” underlying relationship between species that generate the data. So when we start to use GPs to understand the underlying systems we can match and compare.</a:t>
+            </a:r>
+          </a:p>
+          <a:p>
+            <a:r>
+              <a:rPr lang="en-US" dirty="0"/>
+              <a:t>Produce a script to automatically generate the best GP regression that loops for these different variables: different kernels, different latent processes, </a:t>
+            </a:r>
+            <a:r>
+              <a:rPr lang="en-US" dirty="0" err="1"/>
+              <a:t>etc</a:t>
+            </a:r>
+            <a:endParaRPr lang="en-US" dirty="0"/>
+          </a:p>
+          <a:p>
             <a:endParaRPr lang="en-US" dirty="0"/>
           </a:p>
         </p:txBody>
@@ -650,7 +3355,101 @@
           <a:p>
             <a:fld id="{225D74A9-7CE9-4F99-8BD2-0D8B6DC14804}" type="slidenum">
               <a:rPr lang="en-US" smtClean="0"/>
-              <a:t>12</a:t>
+              <a:t>13</a:t>
+            </a:fld>
+            <a:endParaRPr lang="en-US"/>
+          </a:p>
+        </p:txBody>
+      </p:sp>
+    </p:spTree>
+    <p:extLst>
+      <p:ext uri="{BB962C8B-B14F-4D97-AF65-F5344CB8AC3E}">
+        <p14:creationId xmlns:p14="http://schemas.microsoft.com/office/powerpoint/2010/main" val="539985066"/>
+      </p:ext>
+    </p:extLst>
+  </p:cSld>
+  <p:clrMapOvr>
+    <a:masterClrMapping/>
+  </p:clrMapOvr>
+</p:notes>
+</file>
+
+<file path=ppt/notesSlides/notesSlide11.xml><?xml version="1.0" encoding="utf-8"?>
+<p:notes xmlns:a="http://schemas.openxmlformats.org/drawingml/2006/main" xmlns:r="http://schemas.openxmlformats.org/officeDocument/2006/relationships" xmlns:p="http://schemas.openxmlformats.org/presentationml/2006/main">
+  <p:cSld>
+    <p:spTree>
+      <p:nvGrpSpPr>
+        <p:cNvPr id="1" name=""/>
+        <p:cNvGrpSpPr/>
+        <p:nvPr/>
+      </p:nvGrpSpPr>
+      <p:grpSpPr>
+        <a:xfrm>
+          <a:off x="0" y="0"/>
+          <a:ext cx="0" cy="0"/>
+          <a:chOff x="0" y="0"/>
+          <a:chExt cx="0" cy="0"/>
+        </a:xfrm>
+      </p:grpSpPr>
+      <p:sp>
+        <p:nvSpPr>
+          <p:cNvPr id="2" name="Slide Image Placeholder 1"/>
+          <p:cNvSpPr>
+            <a:spLocks noGrp="1" noRot="1" noChangeAspect="1"/>
+          </p:cNvSpPr>
+          <p:nvPr>
+            <p:ph type="sldImg"/>
+          </p:nvPr>
+        </p:nvSpPr>
+        <p:spPr/>
+      </p:sp>
+      <p:sp>
+        <p:nvSpPr>
+          <p:cNvPr id="3" name="Notes Placeholder 2"/>
+          <p:cNvSpPr>
+            <a:spLocks noGrp="1"/>
+          </p:cNvSpPr>
+          <p:nvPr>
+            <p:ph type="body" idx="1"/>
+          </p:nvPr>
+        </p:nvSpPr>
+        <p:spPr/>
+        <p:txBody>
+          <a:bodyPr/>
+          <a:lstStyle/>
+          <a:p>
+            <a:r>
+              <a:rPr lang="en-US" b="0" i="0" dirty="0">
+                <a:solidFill>
+                  <a:srgbClr val="D1D5DB"/>
+                </a:solidFill>
+                <a:effectLst/>
+                <a:latin typeface="Söhne"/>
+              </a:rPr>
+              <a:t>We will automate the process of GP regression model generation. This script will enable us to iterate through various parameters, such as different kernels and latent processes, to generate the optimal GP regression for our needs.</a:t>
+            </a:r>
+            <a:endParaRPr lang="en-US" dirty="0"/>
+          </a:p>
+        </p:txBody>
+      </p:sp>
+      <p:sp>
+        <p:nvSpPr>
+          <p:cNvPr id="4" name="Slide Number Placeholder 3"/>
+          <p:cNvSpPr>
+            <a:spLocks noGrp="1"/>
+          </p:cNvSpPr>
+          <p:nvPr>
+            <p:ph type="sldNum" sz="quarter" idx="5"/>
+          </p:nvPr>
+        </p:nvSpPr>
+        <p:spPr/>
+        <p:txBody>
+          <a:bodyPr/>
+          <a:lstStyle/>
+          <a:p>
+            <a:fld id="{225D74A9-7CE9-4F99-8BD2-0D8B6DC14804}" type="slidenum">
+              <a:rPr lang="en-US" smtClean="0"/>
+              <a:t>14</a:t>
             </a:fld>
             <a:endParaRPr lang="en-US"/>
           </a:p>
@@ -1251,7 +4050,7 @@
                 <a:effectLst/>
                 <a:latin typeface="Söhne"/>
               </a:rPr>
-              <a:t>We will take inspiration from the 'automated statistician' approach, which finds the best combination of Gaussian processes covariance functions for non-linear regression. We will adapt this approach to microbial system design and generate a library of stable microbial communities</a:t>
+              <a:t>Our project has two main objectives. First, we aim to develop the Gaussian processes framework for interpretable dynamical system design. Second, we plan to generate a library of stable microbial communities</a:t>
             </a:r>
             <a:endParaRPr lang="en-US" dirty="0"/>
           </a:p>
@@ -1283,7 +4082,7 @@
     </p:spTree>
     <p:extLst>
       <p:ext uri="{BB962C8B-B14F-4D97-AF65-F5344CB8AC3E}">
-        <p14:creationId xmlns:p14="http://schemas.microsoft.com/office/powerpoint/2010/main" val="1169989619"/>
+        <p14:creationId xmlns:p14="http://schemas.microsoft.com/office/powerpoint/2010/main" val="3843998180"/>
       </p:ext>
     </p:extLst>
   </p:cSld>
@@ -1345,7 +4144,7 @@
                 <a:effectLst/>
                 <a:latin typeface="Söhne"/>
               </a:rPr>
-              <a:t>We expect to construct a new library of stable communities and gain insights into the design rules of stable communities. This work will serve as an atlas for future biotechnology applications.</a:t>
+              <a:t>We will take inspiration from the 'automated statistician' approach, which finds the best combination of Gaussian processes covariance functions for non-linear regression. We will adapt this approach to microbial system design and generate a library of stable microbial communities</a:t>
             </a:r>
             <a:endParaRPr lang="en-US" dirty="0"/>
           </a:p>
@@ -1377,7 +4176,7 @@
     </p:spTree>
     <p:extLst>
       <p:ext uri="{BB962C8B-B14F-4D97-AF65-F5344CB8AC3E}">
-        <p14:creationId xmlns:p14="http://schemas.microsoft.com/office/powerpoint/2010/main" val="2225490157"/>
+        <p14:creationId xmlns:p14="http://schemas.microsoft.com/office/powerpoint/2010/main" val="1169989619"/>
       </p:ext>
     </p:extLst>
   </p:cSld>
@@ -1439,145 +4238,8 @@
                 <a:effectLst/>
                 <a:latin typeface="Söhne"/>
               </a:rPr>
-              <a:t>Our next steps involves the creation of synthetic data. Synthetic data will help us generate ample data to train our Gaussian Process models and give us a deeper understanding of the intrinsic relationships between different species in our study. This understanding can be used as a benchmark when we begin deploying GPs to interpret the systems.</a:t>
-            </a:r>
-          </a:p>
-          <a:p>
-            <a:endParaRPr lang="en-US" b="0" i="0" dirty="0">
-              <a:solidFill>
-                <a:srgbClr val="D1D5DB"/>
-              </a:solidFill>
-              <a:effectLst/>
-              <a:latin typeface="Söhne"/>
-            </a:endParaRPr>
-          </a:p>
-          <a:p>
-            <a:r>
-              <a:rPr lang="en-US" b="0" i="0" dirty="0">
-                <a:solidFill>
-                  <a:srgbClr val="D1D5DB"/>
-                </a:solidFill>
-                <a:effectLst/>
-                <a:latin typeface="Söhne"/>
-              </a:rPr>
-              <a:t>Key Benefits of the Approach:</a:t>
-            </a:r>
-          </a:p>
-          <a:p>
-            <a:pPr algn="l">
-              <a:buFont typeface="Arial" panose="020B0604020202020204" pitchFamily="34" charset="0"/>
-              <a:buChar char="•"/>
-            </a:pPr>
-            <a:r>
-              <a:rPr lang="en-US" b="0" i="0" dirty="0">
-                <a:solidFill>
-                  <a:srgbClr val="D1D5DB"/>
-                </a:solidFill>
-                <a:effectLst/>
-                <a:latin typeface="Söhne"/>
-              </a:rPr>
-              <a:t>Accelerate the GP model training process</a:t>
-            </a:r>
-          </a:p>
-          <a:p>
-            <a:pPr algn="l">
-              <a:buFont typeface="Arial" panose="020B0604020202020204" pitchFamily="34" charset="0"/>
-              <a:buChar char="•"/>
-            </a:pPr>
-            <a:r>
-              <a:rPr lang="en-US" b="0" i="0" dirty="0">
-                <a:solidFill>
-                  <a:srgbClr val="D1D5DB"/>
-                </a:solidFill>
-                <a:effectLst/>
-                <a:latin typeface="Söhne"/>
-              </a:rPr>
-              <a:t>Facilitate a better understanding of underlying systems</a:t>
-            </a:r>
-          </a:p>
-          <a:p>
-            <a:pPr algn="l">
-              <a:buFont typeface="Arial" panose="020B0604020202020204" pitchFamily="34" charset="0"/>
-              <a:buChar char="•"/>
-            </a:pPr>
-            <a:r>
-              <a:rPr lang="en-US" b="0" i="0" dirty="0">
-                <a:solidFill>
-                  <a:srgbClr val="D1D5DB"/>
-                </a:solidFill>
-                <a:effectLst/>
-                <a:latin typeface="Söhne"/>
-              </a:rPr>
-              <a:t>Enable comprehensive comparison and matching of GPs with the "true" system</a:t>
-            </a:r>
-          </a:p>
-          <a:p>
-            <a:endParaRPr lang="en-US" dirty="0"/>
-          </a:p>
-          <a:p>
-            <a:r>
-              <a:rPr lang="en-US" b="0" i="0" dirty="0">
-                <a:solidFill>
-                  <a:srgbClr val="D1D5DB"/>
-                </a:solidFill>
-                <a:effectLst/>
-                <a:latin typeface="Söhne"/>
-              </a:rPr>
-              <a:t>This approach will not only streamline and expedite the GP model training process but will also facilitate a more profound understanding of the underlying systems that generate the data. Moreover, it will provide us with the ability to compare and match our Gaussian Process understanding with the actual or "true" system in a comprehensive manner.</a:t>
-            </a:r>
-          </a:p>
-          <a:p>
-            <a:endParaRPr lang="en-US" b="0" i="0" dirty="0">
-              <a:solidFill>
-                <a:srgbClr val="D1D5DB"/>
-              </a:solidFill>
-              <a:effectLst/>
-              <a:latin typeface="Söhne"/>
-            </a:endParaRPr>
-          </a:p>
-          <a:p>
-            <a:endParaRPr lang="en-US" b="0" i="0" dirty="0">
-              <a:solidFill>
-                <a:srgbClr val="D1D5DB"/>
-              </a:solidFill>
-              <a:effectLst/>
-              <a:latin typeface="Söhne"/>
-            </a:endParaRPr>
-          </a:p>
-          <a:p>
-            <a:r>
-              <a:rPr lang="en-US" b="0" i="0" dirty="0">
-                <a:solidFill>
-                  <a:srgbClr val="D1D5DB"/>
-                </a:solidFill>
-                <a:effectLst/>
-                <a:latin typeface="Söhne"/>
-              </a:rPr>
-              <a:t>-----------------------------------</a:t>
-            </a:r>
-            <a:endParaRPr lang="en-US" dirty="0"/>
-          </a:p>
-          <a:p>
-            <a:endParaRPr lang="en-US" dirty="0"/>
-          </a:p>
-          <a:p>
-            <a:r>
-              <a:rPr lang="en-US" dirty="0"/>
-              <a:t>Produce a script to generate synthetic data. This will not only help us produce a lot of data to which train our gaussian processes models, but also know what is the “true” or “real” underlying relationship between species that generate the data. So when we start to use GPs to understand the underlying systems we can match and compare.</a:t>
-            </a:r>
-          </a:p>
-          <a:p>
-            <a:r>
-              <a:rPr lang="en-US" dirty="0"/>
-              <a:t>Produce a script to automatically generate the best GP regression that loops for these different variables: different kernels, different latent processes, </a:t>
-            </a:r>
-            <a:r>
-              <a:rPr lang="en-US" dirty="0" err="1"/>
-              <a:t>etc</a:t>
-            </a:r>
-            <a:endParaRPr lang="en-US" dirty="0"/>
-          </a:p>
-          <a:p>
+              <a:t>We expect to construct a new library of stable communities and gain insights into the design rules of stable communities. This work will serve as an atlas for future biotechnology applications.</a:t>
+            </a:r>
             <a:endParaRPr lang="en-US" dirty="0"/>
           </a:p>
         </p:txBody>
@@ -1599,7 +4261,7 @@
           <a:p>
             <a:fld id="{225D74A9-7CE9-4F99-8BD2-0D8B6DC14804}" type="slidenum">
               <a:rPr lang="en-US" smtClean="0"/>
-              <a:t>11</a:t>
+              <a:t>12</a:t>
             </a:fld>
             <a:endParaRPr lang="en-US"/>
           </a:p>
@@ -1608,7 +4270,7 @@
     </p:spTree>
     <p:extLst>
       <p:ext uri="{BB962C8B-B14F-4D97-AF65-F5344CB8AC3E}">
-        <p14:creationId xmlns:p14="http://schemas.microsoft.com/office/powerpoint/2010/main" val="539985066"/>
+        <p14:creationId xmlns:p14="http://schemas.microsoft.com/office/powerpoint/2010/main" val="2225490157"/>
       </p:ext>
     </p:extLst>
   </p:cSld>
@@ -1765,7 +4427,7 @@
           <a:p>
             <a:fld id="{58D99F9D-2103-4E0F-8EC4-FC1F4C4457DE}" type="datetimeFigureOut">
               <a:rPr lang="en-US" smtClean="0"/>
-              <a:t>7/26/2023</a:t>
+              <a:t>7/27/2023</a:t>
             </a:fld>
             <a:endParaRPr lang="en-US"/>
           </a:p>
@@ -1835,6 +4497,18 @@
   <p:clrMapOvr>
     <a:masterClrMapping/>
   </p:clrMapOvr>
+  <mc:AlternateContent xmlns:mc="http://schemas.openxmlformats.org/markup-compatibility/2006" xmlns:p159="http://schemas.microsoft.com/office/powerpoint/2015/09/main">
+    <mc:Choice Requires="p159">
+      <p:transition xmlns:p14="http://schemas.microsoft.com/office/powerpoint/2010/main" p14:dur="250">
+        <p159:morph option="byObject"/>
+      </p:transition>
+    </mc:Choice>
+    <mc:Fallback xmlns="">
+      <p:transition>
+        <p:fade/>
+      </p:transition>
+    </mc:Fallback>
+  </mc:AlternateContent>
 </p:sldLayout>
 </file>
 
@@ -1963,7 +4637,7 @@
           <a:p>
             <a:fld id="{58D99F9D-2103-4E0F-8EC4-FC1F4C4457DE}" type="datetimeFigureOut">
               <a:rPr lang="en-US" smtClean="0"/>
-              <a:t>7/26/2023</a:t>
+              <a:t>7/27/2023</a:t>
             </a:fld>
             <a:endParaRPr lang="en-US"/>
           </a:p>
@@ -2033,6 +4707,18 @@
   <p:clrMapOvr>
     <a:masterClrMapping/>
   </p:clrMapOvr>
+  <mc:AlternateContent xmlns:mc="http://schemas.openxmlformats.org/markup-compatibility/2006" xmlns:p159="http://schemas.microsoft.com/office/powerpoint/2015/09/main">
+    <mc:Choice Requires="p159">
+      <p:transition xmlns:p14="http://schemas.microsoft.com/office/powerpoint/2010/main" p14:dur="250">
+        <p159:morph option="byObject"/>
+      </p:transition>
+    </mc:Choice>
+    <mc:Fallback xmlns="">
+      <p:transition>
+        <p:fade/>
+      </p:transition>
+    </mc:Fallback>
+  </mc:AlternateContent>
 </p:sldLayout>
 </file>
 
@@ -2171,7 +4857,7 @@
           <a:p>
             <a:fld id="{58D99F9D-2103-4E0F-8EC4-FC1F4C4457DE}" type="datetimeFigureOut">
               <a:rPr lang="en-US" smtClean="0"/>
-              <a:t>7/26/2023</a:t>
+              <a:t>7/27/2023</a:t>
             </a:fld>
             <a:endParaRPr lang="en-US"/>
           </a:p>
@@ -2235,6 +4921,202 @@
     <p:extLst>
       <p:ext uri="{BB962C8B-B14F-4D97-AF65-F5344CB8AC3E}">
         <p14:creationId xmlns:p14="http://schemas.microsoft.com/office/powerpoint/2010/main" val="3142114044"/>
+      </p:ext>
+    </p:extLst>
+  </p:cSld>
+  <p:clrMapOvr>
+    <a:masterClrMapping/>
+  </p:clrMapOvr>
+  <mc:AlternateContent xmlns:mc="http://schemas.openxmlformats.org/markup-compatibility/2006" xmlns:p159="http://schemas.microsoft.com/office/powerpoint/2015/09/main">
+    <mc:Choice Requires="p159">
+      <p:transition xmlns:p14="http://schemas.microsoft.com/office/powerpoint/2010/main" p14:dur="250">
+        <p159:morph option="byObject"/>
+      </p:transition>
+    </mc:Choice>
+    <mc:Fallback xmlns="">
+      <p:transition>
+        <p:fade/>
+      </p:transition>
+    </mc:Fallback>
+  </mc:AlternateContent>
+</p:sldLayout>
+</file>
+
+<file path=ppt/slideLayouts/slideLayout12.xml><?xml version="1.0" encoding="utf-8"?>
+<p:sldLayout xmlns:a="http://schemas.openxmlformats.org/drawingml/2006/main" xmlns:r="http://schemas.openxmlformats.org/officeDocument/2006/relationships" xmlns:p="http://schemas.openxmlformats.org/presentationml/2006/main" userDrawn="1">
+  <p:cSld name="1_Blank">
+    <p:spTree>
+      <p:nvGrpSpPr>
+        <p:cNvPr id="1" name=""/>
+        <p:cNvGrpSpPr/>
+        <p:nvPr/>
+      </p:nvGrpSpPr>
+      <p:grpSpPr>
+        <a:xfrm>
+          <a:off x="0" y="0"/>
+          <a:ext cx="0" cy="0"/>
+          <a:chOff x="0" y="0"/>
+          <a:chExt cx="0" cy="0"/>
+        </a:xfrm>
+      </p:grpSpPr>
+      <p:sp>
+        <p:nvSpPr>
+          <p:cNvPr id="5" name="Title Placeholder 1"/>
+          <p:cNvSpPr>
+            <a:spLocks noGrp="1"/>
+          </p:cNvSpPr>
+          <p:nvPr>
+            <p:ph type="title"/>
+          </p:nvPr>
+        </p:nvSpPr>
+        <p:spPr>
+          <a:xfrm>
+            <a:off x="301657" y="-169997"/>
+            <a:ext cx="10972800" cy="642145"/>
+          </a:xfrm>
+          <a:prstGeom prst="rect">
+            <a:avLst/>
+          </a:prstGeom>
+        </p:spPr>
+        <p:txBody>
+          <a:bodyPr vert="horz" lIns="91440" tIns="45720" rIns="91440" bIns="45720" rtlCol="0" anchor="ctr">
+            <a:noAutofit/>
+          </a:bodyPr>
+          <a:lstStyle>
+            <a:lvl1pPr>
+              <a:defRPr>
+                <a:solidFill>
+                  <a:schemeClr val="bg1"/>
+                </a:solidFill>
+              </a:defRPr>
+            </a:lvl1pPr>
+          </a:lstStyle>
+          <a:p>
+            <a:r>
+              <a:rPr lang="en-AU" dirty="0"/>
+              <a:t>Click to edit Master title style</a:t>
+            </a:r>
+            <a:endParaRPr lang="en-US" dirty="0"/>
+          </a:p>
+        </p:txBody>
+      </p:sp>
+      <p:sp>
+        <p:nvSpPr>
+          <p:cNvPr id="7" name="Text Placeholder 6"/>
+          <p:cNvSpPr>
+            <a:spLocks noGrp="1"/>
+          </p:cNvSpPr>
+          <p:nvPr>
+            <p:ph type="body" sz="quarter" idx="10"/>
+          </p:nvPr>
+        </p:nvSpPr>
+        <p:spPr>
+          <a:xfrm>
+            <a:off x="1181297" y="259521"/>
+            <a:ext cx="10093160" cy="406400"/>
+          </a:xfrm>
+        </p:spPr>
+        <p:txBody>
+          <a:bodyPr>
+            <a:normAutofit/>
+          </a:bodyPr>
+          <a:lstStyle>
+            <a:lvl1pPr marL="0" indent="0">
+              <a:buNone/>
+              <a:defRPr sz="1800" b="0">
+                <a:solidFill>
+                  <a:schemeClr val="bg1"/>
+                </a:solidFill>
+                <a:latin typeface="+mn-lt"/>
+              </a:defRPr>
+            </a:lvl1pPr>
+          </a:lstStyle>
+          <a:p>
+            <a:pPr lvl="0"/>
+            <a:r>
+              <a:rPr lang="en-AU" dirty="0"/>
+              <a:t>Click to edit</a:t>
+            </a:r>
+            <a:endParaRPr lang="en-US" dirty="0"/>
+          </a:p>
+        </p:txBody>
+      </p:sp>
+      <p:sp>
+        <p:nvSpPr>
+          <p:cNvPr id="3" name="Content Placeholder 2"/>
+          <p:cNvSpPr>
+            <a:spLocks noGrp="1"/>
+          </p:cNvSpPr>
+          <p:nvPr>
+            <p:ph sz="quarter" idx="11"/>
+          </p:nvPr>
+        </p:nvSpPr>
+        <p:spPr>
+          <a:xfrm>
+            <a:off x="662517" y="901669"/>
+            <a:ext cx="10946387" cy="5578647"/>
+          </a:xfrm>
+        </p:spPr>
+        <p:txBody>
+          <a:bodyPr/>
+          <a:lstStyle>
+            <a:lvl1pPr>
+              <a:defRPr sz="2000"/>
+            </a:lvl1pPr>
+            <a:lvl2pPr>
+              <a:defRPr sz="2000"/>
+            </a:lvl2pPr>
+            <a:lvl3pPr>
+              <a:defRPr sz="2000"/>
+            </a:lvl3pPr>
+            <a:lvl4pPr>
+              <a:defRPr sz="2000"/>
+            </a:lvl4pPr>
+            <a:lvl5pPr>
+              <a:defRPr sz="2000"/>
+            </a:lvl5pPr>
+          </a:lstStyle>
+          <a:p>
+            <a:pPr lvl="0"/>
+            <a:r>
+              <a:rPr lang="en-US" dirty="0"/>
+              <a:t>Click to edit Master text styles</a:t>
+            </a:r>
+          </a:p>
+          <a:p>
+            <a:pPr lvl="1"/>
+            <a:r>
+              <a:rPr lang="en-US" dirty="0"/>
+              <a:t>Second level</a:t>
+            </a:r>
+          </a:p>
+          <a:p>
+            <a:pPr lvl="2"/>
+            <a:r>
+              <a:rPr lang="en-US" dirty="0"/>
+              <a:t>Third level</a:t>
+            </a:r>
+          </a:p>
+          <a:p>
+            <a:pPr lvl="3"/>
+            <a:r>
+              <a:rPr lang="en-US" dirty="0"/>
+              <a:t>Fourth level</a:t>
+            </a:r>
+          </a:p>
+          <a:p>
+            <a:pPr lvl="4"/>
+            <a:r>
+              <a:rPr lang="en-US" dirty="0"/>
+              <a:t>Fifth level</a:t>
+            </a:r>
+          </a:p>
+        </p:txBody>
+      </p:sp>
+    </p:spTree>
+    <p:extLst>
+      <p:ext uri="{BB962C8B-B14F-4D97-AF65-F5344CB8AC3E}">
+        <p14:creationId xmlns:p14="http://schemas.microsoft.com/office/powerpoint/2010/main" val="3879128051"/>
       </p:ext>
     </p:extLst>
   </p:cSld>
@@ -2369,7 +5251,7 @@
           <a:p>
             <a:fld id="{58D99F9D-2103-4E0F-8EC4-FC1F4C4457DE}" type="datetimeFigureOut">
               <a:rPr lang="en-US" smtClean="0"/>
-              <a:t>7/26/2023</a:t>
+              <a:t>7/27/2023</a:t>
             </a:fld>
             <a:endParaRPr lang="en-US"/>
           </a:p>
@@ -2439,6 +5321,18 @@
   <p:clrMapOvr>
     <a:masterClrMapping/>
   </p:clrMapOvr>
+  <mc:AlternateContent xmlns:mc="http://schemas.openxmlformats.org/markup-compatibility/2006" xmlns:p159="http://schemas.microsoft.com/office/powerpoint/2015/09/main">
+    <mc:Choice Requires="p159">
+      <p:transition xmlns:p14="http://schemas.microsoft.com/office/powerpoint/2010/main" p14:dur="250">
+        <p159:morph option="byObject"/>
+      </p:transition>
+    </mc:Choice>
+    <mc:Fallback xmlns="">
+      <p:transition>
+        <p:fade/>
+      </p:transition>
+    </mc:Fallback>
+  </mc:AlternateContent>
 </p:sldLayout>
 </file>
 
@@ -2644,7 +5538,7 @@
           <a:p>
             <a:fld id="{58D99F9D-2103-4E0F-8EC4-FC1F4C4457DE}" type="datetimeFigureOut">
               <a:rPr lang="en-US" smtClean="0"/>
-              <a:t>7/26/2023</a:t>
+              <a:t>7/27/2023</a:t>
             </a:fld>
             <a:endParaRPr lang="en-US"/>
           </a:p>
@@ -2714,6 +5608,18 @@
   <p:clrMapOvr>
     <a:masterClrMapping/>
   </p:clrMapOvr>
+  <mc:AlternateContent xmlns:mc="http://schemas.openxmlformats.org/markup-compatibility/2006" xmlns:p159="http://schemas.microsoft.com/office/powerpoint/2015/09/main">
+    <mc:Choice Requires="p159">
+      <p:transition xmlns:p14="http://schemas.microsoft.com/office/powerpoint/2010/main" p14:dur="250">
+        <p159:morph option="byObject"/>
+      </p:transition>
+    </mc:Choice>
+    <mc:Fallback xmlns="">
+      <p:transition>
+        <p:fade/>
+      </p:transition>
+    </mc:Fallback>
+  </mc:AlternateContent>
 </p:sldLayout>
 </file>
 
@@ -2909,7 +5815,7 @@
           <a:p>
             <a:fld id="{58D99F9D-2103-4E0F-8EC4-FC1F4C4457DE}" type="datetimeFigureOut">
               <a:rPr lang="en-US" smtClean="0"/>
-              <a:t>7/26/2023</a:t>
+              <a:t>7/27/2023</a:t>
             </a:fld>
             <a:endParaRPr lang="en-US"/>
           </a:p>
@@ -2979,6 +5885,18 @@
   <p:clrMapOvr>
     <a:masterClrMapping/>
   </p:clrMapOvr>
+  <mc:AlternateContent xmlns:mc="http://schemas.openxmlformats.org/markup-compatibility/2006" xmlns:p159="http://schemas.microsoft.com/office/powerpoint/2015/09/main">
+    <mc:Choice Requires="p159">
+      <p:transition xmlns:p14="http://schemas.microsoft.com/office/powerpoint/2010/main" p14:dur="250">
+        <p159:morph option="byObject"/>
+      </p:transition>
+    </mc:Choice>
+    <mc:Fallback xmlns="">
+      <p:transition>
+        <p:fade/>
+      </p:transition>
+    </mc:Fallback>
+  </mc:AlternateContent>
 </p:sldLayout>
 </file>
 
@@ -3321,7 +6239,7 @@
           <a:p>
             <a:fld id="{58D99F9D-2103-4E0F-8EC4-FC1F4C4457DE}" type="datetimeFigureOut">
               <a:rPr lang="en-US" smtClean="0"/>
-              <a:t>7/26/2023</a:t>
+              <a:t>7/27/2023</a:t>
             </a:fld>
             <a:endParaRPr lang="en-US"/>
           </a:p>
@@ -3391,6 +6309,18 @@
   <p:clrMapOvr>
     <a:masterClrMapping/>
   </p:clrMapOvr>
+  <mc:AlternateContent xmlns:mc="http://schemas.openxmlformats.org/markup-compatibility/2006" xmlns:p159="http://schemas.microsoft.com/office/powerpoint/2015/09/main">
+    <mc:Choice Requires="p159">
+      <p:transition xmlns:p14="http://schemas.microsoft.com/office/powerpoint/2010/main" p14:dur="250">
+        <p159:morph option="byObject"/>
+      </p:transition>
+    </mc:Choice>
+    <mc:Fallback xmlns="">
+      <p:transition>
+        <p:fade/>
+      </p:transition>
+    </mc:Fallback>
+  </mc:AlternateContent>
 </p:sldLayout>
 </file>
 
@@ -3462,7 +6392,7 @@
           <a:p>
             <a:fld id="{58D99F9D-2103-4E0F-8EC4-FC1F4C4457DE}" type="datetimeFigureOut">
               <a:rPr lang="en-US" smtClean="0"/>
-              <a:t>7/26/2023</a:t>
+              <a:t>7/27/2023</a:t>
             </a:fld>
             <a:endParaRPr lang="en-US"/>
           </a:p>
@@ -3532,6 +6462,18 @@
   <p:clrMapOvr>
     <a:masterClrMapping/>
   </p:clrMapOvr>
+  <mc:AlternateContent xmlns:mc="http://schemas.openxmlformats.org/markup-compatibility/2006" xmlns:p159="http://schemas.microsoft.com/office/powerpoint/2015/09/main">
+    <mc:Choice Requires="p159">
+      <p:transition xmlns:p14="http://schemas.microsoft.com/office/powerpoint/2010/main" p14:dur="250">
+        <p159:morph option="byObject"/>
+      </p:transition>
+    </mc:Choice>
+    <mc:Fallback xmlns="">
+      <p:transition>
+        <p:fade/>
+      </p:transition>
+    </mc:Fallback>
+  </mc:AlternateContent>
 </p:sldLayout>
 </file>
 
@@ -3575,7 +6517,7 @@
           <a:p>
             <a:fld id="{58D99F9D-2103-4E0F-8EC4-FC1F4C4457DE}" type="datetimeFigureOut">
               <a:rPr lang="en-US" smtClean="0"/>
-              <a:t>7/26/2023</a:t>
+              <a:t>7/27/2023</a:t>
             </a:fld>
             <a:endParaRPr lang="en-US"/>
           </a:p>
@@ -3645,6 +6587,18 @@
   <p:clrMapOvr>
     <a:masterClrMapping/>
   </p:clrMapOvr>
+  <mc:AlternateContent xmlns:mc="http://schemas.openxmlformats.org/markup-compatibility/2006" xmlns:p159="http://schemas.microsoft.com/office/powerpoint/2015/09/main">
+    <mc:Choice Requires="p159">
+      <p:transition xmlns:p14="http://schemas.microsoft.com/office/powerpoint/2010/main" p14:dur="250">
+        <p159:morph option="byObject"/>
+      </p:transition>
+    </mc:Choice>
+    <mc:Fallback xmlns="">
+      <p:transition>
+        <p:fade/>
+      </p:transition>
+    </mc:Fallback>
+  </mc:AlternateContent>
 </p:sldLayout>
 </file>
 
@@ -3886,7 +6840,7 @@
           <a:p>
             <a:fld id="{58D99F9D-2103-4E0F-8EC4-FC1F4C4457DE}" type="datetimeFigureOut">
               <a:rPr lang="en-US" smtClean="0"/>
-              <a:t>7/26/2023</a:t>
+              <a:t>7/27/2023</a:t>
             </a:fld>
             <a:endParaRPr lang="en-US"/>
           </a:p>
@@ -3956,6 +6910,18 @@
   <p:clrMapOvr>
     <a:masterClrMapping/>
   </p:clrMapOvr>
+  <mc:AlternateContent xmlns:mc="http://schemas.openxmlformats.org/markup-compatibility/2006" xmlns:p159="http://schemas.microsoft.com/office/powerpoint/2015/09/main">
+    <mc:Choice Requires="p159">
+      <p:transition xmlns:p14="http://schemas.microsoft.com/office/powerpoint/2010/main" p14:dur="250">
+        <p159:morph option="byObject"/>
+      </p:transition>
+    </mc:Choice>
+    <mc:Fallback xmlns="">
+      <p:transition>
+        <p:fade/>
+      </p:transition>
+    </mc:Fallback>
+  </mc:AlternateContent>
 </p:sldLayout>
 </file>
 
@@ -4174,7 +7140,7 @@
           <a:p>
             <a:fld id="{58D99F9D-2103-4E0F-8EC4-FC1F4C4457DE}" type="datetimeFigureOut">
               <a:rPr lang="en-US" smtClean="0"/>
-              <a:t>7/26/2023</a:t>
+              <a:t>7/27/2023</a:t>
             </a:fld>
             <a:endParaRPr lang="en-US"/>
           </a:p>
@@ -4244,6 +7210,18 @@
   <p:clrMapOvr>
     <a:masterClrMapping/>
   </p:clrMapOvr>
+  <mc:AlternateContent xmlns:mc="http://schemas.openxmlformats.org/markup-compatibility/2006" xmlns:p159="http://schemas.microsoft.com/office/powerpoint/2015/09/main">
+    <mc:Choice Requires="p159">
+      <p:transition xmlns:p14="http://schemas.microsoft.com/office/powerpoint/2010/main" p14:dur="250">
+        <p159:morph option="byObject"/>
+      </p:transition>
+    </mc:Choice>
+    <mc:Fallback xmlns="">
+      <p:transition>
+        <p:fade/>
+      </p:transition>
+    </mc:Fallback>
+  </mc:AlternateContent>
 </p:sldLayout>
 </file>
 
@@ -4415,7 +7393,7 @@
           <a:p>
             <a:fld id="{58D99F9D-2103-4E0F-8EC4-FC1F4C4457DE}" type="datetimeFigureOut">
               <a:rPr lang="en-US" smtClean="0"/>
-              <a:t>7/26/2023</a:t>
+              <a:t>7/27/2023</a:t>
             </a:fld>
             <a:endParaRPr lang="en-US"/>
           </a:p>
@@ -4531,7 +7509,20 @@
     <p:sldLayoutId id="2147483657" r:id="rId9"/>
     <p:sldLayoutId id="2147483658" r:id="rId10"/>
     <p:sldLayoutId id="2147483659" r:id="rId11"/>
+    <p:sldLayoutId id="2147483660" r:id="rId12"/>
   </p:sldLayoutIdLst>
+  <mc:AlternateContent xmlns:mc="http://schemas.openxmlformats.org/markup-compatibility/2006" xmlns:p159="http://schemas.microsoft.com/office/powerpoint/2015/09/main">
+    <mc:Choice Requires="p159">
+      <p:transition xmlns:p14="http://schemas.microsoft.com/office/powerpoint/2010/main" p14:dur="250">
+        <p159:morph option="byObject"/>
+      </p:transition>
+    </mc:Choice>
+    <mc:Fallback xmlns="">
+      <p:transition>
+        <p:fade/>
+      </p:transition>
+    </mc:Fallback>
+  </mc:AlternateContent>
   <p:txStyles>
     <p:titleStyle>
       <a:lvl1pPr algn="l" defTabSz="914400" rtl="0" eaLnBrk="1" latinLnBrk="0" hangingPunct="1">
@@ -4900,6 +7891,18 @@
   <p:clrMapOvr>
     <a:masterClrMapping/>
   </p:clrMapOvr>
+  <mc:AlternateContent xmlns:mc="http://schemas.openxmlformats.org/markup-compatibility/2006" xmlns:p159="http://schemas.microsoft.com/office/powerpoint/2015/09/main">
+    <mc:Choice Requires="p159">
+      <p:transition xmlns:p14="http://schemas.microsoft.com/office/powerpoint/2010/main" p14:dur="250">
+        <p159:morph option="byObject"/>
+      </p:transition>
+    </mc:Choice>
+    <mc:Fallback xmlns="">
+      <p:transition>
+        <p:fade/>
+      </p:transition>
+    </mc:Fallback>
+  </mc:AlternateContent>
 </p:sld>
 </file>
 
@@ -4942,8 +7945,12 @@
           <a:lstStyle/>
           <a:p>
             <a:r>
+              <a:rPr lang="en-US" dirty="0"/>
+              <a:t>AI4 grant: </a:t>
+            </a:r>
+            <a:r>
               <a:rPr lang="da-DK" dirty="0"/>
-              <a:t>Expected Outcomes</a:t>
+              <a:t>Project Methodology</a:t>
             </a:r>
             <a:endParaRPr lang="en-US" dirty="0"/>
           </a:p>
@@ -4967,15 +7974,17 @@
         </p:nvSpPr>
         <p:spPr/>
         <p:txBody>
-          <a:bodyPr/>
+          <a:bodyPr>
+            <a:normAutofit/>
+          </a:bodyPr>
           <a:lstStyle/>
           <a:p>
             <a:pPr marL="0" indent="0">
               <a:buNone/>
             </a:pPr>
             <a:r>
-              <a:rPr lang="en-US" dirty="0"/>
-              <a:t>Construction of a new library of stable communities</a:t>
+              <a:rPr lang="en-US" sz="2400" dirty="0"/>
+              <a:t>We will use GPs, a robust method for modelling non-linear functions in a Bayesian nonparametric framework.</a:t>
             </a:r>
           </a:p>
           <a:p>
@@ -4983,8 +7992,8 @@
               <a:buNone/>
             </a:pPr>
             <a:r>
-              <a:rPr lang="en-US" dirty="0"/>
-              <a:t>Insights into the design rules of stable communities</a:t>
+              <a:rPr lang="en-US" sz="2400" dirty="0"/>
+              <a:t>Vector valued GPs will be fitted to capture multidimensional design constraints, representing microbial communities that are stable, oscillate, or respond to input environmental signals.</a:t>
             </a:r>
           </a:p>
           <a:p>
@@ -4992,8 +8001,16 @@
               <a:buNone/>
             </a:pPr>
             <a:r>
-              <a:rPr lang="en-US" dirty="0"/>
-              <a:t>Potential for future biotechnology applications</a:t>
+              <a:rPr lang="en-US" sz="2400" dirty="0"/>
+              <a:t>The covariance structure of the GPs that best fits the design objectives will be used to infer how to construct the microbial community for the desired </a:t>
+            </a:r>
+            <a:r>
+              <a:rPr lang="en-US" sz="2400" dirty="0" err="1"/>
+              <a:t>behaviour</a:t>
+            </a:r>
+            <a:r>
+              <a:rPr lang="en-US" sz="2400" dirty="0"/>
+              <a:t>.</a:t>
             </a:r>
           </a:p>
         </p:txBody>
@@ -5001,13 +8018,25 @@
     </p:spTree>
     <p:extLst>
       <p:ext uri="{BB962C8B-B14F-4D97-AF65-F5344CB8AC3E}">
-        <p14:creationId xmlns:p14="http://schemas.microsoft.com/office/powerpoint/2010/main" val="1529394239"/>
+        <p14:creationId xmlns:p14="http://schemas.microsoft.com/office/powerpoint/2010/main" val="204340509"/>
       </p:ext>
     </p:extLst>
   </p:cSld>
   <p:clrMapOvr>
     <a:masterClrMapping/>
   </p:clrMapOvr>
+  <mc:AlternateContent xmlns:mc="http://schemas.openxmlformats.org/markup-compatibility/2006" xmlns:p159="http://schemas.microsoft.com/office/powerpoint/2015/09/main">
+    <mc:Choice Requires="p159">
+      <p:transition xmlns:p14="http://schemas.microsoft.com/office/powerpoint/2010/main" p14:dur="250">
+        <p159:morph option="byObject"/>
+      </p:transition>
+    </mc:Choice>
+    <mc:Fallback xmlns="">
+      <p:transition>
+        <p:fade/>
+      </p:transition>
+    </mc:Fallback>
+  </mc:AlternateContent>
 </p:sld>
 </file>
 
@@ -5030,6 +8059,351 @@
       </p:grpSpPr>
       <p:sp>
         <p:nvSpPr>
+          <p:cNvPr id="3" name="Text Placeholder 2">
+            <a:extLst>
+              <a:ext uri="{FF2B5EF4-FFF2-40B4-BE49-F238E27FC236}">
+                <a16:creationId xmlns:a16="http://schemas.microsoft.com/office/drawing/2014/main" id="{ABF68016-F840-5048-8031-5398CFADE1F1}"/>
+              </a:ext>
+            </a:extLst>
+          </p:cNvPr>
+          <p:cNvSpPr>
+            <a:spLocks noGrp="1"/>
+          </p:cNvSpPr>
+          <p:nvPr>
+            <p:ph type="body" sz="quarter" idx="10"/>
+          </p:nvPr>
+        </p:nvSpPr>
+        <p:spPr/>
+        <p:txBody>
+          <a:bodyPr/>
+          <a:lstStyle/>
+          <a:p>
+            <a:r>
+              <a:rPr lang="en-US" dirty="0">
+                <a:solidFill>
+                  <a:schemeClr val="tx1"/>
+                </a:solidFill>
+              </a:rPr>
+              <a:t>AI4 grant: Project Objectives and Deliverables</a:t>
+            </a:r>
+          </a:p>
+        </p:txBody>
+      </p:sp>
+      <p:sp>
+        <p:nvSpPr>
+          <p:cNvPr id="4" name="Content Placeholder 3">
+            <a:extLst>
+              <a:ext uri="{FF2B5EF4-FFF2-40B4-BE49-F238E27FC236}">
+                <a16:creationId xmlns:a16="http://schemas.microsoft.com/office/drawing/2014/main" id="{8546AF73-1418-3A47-B019-9C57318EEB67}"/>
+              </a:ext>
+            </a:extLst>
+          </p:cNvPr>
+          <p:cNvSpPr>
+            <a:spLocks noGrp="1"/>
+          </p:cNvSpPr>
+          <p:nvPr>
+            <p:ph sz="quarter" idx="11"/>
+          </p:nvPr>
+        </p:nvSpPr>
+        <p:spPr/>
+        <p:txBody>
+          <a:bodyPr/>
+          <a:lstStyle/>
+          <a:p>
+            <a:r>
+              <a:rPr lang="en-US" dirty="0"/>
+              <a:t>Objective 1: Develop the GP framework for interpretable dynamical system design.</a:t>
+            </a:r>
+          </a:p>
+          <a:p>
+            <a:pPr marL="457200" lvl="1" indent="0">
+              <a:buNone/>
+            </a:pPr>
+            <a:endParaRPr lang="en-US" dirty="0"/>
+          </a:p>
+          <a:p>
+            <a:r>
+              <a:rPr lang="en-US" dirty="0"/>
+              <a:t>Objective 2: Generate a library of stable microbial communities for bioethanol production.</a:t>
+            </a:r>
+          </a:p>
+          <a:p>
+            <a:endParaRPr lang="en-US" dirty="0"/>
+          </a:p>
+          <a:p>
+            <a:endParaRPr lang="en-US" dirty="0"/>
+          </a:p>
+          <a:p>
+            <a:endParaRPr lang="en-US" dirty="0"/>
+          </a:p>
+          <a:p>
+            <a:endParaRPr lang="en-US" dirty="0"/>
+          </a:p>
+        </p:txBody>
+      </p:sp>
+      <p:pic>
+        <p:nvPicPr>
+          <p:cNvPr id="5" name="Picture 4">
+            <a:extLst>
+              <a:ext uri="{FF2B5EF4-FFF2-40B4-BE49-F238E27FC236}">
+                <a16:creationId xmlns:a16="http://schemas.microsoft.com/office/drawing/2014/main" id="{0B597F6D-57B4-0D48-AC40-E6877417AD14}"/>
+              </a:ext>
+            </a:extLst>
+          </p:cNvPr>
+          <p:cNvPicPr>
+            <a:picLocks noChangeAspect="1"/>
+          </p:cNvPicPr>
+          <p:nvPr/>
+        </p:nvPicPr>
+        <p:blipFill>
+          <a:blip r:embed="rId2"/>
+          <a:stretch>
+            <a:fillRect/>
+          </a:stretch>
+        </p:blipFill>
+        <p:spPr>
+          <a:xfrm>
+            <a:off x="211873" y="2913755"/>
+            <a:ext cx="11608904" cy="2087275"/>
+          </a:xfrm>
+          <a:prstGeom prst="rect">
+            <a:avLst/>
+          </a:prstGeom>
+        </p:spPr>
+      </p:pic>
+      <p:cxnSp>
+        <p:nvCxnSpPr>
+          <p:cNvPr id="7" name="Straight Arrow Connector 6">
+            <a:extLst>
+              <a:ext uri="{FF2B5EF4-FFF2-40B4-BE49-F238E27FC236}">
+                <a16:creationId xmlns:a16="http://schemas.microsoft.com/office/drawing/2014/main" id="{7A61B700-FDCD-AA41-9358-F23B86081AAC}"/>
+              </a:ext>
+            </a:extLst>
+          </p:cNvPr>
+          <p:cNvCxnSpPr>
+            <a:cxnSpLocks/>
+          </p:cNvCxnSpPr>
+          <p:nvPr/>
+        </p:nvCxnSpPr>
+        <p:spPr>
+          <a:xfrm flipV="1">
+            <a:off x="3858322" y="5001030"/>
+            <a:ext cx="0" cy="669073"/>
+          </a:xfrm>
+          <a:prstGeom prst="straightConnector1">
+            <a:avLst/>
+          </a:prstGeom>
+          <a:ln w="76200">
+            <a:tailEnd type="triangle"/>
+          </a:ln>
+        </p:spPr>
+        <p:style>
+          <a:lnRef idx="2">
+            <a:schemeClr val="dk1"/>
+          </a:lnRef>
+          <a:fillRef idx="0">
+            <a:schemeClr val="dk1"/>
+          </a:fillRef>
+          <a:effectRef idx="1">
+            <a:schemeClr val="dk1"/>
+          </a:effectRef>
+          <a:fontRef idx="minor">
+            <a:schemeClr val="tx1"/>
+          </a:fontRef>
+        </p:style>
+      </p:cxnSp>
+      <p:sp>
+        <p:nvSpPr>
+          <p:cNvPr id="9" name="TextBox 8">
+            <a:extLst>
+              <a:ext uri="{FF2B5EF4-FFF2-40B4-BE49-F238E27FC236}">
+                <a16:creationId xmlns:a16="http://schemas.microsoft.com/office/drawing/2014/main" id="{12C2D8D0-C6D3-584A-9DBD-9982D5C9B218}"/>
+              </a:ext>
+            </a:extLst>
+          </p:cNvPr>
+          <p:cNvSpPr txBox="1"/>
+          <p:nvPr/>
+        </p:nvSpPr>
+        <p:spPr>
+          <a:xfrm>
+            <a:off x="5542156" y="5497551"/>
+            <a:ext cx="4587603" cy="369332"/>
+          </a:xfrm>
+          <a:prstGeom prst="rect">
+            <a:avLst/>
+          </a:prstGeom>
+          <a:noFill/>
+        </p:spPr>
+        <p:txBody>
+          <a:bodyPr wrap="none" rtlCol="0">
+            <a:spAutoFit/>
+          </a:bodyPr>
+          <a:lstStyle/>
+          <a:p>
+            <a:r>
+              <a:rPr lang="en-US" dirty="0"/>
+              <a:t>PDRA time: 01.04.22 – 31.01.2024 (22 months)</a:t>
+            </a:r>
+          </a:p>
+        </p:txBody>
+      </p:sp>
+    </p:spTree>
+    <p:extLst>
+      <p:ext uri="{BB962C8B-B14F-4D97-AF65-F5344CB8AC3E}">
+        <p14:creationId xmlns:p14="http://schemas.microsoft.com/office/powerpoint/2010/main" val="3173994472"/>
+      </p:ext>
+    </p:extLst>
+  </p:cSld>
+  <p:clrMapOvr>
+    <a:masterClrMapping/>
+  </p:clrMapOvr>
+</p:sld>
+</file>
+
+<file path=ppt/slides/slide12.xml><?xml version="1.0" encoding="utf-8"?>
+<p:sld xmlns:a="http://schemas.openxmlformats.org/drawingml/2006/main" xmlns:r="http://schemas.openxmlformats.org/officeDocument/2006/relationships" xmlns:p="http://schemas.openxmlformats.org/presentationml/2006/main">
+  <p:cSld>
+    <p:spTree>
+      <p:nvGrpSpPr>
+        <p:cNvPr id="1" name=""/>
+        <p:cNvGrpSpPr/>
+        <p:nvPr/>
+      </p:nvGrpSpPr>
+      <p:grpSpPr>
+        <a:xfrm>
+          <a:off x="0" y="0"/>
+          <a:ext cx="0" cy="0"/>
+          <a:chOff x="0" y="0"/>
+          <a:chExt cx="0" cy="0"/>
+        </a:xfrm>
+      </p:grpSpPr>
+      <p:sp>
+        <p:nvSpPr>
+          <p:cNvPr id="2" name="Title 1">
+            <a:extLst>
+              <a:ext uri="{FF2B5EF4-FFF2-40B4-BE49-F238E27FC236}">
+                <a16:creationId xmlns:a16="http://schemas.microsoft.com/office/drawing/2014/main" id="{FB4896F4-FD2C-9C83-C00F-452E419E9CAA}"/>
+              </a:ext>
+            </a:extLst>
+          </p:cNvPr>
+          <p:cNvSpPr>
+            <a:spLocks noGrp="1"/>
+          </p:cNvSpPr>
+          <p:nvPr>
+            <p:ph type="title"/>
+          </p:nvPr>
+        </p:nvSpPr>
+        <p:spPr/>
+        <p:txBody>
+          <a:bodyPr/>
+          <a:lstStyle/>
+          <a:p>
+            <a:r>
+              <a:rPr lang="da-DK" dirty="0"/>
+              <a:t>Expected Outcomes</a:t>
+            </a:r>
+            <a:endParaRPr lang="en-US" dirty="0"/>
+          </a:p>
+        </p:txBody>
+      </p:sp>
+      <p:sp>
+        <p:nvSpPr>
+          <p:cNvPr id="3" name="Content Placeholder 2">
+            <a:extLst>
+              <a:ext uri="{FF2B5EF4-FFF2-40B4-BE49-F238E27FC236}">
+                <a16:creationId xmlns:a16="http://schemas.microsoft.com/office/drawing/2014/main" id="{B058C484-A05D-8DB2-21BB-342682E323CB}"/>
+              </a:ext>
+            </a:extLst>
+          </p:cNvPr>
+          <p:cNvSpPr>
+            <a:spLocks noGrp="1"/>
+          </p:cNvSpPr>
+          <p:nvPr>
+            <p:ph idx="1"/>
+          </p:nvPr>
+        </p:nvSpPr>
+        <p:spPr/>
+        <p:txBody>
+          <a:bodyPr>
+            <a:normAutofit/>
+          </a:bodyPr>
+          <a:lstStyle/>
+          <a:p>
+            <a:pPr marL="514350" indent="-514350">
+              <a:buFont typeface="+mj-lt"/>
+              <a:buAutoNum type="arabicPeriod"/>
+            </a:pPr>
+            <a:r>
+              <a:rPr lang="en-US" sz="2400" dirty="0"/>
+              <a:t>The project will construct a new library of stable communities to demonstrate the potential of the design approach.</a:t>
+            </a:r>
+          </a:p>
+          <a:p>
+            <a:pPr marL="514350" indent="-514350">
+              <a:buFont typeface="+mj-lt"/>
+              <a:buAutoNum type="arabicPeriod"/>
+            </a:pPr>
+            <a:r>
+              <a:rPr lang="en-US" sz="2400" dirty="0"/>
+              <a:t>The work will produce an expanded model space of stable communities, serving as an atlas for future biotechnology applications.</a:t>
+            </a:r>
+          </a:p>
+          <a:p>
+            <a:pPr marL="514350" indent="-514350">
+              <a:buFont typeface="+mj-lt"/>
+              <a:buAutoNum type="arabicPeriod"/>
+            </a:pPr>
+            <a:r>
+              <a:rPr lang="en-US" sz="2400" dirty="0"/>
+              <a:t>The project will provide insights into the design rules of stable communities, such as competition versus cooperation</a:t>
+            </a:r>
+          </a:p>
+        </p:txBody>
+      </p:sp>
+    </p:spTree>
+    <p:extLst>
+      <p:ext uri="{BB962C8B-B14F-4D97-AF65-F5344CB8AC3E}">
+        <p14:creationId xmlns:p14="http://schemas.microsoft.com/office/powerpoint/2010/main" val="1529394239"/>
+      </p:ext>
+    </p:extLst>
+  </p:cSld>
+  <p:clrMapOvr>
+    <a:masterClrMapping/>
+  </p:clrMapOvr>
+  <mc:AlternateContent xmlns:mc="http://schemas.openxmlformats.org/markup-compatibility/2006" xmlns:p159="http://schemas.microsoft.com/office/powerpoint/2015/09/main">
+    <mc:Choice Requires="p159">
+      <p:transition xmlns:p14="http://schemas.microsoft.com/office/powerpoint/2010/main" p14:dur="250">
+        <p159:morph option="byObject"/>
+      </p:transition>
+    </mc:Choice>
+    <mc:Fallback xmlns="">
+      <p:transition>
+        <p:fade/>
+      </p:transition>
+    </mc:Fallback>
+  </mc:AlternateContent>
+</p:sld>
+</file>
+
+<file path=ppt/slides/slide13.xml><?xml version="1.0" encoding="utf-8"?>
+<p:sld xmlns:a="http://schemas.openxmlformats.org/drawingml/2006/main" xmlns:r="http://schemas.openxmlformats.org/officeDocument/2006/relationships" xmlns:p="http://schemas.openxmlformats.org/presentationml/2006/main">
+  <p:cSld>
+    <p:spTree>
+      <p:nvGrpSpPr>
+        <p:cNvPr id="1" name=""/>
+        <p:cNvGrpSpPr/>
+        <p:nvPr/>
+      </p:nvGrpSpPr>
+      <p:grpSpPr>
+        <a:xfrm>
+          <a:off x="0" y="0"/>
+          <a:ext cx="0" cy="0"/>
+          <a:chOff x="0" y="0"/>
+          <a:chExt cx="0" cy="0"/>
+        </a:xfrm>
+      </p:grpSpPr>
+      <p:sp>
+        <p:nvSpPr>
           <p:cNvPr id="2" name="Title 1">
             <a:extLst>
               <a:ext uri="{FF2B5EF4-FFF2-40B4-BE49-F238E27FC236}">
@@ -5092,13 +8466,13 @@
           <a:p>
             <a:r>
               <a:rPr lang="en-US" sz="2800" dirty="0"/>
-              <a:t>3) Utilize synthetic data to train Gaussian Process (GP) models</a:t>
+              <a:t>3) Utilize synthetic data to train Gaussian Process (GP) model selection</a:t>
             </a:r>
           </a:p>
           <a:p>
             <a:r>
               <a:rPr lang="en-US" sz="2800" dirty="0"/>
-              <a:t>3) Understand the "true" or "real" relationship between species</a:t>
+              <a:t>3) Use kernels to understand the underlying system or the relationship between species</a:t>
             </a:r>
           </a:p>
         </p:txBody>
@@ -5113,10 +8487,22 @@
   <p:clrMapOvr>
     <a:masterClrMapping/>
   </p:clrMapOvr>
+  <mc:AlternateContent xmlns:mc="http://schemas.openxmlformats.org/markup-compatibility/2006" xmlns:p159="http://schemas.microsoft.com/office/powerpoint/2015/09/main">
+    <mc:Choice Requires="p159">
+      <p:transition xmlns:p14="http://schemas.microsoft.com/office/powerpoint/2010/main" p14:dur="250">
+        <p159:morph option="byObject"/>
+      </p:transition>
+    </mc:Choice>
+    <mc:Fallback xmlns="">
+      <p:transition>
+        <p:fade/>
+      </p:transition>
+    </mc:Fallback>
+  </mc:AlternateContent>
 </p:sld>
 </file>
 
-<file path=ppt/slides/slide12.xml><?xml version="1.0" encoding="utf-8"?>
+<file path=ppt/slides/slide14.xml><?xml version="1.0" encoding="utf-8"?>
 <p:sld xmlns:a="http://schemas.openxmlformats.org/drawingml/2006/main" xmlns:r="http://schemas.openxmlformats.org/officeDocument/2006/relationships" xmlns:p="http://schemas.openxmlformats.org/presentationml/2006/main">
   <p:cSld>
     <p:bg>
@@ -5878,300 +9264,18 @@
   <p:clrMapOvr>
     <a:masterClrMapping/>
   </p:clrMapOvr>
-</p:sld>
-</file>
-
-<file path=ppt/slides/slide13.xml><?xml version="1.0" encoding="utf-8"?>
-<p:sld xmlns:a="http://schemas.openxmlformats.org/drawingml/2006/main" xmlns:r="http://schemas.openxmlformats.org/officeDocument/2006/relationships" xmlns:p="http://schemas.openxmlformats.org/presentationml/2006/main">
-  <p:cSld>
-    <p:spTree>
-      <p:nvGrpSpPr>
-        <p:cNvPr id="1" name=""/>
-        <p:cNvGrpSpPr/>
-        <p:nvPr/>
-      </p:nvGrpSpPr>
-      <p:grpSpPr>
-        <a:xfrm>
-          <a:off x="0" y="0"/>
-          <a:ext cx="0" cy="0"/>
-          <a:chOff x="0" y="0"/>
-          <a:chExt cx="0" cy="0"/>
-        </a:xfrm>
-      </p:grpSpPr>
-      <p:sp>
-        <p:nvSpPr>
-          <p:cNvPr id="2" name="Title 1">
-            <a:extLst>
-              <a:ext uri="{FF2B5EF4-FFF2-40B4-BE49-F238E27FC236}">
-                <a16:creationId xmlns:a16="http://schemas.microsoft.com/office/drawing/2014/main" id="{AF8F11DD-A7E6-7E32-CC45-B91E980B641C}"/>
-              </a:ext>
-            </a:extLst>
-          </p:cNvPr>
-          <p:cNvSpPr>
-            <a:spLocks noGrp="1"/>
-          </p:cNvSpPr>
-          <p:nvPr>
-            <p:ph type="title"/>
-          </p:nvPr>
-        </p:nvSpPr>
-        <p:spPr/>
-        <p:txBody>
-          <a:bodyPr/>
-          <a:lstStyle/>
-          <a:p>
-            <a:r>
-              <a:rPr lang="en-US"/>
-              <a:t>Initial Results</a:t>
-            </a:r>
-            <a:endParaRPr lang="en-US" dirty="0"/>
-          </a:p>
-        </p:txBody>
-      </p:sp>
-      <p:pic>
-        <p:nvPicPr>
-          <p:cNvPr id="6" name="Picture 5" descr="A graph of blue lines with a red dot&#10;&#10;Description automatically generated">
-            <a:extLst>
-              <a:ext uri="{FF2B5EF4-FFF2-40B4-BE49-F238E27FC236}">
-                <a16:creationId xmlns:a16="http://schemas.microsoft.com/office/drawing/2014/main" id="{569457B1-3207-2C97-B6CA-B782DA94DE51}"/>
-              </a:ext>
-            </a:extLst>
-          </p:cNvPr>
-          <p:cNvPicPr>
-            <a:picLocks noChangeAspect="1"/>
-          </p:cNvPicPr>
-          <p:nvPr/>
-        </p:nvPicPr>
-        <p:blipFill>
-          <a:blip r:embed="rId2">
-            <a:extLst>
-              <a:ext uri="{28A0092B-C50C-407E-A947-70E740481C1C}">
-                <a14:useLocalDpi xmlns:a14="http://schemas.microsoft.com/office/drawing/2010/main" val="0"/>
-              </a:ext>
-            </a:extLst>
-          </a:blip>
-          <a:stretch>
-            <a:fillRect/>
-          </a:stretch>
-        </p:blipFill>
-        <p:spPr>
-          <a:xfrm>
-            <a:off x="7716517" y="-132080"/>
-            <a:ext cx="3743963" cy="2807973"/>
-          </a:xfrm>
-          <a:prstGeom prst="rect">
-            <a:avLst/>
-          </a:prstGeom>
-        </p:spPr>
-      </p:pic>
-      <p:pic>
-        <p:nvPicPr>
-          <p:cNvPr id="10" name="Picture 9" descr="A graph with green lines&#10;&#10;Description automatically generated">
-            <a:extLst>
-              <a:ext uri="{FF2B5EF4-FFF2-40B4-BE49-F238E27FC236}">
-                <a16:creationId xmlns:a16="http://schemas.microsoft.com/office/drawing/2014/main" id="{1D18259A-761A-8092-44D2-3B650D8619DB}"/>
-              </a:ext>
-            </a:extLst>
-          </p:cNvPr>
-          <p:cNvPicPr>
-            <a:picLocks noChangeAspect="1"/>
-          </p:cNvPicPr>
-          <p:nvPr/>
-        </p:nvPicPr>
-        <p:blipFill>
-          <a:blip r:embed="rId3">
-            <a:extLst>
-              <a:ext uri="{28A0092B-C50C-407E-A947-70E740481C1C}">
-                <a14:useLocalDpi xmlns:a14="http://schemas.microsoft.com/office/drawing/2010/main" val="0"/>
-              </a:ext>
-            </a:extLst>
-          </a:blip>
-          <a:stretch>
-            <a:fillRect/>
-          </a:stretch>
-        </p:blipFill>
-        <p:spPr>
-          <a:xfrm>
-            <a:off x="0" y="2585720"/>
-            <a:ext cx="12192000" cy="4064000"/>
-          </a:xfrm>
-          <a:prstGeom prst="rect">
-            <a:avLst/>
-          </a:prstGeom>
-        </p:spPr>
-      </p:pic>
-    </p:spTree>
-    <p:extLst>
-      <p:ext uri="{BB962C8B-B14F-4D97-AF65-F5344CB8AC3E}">
-        <p14:creationId xmlns:p14="http://schemas.microsoft.com/office/powerpoint/2010/main" val="1841454548"/>
-      </p:ext>
-    </p:extLst>
-  </p:cSld>
-  <p:clrMapOvr>
-    <a:masterClrMapping/>
-  </p:clrMapOvr>
-</p:sld>
-</file>
-
-<file path=ppt/slides/slide14.xml><?xml version="1.0" encoding="utf-8"?>
-<p:sld xmlns:a="http://schemas.openxmlformats.org/drawingml/2006/main" xmlns:r="http://schemas.openxmlformats.org/officeDocument/2006/relationships" xmlns:p="http://schemas.openxmlformats.org/presentationml/2006/main">
-  <p:cSld>
-    <p:bg>
-      <p:bgPr>
-        <a:solidFill>
-          <a:schemeClr val="bg1"/>
-        </a:solidFill>
-        <a:effectLst/>
-      </p:bgPr>
-    </p:bg>
-    <p:spTree>
-      <p:nvGrpSpPr>
-        <p:cNvPr id="1" name=""/>
-        <p:cNvGrpSpPr/>
-        <p:nvPr/>
-      </p:nvGrpSpPr>
-      <p:grpSpPr>
-        <a:xfrm>
-          <a:off x="0" y="0"/>
-          <a:ext cx="0" cy="0"/>
-          <a:chOff x="0" y="0"/>
-          <a:chExt cx="0" cy="0"/>
-        </a:xfrm>
-      </p:grpSpPr>
-      <p:sp useBgFill="1">
-        <p:nvSpPr>
-          <p:cNvPr id="9" name="Rectangle 8">
-            <a:extLst>
-              <a:ext uri="{FF2B5EF4-FFF2-40B4-BE49-F238E27FC236}">
-                <a16:creationId xmlns:a16="http://schemas.microsoft.com/office/drawing/2014/main" id="{53F29798-D584-4792-9B62-3F5F5C36D619}"/>
-              </a:ext>
-              <a:ext uri="{C183D7F6-B498-43B3-948B-1728B52AA6E4}">
-                <adec:decorative xmlns:adec="http://schemas.microsoft.com/office/drawing/2017/decorative" val="1"/>
-              </a:ext>
-            </a:extLst>
-          </p:cNvPr>
-          <p:cNvSpPr>
-            <a:spLocks noGrp="1" noRot="1" noChangeAspect="1" noMove="1" noResize="1" noEditPoints="1" noAdjustHandles="1" noChangeArrowheads="1" noChangeShapeType="1" noTextEdit="1"/>
-          </p:cNvSpPr>
-          <p:nvPr>
-            <p:extLst>
-              <p:ext uri="{386F3935-93C4-4BCD-93E2-E3B085C9AB24}">
-                <p16:designElem xmlns:p16="http://schemas.microsoft.com/office/powerpoint/2015/main" val="1"/>
-              </p:ext>
-            </p:extLst>
-          </p:nvPr>
-        </p:nvSpPr>
-        <p:spPr>
-          <a:xfrm>
-            <a:off x="0" y="0"/>
-            <a:ext cx="12188952" cy="6858000"/>
-          </a:xfrm>
-          <a:prstGeom prst="rect">
-            <a:avLst/>
-          </a:prstGeom>
-          <a:ln>
-            <a:noFill/>
-          </a:ln>
-        </p:spPr>
-        <p:style>
-          <a:lnRef idx="2">
-            <a:schemeClr val="accent1">
-              <a:shade val="50000"/>
-            </a:schemeClr>
-          </a:lnRef>
-          <a:fillRef idx="1">
-            <a:schemeClr val="accent1"/>
-          </a:fillRef>
-          <a:effectRef idx="0">
-            <a:schemeClr val="accent1"/>
-          </a:effectRef>
-          <a:fontRef idx="minor">
-            <a:schemeClr val="lt1"/>
-          </a:fontRef>
-        </p:style>
-        <p:txBody>
-          <a:bodyPr rtlCol="0" anchor="ctr"/>
-          <a:lstStyle/>
-          <a:p>
-            <a:pPr algn="ctr"/>
-            <a:endParaRPr lang="en-US"/>
-          </a:p>
-        </p:txBody>
-      </p:sp>
-      <p:sp>
-        <p:nvSpPr>
-          <p:cNvPr id="2" name="Title 1">
-            <a:extLst>
-              <a:ext uri="{FF2B5EF4-FFF2-40B4-BE49-F238E27FC236}">
-                <a16:creationId xmlns:a16="http://schemas.microsoft.com/office/drawing/2014/main" id="{171FBA4D-D29C-737E-34FF-3148B924E939}"/>
-              </a:ext>
-            </a:extLst>
-          </p:cNvPr>
-          <p:cNvSpPr>
-            <a:spLocks noGrp="1"/>
-          </p:cNvSpPr>
-          <p:nvPr>
-            <p:ph type="title"/>
-          </p:nvPr>
-        </p:nvSpPr>
-        <p:spPr>
-          <a:xfrm>
-            <a:off x="838200" y="184805"/>
-            <a:ext cx="10515600" cy="1505883"/>
-          </a:xfrm>
-        </p:spPr>
-        <p:txBody>
-          <a:bodyPr anchor="ctr">
-            <a:normAutofit/>
-          </a:bodyPr>
-          <a:lstStyle/>
-          <a:p>
-            <a:r>
-              <a:rPr lang="en-US" sz="3300"/>
-              <a:t>Search for working/recently-updated forks of the many GitHub repositories related to the Automated Statistician. </a:t>
-            </a:r>
-          </a:p>
-        </p:txBody>
-      </p:sp>
-      <p:pic>
-        <p:nvPicPr>
-          <p:cNvPr id="4" name="Picture 3">
-            <a:extLst>
-              <a:ext uri="{FF2B5EF4-FFF2-40B4-BE49-F238E27FC236}">
-                <a16:creationId xmlns:a16="http://schemas.microsoft.com/office/drawing/2014/main" id="{1A2C4056-97A3-2363-F9EA-133EDEFD3F1D}"/>
-              </a:ext>
-            </a:extLst>
-          </p:cNvPr>
-          <p:cNvPicPr>
-            <a:picLocks noChangeAspect="1"/>
-          </p:cNvPicPr>
-          <p:nvPr/>
-        </p:nvPicPr>
-        <p:blipFill>
-          <a:blip r:embed="rId2"/>
-          <a:stretch>
-            <a:fillRect/>
-          </a:stretch>
-        </p:blipFill>
-        <p:spPr>
-          <a:xfrm>
-            <a:off x="838200" y="2270305"/>
-            <a:ext cx="10512547" cy="3600545"/>
-          </a:xfrm>
-          <a:prstGeom prst="rect">
-            <a:avLst/>
-          </a:prstGeom>
-        </p:spPr>
-      </p:pic>
-    </p:spTree>
-    <p:extLst>
-      <p:ext uri="{BB962C8B-B14F-4D97-AF65-F5344CB8AC3E}">
-        <p14:creationId xmlns:p14="http://schemas.microsoft.com/office/powerpoint/2010/main" val="2996165891"/>
-      </p:ext>
-    </p:extLst>
-  </p:cSld>
-  <p:clrMapOvr>
-    <a:masterClrMapping/>
-  </p:clrMapOvr>
+  <mc:AlternateContent xmlns:mc="http://schemas.openxmlformats.org/markup-compatibility/2006" xmlns:p159="http://schemas.microsoft.com/office/powerpoint/2015/09/main">
+    <mc:Choice Requires="p159">
+      <p:transition xmlns:p14="http://schemas.microsoft.com/office/powerpoint/2010/main" p14:dur="250">
+        <p159:morph option="byObject"/>
+      </p:transition>
+    </mc:Choice>
+    <mc:Fallback xmlns="">
+      <p:transition>
+        <p:fade/>
+      </p:transition>
+    </mc:Fallback>
+  </mc:AlternateContent>
 </p:sld>
 </file>
 
@@ -6197,7 +9301,7 @@
           <p:cNvPr id="2" name="Title 1">
             <a:extLst>
               <a:ext uri="{FF2B5EF4-FFF2-40B4-BE49-F238E27FC236}">
-                <a16:creationId xmlns:a16="http://schemas.microsoft.com/office/drawing/2014/main" id="{2617A193-7178-73EB-C19E-B1ADDD6EAE4F}"/>
+                <a16:creationId xmlns:a16="http://schemas.microsoft.com/office/drawing/2014/main" id="{AF8F11DD-A7E6-7E32-CC45-B91E980B641C}"/>
               </a:ext>
             </a:extLst>
           </p:cNvPr>
@@ -6208,34 +9312,171 @@
             <p:ph type="title"/>
           </p:nvPr>
         </p:nvSpPr>
+        <p:spPr>
+          <a:xfrm>
+            <a:off x="838200" y="4937125"/>
+            <a:ext cx="10515600" cy="1325563"/>
+          </a:xfrm>
+        </p:spPr>
+        <p:txBody>
+          <a:bodyPr/>
+          <a:lstStyle/>
+          <a:p>
+            <a:r>
+              <a:rPr lang="en-US" dirty="0"/>
+              <a:t>Initial Results</a:t>
+            </a:r>
+          </a:p>
+        </p:txBody>
+      </p:sp>
+      <p:pic>
+        <p:nvPicPr>
+          <p:cNvPr id="6" name="Picture 5" descr="A graph of blue lines with a red dot&#10;&#10;Description automatically generated">
+            <a:extLst>
+              <a:ext uri="{FF2B5EF4-FFF2-40B4-BE49-F238E27FC236}">
+                <a16:creationId xmlns:a16="http://schemas.microsoft.com/office/drawing/2014/main" id="{569457B1-3207-2C97-B6CA-B782DA94DE51}"/>
+              </a:ext>
+            </a:extLst>
+          </p:cNvPr>
+          <p:cNvPicPr>
+            <a:picLocks noChangeAspect="1"/>
+          </p:cNvPicPr>
+          <p:nvPr/>
+        </p:nvPicPr>
+        <p:blipFill>
+          <a:blip r:embed="rId2">
+            <a:extLst>
+              <a:ext uri="{28A0092B-C50C-407E-A947-70E740481C1C}">
+                <a14:useLocalDpi xmlns:a14="http://schemas.microsoft.com/office/drawing/2010/main" val="0"/>
+              </a:ext>
+            </a:extLst>
+          </a:blip>
+          <a:stretch>
+            <a:fillRect/>
+          </a:stretch>
+        </p:blipFill>
+        <p:spPr>
+          <a:xfrm>
+            <a:off x="7539912" y="3850714"/>
+            <a:ext cx="3813888" cy="2860416"/>
+          </a:xfrm>
+          <a:prstGeom prst="rect">
+            <a:avLst/>
+          </a:prstGeom>
+        </p:spPr>
+      </p:pic>
+      <p:pic>
+        <p:nvPicPr>
+          <p:cNvPr id="10" name="Picture 9" descr="A graph with green lines&#10;&#10;Description automatically generated">
+            <a:extLst>
+              <a:ext uri="{FF2B5EF4-FFF2-40B4-BE49-F238E27FC236}">
+                <a16:creationId xmlns:a16="http://schemas.microsoft.com/office/drawing/2014/main" id="{1D18259A-761A-8092-44D2-3B650D8619DB}"/>
+              </a:ext>
+            </a:extLst>
+          </p:cNvPr>
+          <p:cNvPicPr>
+            <a:picLocks noChangeAspect="1"/>
+          </p:cNvPicPr>
+          <p:nvPr/>
+        </p:nvPicPr>
+        <p:blipFill>
+          <a:blip r:embed="rId3">
+            <a:extLst>
+              <a:ext uri="{28A0092B-C50C-407E-A947-70E740481C1C}">
+                <a14:useLocalDpi xmlns:a14="http://schemas.microsoft.com/office/drawing/2010/main" val="0"/>
+              </a:ext>
+            </a:extLst>
+          </a:blip>
+          <a:stretch>
+            <a:fillRect/>
+          </a:stretch>
+        </p:blipFill>
+        <p:spPr>
+          <a:xfrm>
+            <a:off x="0" y="48411"/>
+            <a:ext cx="12192000" cy="4064000"/>
+          </a:xfrm>
+          <a:prstGeom prst="rect">
+            <a:avLst/>
+          </a:prstGeom>
+        </p:spPr>
+      </p:pic>
+    </p:spTree>
+    <p:extLst>
+      <p:ext uri="{BB962C8B-B14F-4D97-AF65-F5344CB8AC3E}">
+        <p14:creationId xmlns:p14="http://schemas.microsoft.com/office/powerpoint/2010/main" val="1841454548"/>
+      </p:ext>
+    </p:extLst>
+  </p:cSld>
+  <p:clrMapOvr>
+    <a:masterClrMapping/>
+  </p:clrMapOvr>
+  <mc:AlternateContent xmlns:mc="http://schemas.openxmlformats.org/markup-compatibility/2006" xmlns:p159="http://schemas.microsoft.com/office/powerpoint/2015/09/main">
+    <mc:Choice Requires="p159">
+      <p:transition xmlns:p14="http://schemas.microsoft.com/office/powerpoint/2010/main" p14:dur="250">
+        <p159:morph option="byObject"/>
+      </p:transition>
+    </mc:Choice>
+    <mc:Fallback xmlns="">
+      <p:transition>
+        <p:fade/>
+      </p:transition>
+    </mc:Fallback>
+  </mc:AlternateContent>
+</p:sld>
+</file>
+
+<file path=ppt/slides/slide16.xml><?xml version="1.0" encoding="utf-8"?>
+<p:sld xmlns:a="http://schemas.openxmlformats.org/drawingml/2006/main" xmlns:r="http://schemas.openxmlformats.org/officeDocument/2006/relationships" xmlns:p="http://schemas.openxmlformats.org/presentationml/2006/main">
+  <p:cSld>
+    <p:spTree>
+      <p:nvGrpSpPr>
+        <p:cNvPr id="1" name=""/>
+        <p:cNvGrpSpPr/>
+        <p:nvPr/>
+      </p:nvGrpSpPr>
+      <p:grpSpPr>
+        <a:xfrm>
+          <a:off x="0" y="0"/>
+          <a:ext cx="0" cy="0"/>
+          <a:chOff x="0" y="0"/>
+          <a:chExt cx="0" cy="0"/>
+        </a:xfrm>
+      </p:grpSpPr>
+      <p:sp>
+        <p:nvSpPr>
+          <p:cNvPr id="2" name="Title 1">
+            <a:extLst>
+              <a:ext uri="{FF2B5EF4-FFF2-40B4-BE49-F238E27FC236}">
+                <a16:creationId xmlns:a16="http://schemas.microsoft.com/office/drawing/2014/main" id="{47B6A538-C0A4-EFB9-8F40-12BE2B701836}"/>
+              </a:ext>
+            </a:extLst>
+          </p:cNvPr>
+          <p:cNvSpPr>
+            <a:spLocks noGrp="1"/>
+          </p:cNvSpPr>
+          <p:nvPr>
+            <p:ph type="title"/>
+          </p:nvPr>
+        </p:nvSpPr>
         <p:spPr/>
         <p:txBody>
-          <a:bodyPr>
-            <a:normAutofit/>
-          </a:bodyPr>
+          <a:bodyPr/>
           <a:lstStyle/>
           <a:p>
             <a:r>
               <a:rPr lang="en-US" dirty="0"/>
-              <a:t>Testing different optimization </a:t>
-            </a:r>
-            <a:r>
-              <a:rPr lang="en-US" dirty="0" err="1"/>
-              <a:t>optimization</a:t>
-            </a:r>
-            <a:r>
-              <a:rPr lang="en-US" dirty="0"/>
-              <a:t> packages/algorithms</a:t>
-            </a:r>
-          </a:p>
-        </p:txBody>
-      </p:sp>
-      <p:sp>
-        <p:nvSpPr>
-          <p:cNvPr id="4" name="TextBox 3">
-            <a:extLst>
-              <a:ext uri="{FF2B5EF4-FFF2-40B4-BE49-F238E27FC236}">
-                <a16:creationId xmlns:a16="http://schemas.microsoft.com/office/drawing/2014/main" id="{D6F3A9FC-00C6-1BE2-569D-9DEBAAED829D}"/>
+              <a:t>Kernel List</a:t>
+            </a:r>
+          </a:p>
+        </p:txBody>
+      </p:sp>
+      <p:sp>
+        <p:nvSpPr>
+          <p:cNvPr id="6" name="TextBox 5">
+            <a:extLst>
+              <a:ext uri="{FF2B5EF4-FFF2-40B4-BE49-F238E27FC236}">
+                <a16:creationId xmlns:a16="http://schemas.microsoft.com/office/drawing/2014/main" id="{E302A986-6569-74AC-D718-A01F81F6452C}"/>
               </a:ext>
             </a:extLst>
           </p:cNvPr>
@@ -6244,8 +9485,8 @@
         </p:nvSpPr>
         <p:spPr>
           <a:xfrm>
-            <a:off x="1234440" y="2690614"/>
-            <a:ext cx="1915160" cy="1754326"/>
+            <a:off x="3166558" y="2124636"/>
+            <a:ext cx="5858884" cy="3139321"/>
           </a:xfrm>
           <a:prstGeom prst="rect">
             <a:avLst/>
@@ -6259,52 +9500,225 @@
           <a:lstStyle/>
           <a:p>
             <a:r>
-              <a:rPr lang="en-US" dirty="0" err="1"/>
-              <a:t>Scipy</a:t>
-            </a:r>
-            <a:r>
-              <a:rPr lang="en-US" dirty="0"/>
-              <a:t>* vs. </a:t>
-            </a:r>
-            <a:r>
-              <a:rPr lang="en-US" dirty="0" err="1"/>
-              <a:t>lmfit</a:t>
-            </a:r>
-            <a:endParaRPr lang="en-US" dirty="0"/>
-          </a:p>
-          <a:p>
-            <a:endParaRPr lang="en-US" dirty="0"/>
-          </a:p>
-          <a:p>
-            <a:r>
-              <a:rPr lang="en-US" dirty="0"/>
-              <a:t>*Currently using </a:t>
-            </a:r>
-            <a:r>
-              <a:rPr lang="en-US" dirty="0" err="1"/>
-              <a:t>scipy’s</a:t>
-            </a:r>
-            <a:r>
-              <a:rPr lang="en-US" dirty="0"/>
-              <a:t> minimize optimization using L-BFGS-B method</a:t>
-            </a:r>
+              <a:rPr lang="en-US" b="0" dirty="0" err="1">
+                <a:solidFill>
+                  <a:srgbClr val="ABB2BF"/>
+                </a:solidFill>
+                <a:effectLst/>
+                <a:latin typeface="Consolas" panose="020B0609020204030204" pitchFamily="49" charset="0"/>
+              </a:rPr>
+              <a:t>gpf.kernels.SquaredExponential</a:t>
+            </a:r>
+            <a:r>
+              <a:rPr lang="en-US" b="0" dirty="0">
+                <a:solidFill>
+                  <a:srgbClr val="ABB2BF"/>
+                </a:solidFill>
+                <a:effectLst/>
+                <a:latin typeface="Consolas" panose="020B0609020204030204" pitchFamily="49" charset="0"/>
+              </a:rPr>
+              <a:t>, gpf.kernels.Matern32, </a:t>
+            </a:r>
+            <a:r>
+              <a:rPr lang="en-US" b="0" dirty="0" err="1">
+                <a:solidFill>
+                  <a:srgbClr val="ABB2BF"/>
+                </a:solidFill>
+                <a:effectLst/>
+                <a:latin typeface="Consolas" panose="020B0609020204030204" pitchFamily="49" charset="0"/>
+              </a:rPr>
+              <a:t>gpf.kernels.RationalQuadratic</a:t>
+            </a:r>
+            <a:r>
+              <a:rPr lang="en-US" b="0" dirty="0">
+                <a:solidFill>
+                  <a:srgbClr val="ABB2BF"/>
+                </a:solidFill>
+                <a:effectLst/>
+                <a:latin typeface="Consolas" panose="020B0609020204030204" pitchFamily="49" charset="0"/>
+              </a:rPr>
+              <a:t>, </a:t>
+            </a:r>
+            <a:r>
+              <a:rPr lang="en-US" b="0" dirty="0" err="1">
+                <a:solidFill>
+                  <a:srgbClr val="ABB2BF"/>
+                </a:solidFill>
+                <a:effectLst/>
+                <a:latin typeface="Consolas" panose="020B0609020204030204" pitchFamily="49" charset="0"/>
+              </a:rPr>
+              <a:t>gpf.kernels.Exponential</a:t>
+            </a:r>
+            <a:r>
+              <a:rPr lang="en-US" b="0" dirty="0">
+                <a:solidFill>
+                  <a:srgbClr val="ABB2BF"/>
+                </a:solidFill>
+                <a:effectLst/>
+                <a:latin typeface="Consolas" panose="020B0609020204030204" pitchFamily="49" charset="0"/>
+              </a:rPr>
+              <a:t>, </a:t>
+            </a:r>
+          </a:p>
+          <a:p>
+            <a:r>
+              <a:rPr lang="en-US" b="0" dirty="0" err="1">
+                <a:solidFill>
+                  <a:srgbClr val="ABB2BF"/>
+                </a:solidFill>
+                <a:effectLst/>
+                <a:latin typeface="Consolas" panose="020B0609020204030204" pitchFamily="49" charset="0"/>
+              </a:rPr>
+              <a:t>gpf.kernels.Linear</a:t>
+            </a:r>
+            <a:r>
+              <a:rPr lang="en-US" b="0" dirty="0">
+                <a:solidFill>
+                  <a:srgbClr val="ABB2BF"/>
+                </a:solidFill>
+                <a:effectLst/>
+                <a:latin typeface="Consolas" panose="020B0609020204030204" pitchFamily="49" charset="0"/>
+              </a:rPr>
+              <a:t>,</a:t>
+            </a:r>
+          </a:p>
+          <a:p>
+            <a:r>
+              <a:rPr lang="en-US" b="0" dirty="0" err="1">
+                <a:solidFill>
+                  <a:srgbClr val="ABB2BF"/>
+                </a:solidFill>
+                <a:effectLst/>
+                <a:latin typeface="Consolas" panose="020B0609020204030204" pitchFamily="49" charset="0"/>
+              </a:rPr>
+              <a:t>gpf.kernels.Cosine</a:t>
+            </a:r>
+            <a:r>
+              <a:rPr lang="en-US" b="0" dirty="0">
+                <a:solidFill>
+                  <a:srgbClr val="ABB2BF"/>
+                </a:solidFill>
+                <a:effectLst/>
+                <a:latin typeface="Consolas" panose="020B0609020204030204" pitchFamily="49" charset="0"/>
+              </a:rPr>
+              <a:t>, </a:t>
+            </a:r>
+          </a:p>
+          <a:p>
+            <a:r>
+              <a:rPr lang="en-US" b="0" dirty="0" err="1">
+                <a:solidFill>
+                  <a:srgbClr val="ABB2BF"/>
+                </a:solidFill>
+                <a:effectLst/>
+                <a:latin typeface="Consolas" panose="020B0609020204030204" pitchFamily="49" charset="0"/>
+              </a:rPr>
+              <a:t>gpf.kernels.Periodic</a:t>
+            </a:r>
+            <a:r>
+              <a:rPr lang="en-US" b="0" dirty="0">
+                <a:solidFill>
+                  <a:srgbClr val="ABB2BF"/>
+                </a:solidFill>
+                <a:effectLst/>
+                <a:latin typeface="Consolas" panose="020B0609020204030204" pitchFamily="49" charset="0"/>
+              </a:rPr>
+              <a:t>, </a:t>
+            </a:r>
+          </a:p>
+          <a:p>
+            <a:r>
+              <a:rPr lang="en-US" b="0" dirty="0" err="1">
+                <a:solidFill>
+                  <a:srgbClr val="ABB2BF"/>
+                </a:solidFill>
+                <a:effectLst/>
+                <a:latin typeface="Consolas" panose="020B0609020204030204" pitchFamily="49" charset="0"/>
+              </a:rPr>
+              <a:t>gpf.kernels.Polynomial</a:t>
+            </a:r>
+            <a:r>
+              <a:rPr lang="en-US" b="0" dirty="0">
+                <a:solidFill>
+                  <a:srgbClr val="ABB2BF"/>
+                </a:solidFill>
+                <a:effectLst/>
+                <a:latin typeface="Consolas" panose="020B0609020204030204" pitchFamily="49" charset="0"/>
+              </a:rPr>
+              <a:t>, </a:t>
+            </a:r>
+          </a:p>
+          <a:p>
+            <a:r>
+              <a:rPr lang="en-US" b="0" dirty="0">
+                <a:solidFill>
+                  <a:srgbClr val="ABB2BF"/>
+                </a:solidFill>
+                <a:effectLst/>
+                <a:latin typeface="Consolas" panose="020B0609020204030204" pitchFamily="49" charset="0"/>
+              </a:rPr>
+              <a:t>gpf.kernels.Matern12, </a:t>
+            </a:r>
+          </a:p>
+          <a:p>
+            <a:r>
+              <a:rPr lang="en-US" b="0" dirty="0">
+                <a:solidFill>
+                  <a:srgbClr val="ABB2BF"/>
+                </a:solidFill>
+                <a:effectLst/>
+                <a:latin typeface="Consolas" panose="020B0609020204030204" pitchFamily="49" charset="0"/>
+              </a:rPr>
+              <a:t>gpf.kernels.Matern52, </a:t>
+            </a:r>
+          </a:p>
+          <a:p>
+            <a:r>
+              <a:rPr lang="en-US" b="0" dirty="0" err="1">
+                <a:solidFill>
+                  <a:srgbClr val="ABB2BF"/>
+                </a:solidFill>
+                <a:effectLst/>
+                <a:latin typeface="Consolas" panose="020B0609020204030204" pitchFamily="49" charset="0"/>
+              </a:rPr>
+              <a:t>gpf.kernels.White</a:t>
+            </a:r>
+            <a:endParaRPr lang="en-US" b="0" dirty="0">
+              <a:solidFill>
+                <a:srgbClr val="ABB2BF"/>
+              </a:solidFill>
+              <a:effectLst/>
+              <a:latin typeface="Consolas" panose="020B0609020204030204" pitchFamily="49" charset="0"/>
+            </a:endParaRPr>
           </a:p>
         </p:txBody>
       </p:sp>
     </p:spTree>
     <p:extLst>
       <p:ext uri="{BB962C8B-B14F-4D97-AF65-F5344CB8AC3E}">
-        <p14:creationId xmlns:p14="http://schemas.microsoft.com/office/powerpoint/2010/main" val="640580833"/>
+        <p14:creationId xmlns:p14="http://schemas.microsoft.com/office/powerpoint/2010/main" val="4225089913"/>
       </p:ext>
     </p:extLst>
   </p:cSld>
   <p:clrMapOvr>
     <a:masterClrMapping/>
   </p:clrMapOvr>
+  <mc:AlternateContent xmlns:mc="http://schemas.openxmlformats.org/markup-compatibility/2006" xmlns:p159="http://schemas.microsoft.com/office/powerpoint/2015/09/main">
+    <mc:Choice Requires="p159">
+      <p:transition xmlns:p14="http://schemas.microsoft.com/office/powerpoint/2010/main" p14:dur="250">
+        <p159:morph option="byObject"/>
+      </p:transition>
+    </mc:Choice>
+    <mc:Fallback xmlns="">
+      <p:transition>
+        <p:fade/>
+      </p:transition>
+    </mc:Fallback>
+  </mc:AlternateContent>
 </p:sld>
 </file>
 
-<file path=ppt/slides/slide16.xml><?xml version="1.0" encoding="utf-8"?>
+<file path=ppt/slides/slide17.xml><?xml version="1.0" encoding="utf-8"?>
 <p:sld xmlns:a="http://schemas.openxmlformats.org/drawingml/2006/main" xmlns:r="http://schemas.openxmlformats.org/officeDocument/2006/relationships" xmlns:p="http://schemas.openxmlformats.org/presentationml/2006/main">
   <p:cSld>
     <p:spTree>
@@ -6606,10 +10020,22 @@
   <p:clrMapOvr>
     <a:masterClrMapping/>
   </p:clrMapOvr>
+  <mc:AlternateContent xmlns:mc="http://schemas.openxmlformats.org/markup-compatibility/2006" xmlns:p159="http://schemas.microsoft.com/office/powerpoint/2015/09/main">
+    <mc:Choice Requires="p159">
+      <p:transition xmlns:p14="http://schemas.microsoft.com/office/powerpoint/2010/main" p14:dur="250">
+        <p159:morph option="byObject"/>
+      </p:transition>
+    </mc:Choice>
+    <mc:Fallback xmlns="">
+      <p:transition>
+        <p:fade/>
+      </p:transition>
+    </mc:Fallback>
+  </mc:AlternateContent>
 </p:sld>
 </file>
 
-<file path=ppt/slides/slide17.xml><?xml version="1.0" encoding="utf-8"?>
+<file path=ppt/slides/slide18.xml><?xml version="1.0" encoding="utf-8"?>
 <p:sld xmlns:a="http://schemas.openxmlformats.org/drawingml/2006/main" xmlns:r="http://schemas.openxmlformats.org/officeDocument/2006/relationships" xmlns:p="http://schemas.openxmlformats.org/presentationml/2006/main">
   <p:cSld>
     <p:spTree>
@@ -6631,7 +10057,7 @@
           <p:cNvPr id="2" name="Title 1">
             <a:extLst>
               <a:ext uri="{FF2B5EF4-FFF2-40B4-BE49-F238E27FC236}">
-                <a16:creationId xmlns:a16="http://schemas.microsoft.com/office/drawing/2014/main" id="{2D2040CF-894B-8C86-07DD-F7306E96FB71}"/>
+                <a16:creationId xmlns:a16="http://schemas.microsoft.com/office/drawing/2014/main" id="{591ADC64-326D-6205-87E2-240DD36C7950}"/>
               </a:ext>
             </a:extLst>
           </p:cNvPr>
@@ -6649,7 +10075,15 @@
           <a:p>
             <a:r>
               <a:rPr lang="en-US" dirty="0"/>
-              <a:t>System learning?</a:t>
+              <a:t>Add </a:t>
+            </a:r>
+            <a:r>
+              <a:rPr lang="en-US" dirty="0" err="1"/>
+              <a:t>Lotka</a:t>
+            </a:r>
+            <a:r>
+              <a:rPr lang="en-US" dirty="0"/>
+              <a:t>-Volterra simulated graphs and math</a:t>
             </a:r>
           </a:p>
         </p:txBody>
@@ -6659,7 +10093,7 @@
           <p:cNvPr id="3" name="Content Placeholder 2">
             <a:extLst>
               <a:ext uri="{FF2B5EF4-FFF2-40B4-BE49-F238E27FC236}">
-                <a16:creationId xmlns:a16="http://schemas.microsoft.com/office/drawing/2014/main" id="{2B5E595A-1695-BAA5-CA1A-ED3976F79989}"/>
+                <a16:creationId xmlns:a16="http://schemas.microsoft.com/office/drawing/2014/main" id="{71D251E8-EB99-CAB4-4B89-F6A4E9BE40CF}"/>
               </a:ext>
             </a:extLst>
           </p:cNvPr>
@@ -6682,18 +10116,30 @@
     </p:spTree>
     <p:extLst>
       <p:ext uri="{BB962C8B-B14F-4D97-AF65-F5344CB8AC3E}">
-        <p14:creationId xmlns:p14="http://schemas.microsoft.com/office/powerpoint/2010/main" val="724814946"/>
+        <p14:creationId xmlns:p14="http://schemas.microsoft.com/office/powerpoint/2010/main" val="2814459152"/>
       </p:ext>
     </p:extLst>
   </p:cSld>
   <p:clrMapOvr>
     <a:masterClrMapping/>
   </p:clrMapOvr>
+  <mc:AlternateContent xmlns:mc="http://schemas.openxmlformats.org/markup-compatibility/2006" xmlns:p159="http://schemas.microsoft.com/office/powerpoint/2015/09/main">
+    <mc:Choice Requires="p159">
+      <p:transition xmlns:p14="http://schemas.microsoft.com/office/powerpoint/2010/main" p14:dur="250">
+        <p159:morph option="byObject"/>
+      </p:transition>
+    </mc:Choice>
+    <mc:Fallback xmlns="">
+      <p:transition>
+        <p:fade/>
+      </p:transition>
+    </mc:Fallback>
+  </mc:AlternateContent>
 </p:sld>
 </file>
 
-<file path=ppt/slides/slide18.xml><?xml version="1.0" encoding="utf-8"?>
-<p:sld xmlns:a="http://schemas.openxmlformats.org/drawingml/2006/main" xmlns:r="http://schemas.openxmlformats.org/officeDocument/2006/relationships" xmlns:p="http://schemas.openxmlformats.org/presentationml/2006/main" show="0">
+<file path=ppt/slides/slide19.xml><?xml version="1.0" encoding="utf-8"?>
+<p:sld xmlns:a="http://schemas.openxmlformats.org/drawingml/2006/main" xmlns:r="http://schemas.openxmlformats.org/officeDocument/2006/relationships" xmlns:p="http://schemas.openxmlformats.org/presentationml/2006/main">
   <p:cSld>
     <p:bg>
       <p:bgPr>
@@ -6717,12 +10163,12 @@
           <a:chExt cx="0" cy="0"/>
         </a:xfrm>
       </p:grpSpPr>
-      <p:sp>
-        <p:nvSpPr>
-          <p:cNvPr id="9" name="Rectangle 8">
-            <a:extLst>
-              <a:ext uri="{FF2B5EF4-FFF2-40B4-BE49-F238E27FC236}">
-                <a16:creationId xmlns:a16="http://schemas.microsoft.com/office/drawing/2014/main" id="{6753252F-4873-4F63-801D-CC719279A7D5}"/>
+      <p:sp useBgFill="1">
+        <p:nvSpPr>
+          <p:cNvPr id="17" name="Rectangle 16">
+            <a:extLst>
+              <a:ext uri="{FF2B5EF4-FFF2-40B4-BE49-F238E27FC236}">
+                <a16:creationId xmlns:a16="http://schemas.microsoft.com/office/drawing/2014/main" id="{955A2079-FA98-4876-80F0-72364A7D2EA4}"/>
               </a:ext>
               <a:ext uri="{C183D7F6-B498-43B3-948B-1728B52AA6E4}">
                 <adec:decorative xmlns:adec="http://schemas.microsoft.com/office/drawing/2017/decorative" val="1"/>
@@ -6742,15 +10188,12 @@
         </p:nvSpPr>
         <p:spPr>
           <a:xfrm>
-            <a:off x="0" y="0"/>
-            <a:ext cx="12192000" cy="6858000"/>
+            <a:off x="-1" y="0"/>
+            <a:ext cx="12188952" cy="6858000"/>
           </a:xfrm>
           <a:prstGeom prst="rect">
             <a:avLst/>
           </a:prstGeom>
-          <a:solidFill>
-            <a:srgbClr val="FFFFFF"/>
-          </a:solidFill>
           <a:ln>
             <a:noFill/>
           </a:ln>
@@ -6782,10 +10225,651 @@
       </p:sp>
       <p:sp>
         <p:nvSpPr>
-          <p:cNvPr id="11" name="Rectangle 10">
-            <a:extLst>
-              <a:ext uri="{FF2B5EF4-FFF2-40B4-BE49-F238E27FC236}">
-                <a16:creationId xmlns:a16="http://schemas.microsoft.com/office/drawing/2014/main" id="{047C8CCB-F95D-4249-92DD-651249D3535A}"/>
+          <p:cNvPr id="2" name="Title 1">
+            <a:extLst>
+              <a:ext uri="{FF2B5EF4-FFF2-40B4-BE49-F238E27FC236}">
+                <a16:creationId xmlns:a16="http://schemas.microsoft.com/office/drawing/2014/main" id="{2617A193-7178-73EB-C19E-B1ADDD6EAE4F}"/>
+              </a:ext>
+            </a:extLst>
+          </p:cNvPr>
+          <p:cNvSpPr>
+            <a:spLocks noGrp="1"/>
+          </p:cNvSpPr>
+          <p:nvPr>
+            <p:ph type="title"/>
+          </p:nvPr>
+        </p:nvSpPr>
+        <p:spPr>
+          <a:xfrm>
+            <a:off x="838200" y="557188"/>
+            <a:ext cx="10515600" cy="1133499"/>
+          </a:xfrm>
+        </p:spPr>
+        <p:txBody>
+          <a:bodyPr vert="horz" lIns="91440" tIns="45720" rIns="91440" bIns="45720" rtlCol="0" anchor="ctr">
+            <a:normAutofit/>
+          </a:bodyPr>
+          <a:lstStyle/>
+          <a:p>
+            <a:pPr algn="ctr"/>
+            <a:r>
+              <a:rPr lang="en-US" sz="5200" kern="1200">
+                <a:solidFill>
+                  <a:schemeClr val="tx1"/>
+                </a:solidFill>
+                <a:latin typeface="+mj-lt"/>
+                <a:ea typeface="+mj-ea"/>
+                <a:cs typeface="+mj-cs"/>
+              </a:rPr>
+              <a:t>Other Questions</a:t>
+            </a:r>
+          </a:p>
+        </p:txBody>
+      </p:sp>
+      <p:sp>
+        <p:nvSpPr>
+          <p:cNvPr id="4" name="TextBox 3">
+            <a:extLst>
+              <a:ext uri="{FF2B5EF4-FFF2-40B4-BE49-F238E27FC236}">
+                <a16:creationId xmlns:a16="http://schemas.microsoft.com/office/drawing/2014/main" id="{D6F3A9FC-00C6-1BE2-569D-9DEBAAED829D}"/>
+              </a:ext>
+            </a:extLst>
+          </p:cNvPr>
+          <p:cNvSpPr txBox="1"/>
+          <p:nvPr/>
+        </p:nvSpPr>
+        <p:spPr>
+          <a:xfrm>
+            <a:off x="1093210" y="4310465"/>
+            <a:ext cx="3848079" cy="1583767"/>
+          </a:xfrm>
+          <a:prstGeom prst="rect">
+            <a:avLst/>
+          </a:prstGeom>
+          <a:noFill/>
+        </p:spPr>
+        <p:txBody>
+          <a:bodyPr wrap="square">
+            <a:spAutoFit/>
+          </a:bodyPr>
+          <a:lstStyle/>
+          <a:p>
+            <a:pPr defTabSz="969264">
+              <a:spcAft>
+                <a:spcPts val="600"/>
+              </a:spcAft>
+            </a:pPr>
+            <a:r>
+              <a:rPr lang="en-US" sz="2968" kern="1200" err="1">
+                <a:solidFill>
+                  <a:schemeClr val="tx1"/>
+                </a:solidFill>
+                <a:latin typeface="+mn-lt"/>
+                <a:ea typeface="+mn-ea"/>
+                <a:cs typeface="+mn-cs"/>
+              </a:rPr>
+              <a:t>Scipy</a:t>
+            </a:r>
+            <a:r>
+              <a:rPr lang="en-US" sz="2968" kern="1200">
+                <a:solidFill>
+                  <a:schemeClr val="tx1"/>
+                </a:solidFill>
+                <a:latin typeface="+mn-lt"/>
+                <a:ea typeface="+mn-ea"/>
+                <a:cs typeface="+mn-cs"/>
+              </a:rPr>
+              <a:t>* vs. </a:t>
+            </a:r>
+            <a:r>
+              <a:rPr lang="en-US" sz="2968" kern="1200" err="1">
+                <a:solidFill>
+                  <a:schemeClr val="tx1"/>
+                </a:solidFill>
+                <a:latin typeface="+mn-lt"/>
+                <a:ea typeface="+mn-ea"/>
+                <a:cs typeface="+mn-cs"/>
+              </a:rPr>
+              <a:t>lmfit</a:t>
+            </a:r>
+            <a:endParaRPr lang="en-US" sz="2968" kern="1200">
+              <a:solidFill>
+                <a:schemeClr val="tx1"/>
+              </a:solidFill>
+              <a:latin typeface="+mn-lt"/>
+              <a:ea typeface="+mn-ea"/>
+              <a:cs typeface="+mn-cs"/>
+            </a:endParaRPr>
+          </a:p>
+          <a:p>
+            <a:pPr defTabSz="969264">
+              <a:spcAft>
+                <a:spcPts val="600"/>
+              </a:spcAft>
+            </a:pPr>
+            <a:endParaRPr lang="en-US" sz="1908" kern="1200">
+              <a:solidFill>
+                <a:schemeClr val="tx1"/>
+              </a:solidFill>
+              <a:latin typeface="+mn-lt"/>
+              <a:ea typeface="+mn-ea"/>
+              <a:cs typeface="+mn-cs"/>
+            </a:endParaRPr>
+          </a:p>
+          <a:p>
+            <a:pPr defTabSz="969264">
+              <a:spcAft>
+                <a:spcPts val="600"/>
+              </a:spcAft>
+            </a:pPr>
+            <a:r>
+              <a:rPr lang="en-US" sz="1908" kern="1200">
+                <a:solidFill>
+                  <a:schemeClr val="tx1"/>
+                </a:solidFill>
+                <a:latin typeface="+mn-lt"/>
+                <a:ea typeface="+mn-ea"/>
+                <a:cs typeface="+mn-cs"/>
+              </a:rPr>
+              <a:t>*Currently using </a:t>
+            </a:r>
+            <a:r>
+              <a:rPr lang="en-US" sz="1908" kern="1200" err="1">
+                <a:solidFill>
+                  <a:schemeClr val="tx1"/>
+                </a:solidFill>
+                <a:latin typeface="+mn-lt"/>
+                <a:ea typeface="+mn-ea"/>
+                <a:cs typeface="+mn-cs"/>
+              </a:rPr>
+              <a:t>scipy’s</a:t>
+            </a:r>
+            <a:r>
+              <a:rPr lang="en-US" sz="1908" kern="1200">
+                <a:solidFill>
+                  <a:schemeClr val="tx1"/>
+                </a:solidFill>
+                <a:latin typeface="+mn-lt"/>
+                <a:ea typeface="+mn-ea"/>
+                <a:cs typeface="+mn-cs"/>
+              </a:rPr>
+              <a:t> minimize optimization using L-BFGS-B method</a:t>
+            </a:r>
+            <a:endParaRPr lang="en-US"/>
+          </a:p>
+        </p:txBody>
+      </p:sp>
+      <p:sp>
+        <p:nvSpPr>
+          <p:cNvPr id="3" name="Title 1">
+            <a:extLst>
+              <a:ext uri="{FF2B5EF4-FFF2-40B4-BE49-F238E27FC236}">
+                <a16:creationId xmlns:a16="http://schemas.microsoft.com/office/drawing/2014/main" id="{80D1F6D3-B57C-2852-E06F-C6532DB5225B}"/>
+              </a:ext>
+            </a:extLst>
+          </p:cNvPr>
+          <p:cNvSpPr txBox="1">
+            <a:spLocks/>
+          </p:cNvSpPr>
+          <p:nvPr/>
+        </p:nvSpPr>
+        <p:spPr>
+          <a:xfrm>
+            <a:off x="6762705" y="2617786"/>
+            <a:ext cx="4531928" cy="1622428"/>
+          </a:xfrm>
+          <a:prstGeom prst="rect">
+            <a:avLst/>
+          </a:prstGeom>
+        </p:spPr>
+        <p:txBody>
+          <a:bodyPr vert="horz" lIns="91440" tIns="45720" rIns="91440" bIns="45720" rtlCol="0" anchor="ctr">
+            <a:normAutofit/>
+          </a:bodyPr>
+          <a:lstStyle>
+            <a:lvl1pPr algn="l" defTabSz="914400" rtl="0" eaLnBrk="1" latinLnBrk="0" hangingPunct="1">
+              <a:lnSpc>
+                <a:spcPct val="90000"/>
+              </a:lnSpc>
+              <a:spcBef>
+                <a:spcPct val="0"/>
+              </a:spcBef>
+              <a:buNone/>
+              <a:defRPr sz="4400" kern="1200">
+                <a:solidFill>
+                  <a:schemeClr val="tx1"/>
+                </a:solidFill>
+                <a:latin typeface="+mj-lt"/>
+                <a:ea typeface="+mj-ea"/>
+                <a:cs typeface="+mj-cs"/>
+              </a:defRPr>
+            </a:lvl1pPr>
+          </a:lstStyle>
+          <a:p>
+            <a:pPr defTabSz="969264">
+              <a:spcAft>
+                <a:spcPts val="600"/>
+              </a:spcAft>
+            </a:pPr>
+            <a:r>
+              <a:rPr lang="en-US" sz="2800" kern="1200" dirty="0">
+                <a:solidFill>
+                  <a:schemeClr val="tx1"/>
+                </a:solidFill>
+                <a:latin typeface="+mn-lt"/>
+                <a:ea typeface="+mj-ea"/>
+                <a:cs typeface="+mj-cs"/>
+              </a:rPr>
+              <a:t>Likelihoods</a:t>
+            </a:r>
+            <a:endParaRPr lang="en-US" sz="2800" dirty="0">
+              <a:latin typeface="+mn-lt"/>
+            </a:endParaRPr>
+          </a:p>
+        </p:txBody>
+      </p:sp>
+      <p:sp>
+        <p:nvSpPr>
+          <p:cNvPr id="8" name="TextBox 7">
+            <a:extLst>
+              <a:ext uri="{FF2B5EF4-FFF2-40B4-BE49-F238E27FC236}">
+                <a16:creationId xmlns:a16="http://schemas.microsoft.com/office/drawing/2014/main" id="{68606E23-38DE-8241-B244-206FDE28A128}"/>
+              </a:ext>
+            </a:extLst>
+          </p:cNvPr>
+          <p:cNvSpPr txBox="1"/>
+          <p:nvPr/>
+        </p:nvSpPr>
+        <p:spPr>
+          <a:xfrm>
+            <a:off x="6555876" y="4190421"/>
+            <a:ext cx="3995641" cy="756489"/>
+          </a:xfrm>
+          <a:prstGeom prst="rect">
+            <a:avLst/>
+          </a:prstGeom>
+          <a:noFill/>
+        </p:spPr>
+        <p:txBody>
+          <a:bodyPr wrap="square">
+            <a:spAutoFit/>
+          </a:bodyPr>
+          <a:lstStyle/>
+          <a:p>
+            <a:pPr defTabSz="969264">
+              <a:spcAft>
+                <a:spcPts val="600"/>
+              </a:spcAft>
+            </a:pPr>
+            <a:r>
+              <a:rPr lang="en-US" sz="1908" kern="1200" err="1">
+                <a:solidFill>
+                  <a:srgbClr val="E5C07B"/>
+                </a:solidFill>
+                <a:latin typeface="Consolas" panose="020B0609020204030204" pitchFamily="49" charset="0"/>
+                <a:ea typeface="+mn-ea"/>
+                <a:cs typeface="+mn-cs"/>
+              </a:rPr>
+              <a:t>gpf</a:t>
+            </a:r>
+            <a:r>
+              <a:rPr lang="en-US" sz="1908" kern="1200" err="1">
+                <a:solidFill>
+                  <a:srgbClr val="ABB2BF"/>
+                </a:solidFill>
+                <a:latin typeface="Consolas" panose="020B0609020204030204" pitchFamily="49" charset="0"/>
+                <a:ea typeface="+mn-ea"/>
+                <a:cs typeface="+mn-cs"/>
+              </a:rPr>
+              <a:t>.</a:t>
+            </a:r>
+            <a:r>
+              <a:rPr lang="en-US" sz="1908" kern="1200" err="1">
+                <a:solidFill>
+                  <a:srgbClr val="E5C07B"/>
+                </a:solidFill>
+                <a:latin typeface="Consolas" panose="020B0609020204030204" pitchFamily="49" charset="0"/>
+                <a:ea typeface="+mn-ea"/>
+                <a:cs typeface="+mn-cs"/>
+              </a:rPr>
+              <a:t>likelihoods</a:t>
+            </a:r>
+            <a:r>
+              <a:rPr lang="en-US" sz="1908" kern="1200" err="1">
+                <a:solidFill>
+                  <a:srgbClr val="ABB2BF"/>
+                </a:solidFill>
+                <a:latin typeface="Consolas" panose="020B0609020204030204" pitchFamily="49" charset="0"/>
+                <a:ea typeface="+mn-ea"/>
+                <a:cs typeface="+mn-cs"/>
+              </a:rPr>
+              <a:t>.</a:t>
+            </a:r>
+            <a:r>
+              <a:rPr lang="en-US" sz="1908" kern="1200" err="1">
+                <a:solidFill>
+                  <a:srgbClr val="E5C07B"/>
+                </a:solidFill>
+                <a:latin typeface="Consolas" panose="020B0609020204030204" pitchFamily="49" charset="0"/>
+                <a:ea typeface="+mn-ea"/>
+                <a:cs typeface="+mn-cs"/>
+              </a:rPr>
+              <a:t>Gaussian</a:t>
+            </a:r>
+            <a:endParaRPr lang="en-US" sz="1908" kern="1200">
+              <a:solidFill>
+                <a:srgbClr val="E5C07B"/>
+              </a:solidFill>
+              <a:latin typeface="Consolas" panose="020B0609020204030204" pitchFamily="49" charset="0"/>
+              <a:ea typeface="+mn-ea"/>
+              <a:cs typeface="+mn-cs"/>
+            </a:endParaRPr>
+          </a:p>
+          <a:p>
+            <a:pPr defTabSz="969264">
+              <a:spcAft>
+                <a:spcPts val="600"/>
+              </a:spcAft>
+            </a:pPr>
+            <a:r>
+              <a:rPr lang="en-US" sz="1908" kern="1200" err="1">
+                <a:solidFill>
+                  <a:srgbClr val="E5C07B"/>
+                </a:solidFill>
+                <a:latin typeface="Consolas" panose="020B0609020204030204" pitchFamily="49" charset="0"/>
+                <a:ea typeface="+mn-ea"/>
+                <a:cs typeface="+mn-cs"/>
+              </a:rPr>
+              <a:t>gpf</a:t>
+            </a:r>
+            <a:r>
+              <a:rPr lang="en-US" sz="1908" kern="1200" err="1">
+                <a:solidFill>
+                  <a:srgbClr val="ABB2BF"/>
+                </a:solidFill>
+                <a:latin typeface="Consolas" panose="020B0609020204030204" pitchFamily="49" charset="0"/>
+                <a:ea typeface="+mn-ea"/>
+                <a:cs typeface="+mn-cs"/>
+              </a:rPr>
+              <a:t>.</a:t>
+            </a:r>
+            <a:r>
+              <a:rPr lang="en-US" sz="1908" kern="1200" err="1">
+                <a:solidFill>
+                  <a:srgbClr val="E5C07B"/>
+                </a:solidFill>
+                <a:latin typeface="Consolas" panose="020B0609020204030204" pitchFamily="49" charset="0"/>
+                <a:ea typeface="+mn-ea"/>
+                <a:cs typeface="+mn-cs"/>
+              </a:rPr>
+              <a:t>likelihoods</a:t>
+            </a:r>
+            <a:r>
+              <a:rPr lang="en-US" sz="1908" kern="1200" err="1">
+                <a:solidFill>
+                  <a:srgbClr val="ABB2BF"/>
+                </a:solidFill>
+                <a:latin typeface="Consolas" panose="020B0609020204030204" pitchFamily="49" charset="0"/>
+                <a:ea typeface="+mn-ea"/>
+                <a:cs typeface="+mn-cs"/>
+              </a:rPr>
+              <a:t>.</a:t>
+            </a:r>
+            <a:r>
+              <a:rPr lang="en-US" sz="1908" kern="1200" err="1">
+                <a:solidFill>
+                  <a:srgbClr val="E5C07B"/>
+                </a:solidFill>
+                <a:latin typeface="Consolas" panose="020B0609020204030204" pitchFamily="49" charset="0"/>
+                <a:ea typeface="+mn-ea"/>
+                <a:cs typeface="+mn-cs"/>
+              </a:rPr>
+              <a:t>StudentT</a:t>
+            </a:r>
+            <a:r>
+              <a:rPr lang="en-US" sz="1908" kern="1200">
+                <a:solidFill>
+                  <a:srgbClr val="ABB2BF"/>
+                </a:solidFill>
+                <a:latin typeface="Consolas" panose="020B0609020204030204" pitchFamily="49" charset="0"/>
+                <a:ea typeface="+mn-ea"/>
+                <a:cs typeface="+mn-cs"/>
+              </a:rPr>
+              <a:t>?</a:t>
+            </a:r>
+            <a:endParaRPr lang="en-US" b="0">
+              <a:solidFill>
+                <a:srgbClr val="ABB2BF"/>
+              </a:solidFill>
+              <a:effectLst/>
+              <a:latin typeface="Consolas" panose="020B0609020204030204" pitchFamily="49" charset="0"/>
+            </a:endParaRPr>
+          </a:p>
+        </p:txBody>
+      </p:sp>
+      <p:sp>
+        <p:nvSpPr>
+          <p:cNvPr id="12" name="TextBox 11">
+            <a:extLst>
+              <a:ext uri="{FF2B5EF4-FFF2-40B4-BE49-F238E27FC236}">
+                <a16:creationId xmlns:a16="http://schemas.microsoft.com/office/drawing/2014/main" id="{C972326A-7A55-FCA2-7517-F08F3CB0E3A3}"/>
+              </a:ext>
+            </a:extLst>
+          </p:cNvPr>
+          <p:cNvSpPr txBox="1"/>
+          <p:nvPr/>
+        </p:nvSpPr>
+        <p:spPr>
+          <a:xfrm>
+            <a:off x="785672" y="3124144"/>
+            <a:ext cx="4584457" cy="954107"/>
+          </a:xfrm>
+          <a:prstGeom prst="rect">
+            <a:avLst/>
+          </a:prstGeom>
+          <a:noFill/>
+        </p:spPr>
+        <p:txBody>
+          <a:bodyPr wrap="square" rtlCol="0">
+            <a:spAutoFit/>
+          </a:bodyPr>
+          <a:lstStyle/>
+          <a:p>
+            <a:pPr defTabSz="969264">
+              <a:spcAft>
+                <a:spcPts val="600"/>
+              </a:spcAft>
+            </a:pPr>
+            <a:r>
+              <a:rPr lang="en-US" sz="2800" kern="1200" dirty="0">
+                <a:solidFill>
+                  <a:schemeClr val="tx1"/>
+                </a:solidFill>
+                <a:latin typeface="+mn-lt"/>
+                <a:ea typeface="+mn-ea"/>
+                <a:cs typeface="+mn-cs"/>
+              </a:rPr>
+              <a:t>Testing different optimization packages/algorithms</a:t>
+            </a:r>
+            <a:endParaRPr lang="en-US" sz="2800" dirty="0"/>
+          </a:p>
+        </p:txBody>
+      </p:sp>
+    </p:spTree>
+    <p:extLst>
+      <p:ext uri="{BB962C8B-B14F-4D97-AF65-F5344CB8AC3E}">
+        <p14:creationId xmlns:p14="http://schemas.microsoft.com/office/powerpoint/2010/main" val="640580833"/>
+      </p:ext>
+    </p:extLst>
+  </p:cSld>
+  <p:clrMapOvr>
+    <a:masterClrMapping/>
+  </p:clrMapOvr>
+  <mc:AlternateContent xmlns:mc="http://schemas.openxmlformats.org/markup-compatibility/2006" xmlns:p159="http://schemas.microsoft.com/office/powerpoint/2015/09/main">
+    <mc:Choice Requires="p159">
+      <p:transition xmlns:p14="http://schemas.microsoft.com/office/powerpoint/2010/main" p14:dur="250">
+        <p159:morph option="byObject"/>
+      </p:transition>
+    </mc:Choice>
+    <mc:Fallback xmlns="">
+      <p:transition>
+        <p:fade/>
+      </p:transition>
+    </mc:Fallback>
+  </mc:AlternateContent>
+</p:sld>
+</file>
+
+<file path=ppt/slides/slide2.xml><?xml version="1.0" encoding="utf-8"?>
+<p:sld xmlns:a="http://schemas.openxmlformats.org/drawingml/2006/main" xmlns:r="http://schemas.openxmlformats.org/officeDocument/2006/relationships" xmlns:p="http://schemas.openxmlformats.org/presentationml/2006/main" show="0">
+  <p:cSld>
+    <p:spTree>
+      <p:nvGrpSpPr>
+        <p:cNvPr id="1" name=""/>
+        <p:cNvGrpSpPr/>
+        <p:nvPr/>
+      </p:nvGrpSpPr>
+      <p:grpSpPr>
+        <a:xfrm>
+          <a:off x="0" y="0"/>
+          <a:ext cx="0" cy="0"/>
+          <a:chOff x="0" y="0"/>
+          <a:chExt cx="0" cy="0"/>
+        </a:xfrm>
+      </p:grpSpPr>
+      <p:sp>
+        <p:nvSpPr>
+          <p:cNvPr id="3" name="Content Placeholder 2">
+            <a:extLst>
+              <a:ext uri="{FF2B5EF4-FFF2-40B4-BE49-F238E27FC236}">
+                <a16:creationId xmlns:a16="http://schemas.microsoft.com/office/drawing/2014/main" id="{B058C484-A05D-8DB2-21BB-342682E323CB}"/>
+              </a:ext>
+            </a:extLst>
+          </p:cNvPr>
+          <p:cNvSpPr>
+            <a:spLocks noGrp="1"/>
+          </p:cNvSpPr>
+          <p:nvPr>
+            <p:ph idx="1"/>
+          </p:nvPr>
+        </p:nvSpPr>
+        <p:spPr/>
+        <p:txBody>
+          <a:bodyPr/>
+          <a:lstStyle/>
+          <a:p>
+            <a:pPr marL="0" indent="0">
+              <a:buNone/>
+            </a:pPr>
+            <a:r>
+              <a:rPr lang="en-US" dirty="0"/>
+              <a:t>Brief overview of the presentation</a:t>
+            </a:r>
+          </a:p>
+          <a:p>
+            <a:pPr marL="0" indent="0">
+              <a:buNone/>
+            </a:pPr>
+            <a:r>
+              <a:rPr lang="en-US" dirty="0"/>
+              <a:t>Importance of understanding and designing systems that generate data</a:t>
+            </a:r>
+          </a:p>
+          <a:p>
+            <a:pPr marL="0" indent="0">
+              <a:buNone/>
+            </a:pPr>
+            <a:r>
+              <a:rPr lang="en-US" dirty="0"/>
+              <a:t>The challenge with traditional machine learning models</a:t>
+            </a:r>
+          </a:p>
+        </p:txBody>
+      </p:sp>
+      <p:sp>
+        <p:nvSpPr>
+          <p:cNvPr id="5" name="Title 4">
+            <a:extLst>
+              <a:ext uri="{FF2B5EF4-FFF2-40B4-BE49-F238E27FC236}">
+                <a16:creationId xmlns:a16="http://schemas.microsoft.com/office/drawing/2014/main" id="{7F3114F8-5C82-D79D-1179-AAAB9E7647C9}"/>
+              </a:ext>
+            </a:extLst>
+          </p:cNvPr>
+          <p:cNvSpPr>
+            <a:spLocks noGrp="1"/>
+          </p:cNvSpPr>
+          <p:nvPr>
+            <p:ph type="title"/>
+          </p:nvPr>
+        </p:nvSpPr>
+        <p:spPr/>
+        <p:txBody>
+          <a:bodyPr/>
+          <a:lstStyle/>
+          <a:p>
+            <a:r>
+              <a:rPr lang="en-US" dirty="0"/>
+              <a:t>Introduction</a:t>
+            </a:r>
+          </a:p>
+        </p:txBody>
+      </p:sp>
+    </p:spTree>
+    <p:extLst>
+      <p:ext uri="{BB962C8B-B14F-4D97-AF65-F5344CB8AC3E}">
+        <p14:creationId xmlns:p14="http://schemas.microsoft.com/office/powerpoint/2010/main" val="3108120246"/>
+      </p:ext>
+    </p:extLst>
+  </p:cSld>
+  <p:clrMapOvr>
+    <a:masterClrMapping/>
+  </p:clrMapOvr>
+  <mc:AlternateContent xmlns:mc="http://schemas.openxmlformats.org/markup-compatibility/2006" xmlns:p159="http://schemas.microsoft.com/office/powerpoint/2015/09/main">
+    <mc:Choice Requires="p159">
+      <p:transition xmlns:p14="http://schemas.microsoft.com/office/powerpoint/2010/main" p14:dur="250">
+        <p159:morph option="byObject"/>
+      </p:transition>
+    </mc:Choice>
+    <mc:Fallback xmlns="">
+      <p:transition>
+        <p:fade/>
+      </p:transition>
+    </mc:Fallback>
+  </mc:AlternateContent>
+</p:sld>
+</file>
+
+<file path=ppt/slides/slide20.xml><?xml version="1.0" encoding="utf-8"?>
+<p:sld xmlns:a="http://schemas.openxmlformats.org/drawingml/2006/main" xmlns:r="http://schemas.openxmlformats.org/officeDocument/2006/relationships" xmlns:p="http://schemas.openxmlformats.org/presentationml/2006/main">
+  <p:cSld>
+    <p:bg>
+      <p:bgPr>
+        <a:solidFill>
+          <a:schemeClr val="bg1"/>
+        </a:solidFill>
+        <a:effectLst/>
+      </p:bgPr>
+    </p:bg>
+    <p:spTree>
+      <p:nvGrpSpPr>
+        <p:cNvPr id="1" name=""/>
+        <p:cNvGrpSpPr/>
+        <p:nvPr/>
+      </p:nvGrpSpPr>
+      <p:grpSpPr>
+        <a:xfrm>
+          <a:off x="0" y="0"/>
+          <a:ext cx="0" cy="0"/>
+          <a:chOff x="0" y="0"/>
+          <a:chExt cx="0" cy="0"/>
+        </a:xfrm>
+      </p:grpSpPr>
+      <p:sp useBgFill="1">
+        <p:nvSpPr>
+          <p:cNvPr id="9" name="Rectangle 8">
+            <a:extLst>
+              <a:ext uri="{FF2B5EF4-FFF2-40B4-BE49-F238E27FC236}">
+                <a16:creationId xmlns:a16="http://schemas.microsoft.com/office/drawing/2014/main" id="{53F29798-D584-4792-9B62-3F5F5C36D619}"/>
               </a:ext>
               <a:ext uri="{C183D7F6-B498-43B3-948B-1728B52AA6E4}">
                 <adec:decorative xmlns:adec="http://schemas.microsoft.com/office/drawing/2017/decorative" val="1"/>
@@ -6806,14 +10890,11 @@
         <p:spPr>
           <a:xfrm>
             <a:off x="0" y="0"/>
-            <a:ext cx="2013557" cy="6858000"/>
+            <a:ext cx="12188952" cy="6858000"/>
           </a:xfrm>
           <a:prstGeom prst="rect">
             <a:avLst/>
           </a:prstGeom>
-          <a:solidFill>
-            <a:srgbClr val="7F7F7F"/>
-          </a:solidFill>
           <a:ln>
             <a:noFill/>
           </a:ln>
@@ -6848,7 +10929,7 @@
           <p:cNvPr id="2" name="Title 1">
             <a:extLst>
               <a:ext uri="{FF2B5EF4-FFF2-40B4-BE49-F238E27FC236}">
-                <a16:creationId xmlns:a16="http://schemas.microsoft.com/office/drawing/2014/main" id="{FB4896F4-FD2C-9C83-C00F-452E419E9CAA}"/>
+                <a16:creationId xmlns:a16="http://schemas.microsoft.com/office/drawing/2014/main" id="{171FBA4D-D29C-737E-34FF-3148B924E939}"/>
               </a:ext>
             </a:extLst>
           </p:cNvPr>
@@ -6861,438 +10942,79 @@
         </p:nvSpPr>
         <p:spPr>
           <a:xfrm>
-            <a:off x="640080" y="2074363"/>
-            <a:ext cx="2752354" cy="2709275"/>
+            <a:off x="838200" y="184805"/>
+            <a:ext cx="10515600" cy="1505883"/>
           </a:xfrm>
-          <a:prstGeom prst="ellipse">
-            <a:avLst/>
-          </a:prstGeom>
-          <a:solidFill>
-            <a:srgbClr val="262626"/>
-          </a:solidFill>
-          <a:ln w="174625" cmpd="thinThick">
-            <a:solidFill>
-              <a:srgbClr val="262626"/>
-            </a:solidFill>
-          </a:ln>
         </p:spPr>
         <p:txBody>
-          <a:bodyPr vert="horz" lIns="91440" tIns="45720" rIns="91440" bIns="45720" rtlCol="0" anchor="ctr">
+          <a:bodyPr anchor="ctr">
             <a:normAutofit/>
           </a:bodyPr>
           <a:lstStyle/>
           <a:p>
-            <a:pPr algn="ctr"/>
-            <a:r>
-              <a:rPr lang="en-US" sz="2600" kern="1200">
-                <a:solidFill>
-                  <a:srgbClr val="FFFFFF"/>
-                </a:solidFill>
-                <a:latin typeface="+mj-lt"/>
-                <a:ea typeface="+mj-ea"/>
-                <a:cs typeface="+mj-cs"/>
-              </a:rPr>
-              <a:t>Project State</a:t>
-            </a:r>
-          </a:p>
-        </p:txBody>
-      </p:sp>
-      <p:graphicFrame>
-        <p:nvGraphicFramePr>
-          <p:cNvPr id="4" name="Table 4">
-            <a:extLst>
-              <a:ext uri="{FF2B5EF4-FFF2-40B4-BE49-F238E27FC236}">
-                <a16:creationId xmlns:a16="http://schemas.microsoft.com/office/drawing/2014/main" id="{64D31FAE-4354-4240-8F29-CB4B8E654D03}"/>
-              </a:ext>
-            </a:extLst>
-          </p:cNvPr>
-          <p:cNvGraphicFramePr>
-            <a:graphicFrameLocks noGrp="1"/>
-          </p:cNvGraphicFramePr>
-          <p:nvPr>
-            <p:extLst>
-              <p:ext uri="{D42A27DB-BD31-4B8C-83A1-F6EECF244321}">
-                <p14:modId xmlns:p14="http://schemas.microsoft.com/office/powerpoint/2010/main" val="808696606"/>
-              </p:ext>
-            </p:extLst>
-          </p:nvPr>
-        </p:nvGraphicFramePr>
-        <p:xfrm>
-          <a:off x="3747655" y="961812"/>
-          <a:ext cx="7931727" cy="4979021"/>
-        </p:xfrm>
-        <a:graphic>
-          <a:graphicData uri="http://schemas.openxmlformats.org/drawingml/2006/table">
-            <a:tbl>
-              <a:tblPr firstRow="1" bandRow="1">
-                <a:tableStyleId>{073A0DAA-6AF3-43AB-8588-CEC1D06C72B9}</a:tableStyleId>
-              </a:tblPr>
-              <a:tblGrid>
-                <a:gridCol w="2257781">
-                  <a:extLst>
-                    <a:ext uri="{9D8B030D-6E8A-4147-A177-3AD203B41FA5}">
-                      <a16:colId xmlns:a16="http://schemas.microsoft.com/office/drawing/2014/main" val="4102250908"/>
-                    </a:ext>
-                  </a:extLst>
-                </a:gridCol>
-                <a:gridCol w="3544185">
-                  <a:extLst>
-                    <a:ext uri="{9D8B030D-6E8A-4147-A177-3AD203B41FA5}">
-                      <a16:colId xmlns:a16="http://schemas.microsoft.com/office/drawing/2014/main" val="371108148"/>
-                    </a:ext>
-                  </a:extLst>
-                </a:gridCol>
-                <a:gridCol w="2129761">
-                  <a:extLst>
-                    <a:ext uri="{9D8B030D-6E8A-4147-A177-3AD203B41FA5}">
-                      <a16:colId xmlns:a16="http://schemas.microsoft.com/office/drawing/2014/main" val="1244238794"/>
-                    </a:ext>
-                  </a:extLst>
-                </a:gridCol>
-              </a:tblGrid>
-              <a:tr h="550669">
-                <a:tc>
-                  <a:txBody>
-                    <a:bodyPr/>
-                    <a:lstStyle/>
-                    <a:p>
-                      <a:r>
-                        <a:rPr lang="en-US" sz="1800" dirty="0"/>
-                        <a:t>To-Do</a:t>
-                      </a:r>
-                    </a:p>
-                  </a:txBody>
-                  <a:tcPr marL="125152" marR="125152" marT="62576" marB="62576"/>
-                </a:tc>
-                <a:tc>
-                  <a:txBody>
-                    <a:bodyPr/>
-                    <a:lstStyle/>
-                    <a:p>
-                      <a:r>
-                        <a:rPr lang="en-US" sz="1800"/>
-                        <a:t>In Progress</a:t>
-                      </a:r>
-                    </a:p>
-                  </a:txBody>
-                  <a:tcPr marL="125152" marR="125152" marT="62576" marB="62576"/>
-                </a:tc>
-                <a:tc>
-                  <a:txBody>
-                    <a:bodyPr/>
-                    <a:lstStyle/>
-                    <a:p>
-                      <a:r>
-                        <a:rPr lang="en-US" sz="1800"/>
-                        <a:t>Done</a:t>
-                      </a:r>
-                    </a:p>
-                  </a:txBody>
-                  <a:tcPr marL="125152" marR="125152" marT="62576" marB="62576"/>
-                </a:tc>
-                <a:extLst>
-                  <a:ext uri="{0D108BD9-81ED-4DB2-BD59-A6C34878D82A}">
-                    <a16:rowId xmlns:a16="http://schemas.microsoft.com/office/drawing/2014/main" val="1581904397"/>
-                  </a:ext>
-                </a:extLst>
-              </a:tr>
-              <a:tr h="625760">
-                <a:tc>
-                  <a:txBody>
-                    <a:bodyPr/>
-                    <a:lstStyle/>
-                    <a:p>
-                      <a:endParaRPr lang="en-US" sz="1800" dirty="0"/>
-                    </a:p>
-                  </a:txBody>
-                  <a:tcPr marL="125152" marR="125152" marT="62576" marB="62576"/>
-                </a:tc>
-                <a:tc>
-                  <a:txBody>
-                    <a:bodyPr/>
-                    <a:lstStyle/>
-                    <a:p>
-                      <a:pPr marL="0" marR="0" lvl="0" indent="0" algn="l" defTabSz="914400" rtl="0" eaLnBrk="1" fontAlgn="auto" latinLnBrk="0" hangingPunct="1">
-                        <a:lnSpc>
-                          <a:spcPct val="100000"/>
-                        </a:lnSpc>
-                        <a:spcBef>
-                          <a:spcPts val="0"/>
-                        </a:spcBef>
-                        <a:spcAft>
-                          <a:spcPts val="0"/>
-                        </a:spcAft>
-                        <a:buClrTx/>
-                        <a:buSzTx/>
-                        <a:buFontTx/>
-                        <a:buNone/>
-                        <a:tabLst/>
-                        <a:defRPr/>
-                      </a:pPr>
-                      <a:r>
-                        <a:rPr lang="en-US" sz="1800" dirty="0"/>
-                        <a:t>Write a Script that automatically generates GPR for synthetic data</a:t>
-                      </a:r>
-                    </a:p>
-                  </a:txBody>
-                  <a:tcPr marL="125152" marR="125152" marT="62576" marB="62576"/>
-                </a:tc>
-                <a:tc>
-                  <a:txBody>
-                    <a:bodyPr/>
-                    <a:lstStyle/>
-                    <a:p>
-                      <a:endParaRPr lang="en-US" sz="1800"/>
-                    </a:p>
-                  </a:txBody>
-                  <a:tcPr marL="125152" marR="125152" marT="62576" marB="62576"/>
-                </a:tc>
-                <a:extLst>
-                  <a:ext uri="{0D108BD9-81ED-4DB2-BD59-A6C34878D82A}">
-                    <a16:rowId xmlns:a16="http://schemas.microsoft.com/office/drawing/2014/main" val="1966352955"/>
-                  </a:ext>
-                </a:extLst>
-              </a:tr>
-              <a:tr h="625760">
-                <a:tc>
-                  <a:txBody>
-                    <a:bodyPr/>
-                    <a:lstStyle/>
-                    <a:p>
-                      <a:endParaRPr lang="en-US" sz="1800"/>
-                    </a:p>
-                  </a:txBody>
-                  <a:tcPr marL="125152" marR="125152" marT="62576" marB="62576"/>
-                </a:tc>
-                <a:tc>
-                  <a:txBody>
-                    <a:bodyPr/>
-                    <a:lstStyle/>
-                    <a:p>
-                      <a:endParaRPr lang="en-US" sz="1800"/>
-                    </a:p>
-                  </a:txBody>
-                  <a:tcPr marL="125152" marR="125152" marT="62576" marB="62576"/>
-                </a:tc>
-                <a:tc>
-                  <a:txBody>
-                    <a:bodyPr/>
-                    <a:lstStyle/>
-                    <a:p>
-                      <a:endParaRPr lang="en-US" sz="1800"/>
-                    </a:p>
-                  </a:txBody>
-                  <a:tcPr marL="125152" marR="125152" marT="62576" marB="62576"/>
-                </a:tc>
-                <a:extLst>
-                  <a:ext uri="{0D108BD9-81ED-4DB2-BD59-A6C34878D82A}">
-                    <a16:rowId xmlns:a16="http://schemas.microsoft.com/office/drawing/2014/main" val="304582381"/>
-                  </a:ext>
-                </a:extLst>
-              </a:tr>
-              <a:tr h="625760">
-                <a:tc>
-                  <a:txBody>
-                    <a:bodyPr/>
-                    <a:lstStyle/>
-                    <a:p>
-                      <a:endParaRPr lang="en-US" sz="1800"/>
-                    </a:p>
-                  </a:txBody>
-                  <a:tcPr marL="125152" marR="125152" marT="62576" marB="62576"/>
-                </a:tc>
-                <a:tc>
-                  <a:txBody>
-                    <a:bodyPr/>
-                    <a:lstStyle/>
-                    <a:p>
-                      <a:endParaRPr lang="en-US" sz="1800"/>
-                    </a:p>
-                  </a:txBody>
-                  <a:tcPr marL="125152" marR="125152" marT="62576" marB="62576"/>
-                </a:tc>
-                <a:tc>
-                  <a:txBody>
-                    <a:bodyPr/>
-                    <a:lstStyle/>
-                    <a:p>
-                      <a:endParaRPr lang="en-US" sz="1800"/>
-                    </a:p>
-                  </a:txBody>
-                  <a:tcPr marL="125152" marR="125152" marT="62576" marB="62576"/>
-                </a:tc>
-                <a:extLst>
-                  <a:ext uri="{0D108BD9-81ED-4DB2-BD59-A6C34878D82A}">
-                    <a16:rowId xmlns:a16="http://schemas.microsoft.com/office/drawing/2014/main" val="4047786"/>
-                  </a:ext>
-                </a:extLst>
-              </a:tr>
-              <a:tr h="625760">
-                <a:tc>
-                  <a:txBody>
-                    <a:bodyPr/>
-                    <a:lstStyle/>
-                    <a:p>
-                      <a:endParaRPr lang="en-US" sz="1800"/>
-                    </a:p>
-                  </a:txBody>
-                  <a:tcPr marL="125152" marR="125152" marT="62576" marB="62576"/>
-                </a:tc>
-                <a:tc>
-                  <a:txBody>
-                    <a:bodyPr/>
-                    <a:lstStyle/>
-                    <a:p>
-                      <a:endParaRPr lang="en-US" sz="1800"/>
-                    </a:p>
-                  </a:txBody>
-                  <a:tcPr marL="125152" marR="125152" marT="62576" marB="62576"/>
-                </a:tc>
-                <a:tc>
-                  <a:txBody>
-                    <a:bodyPr/>
-                    <a:lstStyle/>
-                    <a:p>
-                      <a:endParaRPr lang="en-US" sz="1800"/>
-                    </a:p>
-                  </a:txBody>
-                  <a:tcPr marL="125152" marR="125152" marT="62576" marB="62576"/>
-                </a:tc>
-                <a:extLst>
-                  <a:ext uri="{0D108BD9-81ED-4DB2-BD59-A6C34878D82A}">
-                    <a16:rowId xmlns:a16="http://schemas.microsoft.com/office/drawing/2014/main" val="1474620994"/>
-                  </a:ext>
-                </a:extLst>
-              </a:tr>
-              <a:tr h="625760">
-                <a:tc>
-                  <a:txBody>
-                    <a:bodyPr/>
-                    <a:lstStyle/>
-                    <a:p>
-                      <a:endParaRPr lang="en-US" sz="1800"/>
-                    </a:p>
-                  </a:txBody>
-                  <a:tcPr marL="125152" marR="125152" marT="62576" marB="62576"/>
-                </a:tc>
-                <a:tc>
-                  <a:txBody>
-                    <a:bodyPr/>
-                    <a:lstStyle/>
-                    <a:p>
-                      <a:endParaRPr lang="en-US" sz="1800"/>
-                    </a:p>
-                  </a:txBody>
-                  <a:tcPr marL="125152" marR="125152" marT="62576" marB="62576"/>
-                </a:tc>
-                <a:tc>
-                  <a:txBody>
-                    <a:bodyPr/>
-                    <a:lstStyle/>
-                    <a:p>
-                      <a:endParaRPr lang="en-US" sz="1800"/>
-                    </a:p>
-                  </a:txBody>
-                  <a:tcPr marL="125152" marR="125152" marT="62576" marB="62576"/>
-                </a:tc>
-                <a:extLst>
-                  <a:ext uri="{0D108BD9-81ED-4DB2-BD59-A6C34878D82A}">
-                    <a16:rowId xmlns:a16="http://schemas.microsoft.com/office/drawing/2014/main" val="1749762941"/>
-                  </a:ext>
-                </a:extLst>
-              </a:tr>
-              <a:tr h="625760">
-                <a:tc>
-                  <a:txBody>
-                    <a:bodyPr/>
-                    <a:lstStyle/>
-                    <a:p>
-                      <a:endParaRPr lang="en-US" sz="1800"/>
-                    </a:p>
-                  </a:txBody>
-                  <a:tcPr marL="125152" marR="125152" marT="62576" marB="62576"/>
-                </a:tc>
-                <a:tc>
-                  <a:txBody>
-                    <a:bodyPr/>
-                    <a:lstStyle/>
-                    <a:p>
-                      <a:endParaRPr lang="en-US" sz="1800"/>
-                    </a:p>
-                  </a:txBody>
-                  <a:tcPr marL="125152" marR="125152" marT="62576" marB="62576"/>
-                </a:tc>
-                <a:tc>
-                  <a:txBody>
-                    <a:bodyPr/>
-                    <a:lstStyle/>
-                    <a:p>
-                      <a:endParaRPr lang="en-US" sz="1800"/>
-                    </a:p>
-                  </a:txBody>
-                  <a:tcPr marL="125152" marR="125152" marT="62576" marB="62576"/>
-                </a:tc>
-                <a:extLst>
-                  <a:ext uri="{0D108BD9-81ED-4DB2-BD59-A6C34878D82A}">
-                    <a16:rowId xmlns:a16="http://schemas.microsoft.com/office/drawing/2014/main" val="237968227"/>
-                  </a:ext>
-                </a:extLst>
-              </a:tr>
-              <a:tr h="625760">
-                <a:tc>
-                  <a:txBody>
-                    <a:bodyPr/>
-                    <a:lstStyle/>
-                    <a:p>
-                      <a:endParaRPr lang="en-US" sz="1800"/>
-                    </a:p>
-                  </a:txBody>
-                  <a:tcPr marL="125152" marR="125152" marT="62576" marB="62576"/>
-                </a:tc>
-                <a:tc>
-                  <a:txBody>
-                    <a:bodyPr/>
-                    <a:lstStyle/>
-                    <a:p>
-                      <a:endParaRPr lang="en-US" sz="1800"/>
-                    </a:p>
-                  </a:txBody>
-                  <a:tcPr marL="125152" marR="125152" marT="62576" marB="62576"/>
-                </a:tc>
-                <a:tc>
-                  <a:txBody>
-                    <a:bodyPr/>
-                    <a:lstStyle/>
-                    <a:p>
-                      <a:endParaRPr lang="en-US" sz="1800" dirty="0"/>
-                    </a:p>
-                  </a:txBody>
-                  <a:tcPr marL="125152" marR="125152" marT="62576" marB="62576"/>
-                </a:tc>
-                <a:extLst>
-                  <a:ext uri="{0D108BD9-81ED-4DB2-BD59-A6C34878D82A}">
-                    <a16:rowId xmlns:a16="http://schemas.microsoft.com/office/drawing/2014/main" val="714055429"/>
-                  </a:ext>
-                </a:extLst>
-              </a:tr>
-            </a:tbl>
-          </a:graphicData>
-        </a:graphic>
-      </p:graphicFrame>
+            <a:r>
+              <a:rPr lang="en-US" sz="3300"/>
+              <a:t>Search for working/recently-updated forks of the many GitHub repositories related to the Automated Statistician. </a:t>
+            </a:r>
+          </a:p>
+        </p:txBody>
+      </p:sp>
+      <p:pic>
+        <p:nvPicPr>
+          <p:cNvPr id="4" name="Picture 3">
+            <a:extLst>
+              <a:ext uri="{FF2B5EF4-FFF2-40B4-BE49-F238E27FC236}">
+                <a16:creationId xmlns:a16="http://schemas.microsoft.com/office/drawing/2014/main" id="{1A2C4056-97A3-2363-F9EA-133EDEFD3F1D}"/>
+              </a:ext>
+            </a:extLst>
+          </p:cNvPr>
+          <p:cNvPicPr>
+            <a:picLocks noChangeAspect="1"/>
+          </p:cNvPicPr>
+          <p:nvPr/>
+        </p:nvPicPr>
+        <p:blipFill>
+          <a:blip r:embed="rId2"/>
+          <a:stretch>
+            <a:fillRect/>
+          </a:stretch>
+        </p:blipFill>
+        <p:spPr>
+          <a:xfrm>
+            <a:off x="838200" y="2270305"/>
+            <a:ext cx="10512547" cy="3600545"/>
+          </a:xfrm>
+          <a:prstGeom prst="rect">
+            <a:avLst/>
+          </a:prstGeom>
+        </p:spPr>
+      </p:pic>
     </p:spTree>
     <p:extLst>
       <p:ext uri="{BB962C8B-B14F-4D97-AF65-F5344CB8AC3E}">
-        <p14:creationId xmlns:p14="http://schemas.microsoft.com/office/powerpoint/2010/main" val="1369837982"/>
+        <p14:creationId xmlns:p14="http://schemas.microsoft.com/office/powerpoint/2010/main" val="2996165891"/>
       </p:ext>
     </p:extLst>
   </p:cSld>
   <p:clrMapOvr>
     <a:masterClrMapping/>
   </p:clrMapOvr>
+  <mc:AlternateContent xmlns:mc="http://schemas.openxmlformats.org/markup-compatibility/2006" xmlns:p159="http://schemas.microsoft.com/office/powerpoint/2015/09/main">
+    <mc:Choice Requires="p159">
+      <p:transition xmlns:p14="http://schemas.microsoft.com/office/powerpoint/2010/main" p14:dur="250">
+        <p159:morph option="byObject"/>
+      </p:transition>
+    </mc:Choice>
+    <mc:Fallback xmlns="">
+      <p:transition>
+        <p:fade/>
+      </p:transition>
+    </mc:Fallback>
+  </mc:AlternateContent>
 </p:sld>
 </file>
 
-<file path=ppt/slides/slide2.xml><?xml version="1.0" encoding="utf-8"?>
+<file path=ppt/slides/slide21.xml><?xml version="1.0" encoding="utf-8"?>
 <p:sld xmlns:a="http://schemas.openxmlformats.org/drawingml/2006/main" xmlns:r="http://schemas.openxmlformats.org/officeDocument/2006/relationships" xmlns:p="http://schemas.openxmlformats.org/presentationml/2006/main">
   <p:cSld>
     <p:spTree>
@@ -7311,18 +11033,18 @@
       </p:grpSpPr>
       <p:sp>
         <p:nvSpPr>
-          <p:cNvPr id="3" name="Content Placeholder 2">
-            <a:extLst>
-              <a:ext uri="{FF2B5EF4-FFF2-40B4-BE49-F238E27FC236}">
-                <a16:creationId xmlns:a16="http://schemas.microsoft.com/office/drawing/2014/main" id="{B058C484-A05D-8DB2-21BB-342682E323CB}"/>
-              </a:ext>
-            </a:extLst>
-          </p:cNvPr>
-          <p:cNvSpPr>
-            <a:spLocks noGrp="1"/>
-          </p:cNvSpPr>
-          <p:nvPr>
-            <p:ph idx="1"/>
+          <p:cNvPr id="2" name="Title 1">
+            <a:extLst>
+              <a:ext uri="{FF2B5EF4-FFF2-40B4-BE49-F238E27FC236}">
+                <a16:creationId xmlns:a16="http://schemas.microsoft.com/office/drawing/2014/main" id="{2D2040CF-894B-8C86-07DD-F7306E96FB71}"/>
+              </a:ext>
+            </a:extLst>
+          </p:cNvPr>
+          <p:cNvSpPr>
+            <a:spLocks noGrp="1"/>
+          </p:cNvSpPr>
+          <p:nvPr>
+            <p:ph type="title"/>
           </p:nvPr>
         </p:nvSpPr>
         <p:spPr/>
@@ -7330,48 +11052,27 @@
           <a:bodyPr/>
           <a:lstStyle/>
           <a:p>
-            <a:pPr marL="0" indent="0">
-              <a:buNone/>
-            </a:pPr>
             <a:r>
               <a:rPr lang="en-US" dirty="0"/>
-              <a:t>Brief overview of the presentation</a:t>
-            </a:r>
-          </a:p>
-          <a:p>
-            <a:pPr marL="0" indent="0">
-              <a:buNone/>
-            </a:pPr>
-            <a:r>
-              <a:rPr lang="en-US" dirty="0"/>
-              <a:t>Importance of understanding and designing systems that generate data</a:t>
-            </a:r>
-          </a:p>
-          <a:p>
-            <a:pPr marL="0" indent="0">
-              <a:buNone/>
-            </a:pPr>
-            <a:r>
-              <a:rPr lang="en-US" dirty="0"/>
-              <a:t>The challenge with traditional machine learning models</a:t>
-            </a:r>
-          </a:p>
-        </p:txBody>
-      </p:sp>
-      <p:sp>
-        <p:nvSpPr>
-          <p:cNvPr id="5" name="Title 4">
-            <a:extLst>
-              <a:ext uri="{FF2B5EF4-FFF2-40B4-BE49-F238E27FC236}">
-                <a16:creationId xmlns:a16="http://schemas.microsoft.com/office/drawing/2014/main" id="{7F3114F8-5C82-D79D-1179-AAAB9E7647C9}"/>
-              </a:ext>
-            </a:extLst>
-          </p:cNvPr>
-          <p:cNvSpPr>
-            <a:spLocks noGrp="1"/>
-          </p:cNvSpPr>
-          <p:nvPr>
-            <p:ph type="title"/>
+              <a:t>System learning?</a:t>
+            </a:r>
+          </a:p>
+        </p:txBody>
+      </p:sp>
+      <p:sp>
+        <p:nvSpPr>
+          <p:cNvPr id="3" name="Content Placeholder 2">
+            <a:extLst>
+              <a:ext uri="{FF2B5EF4-FFF2-40B4-BE49-F238E27FC236}">
+                <a16:creationId xmlns:a16="http://schemas.microsoft.com/office/drawing/2014/main" id="{2B5E595A-1695-BAA5-CA1A-ED3976F79989}"/>
+              </a:ext>
+            </a:extLst>
+          </p:cNvPr>
+          <p:cNvSpPr>
+            <a:spLocks noGrp="1"/>
+          </p:cNvSpPr>
+          <p:nvPr>
+            <p:ph idx="1"/>
           </p:nvPr>
         </p:nvSpPr>
         <p:spPr/>
@@ -7379,28 +11080,37 @@
           <a:bodyPr/>
           <a:lstStyle/>
           <a:p>
-            <a:r>
-              <a:rPr lang="en-US" dirty="0"/>
-              <a:t>Introduction</a:t>
-            </a:r>
+            <a:endParaRPr lang="en-US"/>
           </a:p>
         </p:txBody>
       </p:sp>
     </p:spTree>
     <p:extLst>
       <p:ext uri="{BB962C8B-B14F-4D97-AF65-F5344CB8AC3E}">
-        <p14:creationId xmlns:p14="http://schemas.microsoft.com/office/powerpoint/2010/main" val="3108120246"/>
+        <p14:creationId xmlns:p14="http://schemas.microsoft.com/office/powerpoint/2010/main" val="724814946"/>
       </p:ext>
     </p:extLst>
   </p:cSld>
   <p:clrMapOvr>
     <a:masterClrMapping/>
   </p:clrMapOvr>
+  <mc:AlternateContent xmlns:mc="http://schemas.openxmlformats.org/markup-compatibility/2006" xmlns:p159="http://schemas.microsoft.com/office/powerpoint/2015/09/main">
+    <mc:Choice Requires="p159">
+      <p:transition xmlns:p14="http://schemas.microsoft.com/office/powerpoint/2010/main" p14:dur="250">
+        <p159:morph option="byObject"/>
+      </p:transition>
+    </mc:Choice>
+    <mc:Fallback xmlns="">
+      <p:transition>
+        <p:fade/>
+      </p:transition>
+    </mc:Fallback>
+  </mc:AlternateContent>
 </p:sld>
 </file>
 
 <file path=ppt/slides/slide3.xml><?xml version="1.0" encoding="utf-8"?>
-<p:sld xmlns:a="http://schemas.openxmlformats.org/drawingml/2006/main" xmlns:r="http://schemas.openxmlformats.org/officeDocument/2006/relationships" xmlns:p="http://schemas.openxmlformats.org/presentationml/2006/main">
+<p:sld xmlns:a="http://schemas.openxmlformats.org/drawingml/2006/main" xmlns:r="http://schemas.openxmlformats.org/officeDocument/2006/relationships" xmlns:p="http://schemas.openxmlformats.org/presentationml/2006/main" show="0">
   <p:cSld>
     <p:spTree>
       <p:nvGrpSpPr>
@@ -7524,11 +11234,23 @@
   <p:clrMapOvr>
     <a:masterClrMapping/>
   </p:clrMapOvr>
+  <mc:AlternateContent xmlns:mc="http://schemas.openxmlformats.org/markup-compatibility/2006" xmlns:p159="http://schemas.microsoft.com/office/powerpoint/2015/09/main">
+    <mc:Choice Requires="p159">
+      <p:transition xmlns:p14="http://schemas.microsoft.com/office/powerpoint/2010/main" p14:dur="250">
+        <p159:morph option="byObject"/>
+      </p:transition>
+    </mc:Choice>
+    <mc:Fallback xmlns="">
+      <p:transition>
+        <p:fade/>
+      </p:transition>
+    </mc:Fallback>
+  </mc:AlternateContent>
 </p:sld>
 </file>
 
 <file path=ppt/slides/slide4.xml><?xml version="1.0" encoding="utf-8"?>
-<p:sld xmlns:a="http://schemas.openxmlformats.org/drawingml/2006/main" xmlns:r="http://schemas.openxmlformats.org/officeDocument/2006/relationships" xmlns:p="http://schemas.openxmlformats.org/presentationml/2006/main">
+<p:sld xmlns:a="http://schemas.openxmlformats.org/drawingml/2006/main" xmlns:r="http://schemas.openxmlformats.org/officeDocument/2006/relationships" xmlns:p="http://schemas.openxmlformats.org/presentationml/2006/main" show="0">
   <p:cSld>
     <p:spTree>
       <p:nvGrpSpPr>
@@ -7671,11 +11393,23 @@
   <p:clrMapOvr>
     <a:masterClrMapping/>
   </p:clrMapOvr>
+  <mc:AlternateContent xmlns:mc="http://schemas.openxmlformats.org/markup-compatibility/2006" xmlns:p159="http://schemas.microsoft.com/office/powerpoint/2015/09/main">
+    <mc:Choice Requires="p159">
+      <p:transition xmlns:p14="http://schemas.microsoft.com/office/powerpoint/2010/main" p14:dur="250">
+        <p159:morph option="byObject"/>
+      </p:transition>
+    </mc:Choice>
+    <mc:Fallback xmlns="">
+      <p:transition>
+        <p:fade/>
+      </p:transition>
+    </mc:Fallback>
+  </mc:AlternateContent>
 </p:sld>
 </file>
 
 <file path=ppt/slides/slide5.xml><?xml version="1.0" encoding="utf-8"?>
-<p:sld xmlns:a="http://schemas.openxmlformats.org/drawingml/2006/main" xmlns:r="http://schemas.openxmlformats.org/officeDocument/2006/relationships" xmlns:p="http://schemas.openxmlformats.org/presentationml/2006/main">
+<p:sld xmlns:a="http://schemas.openxmlformats.org/drawingml/2006/main" xmlns:r="http://schemas.openxmlformats.org/officeDocument/2006/relationships" xmlns:p="http://schemas.openxmlformats.org/presentationml/2006/main" show="0">
   <p:cSld>
     <p:spTree>
       <p:nvGrpSpPr>
@@ -7779,11 +11513,23 @@
   <p:clrMapOvr>
     <a:masterClrMapping/>
   </p:clrMapOvr>
+  <mc:AlternateContent xmlns:mc="http://schemas.openxmlformats.org/markup-compatibility/2006" xmlns:p159="http://schemas.microsoft.com/office/powerpoint/2015/09/main">
+    <mc:Choice Requires="p159">
+      <p:transition xmlns:p14="http://schemas.microsoft.com/office/powerpoint/2010/main" p14:dur="250">
+        <p159:morph option="byObject"/>
+      </p:transition>
+    </mc:Choice>
+    <mc:Fallback xmlns="">
+      <p:transition>
+        <p:fade/>
+      </p:transition>
+    </mc:Fallback>
+  </mc:AlternateContent>
 </p:sld>
 </file>
 
 <file path=ppt/slides/slide6.xml><?xml version="1.0" encoding="utf-8"?>
-<p:sld xmlns:a="http://schemas.openxmlformats.org/drawingml/2006/main" xmlns:r="http://schemas.openxmlformats.org/officeDocument/2006/relationships" xmlns:p="http://schemas.openxmlformats.org/presentationml/2006/main">
+<p:sld xmlns:a="http://schemas.openxmlformats.org/drawingml/2006/main" xmlns:r="http://schemas.openxmlformats.org/officeDocument/2006/relationships" xmlns:p="http://schemas.openxmlformats.org/presentationml/2006/main" show="0">
   <p:cSld>
     <p:spTree>
       <p:nvGrpSpPr>
@@ -7870,11 +11616,23 @@
   <p:clrMapOvr>
     <a:masterClrMapping/>
   </p:clrMapOvr>
+  <mc:AlternateContent xmlns:mc="http://schemas.openxmlformats.org/markup-compatibility/2006" xmlns:p159="http://schemas.microsoft.com/office/powerpoint/2015/09/main">
+    <mc:Choice Requires="p159">
+      <p:transition xmlns:p14="http://schemas.microsoft.com/office/powerpoint/2010/main" p14:dur="250">
+        <p159:morph option="byObject"/>
+      </p:transition>
+    </mc:Choice>
+    <mc:Fallback xmlns="">
+      <p:transition>
+        <p:fade/>
+      </p:transition>
+    </mc:Fallback>
+  </mc:AlternateContent>
 </p:sld>
 </file>
 
 <file path=ppt/slides/slide7.xml><?xml version="1.0" encoding="utf-8"?>
-<p:sld xmlns:a="http://schemas.openxmlformats.org/drawingml/2006/main" xmlns:r="http://schemas.openxmlformats.org/officeDocument/2006/relationships" xmlns:p="http://schemas.openxmlformats.org/presentationml/2006/main">
+<p:sld xmlns:a="http://schemas.openxmlformats.org/drawingml/2006/main" xmlns:r="http://schemas.openxmlformats.org/officeDocument/2006/relationships" xmlns:p="http://schemas.openxmlformats.org/presentationml/2006/main" show="0">
   <p:cSld>
     <p:spTree>
       <p:nvGrpSpPr>
@@ -7983,6 +11741,18 @@
   <p:clrMapOvr>
     <a:masterClrMapping/>
   </p:clrMapOvr>
+  <mc:AlternateContent xmlns:mc="http://schemas.openxmlformats.org/markup-compatibility/2006" xmlns:p159="http://schemas.microsoft.com/office/powerpoint/2015/09/main">
+    <mc:Choice Requires="p159">
+      <p:transition xmlns:p14="http://schemas.microsoft.com/office/powerpoint/2010/main" p14:dur="250">
+        <p159:morph option="byObject"/>
+      </p:transition>
+    </mc:Choice>
+    <mc:Fallback xmlns="">
+      <p:transition>
+        <p:fade/>
+      </p:transition>
+    </mc:Fallback>
+  </mc:AlternateContent>
 </p:sld>
 </file>
 
@@ -8036,46 +11806,32 @@
           </a:p>
         </p:txBody>
       </p:sp>
-      <p:sp>
-        <p:nvSpPr>
-          <p:cNvPr id="3" name="Content Placeholder 2">
-            <a:extLst>
-              <a:ext uri="{FF2B5EF4-FFF2-40B4-BE49-F238E27FC236}">
-                <a16:creationId xmlns:a16="http://schemas.microsoft.com/office/drawing/2014/main" id="{B058C484-A05D-8DB2-21BB-342682E323CB}"/>
-              </a:ext>
-            </a:extLst>
-          </p:cNvPr>
-          <p:cNvSpPr>
-            <a:spLocks noGrp="1"/>
-          </p:cNvSpPr>
+      <p:graphicFrame>
+        <p:nvGraphicFramePr>
+          <p:cNvPr id="5" name="Content Placeholder 2">
+            <a:extLst>
+              <a:ext uri="{FF2B5EF4-FFF2-40B4-BE49-F238E27FC236}">
+                <a16:creationId xmlns:a16="http://schemas.microsoft.com/office/drawing/2014/main" id="{D7CCEE71-4E1D-80EE-C01D-A3E72373DE22}"/>
+              </a:ext>
+            </a:extLst>
+          </p:cNvPr>
+          <p:cNvGraphicFramePr>
+            <a:graphicFrameLocks noGrp="1"/>
+          </p:cNvGraphicFramePr>
           <p:nvPr>
             <p:ph idx="1"/>
           </p:nvPr>
-        </p:nvSpPr>
-        <p:spPr/>
-        <p:txBody>
-          <a:bodyPr/>
-          <a:lstStyle/>
-          <a:p>
-            <a:pPr marL="0" indent="0">
-              <a:buNone/>
-            </a:pPr>
-            <a:r>
-              <a:rPr lang="en-US" dirty="0"/>
-              <a:t>Objective 1: Developing the Gaussian processes framework for interpretable dynamical system design</a:t>
-            </a:r>
-          </a:p>
-          <a:p>
-            <a:pPr marL="0" indent="0">
-              <a:buNone/>
-            </a:pPr>
-            <a:r>
-              <a:rPr lang="en-US" dirty="0"/>
-              <a:t>Objective 2: Generate a library of stable microbial communities</a:t>
-            </a:r>
-          </a:p>
-        </p:txBody>
-      </p:sp>
+        </p:nvGraphicFramePr>
+        <p:xfrm>
+          <a:off x="838200" y="1825625"/>
+          <a:ext cx="10515600" cy="4351338"/>
+        </p:xfrm>
+        <a:graphic>
+          <a:graphicData uri="http://schemas.openxmlformats.org/drawingml/2006/diagram">
+            <dgm:relIds xmlns:dgm="http://schemas.openxmlformats.org/drawingml/2006/diagram" xmlns:r="http://schemas.openxmlformats.org/officeDocument/2006/relationships" r:dm="rId3" r:lo="rId4" r:qs="rId5" r:cs="rId6"/>
+          </a:graphicData>
+        </a:graphic>
+      </p:graphicFrame>
     </p:spTree>
     <p:extLst>
       <p:ext uri="{BB962C8B-B14F-4D97-AF65-F5344CB8AC3E}">
@@ -8086,6 +11842,18 @@
   <p:clrMapOvr>
     <a:masterClrMapping/>
   </p:clrMapOvr>
+  <mc:AlternateContent xmlns:mc="http://schemas.openxmlformats.org/markup-compatibility/2006" xmlns:p159="http://schemas.microsoft.com/office/powerpoint/2015/09/main">
+    <mc:Choice Requires="p159">
+      <p:transition xmlns:p14="http://schemas.microsoft.com/office/powerpoint/2010/main" p14:dur="250">
+        <p159:morph option="byObject"/>
+      </p:transition>
+    </mc:Choice>
+    <mc:Fallback xmlns="">
+      <p:transition>
+        <p:fade/>
+      </p:transition>
+    </mc:Fallback>
+  </mc:AlternateContent>
 </p:sld>
 </file>
 
@@ -8133,7 +11901,7 @@
             </a:r>
             <a:r>
               <a:rPr lang="da-DK" dirty="0"/>
-              <a:t>Project Methodology</a:t>
+              <a:t>Project Objectives</a:t>
             </a:r>
             <a:endParaRPr lang="en-US" dirty="0"/>
           </a:p>
@@ -8165,40 +11933,19 @@
             </a:pPr>
             <a:r>
               <a:rPr lang="en-US" dirty="0"/>
-              <a:t>Talk about our part in the grant (designing stable microbial communities)</a:t>
-            </a:r>
-          </a:p>
-          <a:p>
-            <a:pPr marL="0" indent="0">
-              <a:buNone/>
-            </a:pPr>
-            <a:endParaRPr lang="en-US" dirty="0"/>
-          </a:p>
-          <a:p>
-            <a:pPr marL="0" indent="0">
-              <a:buNone/>
-            </a:pPr>
-            <a:r>
-              <a:rPr lang="en-US" dirty="0"/>
-              <a:t>Discuss the "automated statistician" approach</a:t>
-            </a:r>
-          </a:p>
-          <a:p>
-            <a:pPr marL="0" indent="0">
-              <a:buNone/>
-            </a:pPr>
-            <a:r>
-              <a:rPr lang="en-US" dirty="0"/>
-              <a:t>Explain how the approach will be adapted to microbial system design</a:t>
-            </a:r>
-          </a:p>
-          <a:p>
-            <a:pPr marL="0" indent="0">
-              <a:buNone/>
-            </a:pPr>
-            <a:r>
-              <a:rPr lang="en-US" dirty="0"/>
-              <a:t>Discuss the plan to generate a library of stable microbial communities</a:t>
+              <a:t>Objective 1: Developing the Gaussian processes framework for interpretable dynamical system design</a:t>
+            </a:r>
+          </a:p>
+          <a:p>
+            <a:r>
+              <a:rPr lang="en-US" sz="2400" dirty="0"/>
+              <a:t>Adapt the "automated statistician" approach, which finds the best combination of GP covariance functions for non-linear regression.</a:t>
+            </a:r>
+          </a:p>
+          <a:p>
+            <a:r>
+              <a:rPr lang="en-US" sz="2400" dirty="0"/>
+              <a:t>The approach will be adapted to microbial system design by incorporating monotonic flows, developing kernels to capture the correlation between different species, and extending the search procedure to cover communities of up to five species.</a:t>
             </a:r>
           </a:p>
         </p:txBody>
@@ -8206,13 +11953,25 @@
     </p:spTree>
     <p:extLst>
       <p:ext uri="{BB962C8B-B14F-4D97-AF65-F5344CB8AC3E}">
-        <p14:creationId xmlns:p14="http://schemas.microsoft.com/office/powerpoint/2010/main" val="204340509"/>
+        <p14:creationId xmlns:p14="http://schemas.microsoft.com/office/powerpoint/2010/main" val="2233768933"/>
       </p:ext>
     </p:extLst>
   </p:cSld>
   <p:clrMapOvr>
     <a:masterClrMapping/>
   </p:clrMapOvr>
+  <mc:AlternateContent xmlns:mc="http://schemas.openxmlformats.org/markup-compatibility/2006" xmlns:p159="http://schemas.microsoft.com/office/powerpoint/2015/09/main">
+    <mc:Choice Requires="p159">
+      <p:transition xmlns:p14="http://schemas.microsoft.com/office/powerpoint/2010/main" p14:dur="250">
+        <p159:morph option="byObject"/>
+      </p:transition>
+    </mc:Choice>
+    <mc:Fallback xmlns="">
+      <p:transition>
+        <p:fade/>
+      </p:transition>
+    </mc:Fallback>
+  </mc:AlternateContent>
 </p:sld>
 </file>
 

--- a/GPRCommunities.pptx
+++ b/GPRCommunities.pptx
@@ -5,7 +5,7 @@
     <p:sldMasterId id="2147483648" r:id="rId1"/>
   </p:sldMasterIdLst>
   <p:notesMasterIdLst>
-    <p:notesMasterId r:id="rId23"/>
+    <p:notesMasterId r:id="rId24"/>
   </p:notesMasterIdLst>
   <p:sldIdLst>
     <p:sldId id="256" r:id="rId2"/>
@@ -26,9 +26,10 @@
     <p:sldId id="1092" r:id="rId17"/>
     <p:sldId id="259" r:id="rId18"/>
     <p:sldId id="1093" r:id="rId19"/>
-    <p:sldId id="276" r:id="rId20"/>
-    <p:sldId id="277" r:id="rId21"/>
-    <p:sldId id="278" r:id="rId22"/>
+    <p:sldId id="1094" r:id="rId20"/>
+    <p:sldId id="276" r:id="rId21"/>
+    <p:sldId id="277" r:id="rId22"/>
+    <p:sldId id="278" r:id="rId23"/>
   </p:sldIdLst>
   <p:sldSz cx="12192000" cy="6858000"/>
   <p:notesSz cx="6858000" cy="9144000"/>
@@ -2782,7 +2783,7 @@
           <a:p>
             <a:fld id="{C6C72B9D-EF0C-4E16-A6A8-6793C8460034}" type="datetimeFigureOut">
               <a:rPr lang="en-US" smtClean="0"/>
-              <a:t>7/27/2023</a:t>
+              <a:t>8/22/2023</a:t>
             </a:fld>
             <a:endParaRPr lang="en-US"/>
           </a:p>
@@ -3468,6 +3469,105 @@
 </p:notes>
 </file>
 
+<file path=ppt/notesSlides/notesSlide12.xml><?xml version="1.0" encoding="utf-8"?>
+<p:notes xmlns:a="http://schemas.openxmlformats.org/drawingml/2006/main" xmlns:r="http://schemas.openxmlformats.org/officeDocument/2006/relationships" xmlns:p="http://schemas.openxmlformats.org/presentationml/2006/main">
+  <p:cSld>
+    <p:spTree>
+      <p:nvGrpSpPr>
+        <p:cNvPr id="1" name=""/>
+        <p:cNvGrpSpPr/>
+        <p:nvPr/>
+      </p:nvGrpSpPr>
+      <p:grpSpPr>
+        <a:xfrm>
+          <a:off x="0" y="0"/>
+          <a:ext cx="0" cy="0"/>
+          <a:chOff x="0" y="0"/>
+          <a:chExt cx="0" cy="0"/>
+        </a:xfrm>
+      </p:grpSpPr>
+      <p:sp>
+        <p:nvSpPr>
+          <p:cNvPr id="2" name="Slide Image Placeholder 1"/>
+          <p:cNvSpPr>
+            <a:spLocks noGrp="1" noRot="1" noChangeAspect="1"/>
+          </p:cNvSpPr>
+          <p:nvPr>
+            <p:ph type="sldImg"/>
+          </p:nvPr>
+        </p:nvSpPr>
+        <p:spPr/>
+      </p:sp>
+      <p:sp>
+        <p:nvSpPr>
+          <p:cNvPr id="3" name="Notes Placeholder 2"/>
+          <p:cNvSpPr>
+            <a:spLocks noGrp="1"/>
+          </p:cNvSpPr>
+          <p:nvPr>
+            <p:ph type="body" idx="1"/>
+          </p:nvPr>
+        </p:nvSpPr>
+        <p:spPr/>
+        <p:txBody>
+          <a:bodyPr/>
+          <a:lstStyle/>
+          <a:p>
+            <a:r>
+              <a:rPr lang="en-US" dirty="0"/>
+              <a:t>This fits where done as independent fits (meaning, there is a GP regression fit for each curve) instead of doing the 3 simultaneously as done previously.</a:t>
+            </a:r>
+          </a:p>
+          <a:p>
+            <a:endParaRPr lang="en-US" dirty="0"/>
+          </a:p>
+          <a:p>
+            <a:endParaRPr lang="en-US" dirty="0"/>
+          </a:p>
+          <a:p>
+            <a:r>
+              <a:rPr lang="en-US" dirty="0"/>
+              <a:t>USES ALL POINTS instead of sampled (or observed)</a:t>
+            </a:r>
+          </a:p>
+        </p:txBody>
+      </p:sp>
+      <p:sp>
+        <p:nvSpPr>
+          <p:cNvPr id="4" name="Slide Number Placeholder 3"/>
+          <p:cNvSpPr>
+            <a:spLocks noGrp="1"/>
+          </p:cNvSpPr>
+          <p:nvPr>
+            <p:ph type="sldNum" sz="quarter" idx="5"/>
+          </p:nvPr>
+        </p:nvSpPr>
+        <p:spPr/>
+        <p:txBody>
+          <a:bodyPr/>
+          <a:lstStyle/>
+          <a:p>
+            <a:fld id="{225D74A9-7CE9-4F99-8BD2-0D8B6DC14804}" type="slidenum">
+              <a:rPr lang="en-US" smtClean="0"/>
+              <a:t>19</a:t>
+            </a:fld>
+            <a:endParaRPr lang="en-US"/>
+          </a:p>
+        </p:txBody>
+      </p:sp>
+    </p:spTree>
+    <p:extLst>
+      <p:ext uri="{BB962C8B-B14F-4D97-AF65-F5344CB8AC3E}">
+        <p14:creationId xmlns:p14="http://schemas.microsoft.com/office/powerpoint/2010/main" val="123552979"/>
+      </p:ext>
+    </p:extLst>
+  </p:cSld>
+  <p:clrMapOvr>
+    <a:masterClrMapping/>
+  </p:clrMapOvr>
+</p:notes>
+</file>
+
 <file path=ppt/notesSlides/notesSlide2.xml><?xml version="1.0" encoding="utf-8"?>
 <p:notes xmlns:a="http://schemas.openxmlformats.org/drawingml/2006/main" xmlns:r="http://schemas.openxmlformats.org/officeDocument/2006/relationships" xmlns:p="http://schemas.openxmlformats.org/presentationml/2006/main">
   <p:cSld>
@@ -4427,7 +4527,7 @@
           <a:p>
             <a:fld id="{58D99F9D-2103-4E0F-8EC4-FC1F4C4457DE}" type="datetimeFigureOut">
               <a:rPr lang="en-US" smtClean="0"/>
-              <a:t>7/27/2023</a:t>
+              <a:t>8/22/2023</a:t>
             </a:fld>
             <a:endParaRPr lang="en-US"/>
           </a:p>
@@ -4637,7 +4737,7 @@
           <a:p>
             <a:fld id="{58D99F9D-2103-4E0F-8EC4-FC1F4C4457DE}" type="datetimeFigureOut">
               <a:rPr lang="en-US" smtClean="0"/>
-              <a:t>7/27/2023</a:t>
+              <a:t>8/22/2023</a:t>
             </a:fld>
             <a:endParaRPr lang="en-US"/>
           </a:p>
@@ -4857,7 +4957,7 @@
           <a:p>
             <a:fld id="{58D99F9D-2103-4E0F-8EC4-FC1F4C4457DE}" type="datetimeFigureOut">
               <a:rPr lang="en-US" smtClean="0"/>
-              <a:t>7/27/2023</a:t>
+              <a:t>8/22/2023</a:t>
             </a:fld>
             <a:endParaRPr lang="en-US"/>
           </a:p>
@@ -5251,7 +5351,7 @@
           <a:p>
             <a:fld id="{58D99F9D-2103-4E0F-8EC4-FC1F4C4457DE}" type="datetimeFigureOut">
               <a:rPr lang="en-US" smtClean="0"/>
-              <a:t>7/27/2023</a:t>
+              <a:t>8/22/2023</a:t>
             </a:fld>
             <a:endParaRPr lang="en-US"/>
           </a:p>
@@ -5538,7 +5638,7 @@
           <a:p>
             <a:fld id="{58D99F9D-2103-4E0F-8EC4-FC1F4C4457DE}" type="datetimeFigureOut">
               <a:rPr lang="en-US" smtClean="0"/>
-              <a:t>7/27/2023</a:t>
+              <a:t>8/22/2023</a:t>
             </a:fld>
             <a:endParaRPr lang="en-US"/>
           </a:p>
@@ -5815,7 +5915,7 @@
           <a:p>
             <a:fld id="{58D99F9D-2103-4E0F-8EC4-FC1F4C4457DE}" type="datetimeFigureOut">
               <a:rPr lang="en-US" smtClean="0"/>
-              <a:t>7/27/2023</a:t>
+              <a:t>8/22/2023</a:t>
             </a:fld>
             <a:endParaRPr lang="en-US"/>
           </a:p>
@@ -6239,7 +6339,7 @@
           <a:p>
             <a:fld id="{58D99F9D-2103-4E0F-8EC4-FC1F4C4457DE}" type="datetimeFigureOut">
               <a:rPr lang="en-US" smtClean="0"/>
-              <a:t>7/27/2023</a:t>
+              <a:t>8/22/2023</a:t>
             </a:fld>
             <a:endParaRPr lang="en-US"/>
           </a:p>
@@ -6392,7 +6492,7 @@
           <a:p>
             <a:fld id="{58D99F9D-2103-4E0F-8EC4-FC1F4C4457DE}" type="datetimeFigureOut">
               <a:rPr lang="en-US" smtClean="0"/>
-              <a:t>7/27/2023</a:t>
+              <a:t>8/22/2023</a:t>
             </a:fld>
             <a:endParaRPr lang="en-US"/>
           </a:p>
@@ -6517,7 +6617,7 @@
           <a:p>
             <a:fld id="{58D99F9D-2103-4E0F-8EC4-FC1F4C4457DE}" type="datetimeFigureOut">
               <a:rPr lang="en-US" smtClean="0"/>
-              <a:t>7/27/2023</a:t>
+              <a:t>8/22/2023</a:t>
             </a:fld>
             <a:endParaRPr lang="en-US"/>
           </a:p>
@@ -6840,7 +6940,7 @@
           <a:p>
             <a:fld id="{58D99F9D-2103-4E0F-8EC4-FC1F4C4457DE}" type="datetimeFigureOut">
               <a:rPr lang="en-US" smtClean="0"/>
-              <a:t>7/27/2023</a:t>
+              <a:t>8/22/2023</a:t>
             </a:fld>
             <a:endParaRPr lang="en-US"/>
           </a:p>
@@ -7140,7 +7240,7 @@
           <a:p>
             <a:fld id="{58D99F9D-2103-4E0F-8EC4-FC1F4C4457DE}" type="datetimeFigureOut">
               <a:rPr lang="en-US" smtClean="0"/>
-              <a:t>7/27/2023</a:t>
+              <a:t>8/22/2023</a:t>
             </a:fld>
             <a:endParaRPr lang="en-US"/>
           </a:p>
@@ -7393,7 +7493,7 @@
           <a:p>
             <a:fld id="{58D99F9D-2103-4E0F-8EC4-FC1F4C4457DE}" type="datetimeFigureOut">
               <a:rPr lang="en-US" smtClean="0"/>
-              <a:t>7/27/2023</a:t>
+              <a:t>8/22/2023</a:t>
             </a:fld>
             <a:endParaRPr lang="en-US"/>
           </a:p>
@@ -10075,44 +10175,87 @@
           <a:p>
             <a:r>
               <a:rPr lang="en-US" dirty="0"/>
-              <a:t>Add </a:t>
+              <a:t>Simulated General </a:t>
             </a:r>
             <a:r>
               <a:rPr lang="en-US" dirty="0" err="1"/>
-              <a:t>Lotka</a:t>
+              <a:t>Lokta</a:t>
             </a:r>
             <a:r>
               <a:rPr lang="en-US" dirty="0"/>
-              <a:t>-Volterra simulated graphs and math</a:t>
-            </a:r>
-          </a:p>
-        </p:txBody>
-      </p:sp>
-      <p:sp>
-        <p:nvSpPr>
-          <p:cNvPr id="3" name="Content Placeholder 2">
-            <a:extLst>
-              <a:ext uri="{FF2B5EF4-FFF2-40B4-BE49-F238E27FC236}">
-                <a16:creationId xmlns:a16="http://schemas.microsoft.com/office/drawing/2014/main" id="{71D251E8-EB99-CAB4-4B89-F6A4E9BE40CF}"/>
-              </a:ext>
-            </a:extLst>
-          </p:cNvPr>
-          <p:cNvSpPr>
-            <a:spLocks noGrp="1"/>
-          </p:cNvSpPr>
-          <p:nvPr>
-            <p:ph idx="1"/>
-          </p:nvPr>
-        </p:nvSpPr>
-        <p:spPr/>
-        <p:txBody>
-          <a:bodyPr/>
-          <a:lstStyle/>
-          <a:p>
-            <a:endParaRPr lang="en-US"/>
-          </a:p>
-        </p:txBody>
-      </p:sp>
+              <a:t>-Volterra using </a:t>
+            </a:r>
+            <a:r>
+              <a:rPr lang="en-US" dirty="0" err="1"/>
+              <a:t>gLMV</a:t>
+            </a:r>
+            <a:endParaRPr lang="en-US" dirty="0"/>
+          </a:p>
+        </p:txBody>
+      </p:sp>
+      <p:graphicFrame>
+        <p:nvGraphicFramePr>
+          <p:cNvPr id="4" name="Object 3">
+            <a:extLst>
+              <a:ext uri="{FF2B5EF4-FFF2-40B4-BE49-F238E27FC236}">
+                <a16:creationId xmlns:a16="http://schemas.microsoft.com/office/drawing/2014/main" id="{9218A372-BB34-2A7F-B836-1AF75C6645B8}"/>
+              </a:ext>
+            </a:extLst>
+          </p:cNvPr>
+          <p:cNvGraphicFramePr>
+            <a:graphicFrameLocks noChangeAspect="1"/>
+          </p:cNvGraphicFramePr>
+          <p:nvPr>
+            <p:extLst>
+              <p:ext uri="{D42A27DB-BD31-4B8C-83A1-F6EECF244321}">
+                <p14:modId xmlns:p14="http://schemas.microsoft.com/office/powerpoint/2010/main" val="2677026990"/>
+              </p:ext>
+            </p:extLst>
+          </p:nvPr>
+        </p:nvGraphicFramePr>
+        <p:xfrm>
+          <a:off x="237648" y="1690688"/>
+          <a:ext cx="10865056" cy="4074888"/>
+        </p:xfrm>
+        <a:graphic>
+          <a:graphicData uri="http://schemas.openxmlformats.org/presentationml/2006/ole">
+            <mc:AlternateContent xmlns:mc="http://schemas.openxmlformats.org/markup-compatibility/2006">
+              <mc:Choice xmlns:v="urn:schemas-microsoft-com:vml" Requires="v">
+                <p:oleObj name="Acrobat Document" r:id="rId2" imgW="4389120" imgH="1645920" progId="Acrobat.Document.DC">
+                  <p:embed/>
+                </p:oleObj>
+              </mc:Choice>
+              <mc:Fallback>
+                <p:oleObj name="Acrobat Document" r:id="rId2" imgW="4389120" imgH="1645920" progId="Acrobat.Document.DC">
+                  <p:embed/>
+                  <p:pic>
+                    <p:nvPicPr>
+                      <p:cNvPr id="0" name=""/>
+                      <p:cNvPicPr/>
+                      <p:nvPr/>
+                    </p:nvPicPr>
+                    <p:blipFill>
+                      <a:blip r:embed="rId3"/>
+                      <a:stretch>
+                        <a:fillRect/>
+                      </a:stretch>
+                    </p:blipFill>
+                    <p:spPr>
+                      <a:xfrm>
+                        <a:off x="237648" y="1690688"/>
+                        <a:ext cx="10865056" cy="4074888"/>
+                      </a:xfrm>
+                      <a:prstGeom prst="rect">
+                        <a:avLst/>
+                      </a:prstGeom>
+                    </p:spPr>
+                  </p:pic>
+                </p:oleObj>
+              </mc:Fallback>
+            </mc:AlternateContent>
+          </a:graphicData>
+        </a:graphic>
+      </p:graphicFrame>
     </p:spTree>
     <p:extLst>
       <p:ext uri="{BB962C8B-B14F-4D97-AF65-F5344CB8AC3E}">
@@ -10163,12 +10306,12 @@
           <a:chExt cx="0" cy="0"/>
         </a:xfrm>
       </p:grpSpPr>
-      <p:sp useBgFill="1">
-        <p:nvSpPr>
-          <p:cNvPr id="17" name="Rectangle 16">
-            <a:extLst>
-              <a:ext uri="{FF2B5EF4-FFF2-40B4-BE49-F238E27FC236}">
-                <a16:creationId xmlns:a16="http://schemas.microsoft.com/office/drawing/2014/main" id="{955A2079-FA98-4876-80F0-72364A7D2EA4}"/>
+      <p:sp>
+        <p:nvSpPr>
+          <p:cNvPr id="14" name="Rectangle 13">
+            <a:extLst>
+              <a:ext uri="{FF2B5EF4-FFF2-40B4-BE49-F238E27FC236}">
+                <a16:creationId xmlns:a16="http://schemas.microsoft.com/office/drawing/2014/main" id="{4845A0EE-C4C8-4AE1-B3C6-1261368AC036}"/>
               </a:ext>
               <a:ext uri="{C183D7F6-B498-43B3-948B-1728B52AA6E4}">
                 <adec:decorative xmlns:adec="http://schemas.microsoft.com/office/drawing/2017/decorative" val="1"/>
@@ -10188,12 +10331,15 @@
         </p:nvSpPr>
         <p:spPr>
           <a:xfrm>
-            <a:off x="-1" y="0"/>
-            <a:ext cx="12188952" cy="6858000"/>
+            <a:off x="0" y="0"/>
+            <a:ext cx="5468548" cy="6858000"/>
           </a:xfrm>
           <a:prstGeom prst="rect">
             <a:avLst/>
           </a:prstGeom>
+          <a:solidFill>
+            <a:schemeClr val="accent1"/>
+          </a:solidFill>
           <a:ln>
             <a:noFill/>
           </a:ln>
@@ -10223,26 +10369,133 @@
           </a:p>
         </p:txBody>
       </p:sp>
-      <p:sp>
-        <p:nvSpPr>
-          <p:cNvPr id="2" name="Title 1">
-            <a:extLst>
-              <a:ext uri="{FF2B5EF4-FFF2-40B4-BE49-F238E27FC236}">
-                <a16:creationId xmlns:a16="http://schemas.microsoft.com/office/drawing/2014/main" id="{2617A193-7178-73EB-C19E-B1ADDD6EAE4F}"/>
-              </a:ext>
-            </a:extLst>
-          </p:cNvPr>
-          <p:cNvSpPr>
-            <a:spLocks noGrp="1"/>
-          </p:cNvSpPr>
-          <p:nvPr>
-            <p:ph type="title"/>
-          </p:nvPr>
-        </p:nvSpPr>
+      <p:pic>
+        <p:nvPicPr>
+          <p:cNvPr id="7" name="Picture 6" descr="A graph of a curve&#10;&#10;Description automatically generated">
+            <a:extLst>
+              <a:ext uri="{FF2B5EF4-FFF2-40B4-BE49-F238E27FC236}">
+                <a16:creationId xmlns:a16="http://schemas.microsoft.com/office/drawing/2014/main" id="{F46D3C37-541A-994C-163D-BD8279A97CEC}"/>
+              </a:ext>
+            </a:extLst>
+          </p:cNvPr>
+          <p:cNvPicPr>
+            <a:picLocks noChangeAspect="1"/>
+          </p:cNvPicPr>
+          <p:nvPr/>
+        </p:nvPicPr>
+        <p:blipFill>
+          <a:blip r:embed="rId3">
+            <a:extLst>
+              <a:ext uri="{28A0092B-C50C-407E-A947-70E740481C1C}">
+                <a14:useLocalDpi xmlns:a14="http://schemas.microsoft.com/office/drawing/2010/main" val="0"/>
+              </a:ext>
+            </a:extLst>
+          </a:blip>
+          <a:stretch>
+            <a:fillRect/>
+          </a:stretch>
+        </p:blipFill>
         <p:spPr>
           <a:xfrm>
-            <a:off x="838200" y="557188"/>
-            <a:ext cx="10515600" cy="1133499"/>
+            <a:off x="6096000" y="695325"/>
+            <a:ext cx="5459413" cy="1778000"/>
+          </a:xfrm>
+          <a:prstGeom prst="rect">
+            <a:avLst/>
+          </a:prstGeom>
+        </p:spPr>
+      </p:pic>
+      <p:pic>
+        <p:nvPicPr>
+          <p:cNvPr id="9" name="Picture 8" descr="A blue line graph with white background&#10;&#10;Description automatically generated">
+            <a:extLst>
+              <a:ext uri="{FF2B5EF4-FFF2-40B4-BE49-F238E27FC236}">
+                <a16:creationId xmlns:a16="http://schemas.microsoft.com/office/drawing/2014/main" id="{0430EF0F-5336-317D-3F83-8A4A97253D92}"/>
+              </a:ext>
+            </a:extLst>
+          </p:cNvPr>
+          <p:cNvPicPr>
+            <a:picLocks noChangeAspect="1"/>
+          </p:cNvPicPr>
+          <p:nvPr/>
+        </p:nvPicPr>
+        <p:blipFill>
+          <a:blip r:embed="rId4">
+            <a:extLst>
+              <a:ext uri="{28A0092B-C50C-407E-A947-70E740481C1C}">
+                <a14:useLocalDpi xmlns:a14="http://schemas.microsoft.com/office/drawing/2010/main" val="0"/>
+              </a:ext>
+            </a:extLst>
+          </a:blip>
+          <a:stretch>
+            <a:fillRect/>
+          </a:stretch>
+        </p:blipFill>
+        <p:spPr>
+          <a:xfrm>
+            <a:off x="6096000" y="2540000"/>
+            <a:ext cx="5459413" cy="1778000"/>
+          </a:xfrm>
+          <a:prstGeom prst="rect">
+            <a:avLst/>
+          </a:prstGeom>
+        </p:spPr>
+      </p:pic>
+      <p:pic>
+        <p:nvPicPr>
+          <p:cNvPr id="5" name="Content Placeholder 4" descr="A blue line graph on a white background&#10;&#10;Description automatically generated">
+            <a:extLst>
+              <a:ext uri="{FF2B5EF4-FFF2-40B4-BE49-F238E27FC236}">
+                <a16:creationId xmlns:a16="http://schemas.microsoft.com/office/drawing/2014/main" id="{B0B726B7-2A48-C51B-81C1-4AC5E6C5B6C9}"/>
+              </a:ext>
+            </a:extLst>
+          </p:cNvPr>
+          <p:cNvPicPr>
+            <a:picLocks noGrp="1" noChangeAspect="1"/>
+          </p:cNvPicPr>
+          <p:nvPr>
+            <p:ph idx="1"/>
+          </p:nvPr>
+        </p:nvPicPr>
+        <p:blipFill>
+          <a:blip r:embed="rId5">
+            <a:extLst>
+              <a:ext uri="{28A0092B-C50C-407E-A947-70E740481C1C}">
+                <a14:useLocalDpi xmlns:a14="http://schemas.microsoft.com/office/drawing/2010/main" val="0"/>
+              </a:ext>
+            </a:extLst>
+          </a:blip>
+          <a:stretch>
+            <a:fillRect/>
+          </a:stretch>
+        </p:blipFill>
+        <p:spPr>
+          <a:xfrm>
+            <a:off x="6096000" y="4383088"/>
+            <a:ext cx="5459413" cy="1778000"/>
+          </a:xfrm>
+        </p:spPr>
+      </p:pic>
+      <p:sp>
+        <p:nvSpPr>
+          <p:cNvPr id="2" name="Title 1">
+            <a:extLst>
+              <a:ext uri="{FF2B5EF4-FFF2-40B4-BE49-F238E27FC236}">
+                <a16:creationId xmlns:a16="http://schemas.microsoft.com/office/drawing/2014/main" id="{AF6A2F2D-BBBB-2434-F614-FAEEFE189873}"/>
+              </a:ext>
+            </a:extLst>
+          </p:cNvPr>
+          <p:cNvSpPr>
+            <a:spLocks noGrp="1"/>
+          </p:cNvSpPr>
+          <p:nvPr>
+            <p:ph type="title"/>
+          </p:nvPr>
+        </p:nvSpPr>
+        <p:spPr>
+          <a:xfrm>
+            <a:off x="621629" y="640080"/>
+            <a:ext cx="4225290" cy="5578816"/>
           </a:xfrm>
         </p:spPr>
         <p:txBody>
@@ -10253,452 +10506,45 @@
           <a:p>
             <a:pPr algn="ctr"/>
             <a:r>
-              <a:rPr lang="en-US" sz="5200" kern="1200">
+              <a:rPr lang="en-US" kern="1200" dirty="0">
                 <a:solidFill>
-                  <a:schemeClr val="tx1"/>
+                  <a:srgbClr val="FFFFFF"/>
                 </a:solidFill>
                 <a:latin typeface="+mj-lt"/>
                 <a:ea typeface="+mj-ea"/>
                 <a:cs typeface="+mj-cs"/>
               </a:rPr>
-              <a:t>Other Questions</a:t>
-            </a:r>
-          </a:p>
-        </p:txBody>
-      </p:sp>
-      <p:sp>
-        <p:nvSpPr>
-          <p:cNvPr id="4" name="TextBox 3">
-            <a:extLst>
-              <a:ext uri="{FF2B5EF4-FFF2-40B4-BE49-F238E27FC236}">
-                <a16:creationId xmlns:a16="http://schemas.microsoft.com/office/drawing/2014/main" id="{D6F3A9FC-00C6-1BE2-569D-9DEBAAED829D}"/>
-              </a:ext>
-            </a:extLst>
-          </p:cNvPr>
-          <p:cNvSpPr txBox="1"/>
-          <p:nvPr/>
-        </p:nvSpPr>
-        <p:spPr>
-          <a:xfrm>
-            <a:off x="1093210" y="4310465"/>
-            <a:ext cx="3848079" cy="1583767"/>
-          </a:xfrm>
-          <a:prstGeom prst="rect">
-            <a:avLst/>
-          </a:prstGeom>
-          <a:noFill/>
-        </p:spPr>
-        <p:txBody>
-          <a:bodyPr wrap="square">
-            <a:spAutoFit/>
-          </a:bodyPr>
-          <a:lstStyle/>
-          <a:p>
-            <a:pPr defTabSz="969264">
-              <a:spcAft>
-                <a:spcPts val="600"/>
-              </a:spcAft>
-            </a:pPr>
-            <a:r>
-              <a:rPr lang="en-US" sz="2968" kern="1200" err="1">
+              <a:t>GP fitting using </a:t>
+            </a:r>
+            <a:r>
+              <a:rPr lang="en-US" kern="1200" dirty="0" err="1">
                 <a:solidFill>
-                  <a:schemeClr val="tx1"/>
-                </a:solidFill>
-                <a:latin typeface="+mn-lt"/>
-                <a:ea typeface="+mn-ea"/>
-                <a:cs typeface="+mn-cs"/>
-              </a:rPr>
-              <a:t>Scipy</a:t>
-            </a:r>
-            <a:r>
-              <a:rPr lang="en-US" sz="2968" kern="1200">
-                <a:solidFill>
-                  <a:schemeClr val="tx1"/>
-                </a:solidFill>
-                <a:latin typeface="+mn-lt"/>
-                <a:ea typeface="+mn-ea"/>
-                <a:cs typeface="+mn-cs"/>
-              </a:rPr>
-              <a:t>* vs. </a:t>
-            </a:r>
-            <a:r>
-              <a:rPr lang="en-US" sz="2968" kern="1200" err="1">
-                <a:solidFill>
-                  <a:schemeClr val="tx1"/>
-                </a:solidFill>
-                <a:latin typeface="+mn-lt"/>
-                <a:ea typeface="+mn-ea"/>
-                <a:cs typeface="+mn-cs"/>
-              </a:rPr>
-              <a:t>lmfit</a:t>
-            </a:r>
-            <a:endParaRPr lang="en-US" sz="2968" kern="1200">
-              <a:solidFill>
-                <a:schemeClr val="tx1"/>
-              </a:solidFill>
-              <a:latin typeface="+mn-lt"/>
-              <a:ea typeface="+mn-ea"/>
-              <a:cs typeface="+mn-cs"/>
-            </a:endParaRPr>
-          </a:p>
-          <a:p>
-            <a:pPr defTabSz="969264">
-              <a:spcAft>
-                <a:spcPts val="600"/>
-              </a:spcAft>
-            </a:pPr>
-            <a:endParaRPr lang="en-US" sz="1908" kern="1200">
-              <a:solidFill>
-                <a:schemeClr val="tx1"/>
-              </a:solidFill>
-              <a:latin typeface="+mn-lt"/>
-              <a:ea typeface="+mn-ea"/>
-              <a:cs typeface="+mn-cs"/>
-            </a:endParaRPr>
-          </a:p>
-          <a:p>
-            <a:pPr defTabSz="969264">
-              <a:spcAft>
-                <a:spcPts val="600"/>
-              </a:spcAft>
-            </a:pPr>
-            <a:r>
-              <a:rPr lang="en-US" sz="1908" kern="1200">
-                <a:solidFill>
-                  <a:schemeClr val="tx1"/>
-                </a:solidFill>
-                <a:latin typeface="+mn-lt"/>
-                <a:ea typeface="+mn-ea"/>
-                <a:cs typeface="+mn-cs"/>
-              </a:rPr>
-              <a:t>*Currently using </a:t>
-            </a:r>
-            <a:r>
-              <a:rPr lang="en-US" sz="1908" kern="1200" err="1">
-                <a:solidFill>
-                  <a:schemeClr val="tx1"/>
-                </a:solidFill>
-                <a:latin typeface="+mn-lt"/>
-                <a:ea typeface="+mn-ea"/>
-                <a:cs typeface="+mn-cs"/>
-              </a:rPr>
-              <a:t>scipy’s</a:t>
-            </a:r>
-            <a:r>
-              <a:rPr lang="en-US" sz="1908" kern="1200">
-                <a:solidFill>
-                  <a:schemeClr val="tx1"/>
-                </a:solidFill>
-                <a:latin typeface="+mn-lt"/>
-                <a:ea typeface="+mn-ea"/>
-                <a:cs typeface="+mn-cs"/>
-              </a:rPr>
-              <a:t> minimize optimization using L-BFGS-B method</a:t>
-            </a:r>
-            <a:endParaRPr lang="en-US"/>
-          </a:p>
-        </p:txBody>
-      </p:sp>
-      <p:sp>
-        <p:nvSpPr>
-          <p:cNvPr id="3" name="Title 1">
-            <a:extLst>
-              <a:ext uri="{FF2B5EF4-FFF2-40B4-BE49-F238E27FC236}">
-                <a16:creationId xmlns:a16="http://schemas.microsoft.com/office/drawing/2014/main" id="{80D1F6D3-B57C-2852-E06F-C6532DB5225B}"/>
-              </a:ext>
-            </a:extLst>
-          </p:cNvPr>
-          <p:cNvSpPr txBox="1">
-            <a:spLocks/>
-          </p:cNvSpPr>
-          <p:nvPr/>
-        </p:nvSpPr>
-        <p:spPr>
-          <a:xfrm>
-            <a:off x="6762705" y="2617786"/>
-            <a:ext cx="4531928" cy="1622428"/>
-          </a:xfrm>
-          <a:prstGeom prst="rect">
-            <a:avLst/>
-          </a:prstGeom>
-        </p:spPr>
-        <p:txBody>
-          <a:bodyPr vert="horz" lIns="91440" tIns="45720" rIns="91440" bIns="45720" rtlCol="0" anchor="ctr">
-            <a:normAutofit/>
-          </a:bodyPr>
-          <a:lstStyle>
-            <a:lvl1pPr algn="l" defTabSz="914400" rtl="0" eaLnBrk="1" latinLnBrk="0" hangingPunct="1">
-              <a:lnSpc>
-                <a:spcPct val="90000"/>
-              </a:lnSpc>
-              <a:spcBef>
-                <a:spcPct val="0"/>
-              </a:spcBef>
-              <a:buNone/>
-              <a:defRPr sz="4400" kern="1200">
-                <a:solidFill>
-                  <a:schemeClr val="tx1"/>
+                  <a:srgbClr val="FFFFFF"/>
                 </a:solidFill>
                 <a:latin typeface="+mj-lt"/>
                 <a:ea typeface="+mj-ea"/>
                 <a:cs typeface="+mj-cs"/>
-              </a:defRPr>
-            </a:lvl1pPr>
-          </a:lstStyle>
-          <a:p>
-            <a:pPr defTabSz="969264">
-              <a:spcAft>
-                <a:spcPts val="600"/>
-              </a:spcAft>
-            </a:pPr>
-            <a:r>
-              <a:rPr lang="en-US" sz="2800" kern="1200" dirty="0">
+              </a:rPr>
+              <a:t>gMLV</a:t>
+            </a:r>
+            <a:r>
+              <a:rPr lang="en-US" kern="1200" dirty="0">
                 <a:solidFill>
-                  <a:schemeClr val="tx1"/>
+                  <a:srgbClr val="FFFFFF"/>
                 </a:solidFill>
-                <a:latin typeface="+mn-lt"/>
+                <a:latin typeface="+mj-lt"/>
                 <a:ea typeface="+mj-ea"/>
                 <a:cs typeface="+mj-cs"/>
               </a:rPr>
-              <a:t>Likelihoods</a:t>
-            </a:r>
-            <a:endParaRPr lang="en-US" sz="2800" dirty="0">
-              <a:latin typeface="+mn-lt"/>
-            </a:endParaRPr>
-          </a:p>
-        </p:txBody>
-      </p:sp>
-      <p:sp>
-        <p:nvSpPr>
-          <p:cNvPr id="8" name="TextBox 7">
-            <a:extLst>
-              <a:ext uri="{FF2B5EF4-FFF2-40B4-BE49-F238E27FC236}">
-                <a16:creationId xmlns:a16="http://schemas.microsoft.com/office/drawing/2014/main" id="{68606E23-38DE-8241-B244-206FDE28A128}"/>
-              </a:ext>
-            </a:extLst>
-          </p:cNvPr>
-          <p:cNvSpPr txBox="1"/>
-          <p:nvPr/>
-        </p:nvSpPr>
-        <p:spPr>
-          <a:xfrm>
-            <a:off x="6555876" y="4190421"/>
-            <a:ext cx="3995641" cy="756489"/>
-          </a:xfrm>
-          <a:prstGeom prst="rect">
-            <a:avLst/>
-          </a:prstGeom>
-          <a:noFill/>
-        </p:spPr>
-        <p:txBody>
-          <a:bodyPr wrap="square">
-            <a:spAutoFit/>
-          </a:bodyPr>
-          <a:lstStyle/>
-          <a:p>
-            <a:pPr defTabSz="969264">
-              <a:spcAft>
-                <a:spcPts val="600"/>
-              </a:spcAft>
-            </a:pPr>
-            <a:r>
-              <a:rPr lang="en-US" sz="1908" kern="1200" err="1">
-                <a:solidFill>
-                  <a:srgbClr val="E5C07B"/>
-                </a:solidFill>
-                <a:latin typeface="Consolas" panose="020B0609020204030204" pitchFamily="49" charset="0"/>
-                <a:ea typeface="+mn-ea"/>
-                <a:cs typeface="+mn-cs"/>
-              </a:rPr>
-              <a:t>gpf</a:t>
-            </a:r>
-            <a:r>
-              <a:rPr lang="en-US" sz="1908" kern="1200" err="1">
-                <a:solidFill>
-                  <a:srgbClr val="ABB2BF"/>
-                </a:solidFill>
-                <a:latin typeface="Consolas" panose="020B0609020204030204" pitchFamily="49" charset="0"/>
-                <a:ea typeface="+mn-ea"/>
-                <a:cs typeface="+mn-cs"/>
-              </a:rPr>
-              <a:t>.</a:t>
-            </a:r>
-            <a:r>
-              <a:rPr lang="en-US" sz="1908" kern="1200" err="1">
-                <a:solidFill>
-                  <a:srgbClr val="E5C07B"/>
-                </a:solidFill>
-                <a:latin typeface="Consolas" panose="020B0609020204030204" pitchFamily="49" charset="0"/>
-                <a:ea typeface="+mn-ea"/>
-                <a:cs typeface="+mn-cs"/>
-              </a:rPr>
-              <a:t>likelihoods</a:t>
-            </a:r>
-            <a:r>
-              <a:rPr lang="en-US" sz="1908" kern="1200" err="1">
-                <a:solidFill>
-                  <a:srgbClr val="ABB2BF"/>
-                </a:solidFill>
-                <a:latin typeface="Consolas" panose="020B0609020204030204" pitchFamily="49" charset="0"/>
-                <a:ea typeface="+mn-ea"/>
-                <a:cs typeface="+mn-cs"/>
-              </a:rPr>
-              <a:t>.</a:t>
-            </a:r>
-            <a:r>
-              <a:rPr lang="en-US" sz="1908" kern="1200" err="1">
-                <a:solidFill>
-                  <a:srgbClr val="E5C07B"/>
-                </a:solidFill>
-                <a:latin typeface="Consolas" panose="020B0609020204030204" pitchFamily="49" charset="0"/>
-                <a:ea typeface="+mn-ea"/>
-                <a:cs typeface="+mn-cs"/>
-              </a:rPr>
-              <a:t>Gaussian</a:t>
-            </a:r>
-            <a:endParaRPr lang="en-US" sz="1908" kern="1200">
-              <a:solidFill>
-                <a:srgbClr val="E5C07B"/>
-              </a:solidFill>
-              <a:latin typeface="Consolas" panose="020B0609020204030204" pitchFamily="49" charset="0"/>
-              <a:ea typeface="+mn-ea"/>
-              <a:cs typeface="+mn-cs"/>
-            </a:endParaRPr>
-          </a:p>
-          <a:p>
-            <a:pPr defTabSz="969264">
-              <a:spcAft>
-                <a:spcPts val="600"/>
-              </a:spcAft>
-            </a:pPr>
-            <a:r>
-              <a:rPr lang="en-US" sz="1908" kern="1200" err="1">
-                <a:solidFill>
-                  <a:srgbClr val="E5C07B"/>
-                </a:solidFill>
-                <a:latin typeface="Consolas" panose="020B0609020204030204" pitchFamily="49" charset="0"/>
-                <a:ea typeface="+mn-ea"/>
-                <a:cs typeface="+mn-cs"/>
-              </a:rPr>
-              <a:t>gpf</a:t>
-            </a:r>
-            <a:r>
-              <a:rPr lang="en-US" sz="1908" kern="1200" err="1">
-                <a:solidFill>
-                  <a:srgbClr val="ABB2BF"/>
-                </a:solidFill>
-                <a:latin typeface="Consolas" panose="020B0609020204030204" pitchFamily="49" charset="0"/>
-                <a:ea typeface="+mn-ea"/>
-                <a:cs typeface="+mn-cs"/>
-              </a:rPr>
-              <a:t>.</a:t>
-            </a:r>
-            <a:r>
-              <a:rPr lang="en-US" sz="1908" kern="1200" err="1">
-                <a:solidFill>
-                  <a:srgbClr val="E5C07B"/>
-                </a:solidFill>
-                <a:latin typeface="Consolas" panose="020B0609020204030204" pitchFamily="49" charset="0"/>
-                <a:ea typeface="+mn-ea"/>
-                <a:cs typeface="+mn-cs"/>
-              </a:rPr>
-              <a:t>likelihoods</a:t>
-            </a:r>
-            <a:r>
-              <a:rPr lang="en-US" sz="1908" kern="1200" err="1">
-                <a:solidFill>
-                  <a:srgbClr val="ABB2BF"/>
-                </a:solidFill>
-                <a:latin typeface="Consolas" panose="020B0609020204030204" pitchFamily="49" charset="0"/>
-                <a:ea typeface="+mn-ea"/>
-                <a:cs typeface="+mn-cs"/>
-              </a:rPr>
-              <a:t>.</a:t>
-            </a:r>
-            <a:r>
-              <a:rPr lang="en-US" sz="1908" kern="1200" err="1">
-                <a:solidFill>
-                  <a:srgbClr val="E5C07B"/>
-                </a:solidFill>
-                <a:latin typeface="Consolas" panose="020B0609020204030204" pitchFamily="49" charset="0"/>
-                <a:ea typeface="+mn-ea"/>
-                <a:cs typeface="+mn-cs"/>
-              </a:rPr>
-              <a:t>StudentT</a:t>
-            </a:r>
-            <a:r>
-              <a:rPr lang="en-US" sz="1908" kern="1200">
-                <a:solidFill>
-                  <a:srgbClr val="ABB2BF"/>
-                </a:solidFill>
-                <a:latin typeface="Consolas" panose="020B0609020204030204" pitchFamily="49" charset="0"/>
-                <a:ea typeface="+mn-ea"/>
-                <a:cs typeface="+mn-cs"/>
-              </a:rPr>
-              <a:t>?</a:t>
-            </a:r>
-            <a:endParaRPr lang="en-US" b="0">
-              <a:solidFill>
-                <a:srgbClr val="ABB2BF"/>
-              </a:solidFill>
-              <a:effectLst/>
-              <a:latin typeface="Consolas" panose="020B0609020204030204" pitchFamily="49" charset="0"/>
-            </a:endParaRPr>
-          </a:p>
-        </p:txBody>
-      </p:sp>
-      <p:sp>
-        <p:nvSpPr>
-          <p:cNvPr id="12" name="TextBox 11">
-            <a:extLst>
-              <a:ext uri="{FF2B5EF4-FFF2-40B4-BE49-F238E27FC236}">
-                <a16:creationId xmlns:a16="http://schemas.microsoft.com/office/drawing/2014/main" id="{C972326A-7A55-FCA2-7517-F08F3CB0E3A3}"/>
-              </a:ext>
-            </a:extLst>
-          </p:cNvPr>
-          <p:cNvSpPr txBox="1"/>
-          <p:nvPr/>
-        </p:nvSpPr>
-        <p:spPr>
-          <a:xfrm>
-            <a:off x="785672" y="3124144"/>
-            <a:ext cx="4584457" cy="954107"/>
-          </a:xfrm>
-          <a:prstGeom prst="rect">
-            <a:avLst/>
-          </a:prstGeom>
-          <a:noFill/>
-        </p:spPr>
-        <p:txBody>
-          <a:bodyPr wrap="square" rtlCol="0">
-            <a:spAutoFit/>
-          </a:bodyPr>
-          <a:lstStyle/>
-          <a:p>
-            <a:pPr defTabSz="969264">
-              <a:spcAft>
-                <a:spcPts val="600"/>
-              </a:spcAft>
-            </a:pPr>
-            <a:r>
-              <a:rPr lang="en-US" sz="2800" kern="1200" dirty="0">
-                <a:solidFill>
-                  <a:schemeClr val="tx1"/>
-                </a:solidFill>
-                <a:latin typeface="+mn-lt"/>
-                <a:ea typeface="+mn-ea"/>
-                <a:cs typeface="+mn-cs"/>
-              </a:rPr>
-              <a:t>Testing different optimization packages/algorithms</a:t>
-            </a:r>
-            <a:endParaRPr lang="en-US" sz="2800" dirty="0"/>
+              <a:t> simulations</a:t>
+            </a:r>
           </a:p>
         </p:txBody>
       </p:sp>
     </p:spTree>
     <p:extLst>
       <p:ext uri="{BB962C8B-B14F-4D97-AF65-F5344CB8AC3E}">
-        <p14:creationId xmlns:p14="http://schemas.microsoft.com/office/powerpoint/2010/main" val="640580833"/>
+        <p14:creationId xmlns:p14="http://schemas.microsoft.com/office/powerpoint/2010/main" val="2400161002"/>
       </p:ext>
     </p:extLst>
   </p:cSld>
@@ -10866,6 +10712,588 @@
       </p:grpSpPr>
       <p:sp useBgFill="1">
         <p:nvSpPr>
+          <p:cNvPr id="17" name="Rectangle 16">
+            <a:extLst>
+              <a:ext uri="{FF2B5EF4-FFF2-40B4-BE49-F238E27FC236}">
+                <a16:creationId xmlns:a16="http://schemas.microsoft.com/office/drawing/2014/main" id="{955A2079-FA98-4876-80F0-72364A7D2EA4}"/>
+              </a:ext>
+              <a:ext uri="{C183D7F6-B498-43B3-948B-1728B52AA6E4}">
+                <adec:decorative xmlns:adec="http://schemas.microsoft.com/office/drawing/2017/decorative" val="1"/>
+              </a:ext>
+            </a:extLst>
+          </p:cNvPr>
+          <p:cNvSpPr>
+            <a:spLocks noGrp="1" noRot="1" noChangeAspect="1" noMove="1" noResize="1" noEditPoints="1" noAdjustHandles="1" noChangeArrowheads="1" noChangeShapeType="1" noTextEdit="1"/>
+          </p:cNvSpPr>
+          <p:nvPr>
+            <p:extLst>
+              <p:ext uri="{386F3935-93C4-4BCD-93E2-E3B085C9AB24}">
+                <p16:designElem xmlns:p16="http://schemas.microsoft.com/office/powerpoint/2015/main" val="1"/>
+              </p:ext>
+            </p:extLst>
+          </p:nvPr>
+        </p:nvSpPr>
+        <p:spPr>
+          <a:xfrm>
+            <a:off x="-1" y="0"/>
+            <a:ext cx="12188952" cy="6858000"/>
+          </a:xfrm>
+          <a:prstGeom prst="rect">
+            <a:avLst/>
+          </a:prstGeom>
+          <a:ln>
+            <a:noFill/>
+          </a:ln>
+        </p:spPr>
+        <p:style>
+          <a:lnRef idx="2">
+            <a:schemeClr val="accent1">
+              <a:shade val="50000"/>
+            </a:schemeClr>
+          </a:lnRef>
+          <a:fillRef idx="1">
+            <a:schemeClr val="accent1"/>
+          </a:fillRef>
+          <a:effectRef idx="0">
+            <a:schemeClr val="accent1"/>
+          </a:effectRef>
+          <a:fontRef idx="minor">
+            <a:schemeClr val="lt1"/>
+          </a:fontRef>
+        </p:style>
+        <p:txBody>
+          <a:bodyPr rtlCol="0" anchor="ctr"/>
+          <a:lstStyle/>
+          <a:p>
+            <a:pPr algn="ctr"/>
+            <a:endParaRPr lang="en-US"/>
+          </a:p>
+        </p:txBody>
+      </p:sp>
+      <p:sp>
+        <p:nvSpPr>
+          <p:cNvPr id="2" name="Title 1">
+            <a:extLst>
+              <a:ext uri="{FF2B5EF4-FFF2-40B4-BE49-F238E27FC236}">
+                <a16:creationId xmlns:a16="http://schemas.microsoft.com/office/drawing/2014/main" id="{2617A193-7178-73EB-C19E-B1ADDD6EAE4F}"/>
+              </a:ext>
+            </a:extLst>
+          </p:cNvPr>
+          <p:cNvSpPr>
+            <a:spLocks noGrp="1"/>
+          </p:cNvSpPr>
+          <p:nvPr>
+            <p:ph type="title"/>
+          </p:nvPr>
+        </p:nvSpPr>
+        <p:spPr>
+          <a:xfrm>
+            <a:off x="838200" y="557188"/>
+            <a:ext cx="10515600" cy="1133499"/>
+          </a:xfrm>
+        </p:spPr>
+        <p:txBody>
+          <a:bodyPr vert="horz" lIns="91440" tIns="45720" rIns="91440" bIns="45720" rtlCol="0" anchor="ctr">
+            <a:normAutofit/>
+          </a:bodyPr>
+          <a:lstStyle/>
+          <a:p>
+            <a:pPr algn="ctr"/>
+            <a:r>
+              <a:rPr lang="en-US" sz="5200" kern="1200">
+                <a:solidFill>
+                  <a:schemeClr val="tx1"/>
+                </a:solidFill>
+                <a:latin typeface="+mj-lt"/>
+                <a:ea typeface="+mj-ea"/>
+                <a:cs typeface="+mj-cs"/>
+              </a:rPr>
+              <a:t>Other Questions</a:t>
+            </a:r>
+          </a:p>
+        </p:txBody>
+      </p:sp>
+      <p:sp>
+        <p:nvSpPr>
+          <p:cNvPr id="4" name="TextBox 3">
+            <a:extLst>
+              <a:ext uri="{FF2B5EF4-FFF2-40B4-BE49-F238E27FC236}">
+                <a16:creationId xmlns:a16="http://schemas.microsoft.com/office/drawing/2014/main" id="{D6F3A9FC-00C6-1BE2-569D-9DEBAAED829D}"/>
+              </a:ext>
+            </a:extLst>
+          </p:cNvPr>
+          <p:cNvSpPr txBox="1"/>
+          <p:nvPr/>
+        </p:nvSpPr>
+        <p:spPr>
+          <a:xfrm>
+            <a:off x="1093210" y="4310465"/>
+            <a:ext cx="3848079" cy="1583767"/>
+          </a:xfrm>
+          <a:prstGeom prst="rect">
+            <a:avLst/>
+          </a:prstGeom>
+          <a:noFill/>
+        </p:spPr>
+        <p:txBody>
+          <a:bodyPr wrap="square">
+            <a:spAutoFit/>
+          </a:bodyPr>
+          <a:lstStyle/>
+          <a:p>
+            <a:pPr defTabSz="969264">
+              <a:spcAft>
+                <a:spcPts val="600"/>
+              </a:spcAft>
+            </a:pPr>
+            <a:r>
+              <a:rPr lang="en-US" sz="2968" kern="1200" err="1">
+                <a:solidFill>
+                  <a:schemeClr val="tx1"/>
+                </a:solidFill>
+                <a:latin typeface="+mn-lt"/>
+                <a:ea typeface="+mn-ea"/>
+                <a:cs typeface="+mn-cs"/>
+              </a:rPr>
+              <a:t>Scipy</a:t>
+            </a:r>
+            <a:r>
+              <a:rPr lang="en-US" sz="2968" kern="1200">
+                <a:solidFill>
+                  <a:schemeClr val="tx1"/>
+                </a:solidFill>
+                <a:latin typeface="+mn-lt"/>
+                <a:ea typeface="+mn-ea"/>
+                <a:cs typeface="+mn-cs"/>
+              </a:rPr>
+              <a:t>* vs. </a:t>
+            </a:r>
+            <a:r>
+              <a:rPr lang="en-US" sz="2968" kern="1200" err="1">
+                <a:solidFill>
+                  <a:schemeClr val="tx1"/>
+                </a:solidFill>
+                <a:latin typeface="+mn-lt"/>
+                <a:ea typeface="+mn-ea"/>
+                <a:cs typeface="+mn-cs"/>
+              </a:rPr>
+              <a:t>lmfit</a:t>
+            </a:r>
+            <a:endParaRPr lang="en-US" sz="2968" kern="1200">
+              <a:solidFill>
+                <a:schemeClr val="tx1"/>
+              </a:solidFill>
+              <a:latin typeface="+mn-lt"/>
+              <a:ea typeface="+mn-ea"/>
+              <a:cs typeface="+mn-cs"/>
+            </a:endParaRPr>
+          </a:p>
+          <a:p>
+            <a:pPr defTabSz="969264">
+              <a:spcAft>
+                <a:spcPts val="600"/>
+              </a:spcAft>
+            </a:pPr>
+            <a:endParaRPr lang="en-US" sz="1908" kern="1200">
+              <a:solidFill>
+                <a:schemeClr val="tx1"/>
+              </a:solidFill>
+              <a:latin typeface="+mn-lt"/>
+              <a:ea typeface="+mn-ea"/>
+              <a:cs typeface="+mn-cs"/>
+            </a:endParaRPr>
+          </a:p>
+          <a:p>
+            <a:pPr defTabSz="969264">
+              <a:spcAft>
+                <a:spcPts val="600"/>
+              </a:spcAft>
+            </a:pPr>
+            <a:r>
+              <a:rPr lang="en-US" sz="1908" kern="1200">
+                <a:solidFill>
+                  <a:schemeClr val="tx1"/>
+                </a:solidFill>
+                <a:latin typeface="+mn-lt"/>
+                <a:ea typeface="+mn-ea"/>
+                <a:cs typeface="+mn-cs"/>
+              </a:rPr>
+              <a:t>*Currently using </a:t>
+            </a:r>
+            <a:r>
+              <a:rPr lang="en-US" sz="1908" kern="1200" err="1">
+                <a:solidFill>
+                  <a:schemeClr val="tx1"/>
+                </a:solidFill>
+                <a:latin typeface="+mn-lt"/>
+                <a:ea typeface="+mn-ea"/>
+                <a:cs typeface="+mn-cs"/>
+              </a:rPr>
+              <a:t>scipy’s</a:t>
+            </a:r>
+            <a:r>
+              <a:rPr lang="en-US" sz="1908" kern="1200">
+                <a:solidFill>
+                  <a:schemeClr val="tx1"/>
+                </a:solidFill>
+                <a:latin typeface="+mn-lt"/>
+                <a:ea typeface="+mn-ea"/>
+                <a:cs typeface="+mn-cs"/>
+              </a:rPr>
+              <a:t> minimize optimization using L-BFGS-B method</a:t>
+            </a:r>
+            <a:endParaRPr lang="en-US"/>
+          </a:p>
+        </p:txBody>
+      </p:sp>
+      <p:sp>
+        <p:nvSpPr>
+          <p:cNvPr id="3" name="Title 1">
+            <a:extLst>
+              <a:ext uri="{FF2B5EF4-FFF2-40B4-BE49-F238E27FC236}">
+                <a16:creationId xmlns:a16="http://schemas.microsoft.com/office/drawing/2014/main" id="{80D1F6D3-B57C-2852-E06F-C6532DB5225B}"/>
+              </a:ext>
+            </a:extLst>
+          </p:cNvPr>
+          <p:cNvSpPr txBox="1">
+            <a:spLocks/>
+          </p:cNvSpPr>
+          <p:nvPr/>
+        </p:nvSpPr>
+        <p:spPr>
+          <a:xfrm>
+            <a:off x="6762705" y="2617786"/>
+            <a:ext cx="4531928" cy="1622428"/>
+          </a:xfrm>
+          <a:prstGeom prst="rect">
+            <a:avLst/>
+          </a:prstGeom>
+        </p:spPr>
+        <p:txBody>
+          <a:bodyPr vert="horz" lIns="91440" tIns="45720" rIns="91440" bIns="45720" rtlCol="0" anchor="ctr">
+            <a:normAutofit/>
+          </a:bodyPr>
+          <a:lstStyle>
+            <a:lvl1pPr algn="l" defTabSz="914400" rtl="0" eaLnBrk="1" latinLnBrk="0" hangingPunct="1">
+              <a:lnSpc>
+                <a:spcPct val="90000"/>
+              </a:lnSpc>
+              <a:spcBef>
+                <a:spcPct val="0"/>
+              </a:spcBef>
+              <a:buNone/>
+              <a:defRPr sz="4400" kern="1200">
+                <a:solidFill>
+                  <a:schemeClr val="tx1"/>
+                </a:solidFill>
+                <a:latin typeface="+mj-lt"/>
+                <a:ea typeface="+mj-ea"/>
+                <a:cs typeface="+mj-cs"/>
+              </a:defRPr>
+            </a:lvl1pPr>
+          </a:lstStyle>
+          <a:p>
+            <a:pPr defTabSz="969264">
+              <a:spcAft>
+                <a:spcPts val="600"/>
+              </a:spcAft>
+            </a:pPr>
+            <a:r>
+              <a:rPr lang="en-US" sz="2800" kern="1200" dirty="0">
+                <a:solidFill>
+                  <a:schemeClr val="tx1"/>
+                </a:solidFill>
+                <a:latin typeface="+mn-lt"/>
+                <a:ea typeface="+mj-ea"/>
+                <a:cs typeface="+mj-cs"/>
+              </a:rPr>
+              <a:t>Likelihoods</a:t>
+            </a:r>
+            <a:endParaRPr lang="en-US" sz="2800" dirty="0">
+              <a:latin typeface="+mn-lt"/>
+            </a:endParaRPr>
+          </a:p>
+        </p:txBody>
+      </p:sp>
+      <p:sp>
+        <p:nvSpPr>
+          <p:cNvPr id="8" name="TextBox 7">
+            <a:extLst>
+              <a:ext uri="{FF2B5EF4-FFF2-40B4-BE49-F238E27FC236}">
+                <a16:creationId xmlns:a16="http://schemas.microsoft.com/office/drawing/2014/main" id="{68606E23-38DE-8241-B244-206FDE28A128}"/>
+              </a:ext>
+            </a:extLst>
+          </p:cNvPr>
+          <p:cNvSpPr txBox="1"/>
+          <p:nvPr/>
+        </p:nvSpPr>
+        <p:spPr>
+          <a:xfrm>
+            <a:off x="6555876" y="4190421"/>
+            <a:ext cx="3995641" cy="756489"/>
+          </a:xfrm>
+          <a:prstGeom prst="rect">
+            <a:avLst/>
+          </a:prstGeom>
+          <a:noFill/>
+        </p:spPr>
+        <p:txBody>
+          <a:bodyPr wrap="square">
+            <a:spAutoFit/>
+          </a:bodyPr>
+          <a:lstStyle/>
+          <a:p>
+            <a:pPr defTabSz="969264">
+              <a:spcAft>
+                <a:spcPts val="600"/>
+              </a:spcAft>
+            </a:pPr>
+            <a:r>
+              <a:rPr lang="en-US" sz="1908" kern="1200" err="1">
+                <a:solidFill>
+                  <a:srgbClr val="E5C07B"/>
+                </a:solidFill>
+                <a:latin typeface="Consolas" panose="020B0609020204030204" pitchFamily="49" charset="0"/>
+                <a:ea typeface="+mn-ea"/>
+                <a:cs typeface="+mn-cs"/>
+              </a:rPr>
+              <a:t>gpf</a:t>
+            </a:r>
+            <a:r>
+              <a:rPr lang="en-US" sz="1908" kern="1200" err="1">
+                <a:solidFill>
+                  <a:srgbClr val="ABB2BF"/>
+                </a:solidFill>
+                <a:latin typeface="Consolas" panose="020B0609020204030204" pitchFamily="49" charset="0"/>
+                <a:ea typeface="+mn-ea"/>
+                <a:cs typeface="+mn-cs"/>
+              </a:rPr>
+              <a:t>.</a:t>
+            </a:r>
+            <a:r>
+              <a:rPr lang="en-US" sz="1908" kern="1200" err="1">
+                <a:solidFill>
+                  <a:srgbClr val="E5C07B"/>
+                </a:solidFill>
+                <a:latin typeface="Consolas" panose="020B0609020204030204" pitchFamily="49" charset="0"/>
+                <a:ea typeface="+mn-ea"/>
+                <a:cs typeface="+mn-cs"/>
+              </a:rPr>
+              <a:t>likelihoods</a:t>
+            </a:r>
+            <a:r>
+              <a:rPr lang="en-US" sz="1908" kern="1200" err="1">
+                <a:solidFill>
+                  <a:srgbClr val="ABB2BF"/>
+                </a:solidFill>
+                <a:latin typeface="Consolas" panose="020B0609020204030204" pitchFamily="49" charset="0"/>
+                <a:ea typeface="+mn-ea"/>
+                <a:cs typeface="+mn-cs"/>
+              </a:rPr>
+              <a:t>.</a:t>
+            </a:r>
+            <a:r>
+              <a:rPr lang="en-US" sz="1908" kern="1200" err="1">
+                <a:solidFill>
+                  <a:srgbClr val="E5C07B"/>
+                </a:solidFill>
+                <a:latin typeface="Consolas" panose="020B0609020204030204" pitchFamily="49" charset="0"/>
+                <a:ea typeface="+mn-ea"/>
+                <a:cs typeface="+mn-cs"/>
+              </a:rPr>
+              <a:t>Gaussian</a:t>
+            </a:r>
+            <a:endParaRPr lang="en-US" sz="1908" kern="1200">
+              <a:solidFill>
+                <a:srgbClr val="E5C07B"/>
+              </a:solidFill>
+              <a:latin typeface="Consolas" panose="020B0609020204030204" pitchFamily="49" charset="0"/>
+              <a:ea typeface="+mn-ea"/>
+              <a:cs typeface="+mn-cs"/>
+            </a:endParaRPr>
+          </a:p>
+          <a:p>
+            <a:pPr defTabSz="969264">
+              <a:spcAft>
+                <a:spcPts val="600"/>
+              </a:spcAft>
+            </a:pPr>
+            <a:r>
+              <a:rPr lang="en-US" sz="1908" kern="1200" err="1">
+                <a:solidFill>
+                  <a:srgbClr val="E5C07B"/>
+                </a:solidFill>
+                <a:latin typeface="Consolas" panose="020B0609020204030204" pitchFamily="49" charset="0"/>
+                <a:ea typeface="+mn-ea"/>
+                <a:cs typeface="+mn-cs"/>
+              </a:rPr>
+              <a:t>gpf</a:t>
+            </a:r>
+            <a:r>
+              <a:rPr lang="en-US" sz="1908" kern="1200" err="1">
+                <a:solidFill>
+                  <a:srgbClr val="ABB2BF"/>
+                </a:solidFill>
+                <a:latin typeface="Consolas" panose="020B0609020204030204" pitchFamily="49" charset="0"/>
+                <a:ea typeface="+mn-ea"/>
+                <a:cs typeface="+mn-cs"/>
+              </a:rPr>
+              <a:t>.</a:t>
+            </a:r>
+            <a:r>
+              <a:rPr lang="en-US" sz="1908" kern="1200" err="1">
+                <a:solidFill>
+                  <a:srgbClr val="E5C07B"/>
+                </a:solidFill>
+                <a:latin typeface="Consolas" panose="020B0609020204030204" pitchFamily="49" charset="0"/>
+                <a:ea typeface="+mn-ea"/>
+                <a:cs typeface="+mn-cs"/>
+              </a:rPr>
+              <a:t>likelihoods</a:t>
+            </a:r>
+            <a:r>
+              <a:rPr lang="en-US" sz="1908" kern="1200" err="1">
+                <a:solidFill>
+                  <a:srgbClr val="ABB2BF"/>
+                </a:solidFill>
+                <a:latin typeface="Consolas" panose="020B0609020204030204" pitchFamily="49" charset="0"/>
+                <a:ea typeface="+mn-ea"/>
+                <a:cs typeface="+mn-cs"/>
+              </a:rPr>
+              <a:t>.</a:t>
+            </a:r>
+            <a:r>
+              <a:rPr lang="en-US" sz="1908" kern="1200" err="1">
+                <a:solidFill>
+                  <a:srgbClr val="E5C07B"/>
+                </a:solidFill>
+                <a:latin typeface="Consolas" panose="020B0609020204030204" pitchFamily="49" charset="0"/>
+                <a:ea typeface="+mn-ea"/>
+                <a:cs typeface="+mn-cs"/>
+              </a:rPr>
+              <a:t>StudentT</a:t>
+            </a:r>
+            <a:r>
+              <a:rPr lang="en-US" sz="1908" kern="1200">
+                <a:solidFill>
+                  <a:srgbClr val="ABB2BF"/>
+                </a:solidFill>
+                <a:latin typeface="Consolas" panose="020B0609020204030204" pitchFamily="49" charset="0"/>
+                <a:ea typeface="+mn-ea"/>
+                <a:cs typeface="+mn-cs"/>
+              </a:rPr>
+              <a:t>?</a:t>
+            </a:r>
+            <a:endParaRPr lang="en-US" b="0">
+              <a:solidFill>
+                <a:srgbClr val="ABB2BF"/>
+              </a:solidFill>
+              <a:effectLst/>
+              <a:latin typeface="Consolas" panose="020B0609020204030204" pitchFamily="49" charset="0"/>
+            </a:endParaRPr>
+          </a:p>
+        </p:txBody>
+      </p:sp>
+      <p:sp>
+        <p:nvSpPr>
+          <p:cNvPr id="12" name="TextBox 11">
+            <a:extLst>
+              <a:ext uri="{FF2B5EF4-FFF2-40B4-BE49-F238E27FC236}">
+                <a16:creationId xmlns:a16="http://schemas.microsoft.com/office/drawing/2014/main" id="{C972326A-7A55-FCA2-7517-F08F3CB0E3A3}"/>
+              </a:ext>
+            </a:extLst>
+          </p:cNvPr>
+          <p:cNvSpPr txBox="1"/>
+          <p:nvPr/>
+        </p:nvSpPr>
+        <p:spPr>
+          <a:xfrm>
+            <a:off x="785672" y="3124144"/>
+            <a:ext cx="4584457" cy="954107"/>
+          </a:xfrm>
+          <a:prstGeom prst="rect">
+            <a:avLst/>
+          </a:prstGeom>
+          <a:noFill/>
+        </p:spPr>
+        <p:txBody>
+          <a:bodyPr wrap="square" rtlCol="0">
+            <a:spAutoFit/>
+          </a:bodyPr>
+          <a:lstStyle/>
+          <a:p>
+            <a:pPr defTabSz="969264">
+              <a:spcAft>
+                <a:spcPts val="600"/>
+              </a:spcAft>
+            </a:pPr>
+            <a:r>
+              <a:rPr lang="en-US" sz="2800" kern="1200" dirty="0">
+                <a:solidFill>
+                  <a:schemeClr val="tx1"/>
+                </a:solidFill>
+                <a:latin typeface="+mn-lt"/>
+                <a:ea typeface="+mn-ea"/>
+                <a:cs typeface="+mn-cs"/>
+              </a:rPr>
+              <a:t>Testing different optimization packages/algorithms</a:t>
+            </a:r>
+            <a:endParaRPr lang="en-US" sz="2800" dirty="0"/>
+          </a:p>
+        </p:txBody>
+      </p:sp>
+    </p:spTree>
+    <p:extLst>
+      <p:ext uri="{BB962C8B-B14F-4D97-AF65-F5344CB8AC3E}">
+        <p14:creationId xmlns:p14="http://schemas.microsoft.com/office/powerpoint/2010/main" val="640580833"/>
+      </p:ext>
+    </p:extLst>
+  </p:cSld>
+  <p:clrMapOvr>
+    <a:masterClrMapping/>
+  </p:clrMapOvr>
+  <mc:AlternateContent xmlns:mc="http://schemas.openxmlformats.org/markup-compatibility/2006" xmlns:p159="http://schemas.microsoft.com/office/powerpoint/2015/09/main">
+    <mc:Choice Requires="p159">
+      <p:transition xmlns:p14="http://schemas.microsoft.com/office/powerpoint/2010/main" p14:dur="250">
+        <p159:morph option="byObject"/>
+      </p:transition>
+    </mc:Choice>
+    <mc:Fallback xmlns="">
+      <p:transition>
+        <p:fade/>
+      </p:transition>
+    </mc:Fallback>
+  </mc:AlternateContent>
+</p:sld>
+</file>
+
+<file path=ppt/slides/slide21.xml><?xml version="1.0" encoding="utf-8"?>
+<p:sld xmlns:a="http://schemas.openxmlformats.org/drawingml/2006/main" xmlns:r="http://schemas.openxmlformats.org/officeDocument/2006/relationships" xmlns:p="http://schemas.openxmlformats.org/presentationml/2006/main">
+  <p:cSld>
+    <p:bg>
+      <p:bgPr>
+        <a:solidFill>
+          <a:schemeClr val="bg1"/>
+        </a:solidFill>
+        <a:effectLst/>
+      </p:bgPr>
+    </p:bg>
+    <p:spTree>
+      <p:nvGrpSpPr>
+        <p:cNvPr id="1" name=""/>
+        <p:cNvGrpSpPr/>
+        <p:nvPr/>
+      </p:nvGrpSpPr>
+      <p:grpSpPr>
+        <a:xfrm>
+          <a:off x="0" y="0"/>
+          <a:ext cx="0" cy="0"/>
+          <a:chOff x="0" y="0"/>
+          <a:chExt cx="0" cy="0"/>
+        </a:xfrm>
+      </p:grpSpPr>
+      <p:sp useBgFill="1">
+        <p:nvSpPr>
           <p:cNvPr id="9" name="Rectangle 8">
             <a:extLst>
               <a:ext uri="{FF2B5EF4-FFF2-40B4-BE49-F238E27FC236}">
@@ -11014,7 +11442,7 @@
 </p:sld>
 </file>
 
-<file path=ppt/slides/slide21.xml><?xml version="1.0" encoding="utf-8"?>
+<file path=ppt/slides/slide22.xml><?xml version="1.0" encoding="utf-8"?>
 <p:sld xmlns:a="http://schemas.openxmlformats.org/drawingml/2006/main" xmlns:r="http://schemas.openxmlformats.org/officeDocument/2006/relationships" xmlns:p="http://schemas.openxmlformats.org/presentationml/2006/main">
   <p:cSld>
     <p:spTree>
@@ -11054,7 +11482,7 @@
           <a:p>
             <a:r>
               <a:rPr lang="en-US" dirty="0"/>
-              <a:t>System learning?</a:t>
+              <a:t>System learning/identification?</a:t>
             </a:r>
           </a:p>
         </p:txBody>

--- a/GPRCommunities.pptx
+++ b/GPRCommunities.pptx
@@ -5,7 +5,7 @@
     <p:sldMasterId id="2147483648" r:id="rId1"/>
   </p:sldMasterIdLst>
   <p:notesMasterIdLst>
-    <p:notesMasterId r:id="rId24"/>
+    <p:notesMasterId r:id="rId23"/>
   </p:notesMasterIdLst>
   <p:sldIdLst>
     <p:sldId id="256" r:id="rId2"/>
@@ -27,9 +27,8 @@
     <p:sldId id="259" r:id="rId18"/>
     <p:sldId id="1093" r:id="rId19"/>
     <p:sldId id="1094" r:id="rId20"/>
-    <p:sldId id="276" r:id="rId21"/>
-    <p:sldId id="277" r:id="rId22"/>
-    <p:sldId id="278" r:id="rId23"/>
+    <p:sldId id="277" r:id="rId21"/>
+    <p:sldId id="278" r:id="rId22"/>
   </p:sldIdLst>
   <p:sldSz cx="12192000" cy="6858000"/>
   <p:notesSz cx="6858000" cy="9144000"/>
@@ -2783,7 +2782,7 @@
           <a:p>
             <a:fld id="{C6C72B9D-EF0C-4E16-A6A8-6793C8460034}" type="datetimeFigureOut">
               <a:rPr lang="en-US" smtClean="0"/>
-              <a:t>8/22/2023</a:t>
+              <a:t>8/24/2023</a:t>
             </a:fld>
             <a:endParaRPr lang="en-US"/>
           </a:p>
@@ -4527,7 +4526,7 @@
           <a:p>
             <a:fld id="{58D99F9D-2103-4E0F-8EC4-FC1F4C4457DE}" type="datetimeFigureOut">
               <a:rPr lang="en-US" smtClean="0"/>
-              <a:t>8/22/2023</a:t>
+              <a:t>8/24/2023</a:t>
             </a:fld>
             <a:endParaRPr lang="en-US"/>
           </a:p>
@@ -4737,7 +4736,7 @@
           <a:p>
             <a:fld id="{58D99F9D-2103-4E0F-8EC4-FC1F4C4457DE}" type="datetimeFigureOut">
               <a:rPr lang="en-US" smtClean="0"/>
-              <a:t>8/22/2023</a:t>
+              <a:t>8/24/2023</a:t>
             </a:fld>
             <a:endParaRPr lang="en-US"/>
           </a:p>
@@ -4957,7 +4956,7 @@
           <a:p>
             <a:fld id="{58D99F9D-2103-4E0F-8EC4-FC1F4C4457DE}" type="datetimeFigureOut">
               <a:rPr lang="en-US" smtClean="0"/>
-              <a:t>8/22/2023</a:t>
+              <a:t>8/24/2023</a:t>
             </a:fld>
             <a:endParaRPr lang="en-US"/>
           </a:p>
@@ -5351,7 +5350,7 @@
           <a:p>
             <a:fld id="{58D99F9D-2103-4E0F-8EC4-FC1F4C4457DE}" type="datetimeFigureOut">
               <a:rPr lang="en-US" smtClean="0"/>
-              <a:t>8/22/2023</a:t>
+              <a:t>8/24/2023</a:t>
             </a:fld>
             <a:endParaRPr lang="en-US"/>
           </a:p>
@@ -5638,7 +5637,7 @@
           <a:p>
             <a:fld id="{58D99F9D-2103-4E0F-8EC4-FC1F4C4457DE}" type="datetimeFigureOut">
               <a:rPr lang="en-US" smtClean="0"/>
-              <a:t>8/22/2023</a:t>
+              <a:t>8/24/2023</a:t>
             </a:fld>
             <a:endParaRPr lang="en-US"/>
           </a:p>
@@ -5915,7 +5914,7 @@
           <a:p>
             <a:fld id="{58D99F9D-2103-4E0F-8EC4-FC1F4C4457DE}" type="datetimeFigureOut">
               <a:rPr lang="en-US" smtClean="0"/>
-              <a:t>8/22/2023</a:t>
+              <a:t>8/24/2023</a:t>
             </a:fld>
             <a:endParaRPr lang="en-US"/>
           </a:p>
@@ -6339,7 +6338,7 @@
           <a:p>
             <a:fld id="{58D99F9D-2103-4E0F-8EC4-FC1F4C4457DE}" type="datetimeFigureOut">
               <a:rPr lang="en-US" smtClean="0"/>
-              <a:t>8/22/2023</a:t>
+              <a:t>8/24/2023</a:t>
             </a:fld>
             <a:endParaRPr lang="en-US"/>
           </a:p>
@@ -6492,7 +6491,7 @@
           <a:p>
             <a:fld id="{58D99F9D-2103-4E0F-8EC4-FC1F4C4457DE}" type="datetimeFigureOut">
               <a:rPr lang="en-US" smtClean="0"/>
-              <a:t>8/22/2023</a:t>
+              <a:t>8/24/2023</a:t>
             </a:fld>
             <a:endParaRPr lang="en-US"/>
           </a:p>
@@ -6617,7 +6616,7 @@
           <a:p>
             <a:fld id="{58D99F9D-2103-4E0F-8EC4-FC1F4C4457DE}" type="datetimeFigureOut">
               <a:rPr lang="en-US" smtClean="0"/>
-              <a:t>8/22/2023</a:t>
+              <a:t>8/24/2023</a:t>
             </a:fld>
             <a:endParaRPr lang="en-US"/>
           </a:p>
@@ -6940,7 +6939,7 @@
           <a:p>
             <a:fld id="{58D99F9D-2103-4E0F-8EC4-FC1F4C4457DE}" type="datetimeFigureOut">
               <a:rPr lang="en-US" smtClean="0"/>
-              <a:t>8/22/2023</a:t>
+              <a:t>8/24/2023</a:t>
             </a:fld>
             <a:endParaRPr lang="en-US"/>
           </a:p>
@@ -7240,7 +7239,7 @@
           <a:p>
             <a:fld id="{58D99F9D-2103-4E0F-8EC4-FC1F4C4457DE}" type="datetimeFigureOut">
               <a:rPr lang="en-US" smtClean="0"/>
-              <a:t>8/22/2023</a:t>
+              <a:t>8/24/2023</a:t>
             </a:fld>
             <a:endParaRPr lang="en-US"/>
           </a:p>
@@ -7493,7 +7492,7 @@
           <a:p>
             <a:fld id="{58D99F9D-2103-4E0F-8EC4-FC1F4C4457DE}" type="datetimeFigureOut">
               <a:rPr lang="en-US" smtClean="0"/>
-              <a:t>8/22/2023</a:t>
+              <a:t>8/24/2023</a:t>
             </a:fld>
             <a:endParaRPr lang="en-US"/>
           </a:p>
@@ -10712,588 +10711,6 @@
       </p:grpSpPr>
       <p:sp useBgFill="1">
         <p:nvSpPr>
-          <p:cNvPr id="17" name="Rectangle 16">
-            <a:extLst>
-              <a:ext uri="{FF2B5EF4-FFF2-40B4-BE49-F238E27FC236}">
-                <a16:creationId xmlns:a16="http://schemas.microsoft.com/office/drawing/2014/main" id="{955A2079-FA98-4876-80F0-72364A7D2EA4}"/>
-              </a:ext>
-              <a:ext uri="{C183D7F6-B498-43B3-948B-1728B52AA6E4}">
-                <adec:decorative xmlns:adec="http://schemas.microsoft.com/office/drawing/2017/decorative" val="1"/>
-              </a:ext>
-            </a:extLst>
-          </p:cNvPr>
-          <p:cNvSpPr>
-            <a:spLocks noGrp="1" noRot="1" noChangeAspect="1" noMove="1" noResize="1" noEditPoints="1" noAdjustHandles="1" noChangeArrowheads="1" noChangeShapeType="1" noTextEdit="1"/>
-          </p:cNvSpPr>
-          <p:nvPr>
-            <p:extLst>
-              <p:ext uri="{386F3935-93C4-4BCD-93E2-E3B085C9AB24}">
-                <p16:designElem xmlns:p16="http://schemas.microsoft.com/office/powerpoint/2015/main" val="1"/>
-              </p:ext>
-            </p:extLst>
-          </p:nvPr>
-        </p:nvSpPr>
-        <p:spPr>
-          <a:xfrm>
-            <a:off x="-1" y="0"/>
-            <a:ext cx="12188952" cy="6858000"/>
-          </a:xfrm>
-          <a:prstGeom prst="rect">
-            <a:avLst/>
-          </a:prstGeom>
-          <a:ln>
-            <a:noFill/>
-          </a:ln>
-        </p:spPr>
-        <p:style>
-          <a:lnRef idx="2">
-            <a:schemeClr val="accent1">
-              <a:shade val="50000"/>
-            </a:schemeClr>
-          </a:lnRef>
-          <a:fillRef idx="1">
-            <a:schemeClr val="accent1"/>
-          </a:fillRef>
-          <a:effectRef idx="0">
-            <a:schemeClr val="accent1"/>
-          </a:effectRef>
-          <a:fontRef idx="minor">
-            <a:schemeClr val="lt1"/>
-          </a:fontRef>
-        </p:style>
-        <p:txBody>
-          <a:bodyPr rtlCol="0" anchor="ctr"/>
-          <a:lstStyle/>
-          <a:p>
-            <a:pPr algn="ctr"/>
-            <a:endParaRPr lang="en-US"/>
-          </a:p>
-        </p:txBody>
-      </p:sp>
-      <p:sp>
-        <p:nvSpPr>
-          <p:cNvPr id="2" name="Title 1">
-            <a:extLst>
-              <a:ext uri="{FF2B5EF4-FFF2-40B4-BE49-F238E27FC236}">
-                <a16:creationId xmlns:a16="http://schemas.microsoft.com/office/drawing/2014/main" id="{2617A193-7178-73EB-C19E-B1ADDD6EAE4F}"/>
-              </a:ext>
-            </a:extLst>
-          </p:cNvPr>
-          <p:cNvSpPr>
-            <a:spLocks noGrp="1"/>
-          </p:cNvSpPr>
-          <p:nvPr>
-            <p:ph type="title"/>
-          </p:nvPr>
-        </p:nvSpPr>
-        <p:spPr>
-          <a:xfrm>
-            <a:off x="838200" y="557188"/>
-            <a:ext cx="10515600" cy="1133499"/>
-          </a:xfrm>
-        </p:spPr>
-        <p:txBody>
-          <a:bodyPr vert="horz" lIns="91440" tIns="45720" rIns="91440" bIns="45720" rtlCol="0" anchor="ctr">
-            <a:normAutofit/>
-          </a:bodyPr>
-          <a:lstStyle/>
-          <a:p>
-            <a:pPr algn="ctr"/>
-            <a:r>
-              <a:rPr lang="en-US" sz="5200" kern="1200">
-                <a:solidFill>
-                  <a:schemeClr val="tx1"/>
-                </a:solidFill>
-                <a:latin typeface="+mj-lt"/>
-                <a:ea typeface="+mj-ea"/>
-                <a:cs typeface="+mj-cs"/>
-              </a:rPr>
-              <a:t>Other Questions</a:t>
-            </a:r>
-          </a:p>
-        </p:txBody>
-      </p:sp>
-      <p:sp>
-        <p:nvSpPr>
-          <p:cNvPr id="4" name="TextBox 3">
-            <a:extLst>
-              <a:ext uri="{FF2B5EF4-FFF2-40B4-BE49-F238E27FC236}">
-                <a16:creationId xmlns:a16="http://schemas.microsoft.com/office/drawing/2014/main" id="{D6F3A9FC-00C6-1BE2-569D-9DEBAAED829D}"/>
-              </a:ext>
-            </a:extLst>
-          </p:cNvPr>
-          <p:cNvSpPr txBox="1"/>
-          <p:nvPr/>
-        </p:nvSpPr>
-        <p:spPr>
-          <a:xfrm>
-            <a:off x="1093210" y="4310465"/>
-            <a:ext cx="3848079" cy="1583767"/>
-          </a:xfrm>
-          <a:prstGeom prst="rect">
-            <a:avLst/>
-          </a:prstGeom>
-          <a:noFill/>
-        </p:spPr>
-        <p:txBody>
-          <a:bodyPr wrap="square">
-            <a:spAutoFit/>
-          </a:bodyPr>
-          <a:lstStyle/>
-          <a:p>
-            <a:pPr defTabSz="969264">
-              <a:spcAft>
-                <a:spcPts val="600"/>
-              </a:spcAft>
-            </a:pPr>
-            <a:r>
-              <a:rPr lang="en-US" sz="2968" kern="1200" err="1">
-                <a:solidFill>
-                  <a:schemeClr val="tx1"/>
-                </a:solidFill>
-                <a:latin typeface="+mn-lt"/>
-                <a:ea typeface="+mn-ea"/>
-                <a:cs typeface="+mn-cs"/>
-              </a:rPr>
-              <a:t>Scipy</a:t>
-            </a:r>
-            <a:r>
-              <a:rPr lang="en-US" sz="2968" kern="1200">
-                <a:solidFill>
-                  <a:schemeClr val="tx1"/>
-                </a:solidFill>
-                <a:latin typeface="+mn-lt"/>
-                <a:ea typeface="+mn-ea"/>
-                <a:cs typeface="+mn-cs"/>
-              </a:rPr>
-              <a:t>* vs. </a:t>
-            </a:r>
-            <a:r>
-              <a:rPr lang="en-US" sz="2968" kern="1200" err="1">
-                <a:solidFill>
-                  <a:schemeClr val="tx1"/>
-                </a:solidFill>
-                <a:latin typeface="+mn-lt"/>
-                <a:ea typeface="+mn-ea"/>
-                <a:cs typeface="+mn-cs"/>
-              </a:rPr>
-              <a:t>lmfit</a:t>
-            </a:r>
-            <a:endParaRPr lang="en-US" sz="2968" kern="1200">
-              <a:solidFill>
-                <a:schemeClr val="tx1"/>
-              </a:solidFill>
-              <a:latin typeface="+mn-lt"/>
-              <a:ea typeface="+mn-ea"/>
-              <a:cs typeface="+mn-cs"/>
-            </a:endParaRPr>
-          </a:p>
-          <a:p>
-            <a:pPr defTabSz="969264">
-              <a:spcAft>
-                <a:spcPts val="600"/>
-              </a:spcAft>
-            </a:pPr>
-            <a:endParaRPr lang="en-US" sz="1908" kern="1200">
-              <a:solidFill>
-                <a:schemeClr val="tx1"/>
-              </a:solidFill>
-              <a:latin typeface="+mn-lt"/>
-              <a:ea typeface="+mn-ea"/>
-              <a:cs typeface="+mn-cs"/>
-            </a:endParaRPr>
-          </a:p>
-          <a:p>
-            <a:pPr defTabSz="969264">
-              <a:spcAft>
-                <a:spcPts val="600"/>
-              </a:spcAft>
-            </a:pPr>
-            <a:r>
-              <a:rPr lang="en-US" sz="1908" kern="1200">
-                <a:solidFill>
-                  <a:schemeClr val="tx1"/>
-                </a:solidFill>
-                <a:latin typeface="+mn-lt"/>
-                <a:ea typeface="+mn-ea"/>
-                <a:cs typeface="+mn-cs"/>
-              </a:rPr>
-              <a:t>*Currently using </a:t>
-            </a:r>
-            <a:r>
-              <a:rPr lang="en-US" sz="1908" kern="1200" err="1">
-                <a:solidFill>
-                  <a:schemeClr val="tx1"/>
-                </a:solidFill>
-                <a:latin typeface="+mn-lt"/>
-                <a:ea typeface="+mn-ea"/>
-                <a:cs typeface="+mn-cs"/>
-              </a:rPr>
-              <a:t>scipy’s</a:t>
-            </a:r>
-            <a:r>
-              <a:rPr lang="en-US" sz="1908" kern="1200">
-                <a:solidFill>
-                  <a:schemeClr val="tx1"/>
-                </a:solidFill>
-                <a:latin typeface="+mn-lt"/>
-                <a:ea typeface="+mn-ea"/>
-                <a:cs typeface="+mn-cs"/>
-              </a:rPr>
-              <a:t> minimize optimization using L-BFGS-B method</a:t>
-            </a:r>
-            <a:endParaRPr lang="en-US"/>
-          </a:p>
-        </p:txBody>
-      </p:sp>
-      <p:sp>
-        <p:nvSpPr>
-          <p:cNvPr id="3" name="Title 1">
-            <a:extLst>
-              <a:ext uri="{FF2B5EF4-FFF2-40B4-BE49-F238E27FC236}">
-                <a16:creationId xmlns:a16="http://schemas.microsoft.com/office/drawing/2014/main" id="{80D1F6D3-B57C-2852-E06F-C6532DB5225B}"/>
-              </a:ext>
-            </a:extLst>
-          </p:cNvPr>
-          <p:cNvSpPr txBox="1">
-            <a:spLocks/>
-          </p:cNvSpPr>
-          <p:nvPr/>
-        </p:nvSpPr>
-        <p:spPr>
-          <a:xfrm>
-            <a:off x="6762705" y="2617786"/>
-            <a:ext cx="4531928" cy="1622428"/>
-          </a:xfrm>
-          <a:prstGeom prst="rect">
-            <a:avLst/>
-          </a:prstGeom>
-        </p:spPr>
-        <p:txBody>
-          <a:bodyPr vert="horz" lIns="91440" tIns="45720" rIns="91440" bIns="45720" rtlCol="0" anchor="ctr">
-            <a:normAutofit/>
-          </a:bodyPr>
-          <a:lstStyle>
-            <a:lvl1pPr algn="l" defTabSz="914400" rtl="0" eaLnBrk="1" latinLnBrk="0" hangingPunct="1">
-              <a:lnSpc>
-                <a:spcPct val="90000"/>
-              </a:lnSpc>
-              <a:spcBef>
-                <a:spcPct val="0"/>
-              </a:spcBef>
-              <a:buNone/>
-              <a:defRPr sz="4400" kern="1200">
-                <a:solidFill>
-                  <a:schemeClr val="tx1"/>
-                </a:solidFill>
-                <a:latin typeface="+mj-lt"/>
-                <a:ea typeface="+mj-ea"/>
-                <a:cs typeface="+mj-cs"/>
-              </a:defRPr>
-            </a:lvl1pPr>
-          </a:lstStyle>
-          <a:p>
-            <a:pPr defTabSz="969264">
-              <a:spcAft>
-                <a:spcPts val="600"/>
-              </a:spcAft>
-            </a:pPr>
-            <a:r>
-              <a:rPr lang="en-US" sz="2800" kern="1200" dirty="0">
-                <a:solidFill>
-                  <a:schemeClr val="tx1"/>
-                </a:solidFill>
-                <a:latin typeface="+mn-lt"/>
-                <a:ea typeface="+mj-ea"/>
-                <a:cs typeface="+mj-cs"/>
-              </a:rPr>
-              <a:t>Likelihoods</a:t>
-            </a:r>
-            <a:endParaRPr lang="en-US" sz="2800" dirty="0">
-              <a:latin typeface="+mn-lt"/>
-            </a:endParaRPr>
-          </a:p>
-        </p:txBody>
-      </p:sp>
-      <p:sp>
-        <p:nvSpPr>
-          <p:cNvPr id="8" name="TextBox 7">
-            <a:extLst>
-              <a:ext uri="{FF2B5EF4-FFF2-40B4-BE49-F238E27FC236}">
-                <a16:creationId xmlns:a16="http://schemas.microsoft.com/office/drawing/2014/main" id="{68606E23-38DE-8241-B244-206FDE28A128}"/>
-              </a:ext>
-            </a:extLst>
-          </p:cNvPr>
-          <p:cNvSpPr txBox="1"/>
-          <p:nvPr/>
-        </p:nvSpPr>
-        <p:spPr>
-          <a:xfrm>
-            <a:off x="6555876" y="4190421"/>
-            <a:ext cx="3995641" cy="756489"/>
-          </a:xfrm>
-          <a:prstGeom prst="rect">
-            <a:avLst/>
-          </a:prstGeom>
-          <a:noFill/>
-        </p:spPr>
-        <p:txBody>
-          <a:bodyPr wrap="square">
-            <a:spAutoFit/>
-          </a:bodyPr>
-          <a:lstStyle/>
-          <a:p>
-            <a:pPr defTabSz="969264">
-              <a:spcAft>
-                <a:spcPts val="600"/>
-              </a:spcAft>
-            </a:pPr>
-            <a:r>
-              <a:rPr lang="en-US" sz="1908" kern="1200" err="1">
-                <a:solidFill>
-                  <a:srgbClr val="E5C07B"/>
-                </a:solidFill>
-                <a:latin typeface="Consolas" panose="020B0609020204030204" pitchFamily="49" charset="0"/>
-                <a:ea typeface="+mn-ea"/>
-                <a:cs typeface="+mn-cs"/>
-              </a:rPr>
-              <a:t>gpf</a:t>
-            </a:r>
-            <a:r>
-              <a:rPr lang="en-US" sz="1908" kern="1200" err="1">
-                <a:solidFill>
-                  <a:srgbClr val="ABB2BF"/>
-                </a:solidFill>
-                <a:latin typeface="Consolas" panose="020B0609020204030204" pitchFamily="49" charset="0"/>
-                <a:ea typeface="+mn-ea"/>
-                <a:cs typeface="+mn-cs"/>
-              </a:rPr>
-              <a:t>.</a:t>
-            </a:r>
-            <a:r>
-              <a:rPr lang="en-US" sz="1908" kern="1200" err="1">
-                <a:solidFill>
-                  <a:srgbClr val="E5C07B"/>
-                </a:solidFill>
-                <a:latin typeface="Consolas" panose="020B0609020204030204" pitchFamily="49" charset="0"/>
-                <a:ea typeface="+mn-ea"/>
-                <a:cs typeface="+mn-cs"/>
-              </a:rPr>
-              <a:t>likelihoods</a:t>
-            </a:r>
-            <a:r>
-              <a:rPr lang="en-US" sz="1908" kern="1200" err="1">
-                <a:solidFill>
-                  <a:srgbClr val="ABB2BF"/>
-                </a:solidFill>
-                <a:latin typeface="Consolas" panose="020B0609020204030204" pitchFamily="49" charset="0"/>
-                <a:ea typeface="+mn-ea"/>
-                <a:cs typeface="+mn-cs"/>
-              </a:rPr>
-              <a:t>.</a:t>
-            </a:r>
-            <a:r>
-              <a:rPr lang="en-US" sz="1908" kern="1200" err="1">
-                <a:solidFill>
-                  <a:srgbClr val="E5C07B"/>
-                </a:solidFill>
-                <a:latin typeface="Consolas" panose="020B0609020204030204" pitchFamily="49" charset="0"/>
-                <a:ea typeface="+mn-ea"/>
-                <a:cs typeface="+mn-cs"/>
-              </a:rPr>
-              <a:t>Gaussian</a:t>
-            </a:r>
-            <a:endParaRPr lang="en-US" sz="1908" kern="1200">
-              <a:solidFill>
-                <a:srgbClr val="E5C07B"/>
-              </a:solidFill>
-              <a:latin typeface="Consolas" panose="020B0609020204030204" pitchFamily="49" charset="0"/>
-              <a:ea typeface="+mn-ea"/>
-              <a:cs typeface="+mn-cs"/>
-            </a:endParaRPr>
-          </a:p>
-          <a:p>
-            <a:pPr defTabSz="969264">
-              <a:spcAft>
-                <a:spcPts val="600"/>
-              </a:spcAft>
-            </a:pPr>
-            <a:r>
-              <a:rPr lang="en-US" sz="1908" kern="1200" err="1">
-                <a:solidFill>
-                  <a:srgbClr val="E5C07B"/>
-                </a:solidFill>
-                <a:latin typeface="Consolas" panose="020B0609020204030204" pitchFamily="49" charset="0"/>
-                <a:ea typeface="+mn-ea"/>
-                <a:cs typeface="+mn-cs"/>
-              </a:rPr>
-              <a:t>gpf</a:t>
-            </a:r>
-            <a:r>
-              <a:rPr lang="en-US" sz="1908" kern="1200" err="1">
-                <a:solidFill>
-                  <a:srgbClr val="ABB2BF"/>
-                </a:solidFill>
-                <a:latin typeface="Consolas" panose="020B0609020204030204" pitchFamily="49" charset="0"/>
-                <a:ea typeface="+mn-ea"/>
-                <a:cs typeface="+mn-cs"/>
-              </a:rPr>
-              <a:t>.</a:t>
-            </a:r>
-            <a:r>
-              <a:rPr lang="en-US" sz="1908" kern="1200" err="1">
-                <a:solidFill>
-                  <a:srgbClr val="E5C07B"/>
-                </a:solidFill>
-                <a:latin typeface="Consolas" panose="020B0609020204030204" pitchFamily="49" charset="0"/>
-                <a:ea typeface="+mn-ea"/>
-                <a:cs typeface="+mn-cs"/>
-              </a:rPr>
-              <a:t>likelihoods</a:t>
-            </a:r>
-            <a:r>
-              <a:rPr lang="en-US" sz="1908" kern="1200" err="1">
-                <a:solidFill>
-                  <a:srgbClr val="ABB2BF"/>
-                </a:solidFill>
-                <a:latin typeface="Consolas" panose="020B0609020204030204" pitchFamily="49" charset="0"/>
-                <a:ea typeface="+mn-ea"/>
-                <a:cs typeface="+mn-cs"/>
-              </a:rPr>
-              <a:t>.</a:t>
-            </a:r>
-            <a:r>
-              <a:rPr lang="en-US" sz="1908" kern="1200" err="1">
-                <a:solidFill>
-                  <a:srgbClr val="E5C07B"/>
-                </a:solidFill>
-                <a:latin typeface="Consolas" panose="020B0609020204030204" pitchFamily="49" charset="0"/>
-                <a:ea typeface="+mn-ea"/>
-                <a:cs typeface="+mn-cs"/>
-              </a:rPr>
-              <a:t>StudentT</a:t>
-            </a:r>
-            <a:r>
-              <a:rPr lang="en-US" sz="1908" kern="1200">
-                <a:solidFill>
-                  <a:srgbClr val="ABB2BF"/>
-                </a:solidFill>
-                <a:latin typeface="Consolas" panose="020B0609020204030204" pitchFamily="49" charset="0"/>
-                <a:ea typeface="+mn-ea"/>
-                <a:cs typeface="+mn-cs"/>
-              </a:rPr>
-              <a:t>?</a:t>
-            </a:r>
-            <a:endParaRPr lang="en-US" b="0">
-              <a:solidFill>
-                <a:srgbClr val="ABB2BF"/>
-              </a:solidFill>
-              <a:effectLst/>
-              <a:latin typeface="Consolas" panose="020B0609020204030204" pitchFamily="49" charset="0"/>
-            </a:endParaRPr>
-          </a:p>
-        </p:txBody>
-      </p:sp>
-      <p:sp>
-        <p:nvSpPr>
-          <p:cNvPr id="12" name="TextBox 11">
-            <a:extLst>
-              <a:ext uri="{FF2B5EF4-FFF2-40B4-BE49-F238E27FC236}">
-                <a16:creationId xmlns:a16="http://schemas.microsoft.com/office/drawing/2014/main" id="{C972326A-7A55-FCA2-7517-F08F3CB0E3A3}"/>
-              </a:ext>
-            </a:extLst>
-          </p:cNvPr>
-          <p:cNvSpPr txBox="1"/>
-          <p:nvPr/>
-        </p:nvSpPr>
-        <p:spPr>
-          <a:xfrm>
-            <a:off x="785672" y="3124144"/>
-            <a:ext cx="4584457" cy="954107"/>
-          </a:xfrm>
-          <a:prstGeom prst="rect">
-            <a:avLst/>
-          </a:prstGeom>
-          <a:noFill/>
-        </p:spPr>
-        <p:txBody>
-          <a:bodyPr wrap="square" rtlCol="0">
-            <a:spAutoFit/>
-          </a:bodyPr>
-          <a:lstStyle/>
-          <a:p>
-            <a:pPr defTabSz="969264">
-              <a:spcAft>
-                <a:spcPts val="600"/>
-              </a:spcAft>
-            </a:pPr>
-            <a:r>
-              <a:rPr lang="en-US" sz="2800" kern="1200" dirty="0">
-                <a:solidFill>
-                  <a:schemeClr val="tx1"/>
-                </a:solidFill>
-                <a:latin typeface="+mn-lt"/>
-                <a:ea typeface="+mn-ea"/>
-                <a:cs typeface="+mn-cs"/>
-              </a:rPr>
-              <a:t>Testing different optimization packages/algorithms</a:t>
-            </a:r>
-            <a:endParaRPr lang="en-US" sz="2800" dirty="0"/>
-          </a:p>
-        </p:txBody>
-      </p:sp>
-    </p:spTree>
-    <p:extLst>
-      <p:ext uri="{BB962C8B-B14F-4D97-AF65-F5344CB8AC3E}">
-        <p14:creationId xmlns:p14="http://schemas.microsoft.com/office/powerpoint/2010/main" val="640580833"/>
-      </p:ext>
-    </p:extLst>
-  </p:cSld>
-  <p:clrMapOvr>
-    <a:masterClrMapping/>
-  </p:clrMapOvr>
-  <mc:AlternateContent xmlns:mc="http://schemas.openxmlformats.org/markup-compatibility/2006" xmlns:p159="http://schemas.microsoft.com/office/powerpoint/2015/09/main">
-    <mc:Choice Requires="p159">
-      <p:transition xmlns:p14="http://schemas.microsoft.com/office/powerpoint/2010/main" p14:dur="250">
-        <p159:morph option="byObject"/>
-      </p:transition>
-    </mc:Choice>
-    <mc:Fallback xmlns="">
-      <p:transition>
-        <p:fade/>
-      </p:transition>
-    </mc:Fallback>
-  </mc:AlternateContent>
-</p:sld>
-</file>
-
-<file path=ppt/slides/slide21.xml><?xml version="1.0" encoding="utf-8"?>
-<p:sld xmlns:a="http://schemas.openxmlformats.org/drawingml/2006/main" xmlns:r="http://schemas.openxmlformats.org/officeDocument/2006/relationships" xmlns:p="http://schemas.openxmlformats.org/presentationml/2006/main">
-  <p:cSld>
-    <p:bg>
-      <p:bgPr>
-        <a:solidFill>
-          <a:schemeClr val="bg1"/>
-        </a:solidFill>
-        <a:effectLst/>
-      </p:bgPr>
-    </p:bg>
-    <p:spTree>
-      <p:nvGrpSpPr>
-        <p:cNvPr id="1" name=""/>
-        <p:cNvGrpSpPr/>
-        <p:nvPr/>
-      </p:nvGrpSpPr>
-      <p:grpSpPr>
-        <a:xfrm>
-          <a:off x="0" y="0"/>
-          <a:ext cx="0" cy="0"/>
-          <a:chOff x="0" y="0"/>
-          <a:chExt cx="0" cy="0"/>
-        </a:xfrm>
-      </p:grpSpPr>
-      <p:sp useBgFill="1">
-        <p:nvSpPr>
           <p:cNvPr id="9" name="Rectangle 8">
             <a:extLst>
               <a:ext uri="{FF2B5EF4-FFF2-40B4-BE49-F238E27FC236}">
@@ -11442,7 +10859,7 @@
 </p:sld>
 </file>
 
-<file path=ppt/slides/slide22.xml><?xml version="1.0" encoding="utf-8"?>
+<file path=ppt/slides/slide21.xml><?xml version="1.0" encoding="utf-8"?>
 <p:sld xmlns:a="http://schemas.openxmlformats.org/drawingml/2006/main" xmlns:r="http://schemas.openxmlformats.org/officeDocument/2006/relationships" xmlns:p="http://schemas.openxmlformats.org/presentationml/2006/main">
   <p:cSld>
     <p:spTree>
